--- a/Osztott rendszerek, párhuzamos programozás.pptx
+++ b/Osztott rendszerek, párhuzamos programozás.pptx
@@ -4,9 +4,15 @@
   <p:sldMasterIdLst>
     <p:sldMasterId id="2147483648" r:id="rId1"/>
   </p:sldMasterIdLst>
+  <p:notesMasterIdLst>
+    <p:notesMasterId r:id="rId7"/>
+  </p:notesMasterIdLst>
   <p:sldIdLst>
     <p:sldId id="256" r:id="rId2"/>
     <p:sldId id="257" r:id="rId3"/>
+    <p:sldId id="258" r:id="rId4"/>
+    <p:sldId id="259" r:id="rId5"/>
+    <p:sldId id="260" r:id="rId6"/>
   </p:sldIdLst>
   <p:sldSz cx="12192000" cy="6858000"/>
   <p:notesSz cx="6858000" cy="9144000"/>
@@ -105,7 +111,698 @@
       </a:defRPr>
     </a:lvl9pPr>
   </p:defaultTextStyle>
+  <p:extLst>
+    <p:ext uri="{EFAFB233-063F-42B5-8137-9DF3F51BA10A}">
+      <p15:sldGuideLst xmlns:p15="http://schemas.microsoft.com/office/powerpoint/2012/main"/>
+    </p:ext>
+  </p:extLst>
 </p:presentation>
+</file>
+
+<file path=ppt/commentAuthors.xml><?xml version="1.0" encoding="utf-8"?>
+<p:cmAuthorLst xmlns:a="http://schemas.openxmlformats.org/drawingml/2006/main" xmlns:r="http://schemas.openxmlformats.org/officeDocument/2006/relationships" xmlns:p="http://schemas.openxmlformats.org/presentationml/2006/main">
+  <p:cmAuthor id="1" name="Balint" initials="B" lastIdx="1" clrIdx="0">
+    <p:extLst>
+      <p:ext uri="{19B8F6BF-5375-455C-9EA6-DF929625EA0E}">
+        <p15:presenceInfo xmlns:p15="http://schemas.microsoft.com/office/powerpoint/2012/main" userId="Balint" providerId="None"/>
+      </p:ext>
+    </p:extLst>
+  </p:cmAuthor>
+</p:cmAuthorLst>
+</file>
+
+<file path=ppt/notesMasters/notesMaster1.xml><?xml version="1.0" encoding="utf-8"?>
+<p:notesMaster xmlns:a="http://schemas.openxmlformats.org/drawingml/2006/main" xmlns:r="http://schemas.openxmlformats.org/officeDocument/2006/relationships" xmlns:p="http://schemas.openxmlformats.org/presentationml/2006/main">
+  <p:cSld>
+    <p:bg>
+      <p:bgRef idx="1001">
+        <a:schemeClr val="bg1"/>
+      </p:bgRef>
+    </p:bg>
+    <p:spTree>
+      <p:nvGrpSpPr>
+        <p:cNvPr id="1" name=""/>
+        <p:cNvGrpSpPr/>
+        <p:nvPr/>
+      </p:nvGrpSpPr>
+      <p:grpSpPr>
+        <a:xfrm>
+          <a:off x="0" y="0"/>
+          <a:ext cx="0" cy="0"/>
+          <a:chOff x="0" y="0"/>
+          <a:chExt cx="0" cy="0"/>
+        </a:xfrm>
+      </p:grpSpPr>
+      <p:sp>
+        <p:nvSpPr>
+          <p:cNvPr id="2" name="Élőfej helye 1"/>
+          <p:cNvSpPr>
+            <a:spLocks noGrp="1"/>
+          </p:cNvSpPr>
+          <p:nvPr>
+            <p:ph type="hdr" sz="quarter"/>
+          </p:nvPr>
+        </p:nvSpPr>
+        <p:spPr>
+          <a:xfrm>
+            <a:off x="0" y="0"/>
+            <a:ext cx="2971800" cy="458788"/>
+          </a:xfrm>
+          <a:prstGeom prst="rect">
+            <a:avLst/>
+          </a:prstGeom>
+        </p:spPr>
+        <p:txBody>
+          <a:bodyPr vert="horz" lIns="91440" tIns="45720" rIns="91440" bIns="45720" rtlCol="0"/>
+          <a:lstStyle>
+            <a:lvl1pPr algn="l">
+              <a:defRPr sz="1200"/>
+            </a:lvl1pPr>
+          </a:lstStyle>
+          <a:p>
+            <a:endParaRPr lang="hu-HU"/>
+          </a:p>
+        </p:txBody>
+      </p:sp>
+      <p:sp>
+        <p:nvSpPr>
+          <p:cNvPr id="3" name="Dátum helye 2"/>
+          <p:cNvSpPr>
+            <a:spLocks noGrp="1"/>
+          </p:cNvSpPr>
+          <p:nvPr>
+            <p:ph type="dt" idx="1"/>
+          </p:nvPr>
+        </p:nvSpPr>
+        <p:spPr>
+          <a:xfrm>
+            <a:off x="3884613" y="0"/>
+            <a:ext cx="2971800" cy="458788"/>
+          </a:xfrm>
+          <a:prstGeom prst="rect">
+            <a:avLst/>
+          </a:prstGeom>
+        </p:spPr>
+        <p:txBody>
+          <a:bodyPr vert="horz" lIns="91440" tIns="45720" rIns="91440" bIns="45720" rtlCol="0"/>
+          <a:lstStyle>
+            <a:lvl1pPr algn="r">
+              <a:defRPr sz="1200"/>
+            </a:lvl1pPr>
+          </a:lstStyle>
+          <a:p>
+            <a:fld id="{81E79A26-81C4-4025-92C3-532DA6E0B8B9}" type="datetimeFigureOut">
+              <a:rPr lang="hu-HU" smtClean="0"/>
+              <a:t>2021. 10. 02.</a:t>
+            </a:fld>
+            <a:endParaRPr lang="hu-HU"/>
+          </a:p>
+        </p:txBody>
+      </p:sp>
+      <p:sp>
+        <p:nvSpPr>
+          <p:cNvPr id="4" name="Diakép helye 3"/>
+          <p:cNvSpPr>
+            <a:spLocks noGrp="1" noRot="1" noChangeAspect="1"/>
+          </p:cNvSpPr>
+          <p:nvPr>
+            <p:ph type="sldImg" idx="2"/>
+          </p:nvPr>
+        </p:nvSpPr>
+        <p:spPr>
+          <a:xfrm>
+            <a:off x="685800" y="1143000"/>
+            <a:ext cx="5486400" cy="3086100"/>
+          </a:xfrm>
+          <a:prstGeom prst="rect">
+            <a:avLst/>
+          </a:prstGeom>
+          <a:noFill/>
+          <a:ln w="12700">
+            <a:solidFill>
+              <a:prstClr val="black"/>
+            </a:solidFill>
+          </a:ln>
+        </p:spPr>
+        <p:txBody>
+          <a:bodyPr vert="horz" lIns="91440" tIns="45720" rIns="91440" bIns="45720" rtlCol="0" anchor="ctr"/>
+          <a:lstStyle/>
+          <a:p>
+            <a:endParaRPr lang="hu-HU"/>
+          </a:p>
+        </p:txBody>
+      </p:sp>
+      <p:sp>
+        <p:nvSpPr>
+          <p:cNvPr id="5" name="Jegyzetek helye 4"/>
+          <p:cNvSpPr>
+            <a:spLocks noGrp="1"/>
+          </p:cNvSpPr>
+          <p:nvPr>
+            <p:ph type="body" sz="quarter" idx="3"/>
+          </p:nvPr>
+        </p:nvSpPr>
+        <p:spPr>
+          <a:xfrm>
+            <a:off x="685800" y="4400550"/>
+            <a:ext cx="5486400" cy="3600450"/>
+          </a:xfrm>
+          <a:prstGeom prst="rect">
+            <a:avLst/>
+          </a:prstGeom>
+        </p:spPr>
+        <p:txBody>
+          <a:bodyPr vert="horz" lIns="91440" tIns="45720" rIns="91440" bIns="45720" rtlCol="0"/>
+          <a:lstStyle/>
+          <a:p>
+            <a:pPr lvl="0"/>
+            <a:r>
+              <a:rPr lang="hu-HU"/>
+              <a:t>Mintaszöveg szerkesztése</a:t>
+            </a:r>
+          </a:p>
+          <a:p>
+            <a:pPr lvl="1"/>
+            <a:r>
+              <a:rPr lang="hu-HU"/>
+              <a:t>Második szint</a:t>
+            </a:r>
+          </a:p>
+          <a:p>
+            <a:pPr lvl="2"/>
+            <a:r>
+              <a:rPr lang="hu-HU"/>
+              <a:t>Harmadik szint</a:t>
+            </a:r>
+          </a:p>
+          <a:p>
+            <a:pPr lvl="3"/>
+            <a:r>
+              <a:rPr lang="hu-HU"/>
+              <a:t>Negyedik szint</a:t>
+            </a:r>
+          </a:p>
+          <a:p>
+            <a:pPr lvl="4"/>
+            <a:r>
+              <a:rPr lang="hu-HU"/>
+              <a:t>Ötödik szint</a:t>
+            </a:r>
+          </a:p>
+        </p:txBody>
+      </p:sp>
+      <p:sp>
+        <p:nvSpPr>
+          <p:cNvPr id="6" name="Élőláb helye 5"/>
+          <p:cNvSpPr>
+            <a:spLocks noGrp="1"/>
+          </p:cNvSpPr>
+          <p:nvPr>
+            <p:ph type="ftr" sz="quarter" idx="4"/>
+          </p:nvPr>
+        </p:nvSpPr>
+        <p:spPr>
+          <a:xfrm>
+            <a:off x="0" y="8685213"/>
+            <a:ext cx="2971800" cy="458787"/>
+          </a:xfrm>
+          <a:prstGeom prst="rect">
+            <a:avLst/>
+          </a:prstGeom>
+        </p:spPr>
+        <p:txBody>
+          <a:bodyPr vert="horz" lIns="91440" tIns="45720" rIns="91440" bIns="45720" rtlCol="0" anchor="b"/>
+          <a:lstStyle>
+            <a:lvl1pPr algn="l">
+              <a:defRPr sz="1200"/>
+            </a:lvl1pPr>
+          </a:lstStyle>
+          <a:p>
+            <a:endParaRPr lang="hu-HU"/>
+          </a:p>
+        </p:txBody>
+      </p:sp>
+      <p:sp>
+        <p:nvSpPr>
+          <p:cNvPr id="7" name="Dia számának helye 6"/>
+          <p:cNvSpPr>
+            <a:spLocks noGrp="1"/>
+          </p:cNvSpPr>
+          <p:nvPr>
+            <p:ph type="sldNum" sz="quarter" idx="5"/>
+          </p:nvPr>
+        </p:nvSpPr>
+        <p:spPr>
+          <a:xfrm>
+            <a:off x="3884613" y="8685213"/>
+            <a:ext cx="2971800" cy="458787"/>
+          </a:xfrm>
+          <a:prstGeom prst="rect">
+            <a:avLst/>
+          </a:prstGeom>
+        </p:spPr>
+        <p:txBody>
+          <a:bodyPr vert="horz" lIns="91440" tIns="45720" rIns="91440" bIns="45720" rtlCol="0" anchor="b"/>
+          <a:lstStyle>
+            <a:lvl1pPr algn="r">
+              <a:defRPr sz="1200"/>
+            </a:lvl1pPr>
+          </a:lstStyle>
+          <a:p>
+            <a:fld id="{674FF4E3-1DEA-4DBB-AF74-DDA85AC22194}" type="slidenum">
+              <a:rPr lang="hu-HU" smtClean="0"/>
+              <a:t>‹#›</a:t>
+            </a:fld>
+            <a:endParaRPr lang="hu-HU"/>
+          </a:p>
+        </p:txBody>
+      </p:sp>
+    </p:spTree>
+    <p:extLst>
+      <p:ext uri="{BB962C8B-B14F-4D97-AF65-F5344CB8AC3E}">
+        <p14:creationId xmlns:p14="http://schemas.microsoft.com/office/powerpoint/2010/main" val="574507801"/>
+      </p:ext>
+    </p:extLst>
+  </p:cSld>
+  <p:clrMap bg1="lt1" tx1="dk1" bg2="lt2" tx2="dk2" accent1="accent1" accent2="accent2" accent3="accent3" accent4="accent4" accent5="accent5" accent6="accent6" hlink="hlink" folHlink="folHlink"/>
+  <p:notesStyle>
+    <a:lvl1pPr marL="0" algn="l" defTabSz="914400" rtl="0" eaLnBrk="1" latinLnBrk="0" hangingPunct="1">
+      <a:defRPr sz="1200" kern="1200">
+        <a:solidFill>
+          <a:schemeClr val="tx1"/>
+        </a:solidFill>
+        <a:latin typeface="+mn-lt"/>
+        <a:ea typeface="+mn-ea"/>
+        <a:cs typeface="+mn-cs"/>
+      </a:defRPr>
+    </a:lvl1pPr>
+    <a:lvl2pPr marL="457200" algn="l" defTabSz="914400" rtl="0" eaLnBrk="1" latinLnBrk="0" hangingPunct="1">
+      <a:defRPr sz="1200" kern="1200">
+        <a:solidFill>
+          <a:schemeClr val="tx1"/>
+        </a:solidFill>
+        <a:latin typeface="+mn-lt"/>
+        <a:ea typeface="+mn-ea"/>
+        <a:cs typeface="+mn-cs"/>
+      </a:defRPr>
+    </a:lvl2pPr>
+    <a:lvl3pPr marL="914400" algn="l" defTabSz="914400" rtl="0" eaLnBrk="1" latinLnBrk="0" hangingPunct="1">
+      <a:defRPr sz="1200" kern="1200">
+        <a:solidFill>
+          <a:schemeClr val="tx1"/>
+        </a:solidFill>
+        <a:latin typeface="+mn-lt"/>
+        <a:ea typeface="+mn-ea"/>
+        <a:cs typeface="+mn-cs"/>
+      </a:defRPr>
+    </a:lvl3pPr>
+    <a:lvl4pPr marL="1371600" algn="l" defTabSz="914400" rtl="0" eaLnBrk="1" latinLnBrk="0" hangingPunct="1">
+      <a:defRPr sz="1200" kern="1200">
+        <a:solidFill>
+          <a:schemeClr val="tx1"/>
+        </a:solidFill>
+        <a:latin typeface="+mn-lt"/>
+        <a:ea typeface="+mn-ea"/>
+        <a:cs typeface="+mn-cs"/>
+      </a:defRPr>
+    </a:lvl4pPr>
+    <a:lvl5pPr marL="1828800" algn="l" defTabSz="914400" rtl="0" eaLnBrk="1" latinLnBrk="0" hangingPunct="1">
+      <a:defRPr sz="1200" kern="1200">
+        <a:solidFill>
+          <a:schemeClr val="tx1"/>
+        </a:solidFill>
+        <a:latin typeface="+mn-lt"/>
+        <a:ea typeface="+mn-ea"/>
+        <a:cs typeface="+mn-cs"/>
+      </a:defRPr>
+    </a:lvl5pPr>
+    <a:lvl6pPr marL="2286000" algn="l" defTabSz="914400" rtl="0" eaLnBrk="1" latinLnBrk="0" hangingPunct="1">
+      <a:defRPr sz="1200" kern="1200">
+        <a:solidFill>
+          <a:schemeClr val="tx1"/>
+        </a:solidFill>
+        <a:latin typeface="+mn-lt"/>
+        <a:ea typeface="+mn-ea"/>
+        <a:cs typeface="+mn-cs"/>
+      </a:defRPr>
+    </a:lvl6pPr>
+    <a:lvl7pPr marL="2743200" algn="l" defTabSz="914400" rtl="0" eaLnBrk="1" latinLnBrk="0" hangingPunct="1">
+      <a:defRPr sz="1200" kern="1200">
+        <a:solidFill>
+          <a:schemeClr val="tx1"/>
+        </a:solidFill>
+        <a:latin typeface="+mn-lt"/>
+        <a:ea typeface="+mn-ea"/>
+        <a:cs typeface="+mn-cs"/>
+      </a:defRPr>
+    </a:lvl7pPr>
+    <a:lvl8pPr marL="3200400" algn="l" defTabSz="914400" rtl="0" eaLnBrk="1" latinLnBrk="0" hangingPunct="1">
+      <a:defRPr sz="1200" kern="1200">
+        <a:solidFill>
+          <a:schemeClr val="tx1"/>
+        </a:solidFill>
+        <a:latin typeface="+mn-lt"/>
+        <a:ea typeface="+mn-ea"/>
+        <a:cs typeface="+mn-cs"/>
+      </a:defRPr>
+    </a:lvl8pPr>
+    <a:lvl9pPr marL="3657600" algn="l" defTabSz="914400" rtl="0" eaLnBrk="1" latinLnBrk="0" hangingPunct="1">
+      <a:defRPr sz="1200" kern="1200">
+        <a:solidFill>
+          <a:schemeClr val="tx1"/>
+        </a:solidFill>
+        <a:latin typeface="+mn-lt"/>
+        <a:ea typeface="+mn-ea"/>
+        <a:cs typeface="+mn-cs"/>
+      </a:defRPr>
+    </a:lvl9pPr>
+  </p:notesStyle>
+</p:notesMaster>
+</file>
+
+<file path=ppt/notesSlides/notesSlide1.xml><?xml version="1.0" encoding="utf-8"?>
+<p:notes xmlns:a="http://schemas.openxmlformats.org/drawingml/2006/main" xmlns:r="http://schemas.openxmlformats.org/officeDocument/2006/relationships" xmlns:p="http://schemas.openxmlformats.org/presentationml/2006/main">
+  <p:cSld>
+    <p:spTree>
+      <p:nvGrpSpPr>
+        <p:cNvPr id="1" name=""/>
+        <p:cNvGrpSpPr/>
+        <p:nvPr/>
+      </p:nvGrpSpPr>
+      <p:grpSpPr>
+        <a:xfrm>
+          <a:off x="0" y="0"/>
+          <a:ext cx="0" cy="0"/>
+          <a:chOff x="0" y="0"/>
+          <a:chExt cx="0" cy="0"/>
+        </a:xfrm>
+      </p:grpSpPr>
+      <p:sp>
+        <p:nvSpPr>
+          <p:cNvPr id="2" name="Diakép helye 1"/>
+          <p:cNvSpPr>
+            <a:spLocks noGrp="1" noRot="1" noChangeAspect="1"/>
+          </p:cNvSpPr>
+          <p:nvPr>
+            <p:ph type="sldImg"/>
+          </p:nvPr>
+        </p:nvSpPr>
+        <p:spPr/>
+      </p:sp>
+      <p:sp>
+        <p:nvSpPr>
+          <p:cNvPr id="3" name="Jegyzetek helye 2"/>
+          <p:cNvSpPr>
+            <a:spLocks noGrp="1"/>
+          </p:cNvSpPr>
+          <p:nvPr>
+            <p:ph type="body" idx="1"/>
+          </p:nvPr>
+        </p:nvSpPr>
+        <p:spPr/>
+        <p:txBody>
+          <a:bodyPr/>
+          <a:lstStyle/>
+          <a:p>
+            <a:r>
+              <a:rPr lang="hu-HU" dirty="0"/>
+              <a:t>A számítástechnikában a folyamat egy számítógépes program példánya, amelyet egy vagy több szál hajt végre. Ez tartalmazza a programkódot és a tevékenységét. Operációs rendszertől függően egy folyamat több végrehajtási szálból állhat, amely utasításokat egyidejűleg hajtják végre.</a:t>
+            </a:r>
+            <a:br>
+              <a:rPr lang="hu-HU" dirty="0"/>
+            </a:br>
+            <a:br>
+              <a:rPr lang="hu-HU" dirty="0"/>
+            </a:br>
+            <a:r>
+              <a:rPr lang="hu-HU" dirty="0"/>
+              <a:t>Míg a számítógépes program passzív utasítások gyűjteménye, addig a folyamat ezen utasítások tényleges végrehajtása.</a:t>
+            </a:r>
+          </a:p>
+        </p:txBody>
+      </p:sp>
+      <p:sp>
+        <p:nvSpPr>
+          <p:cNvPr id="4" name="Dia számának helye 3"/>
+          <p:cNvSpPr>
+            <a:spLocks noGrp="1"/>
+          </p:cNvSpPr>
+          <p:nvPr>
+            <p:ph type="sldNum" sz="quarter" idx="5"/>
+          </p:nvPr>
+        </p:nvSpPr>
+        <p:spPr/>
+        <p:txBody>
+          <a:bodyPr/>
+          <a:lstStyle/>
+          <a:p>
+            <a:fld id="{674FF4E3-1DEA-4DBB-AF74-DDA85AC22194}" type="slidenum">
+              <a:rPr lang="hu-HU" smtClean="0"/>
+              <a:t>3</a:t>
+            </a:fld>
+            <a:endParaRPr lang="hu-HU"/>
+          </a:p>
+        </p:txBody>
+      </p:sp>
+    </p:spTree>
+    <p:extLst>
+      <p:ext uri="{BB962C8B-B14F-4D97-AF65-F5344CB8AC3E}">
+        <p14:creationId xmlns:p14="http://schemas.microsoft.com/office/powerpoint/2010/main" val="481971378"/>
+      </p:ext>
+    </p:extLst>
+  </p:cSld>
+  <p:clrMapOvr>
+    <a:masterClrMapping/>
+  </p:clrMapOvr>
+</p:notes>
+</file>
+
+<file path=ppt/notesSlides/notesSlide2.xml><?xml version="1.0" encoding="utf-8"?>
+<p:notes xmlns:a="http://schemas.openxmlformats.org/drawingml/2006/main" xmlns:r="http://schemas.openxmlformats.org/officeDocument/2006/relationships" xmlns:p="http://schemas.openxmlformats.org/presentationml/2006/main">
+  <p:cSld>
+    <p:spTree>
+      <p:nvGrpSpPr>
+        <p:cNvPr id="1" name=""/>
+        <p:cNvGrpSpPr/>
+        <p:nvPr/>
+      </p:nvGrpSpPr>
+      <p:grpSpPr>
+        <a:xfrm>
+          <a:off x="0" y="0"/>
+          <a:ext cx="0" cy="0"/>
+          <a:chOff x="0" y="0"/>
+          <a:chExt cx="0" cy="0"/>
+        </a:xfrm>
+      </p:grpSpPr>
+      <p:sp>
+        <p:nvSpPr>
+          <p:cNvPr id="2" name="Diakép helye 1"/>
+          <p:cNvSpPr>
+            <a:spLocks noGrp="1" noRot="1" noChangeAspect="1"/>
+          </p:cNvSpPr>
+          <p:nvPr>
+            <p:ph type="sldImg"/>
+          </p:nvPr>
+        </p:nvSpPr>
+        <p:spPr/>
+      </p:sp>
+      <p:sp>
+        <p:nvSpPr>
+          <p:cNvPr id="3" name="Jegyzetek helye 2"/>
+          <p:cNvSpPr>
+            <a:spLocks noGrp="1"/>
+          </p:cNvSpPr>
+          <p:nvPr>
+            <p:ph type="body" idx="1"/>
+          </p:nvPr>
+        </p:nvSpPr>
+        <p:spPr/>
+        <p:txBody>
+          <a:bodyPr/>
+          <a:lstStyle/>
+          <a:p>
+            <a:r>
+              <a:rPr lang="hu-HU" dirty="0"/>
+              <a:t>Egy operációs rendszer rendszermagjának, amely lehetővé teszi a </a:t>
+            </a:r>
+            <a:r>
+              <a:rPr lang="hu-HU" dirty="0" err="1"/>
+              <a:t>többfeladatosságot</a:t>
+            </a:r>
+            <a:r>
+              <a:rPr lang="hu-HU" dirty="0"/>
+              <a:t>, szüksége van arra, hogy a folyamatoknak legyenek bizonyos állapotai. Ezeknek az állapotoknak a nevei nincsenek szabványosítva, de hasonló funkcióval rendelkeznek.</a:t>
+            </a:r>
+            <a:br>
+              <a:rPr lang="hu-HU" dirty="0"/>
+            </a:br>
+            <a:br>
+              <a:rPr lang="hu-HU" dirty="0"/>
+            </a:br>
+            <a:r>
+              <a:rPr lang="hu-HU" dirty="0" err="1"/>
+              <a:t>Created</a:t>
+            </a:r>
+            <a:r>
+              <a:rPr lang="hu-HU" dirty="0"/>
+              <a:t>: Első lépésben a folyamatot „létrehozzuk”, azaz betöltjük a memóriába. Ezután a folyamatütemező hozzárendeli a „</a:t>
+            </a:r>
+            <a:r>
+              <a:rPr lang="hu-HU" dirty="0" err="1"/>
+              <a:t>waiting</a:t>
+            </a:r>
+            <a:r>
+              <a:rPr lang="hu-HU" dirty="0"/>
+              <a:t>” </a:t>
+            </a:r>
+            <a:r>
+              <a:rPr lang="hu-HU" dirty="0" err="1"/>
+              <a:t>állapoot</a:t>
+            </a:r>
+            <a:r>
+              <a:rPr lang="hu-HU" dirty="0"/>
+              <a:t> a folyamathoz.</a:t>
+            </a:r>
+            <a:br>
+              <a:rPr lang="hu-HU" dirty="0"/>
+            </a:br>
+            <a:br>
+              <a:rPr lang="hu-HU" dirty="0"/>
+            </a:br>
+            <a:r>
+              <a:rPr lang="hu-HU" dirty="0" err="1"/>
+              <a:t>Waiting</a:t>
+            </a:r>
+            <a:r>
+              <a:rPr lang="hu-HU" dirty="0"/>
+              <a:t>: </a:t>
+            </a:r>
+            <a:r>
+              <a:rPr lang="hu-HU" dirty="0" err="1"/>
+              <a:t>Amígy</a:t>
+            </a:r>
+            <a:r>
+              <a:rPr lang="hu-HU" dirty="0"/>
+              <a:t> a folyamat „</a:t>
+            </a:r>
+            <a:r>
+              <a:rPr lang="hu-HU" dirty="0" err="1"/>
+              <a:t>waiting</a:t>
+            </a:r>
+            <a:r>
+              <a:rPr lang="hu-HU" dirty="0"/>
+              <a:t>” állapotban van, addig az ütemező elvégzi a kontextusváltást. A kontextusváltás betölti a folyamatot a processzorba és az </a:t>
+            </a:r>
+            <a:r>
+              <a:rPr lang="hu-HU" dirty="0" err="1"/>
+              <a:t>allapototo</a:t>
+            </a:r>
+            <a:r>
+              <a:rPr lang="hu-HU" dirty="0"/>
+              <a:t> „</a:t>
+            </a:r>
+            <a:r>
+              <a:rPr lang="hu-HU" dirty="0" err="1"/>
+              <a:t>running</a:t>
+            </a:r>
+            <a:r>
+              <a:rPr lang="hu-HU" dirty="0"/>
+              <a:t>”-</a:t>
+            </a:r>
+            <a:r>
+              <a:rPr lang="hu-HU" dirty="0" err="1"/>
+              <a:t>ra</a:t>
+            </a:r>
+            <a:r>
+              <a:rPr lang="hu-HU" dirty="0"/>
+              <a:t> állítja.</a:t>
+            </a:r>
+          </a:p>
+          <a:p>
+            <a:endParaRPr lang="hu-HU" dirty="0"/>
+          </a:p>
+          <a:p>
+            <a:r>
+              <a:rPr lang="hu-HU" dirty="0" err="1"/>
+              <a:t>Blocked</a:t>
+            </a:r>
+            <a:r>
+              <a:rPr lang="hu-HU" dirty="0"/>
+              <a:t>: Ebbe az állapotba akkor kerül a folyamat, ha a folyamatnak meg kell várnia egy erőforrást (például várnia kell a felhasználói bemenetre, vagy egy fájl megnyitására), addig blokkolt állapotba kerül.</a:t>
+            </a:r>
+            <a:br>
+              <a:rPr lang="hu-HU" dirty="0"/>
+            </a:br>
+            <a:r>
+              <a:rPr lang="hu-HU" dirty="0"/>
+              <a:t>A folyamat állapota visszaáll a „</a:t>
+            </a:r>
+            <a:r>
+              <a:rPr lang="hu-HU" dirty="0" err="1"/>
+              <a:t>waiting</a:t>
+            </a:r>
+            <a:r>
+              <a:rPr lang="hu-HU" dirty="0"/>
+              <a:t>” állapotra, amint a folyamatnak nem kell tovább várni.</a:t>
+            </a:r>
+          </a:p>
+          <a:p>
+            <a:endParaRPr lang="hu-HU" dirty="0"/>
+          </a:p>
+          <a:p>
+            <a:r>
+              <a:rPr lang="hu-HU" dirty="0" err="1"/>
+              <a:t>Terminated</a:t>
+            </a:r>
+            <a:r>
+              <a:rPr lang="hu-HU" dirty="0"/>
+              <a:t>: Amint a folyamat lefutott, akkor az a folyamat „</a:t>
+            </a:r>
+            <a:r>
+              <a:rPr lang="hu-HU" dirty="0" err="1"/>
+              <a:t>terminated</a:t>
+            </a:r>
+            <a:r>
+              <a:rPr lang="hu-HU" dirty="0"/>
+              <a:t>” állapotba kerül.</a:t>
+            </a:r>
+          </a:p>
+        </p:txBody>
+      </p:sp>
+      <p:sp>
+        <p:nvSpPr>
+          <p:cNvPr id="4" name="Dia számának helye 3"/>
+          <p:cNvSpPr>
+            <a:spLocks noGrp="1"/>
+          </p:cNvSpPr>
+          <p:nvPr>
+            <p:ph type="sldNum" sz="quarter" idx="5"/>
+          </p:nvPr>
+        </p:nvSpPr>
+        <p:spPr/>
+        <p:txBody>
+          <a:bodyPr/>
+          <a:lstStyle/>
+          <a:p>
+            <a:fld id="{674FF4E3-1DEA-4DBB-AF74-DDA85AC22194}" type="slidenum">
+              <a:rPr lang="hu-HU" smtClean="0"/>
+              <a:t>4</a:t>
+            </a:fld>
+            <a:endParaRPr lang="hu-HU"/>
+          </a:p>
+        </p:txBody>
+      </p:sp>
+    </p:spTree>
+    <p:extLst>
+      <p:ext uri="{BB962C8B-B14F-4D97-AF65-F5344CB8AC3E}">
+        <p14:creationId xmlns:p14="http://schemas.microsoft.com/office/powerpoint/2010/main" val="217478851"/>
+      </p:ext>
+    </p:extLst>
+  </p:cSld>
+  <p:clrMapOvr>
+    <a:masterClrMapping/>
+  </p:clrMapOvr>
+</p:notes>
 </file>
 
 <file path=ppt/slideLayouts/slideLayout1.xml><?xml version="1.0" encoding="utf-8"?>
@@ -3440,32 +4137,130 @@
           <a:bodyPr/>
           <a:lstStyle/>
           <a:p>
+            <a:r>
+              <a:rPr lang="hu-HU" dirty="0"/>
+              <a:t>Miről lesz szó a kurzus alatt?</a:t>
+            </a:r>
+          </a:p>
+        </p:txBody>
+      </p:sp>
+      <p:sp>
+        <p:nvSpPr>
+          <p:cNvPr id="3" name="Tartalom helye 2">
+            <a:extLst>
+              <a:ext uri="{FF2B5EF4-FFF2-40B4-BE49-F238E27FC236}">
+                <a16:creationId xmlns:a16="http://schemas.microsoft.com/office/drawing/2014/main" id="{0D146250-FAF4-4A46-94FF-D7C65953C01E}"/>
+              </a:ext>
+            </a:extLst>
+          </p:cNvPr>
+          <p:cNvSpPr>
+            <a:spLocks noGrp="1"/>
+          </p:cNvSpPr>
+          <p:nvPr>
+            <p:ph idx="1"/>
+          </p:nvPr>
+        </p:nvSpPr>
+        <p:spPr/>
+        <p:txBody>
+          <a:bodyPr>
+            <a:normAutofit fontScale="85000" lnSpcReduction="20000"/>
+          </a:bodyPr>
+          <a:lstStyle/>
+          <a:p>
+            <a:r>
+              <a:rPr lang="hu-HU" dirty="0"/>
+              <a:t>Folyamatok </a:t>
+            </a:r>
+          </a:p>
+          <a:p>
+            <a:r>
+              <a:rPr lang="hu-HU" dirty="0"/>
+              <a:t>Szálak</a:t>
+            </a:r>
+          </a:p>
+          <a:p>
+            <a:r>
+              <a:rPr lang="hu-HU" dirty="0" err="1"/>
+              <a:t>Koténerizálás</a:t>
+            </a:r>
             <a:endParaRPr lang="hu-HU" dirty="0"/>
           </a:p>
-        </p:txBody>
-      </p:sp>
-      <p:sp>
-        <p:nvSpPr>
-          <p:cNvPr id="3" name="Tartalom helye 2">
-            <a:extLst>
-              <a:ext uri="{FF2B5EF4-FFF2-40B4-BE49-F238E27FC236}">
-                <a16:creationId xmlns:a16="http://schemas.microsoft.com/office/drawing/2014/main" id="{0D146250-FAF4-4A46-94FF-D7C65953C01E}"/>
-              </a:ext>
-            </a:extLst>
-          </p:cNvPr>
-          <p:cNvSpPr>
-            <a:spLocks noGrp="1"/>
-          </p:cNvSpPr>
-          <p:nvPr>
-            <p:ph idx="1"/>
-          </p:nvPr>
-        </p:nvSpPr>
-        <p:spPr/>
-        <p:txBody>
-          <a:bodyPr/>
-          <a:lstStyle/>
-          <a:p>
-            <a:endParaRPr lang="hu-HU"/>
+          <a:p>
+            <a:r>
+              <a:rPr lang="hu-HU" dirty="0" err="1"/>
+              <a:t>Numa</a:t>
+            </a:r>
+            <a:endParaRPr lang="hu-HU" dirty="0"/>
+          </a:p>
+          <a:p>
+            <a:r>
+              <a:rPr lang="hu-HU" dirty="0"/>
+              <a:t>Tervezési minták</a:t>
+            </a:r>
+          </a:p>
+          <a:p>
+            <a:r>
+              <a:rPr lang="hu-HU" dirty="0" err="1"/>
+              <a:t>Singleton</a:t>
+            </a:r>
+            <a:endParaRPr lang="hu-HU" dirty="0"/>
+          </a:p>
+          <a:p>
+            <a:r>
+              <a:rPr lang="hu-HU" dirty="0" err="1"/>
+              <a:t>Azure</a:t>
+            </a:r>
+            <a:endParaRPr lang="hu-HU" dirty="0"/>
+          </a:p>
+          <a:p>
+            <a:r>
+              <a:rPr lang="hu-HU" dirty="0"/>
+              <a:t>Elosztott rendszerek tervezési mintái és használatuk</a:t>
+            </a:r>
+          </a:p>
+          <a:p>
+            <a:r>
+              <a:rPr lang="hu-HU" dirty="0"/>
+              <a:t>Kommunikáció elosztott rendszerekben</a:t>
+            </a:r>
+          </a:p>
+          <a:p>
+            <a:r>
+              <a:rPr lang="hu-HU" dirty="0"/>
+              <a:t>Monolitikus rendszerek szemben </a:t>
+            </a:r>
+            <a:r>
+              <a:rPr lang="hu-HU" dirty="0" err="1"/>
+              <a:t>mikroszervíz</a:t>
+            </a:r>
+            <a:r>
+              <a:rPr lang="hu-HU" dirty="0"/>
+              <a:t> architektúrával</a:t>
+            </a:r>
+          </a:p>
+          <a:p>
+            <a:r>
+              <a:rPr lang="hu-HU" dirty="0"/>
+              <a:t>Vertikális vagy horizontális skálázás</a:t>
+            </a:r>
+          </a:p>
+          <a:p>
+            <a:endParaRPr lang="hu-HU" dirty="0"/>
+          </a:p>
+          <a:p>
+            <a:endParaRPr lang="hu-HU" dirty="0"/>
+          </a:p>
+          <a:p>
+            <a:endParaRPr lang="hu-HU" dirty="0"/>
+          </a:p>
+          <a:p>
+            <a:endParaRPr lang="hu-HU" dirty="0"/>
+          </a:p>
+          <a:p>
+            <a:endParaRPr lang="hu-HU" dirty="0"/>
+          </a:p>
+          <a:p>
+            <a:endParaRPr lang="hu-HU" dirty="0"/>
           </a:p>
         </p:txBody>
       </p:sp>
@@ -3473,6 +4268,314 @@
     <p:extLst>
       <p:ext uri="{BB962C8B-B14F-4D97-AF65-F5344CB8AC3E}">
         <p14:creationId xmlns:p14="http://schemas.microsoft.com/office/powerpoint/2010/main" val="3904471378"/>
+      </p:ext>
+    </p:extLst>
+  </p:cSld>
+  <p:clrMapOvr>
+    <a:masterClrMapping/>
+  </p:clrMapOvr>
+</p:sld>
+</file>
+
+<file path=ppt/slides/slide3.xml><?xml version="1.0" encoding="utf-8"?>
+<p:sld xmlns:a="http://schemas.openxmlformats.org/drawingml/2006/main" xmlns:r="http://schemas.openxmlformats.org/officeDocument/2006/relationships" xmlns:p="http://schemas.openxmlformats.org/presentationml/2006/main">
+  <p:cSld>
+    <p:spTree>
+      <p:nvGrpSpPr>
+        <p:cNvPr id="1" name=""/>
+        <p:cNvGrpSpPr/>
+        <p:nvPr/>
+      </p:nvGrpSpPr>
+      <p:grpSpPr>
+        <a:xfrm>
+          <a:off x="0" y="0"/>
+          <a:ext cx="0" cy="0"/>
+          <a:chOff x="0" y="0"/>
+          <a:chExt cx="0" cy="0"/>
+        </a:xfrm>
+      </p:grpSpPr>
+      <p:sp>
+        <p:nvSpPr>
+          <p:cNvPr id="2" name="Cím 1">
+            <a:extLst>
+              <a:ext uri="{FF2B5EF4-FFF2-40B4-BE49-F238E27FC236}">
+                <a16:creationId xmlns:a16="http://schemas.microsoft.com/office/drawing/2014/main" id="{C9D5461E-6EAF-40C4-9B97-C1BC365F58DE}"/>
+              </a:ext>
+            </a:extLst>
+          </p:cNvPr>
+          <p:cNvSpPr>
+            <a:spLocks noGrp="1"/>
+          </p:cNvSpPr>
+          <p:nvPr>
+            <p:ph type="title"/>
+          </p:nvPr>
+        </p:nvSpPr>
+        <p:spPr/>
+        <p:txBody>
+          <a:bodyPr/>
+          <a:lstStyle/>
+          <a:p>
+            <a:r>
+              <a:rPr lang="hu-HU" dirty="0"/>
+              <a:t>Folyamatok</a:t>
+            </a:r>
+          </a:p>
+        </p:txBody>
+      </p:sp>
+      <p:sp>
+        <p:nvSpPr>
+          <p:cNvPr id="3" name="Tartalom helye 2">
+            <a:extLst>
+              <a:ext uri="{FF2B5EF4-FFF2-40B4-BE49-F238E27FC236}">
+                <a16:creationId xmlns:a16="http://schemas.microsoft.com/office/drawing/2014/main" id="{66061774-ADB4-4C39-89A1-3CA9CB1DA7C9}"/>
+              </a:ext>
+            </a:extLst>
+          </p:cNvPr>
+          <p:cNvSpPr>
+            <a:spLocks noGrp="1"/>
+          </p:cNvSpPr>
+          <p:nvPr>
+            <p:ph idx="1"/>
+          </p:nvPr>
+        </p:nvSpPr>
+        <p:spPr/>
+        <p:txBody>
+          <a:bodyPr/>
+          <a:lstStyle/>
+          <a:p>
+            <a:r>
+              <a:rPr lang="hu-HU" dirty="0"/>
+              <a:t>Több szál hajtja végre</a:t>
+            </a:r>
+          </a:p>
+          <a:p>
+            <a:r>
+              <a:rPr lang="hu-HU" dirty="0"/>
+              <a:t>Tartalmazza a programkódot és tevékenységét</a:t>
+            </a:r>
+          </a:p>
+          <a:p>
+            <a:r>
+              <a:rPr lang="hu-HU" dirty="0"/>
+              <a:t>Egy folyamatnak több állapota lehet</a:t>
+            </a:r>
+          </a:p>
+        </p:txBody>
+      </p:sp>
+    </p:spTree>
+    <p:extLst>
+      <p:ext uri="{BB962C8B-B14F-4D97-AF65-F5344CB8AC3E}">
+        <p14:creationId xmlns:p14="http://schemas.microsoft.com/office/powerpoint/2010/main" val="1009441983"/>
+      </p:ext>
+    </p:extLst>
+  </p:cSld>
+  <p:clrMapOvr>
+    <a:masterClrMapping/>
+  </p:clrMapOvr>
+</p:sld>
+</file>
+
+<file path=ppt/slides/slide4.xml><?xml version="1.0" encoding="utf-8"?>
+<p:sld xmlns:a="http://schemas.openxmlformats.org/drawingml/2006/main" xmlns:r="http://schemas.openxmlformats.org/officeDocument/2006/relationships" xmlns:p="http://schemas.openxmlformats.org/presentationml/2006/main">
+  <p:cSld>
+    <p:spTree>
+      <p:nvGrpSpPr>
+        <p:cNvPr id="1" name=""/>
+        <p:cNvGrpSpPr/>
+        <p:nvPr/>
+      </p:nvGrpSpPr>
+      <p:grpSpPr>
+        <a:xfrm>
+          <a:off x="0" y="0"/>
+          <a:ext cx="0" cy="0"/>
+          <a:chOff x="0" y="0"/>
+          <a:chExt cx="0" cy="0"/>
+        </a:xfrm>
+      </p:grpSpPr>
+      <p:sp>
+        <p:nvSpPr>
+          <p:cNvPr id="2" name="Cím 1">
+            <a:extLst>
+              <a:ext uri="{FF2B5EF4-FFF2-40B4-BE49-F238E27FC236}">
+                <a16:creationId xmlns:a16="http://schemas.microsoft.com/office/drawing/2014/main" id="{01D1D361-642F-4323-A54A-DAE7C1485FC2}"/>
+              </a:ext>
+            </a:extLst>
+          </p:cNvPr>
+          <p:cNvSpPr>
+            <a:spLocks noGrp="1"/>
+          </p:cNvSpPr>
+          <p:nvPr>
+            <p:ph type="title"/>
+          </p:nvPr>
+        </p:nvSpPr>
+        <p:spPr>
+          <a:xfrm>
+            <a:off x="838199" y="0"/>
+            <a:ext cx="10515600" cy="1325563"/>
+          </a:xfrm>
+        </p:spPr>
+        <p:txBody>
+          <a:bodyPr/>
+          <a:lstStyle/>
+          <a:p>
+            <a:pPr algn="ctr"/>
+            <a:r>
+              <a:rPr lang="hu-HU" dirty="0"/>
+              <a:t>Folyamatállapotok</a:t>
+            </a:r>
+          </a:p>
+        </p:txBody>
+      </p:sp>
+      <p:pic>
+        <p:nvPicPr>
+          <p:cNvPr id="1028" name="Picture 4" descr="https://upload.wikimedia.org/wikipedia/commons/thumb/8/83/Process_states.svg/1024px-Process_states.svg.png">
+            <a:extLst>
+              <a:ext uri="{FF2B5EF4-FFF2-40B4-BE49-F238E27FC236}">
+                <a16:creationId xmlns:a16="http://schemas.microsoft.com/office/drawing/2014/main" id="{FA612C6E-BAFE-4C11-BB63-F088CED5E05A}"/>
+              </a:ext>
+            </a:extLst>
+          </p:cNvPr>
+          <p:cNvPicPr>
+            <a:picLocks noChangeAspect="1" noChangeArrowheads="1"/>
+          </p:cNvPicPr>
+          <p:nvPr/>
+        </p:nvPicPr>
+        <p:blipFill>
+          <a:blip r:embed="rId3">
+            <a:extLst>
+              <a:ext uri="{28A0092B-C50C-407E-A947-70E740481C1C}">
+                <a14:useLocalDpi xmlns:a14="http://schemas.microsoft.com/office/drawing/2010/main" val="0"/>
+              </a:ext>
+            </a:extLst>
+          </a:blip>
+          <a:srcRect/>
+          <a:stretch>
+            <a:fillRect/>
+          </a:stretch>
+        </p:blipFill>
+        <p:spPr bwMode="auto">
+          <a:xfrm>
+            <a:off x="3486150" y="1066800"/>
+            <a:ext cx="5219700" cy="5791200"/>
+          </a:xfrm>
+          <a:prstGeom prst="rect">
+            <a:avLst/>
+          </a:prstGeom>
+          <a:noFill/>
+          <a:extLst>
+            <a:ext uri="{909E8E84-426E-40DD-AFC4-6F175D3DCCD1}">
+              <a14:hiddenFill xmlns:a14="http://schemas.microsoft.com/office/drawing/2010/main">
+                <a:solidFill>
+                  <a:srgbClr val="FFFFFF"/>
+                </a:solidFill>
+              </a14:hiddenFill>
+            </a:ext>
+          </a:extLst>
+        </p:spPr>
+      </p:pic>
+    </p:spTree>
+    <p:extLst>
+      <p:ext uri="{BB962C8B-B14F-4D97-AF65-F5344CB8AC3E}">
+        <p14:creationId xmlns:p14="http://schemas.microsoft.com/office/powerpoint/2010/main" val="577941730"/>
+      </p:ext>
+    </p:extLst>
+  </p:cSld>
+  <p:clrMapOvr>
+    <a:masterClrMapping/>
+  </p:clrMapOvr>
+</p:sld>
+</file>
+
+<file path=ppt/slides/slide5.xml><?xml version="1.0" encoding="utf-8"?>
+<p:sld xmlns:a="http://schemas.openxmlformats.org/drawingml/2006/main" xmlns:r="http://schemas.openxmlformats.org/officeDocument/2006/relationships" xmlns:p="http://schemas.openxmlformats.org/presentationml/2006/main">
+  <p:cSld>
+    <p:spTree>
+      <p:nvGrpSpPr>
+        <p:cNvPr id="1" name=""/>
+        <p:cNvGrpSpPr/>
+        <p:nvPr/>
+      </p:nvGrpSpPr>
+      <p:grpSpPr>
+        <a:xfrm>
+          <a:off x="0" y="0"/>
+          <a:ext cx="0" cy="0"/>
+          <a:chOff x="0" y="0"/>
+          <a:chExt cx="0" cy="0"/>
+        </a:xfrm>
+      </p:grpSpPr>
+      <p:sp>
+        <p:nvSpPr>
+          <p:cNvPr id="2" name="Cím 1">
+            <a:extLst>
+              <a:ext uri="{FF2B5EF4-FFF2-40B4-BE49-F238E27FC236}">
+                <a16:creationId xmlns:a16="http://schemas.microsoft.com/office/drawing/2014/main" id="{EC9BEC7B-56CF-4849-95F5-4B2D0C381343}"/>
+              </a:ext>
+            </a:extLst>
+          </p:cNvPr>
+          <p:cNvSpPr>
+            <a:spLocks noGrp="1"/>
+          </p:cNvSpPr>
+          <p:nvPr>
+            <p:ph type="title"/>
+          </p:nvPr>
+        </p:nvSpPr>
+        <p:spPr/>
+        <p:txBody>
+          <a:bodyPr/>
+          <a:lstStyle/>
+          <a:p>
+            <a:endParaRPr lang="hu-HU"/>
+          </a:p>
+        </p:txBody>
+      </p:sp>
+      <p:sp>
+        <p:nvSpPr>
+          <p:cNvPr id="3" name="Tartalom helye 2">
+            <a:extLst>
+              <a:ext uri="{FF2B5EF4-FFF2-40B4-BE49-F238E27FC236}">
+                <a16:creationId xmlns:a16="http://schemas.microsoft.com/office/drawing/2014/main" id="{31C14EB4-5FA4-4FA0-A1B5-E36D224D01FB}"/>
+              </a:ext>
+            </a:extLst>
+          </p:cNvPr>
+          <p:cNvSpPr>
+            <a:spLocks noGrp="1"/>
+          </p:cNvSpPr>
+          <p:nvPr>
+            <p:ph idx="1"/>
+          </p:nvPr>
+        </p:nvSpPr>
+        <p:spPr/>
+        <p:txBody>
+          <a:bodyPr/>
+          <a:lstStyle/>
+          <a:p>
+            <a:r>
+              <a:rPr lang="en-US" dirty="0"/>
+              <a:t>Chapter 4. Processes, Operating system concepts with Java, Sixth, John Wiley &amp; Sons</a:t>
+            </a:r>
+            <a:endParaRPr lang="hu-HU" dirty="0"/>
+          </a:p>
+          <a:p>
+            <a:r>
+              <a:rPr lang="en-US" dirty="0"/>
+              <a:t>Stallings, William. </a:t>
+            </a:r>
+            <a:r>
+              <a:rPr lang="en-US" i="1" dirty="0"/>
+              <a:t>Operating Systems: internals and design principles</a:t>
+            </a:r>
+            <a:r>
+              <a:rPr lang="en-US" dirty="0"/>
+              <a:t>, 5th, Prentice Hall</a:t>
+            </a:r>
+            <a:endParaRPr lang="hu-HU" dirty="0"/>
+          </a:p>
+        </p:txBody>
+      </p:sp>
+    </p:spTree>
+    <p:extLst>
+      <p:ext uri="{BB962C8B-B14F-4D97-AF65-F5344CB8AC3E}">
+        <p14:creationId xmlns:p14="http://schemas.microsoft.com/office/powerpoint/2010/main" val="1840052443"/>
       </p:ext>
     </p:extLst>
   </p:cSld>
@@ -3775,4 +4878,299 @@
     </a:ext>
   </a:extLst>
 </a:theme>
+</file>
+
+<file path=ppt/theme/theme2.xml><?xml version="1.0" encoding="utf-8"?>
+<a:theme xmlns:a="http://schemas.openxmlformats.org/drawingml/2006/main" name="Office-téma">
+  <a:themeElements>
+    <a:clrScheme name="Office">
+      <a:dk1>
+        <a:sysClr val="windowText" lastClr="000000"/>
+      </a:dk1>
+      <a:lt1>
+        <a:sysClr val="window" lastClr="FFFFFF"/>
+      </a:lt1>
+      <a:dk2>
+        <a:srgbClr val="44546A"/>
+      </a:dk2>
+      <a:lt2>
+        <a:srgbClr val="E7E6E6"/>
+      </a:lt2>
+      <a:accent1>
+        <a:srgbClr val="4472C4"/>
+      </a:accent1>
+      <a:accent2>
+        <a:srgbClr val="ED7D31"/>
+      </a:accent2>
+      <a:accent3>
+        <a:srgbClr val="A5A5A5"/>
+      </a:accent3>
+      <a:accent4>
+        <a:srgbClr val="FFC000"/>
+      </a:accent4>
+      <a:accent5>
+        <a:srgbClr val="5B9BD5"/>
+      </a:accent5>
+      <a:accent6>
+        <a:srgbClr val="70AD47"/>
+      </a:accent6>
+      <a:hlink>
+        <a:srgbClr val="0563C1"/>
+      </a:hlink>
+      <a:folHlink>
+        <a:srgbClr val="954F72"/>
+      </a:folHlink>
+    </a:clrScheme>
+    <a:fontScheme name="Office">
+      <a:majorFont>
+        <a:latin typeface="Calibri Light" panose="020F0302020204030204"/>
+        <a:ea typeface=""/>
+        <a:cs typeface=""/>
+        <a:font script="Jpan" typeface="游ゴシック Light"/>
+        <a:font script="Hang" typeface="맑은 고딕"/>
+        <a:font script="Hans" typeface="等线 Light"/>
+        <a:font script="Hant" typeface="新細明體"/>
+        <a:font script="Arab" typeface="Times New Roman"/>
+        <a:font script="Hebr" typeface="Times New Roman"/>
+        <a:font script="Thai" typeface="Angsana New"/>
+        <a:font script="Ethi" typeface="Nyala"/>
+        <a:font script="Beng" typeface="Vrinda"/>
+        <a:font script="Gujr" typeface="Shruti"/>
+        <a:font script="Khmr" typeface="MoolBoran"/>
+        <a:font script="Knda" typeface="Tunga"/>
+        <a:font script="Guru" typeface="Raavi"/>
+        <a:font script="Cans" typeface="Euphemia"/>
+        <a:font script="Cher" typeface="Plantagenet Cherokee"/>
+        <a:font script="Yiii" typeface="Microsoft Yi Baiti"/>
+        <a:font script="Tibt" typeface="Microsoft Himalaya"/>
+        <a:font script="Thaa" typeface="MV Boli"/>
+        <a:font script="Deva" typeface="Mangal"/>
+        <a:font script="Telu" typeface="Gautami"/>
+        <a:font script="Taml" typeface="Latha"/>
+        <a:font script="Syrc" typeface="Estrangelo Edessa"/>
+        <a:font script="Orya" typeface="Kalinga"/>
+        <a:font script="Mlym" typeface="Kartika"/>
+        <a:font script="Laoo" typeface="DokChampa"/>
+        <a:font script="Sinh" typeface="Iskoola Pota"/>
+        <a:font script="Mong" typeface="Mongolian Baiti"/>
+        <a:font script="Viet" typeface="Times New Roman"/>
+        <a:font script="Uigh" typeface="Microsoft Uighur"/>
+        <a:font script="Geor" typeface="Sylfaen"/>
+        <a:font script="Armn" typeface="Arial"/>
+        <a:font script="Bugi" typeface="Leelawadee UI"/>
+        <a:font script="Bopo" typeface="Microsoft JhengHei"/>
+        <a:font script="Java" typeface="Javanese Text"/>
+        <a:font script="Lisu" typeface="Segoe UI"/>
+        <a:font script="Mymr" typeface="Myanmar Text"/>
+        <a:font script="Nkoo" typeface="Ebrima"/>
+        <a:font script="Olck" typeface="Nirmala UI"/>
+        <a:font script="Osma" typeface="Ebrima"/>
+        <a:font script="Phag" typeface="Phagspa"/>
+        <a:font script="Syrn" typeface="Estrangelo Edessa"/>
+        <a:font script="Syrj" typeface="Estrangelo Edessa"/>
+        <a:font script="Syre" typeface="Estrangelo Edessa"/>
+        <a:font script="Sora" typeface="Nirmala UI"/>
+        <a:font script="Tale" typeface="Microsoft Tai Le"/>
+        <a:font script="Talu" typeface="Microsoft New Tai Lue"/>
+        <a:font script="Tfng" typeface="Ebrima"/>
+      </a:majorFont>
+      <a:minorFont>
+        <a:latin typeface="Calibri" panose="020F0502020204030204"/>
+        <a:ea typeface=""/>
+        <a:cs typeface=""/>
+        <a:font script="Jpan" typeface="游ゴシック"/>
+        <a:font script="Hang" typeface="맑은 고딕"/>
+        <a:font script="Hans" typeface="等线"/>
+        <a:font script="Hant" typeface="新細明體"/>
+        <a:font script="Arab" typeface="Arial"/>
+        <a:font script="Hebr" typeface="Arial"/>
+        <a:font script="Thai" typeface="Cordia New"/>
+        <a:font script="Ethi" typeface="Nyala"/>
+        <a:font script="Beng" typeface="Vrinda"/>
+        <a:font script="Gujr" typeface="Shruti"/>
+        <a:font script="Khmr" typeface="DaunPenh"/>
+        <a:font script="Knda" typeface="Tunga"/>
+        <a:font script="Guru" typeface="Raavi"/>
+        <a:font script="Cans" typeface="Euphemia"/>
+        <a:font script="Cher" typeface="Plantagenet Cherokee"/>
+        <a:font script="Yiii" typeface="Microsoft Yi Baiti"/>
+        <a:font script="Tibt" typeface="Microsoft Himalaya"/>
+        <a:font script="Thaa" typeface="MV Boli"/>
+        <a:font script="Deva" typeface="Mangal"/>
+        <a:font script="Telu" typeface="Gautami"/>
+        <a:font script="Taml" typeface="Latha"/>
+        <a:font script="Syrc" typeface="Estrangelo Edessa"/>
+        <a:font script="Orya" typeface="Kalinga"/>
+        <a:font script="Mlym" typeface="Kartika"/>
+        <a:font script="Laoo" typeface="DokChampa"/>
+        <a:font script="Sinh" typeface="Iskoola Pota"/>
+        <a:font script="Mong" typeface="Mongolian Baiti"/>
+        <a:font script="Viet" typeface="Arial"/>
+        <a:font script="Uigh" typeface="Microsoft Uighur"/>
+        <a:font script="Geor" typeface="Sylfaen"/>
+        <a:font script="Armn" typeface="Arial"/>
+        <a:font script="Bugi" typeface="Leelawadee UI"/>
+        <a:font script="Bopo" typeface="Microsoft JhengHei"/>
+        <a:font script="Java" typeface="Javanese Text"/>
+        <a:font script="Lisu" typeface="Segoe UI"/>
+        <a:font script="Mymr" typeface="Myanmar Text"/>
+        <a:font script="Nkoo" typeface="Ebrima"/>
+        <a:font script="Olck" typeface="Nirmala UI"/>
+        <a:font script="Osma" typeface="Ebrima"/>
+        <a:font script="Phag" typeface="Phagspa"/>
+        <a:font script="Syrn" typeface="Estrangelo Edessa"/>
+        <a:font script="Syrj" typeface="Estrangelo Edessa"/>
+        <a:font script="Syre" typeface="Estrangelo Edessa"/>
+        <a:font script="Sora" typeface="Nirmala UI"/>
+        <a:font script="Tale" typeface="Microsoft Tai Le"/>
+        <a:font script="Talu" typeface="Microsoft New Tai Lue"/>
+        <a:font script="Tfng" typeface="Ebrima"/>
+      </a:minorFont>
+    </a:fontScheme>
+    <a:fmtScheme name="Office">
+      <a:fillStyleLst>
+        <a:solidFill>
+          <a:schemeClr val="phClr"/>
+        </a:solidFill>
+        <a:gradFill rotWithShape="1">
+          <a:gsLst>
+            <a:gs pos="0">
+              <a:schemeClr val="phClr">
+                <a:lumMod val="110000"/>
+                <a:satMod val="105000"/>
+                <a:tint val="67000"/>
+              </a:schemeClr>
+            </a:gs>
+            <a:gs pos="50000">
+              <a:schemeClr val="phClr">
+                <a:lumMod val="105000"/>
+                <a:satMod val="103000"/>
+                <a:tint val="73000"/>
+              </a:schemeClr>
+            </a:gs>
+            <a:gs pos="100000">
+              <a:schemeClr val="phClr">
+                <a:lumMod val="105000"/>
+                <a:satMod val="109000"/>
+                <a:tint val="81000"/>
+              </a:schemeClr>
+            </a:gs>
+          </a:gsLst>
+          <a:lin ang="5400000" scaled="0"/>
+        </a:gradFill>
+        <a:gradFill rotWithShape="1">
+          <a:gsLst>
+            <a:gs pos="0">
+              <a:schemeClr val="phClr">
+                <a:satMod val="103000"/>
+                <a:lumMod val="102000"/>
+                <a:tint val="94000"/>
+              </a:schemeClr>
+            </a:gs>
+            <a:gs pos="50000">
+              <a:schemeClr val="phClr">
+                <a:satMod val="110000"/>
+                <a:lumMod val="100000"/>
+                <a:shade val="100000"/>
+              </a:schemeClr>
+            </a:gs>
+            <a:gs pos="100000">
+              <a:schemeClr val="phClr">
+                <a:lumMod val="99000"/>
+                <a:satMod val="120000"/>
+                <a:shade val="78000"/>
+              </a:schemeClr>
+            </a:gs>
+          </a:gsLst>
+          <a:lin ang="5400000" scaled="0"/>
+        </a:gradFill>
+      </a:fillStyleLst>
+      <a:lnStyleLst>
+        <a:ln w="6350" cap="flat" cmpd="sng" algn="ctr">
+          <a:solidFill>
+            <a:schemeClr val="phClr"/>
+          </a:solidFill>
+          <a:prstDash val="solid"/>
+          <a:miter lim="800000"/>
+        </a:ln>
+        <a:ln w="12700" cap="flat" cmpd="sng" algn="ctr">
+          <a:solidFill>
+            <a:schemeClr val="phClr"/>
+          </a:solidFill>
+          <a:prstDash val="solid"/>
+          <a:miter lim="800000"/>
+        </a:ln>
+        <a:ln w="19050" cap="flat" cmpd="sng" algn="ctr">
+          <a:solidFill>
+            <a:schemeClr val="phClr"/>
+          </a:solidFill>
+          <a:prstDash val="solid"/>
+          <a:miter lim="800000"/>
+        </a:ln>
+      </a:lnStyleLst>
+      <a:effectStyleLst>
+        <a:effectStyle>
+          <a:effectLst/>
+        </a:effectStyle>
+        <a:effectStyle>
+          <a:effectLst/>
+        </a:effectStyle>
+        <a:effectStyle>
+          <a:effectLst>
+            <a:outerShdw blurRad="57150" dist="19050" dir="5400000" algn="ctr" rotWithShape="0">
+              <a:srgbClr val="000000">
+                <a:alpha val="63000"/>
+              </a:srgbClr>
+            </a:outerShdw>
+          </a:effectLst>
+        </a:effectStyle>
+      </a:effectStyleLst>
+      <a:bgFillStyleLst>
+        <a:solidFill>
+          <a:schemeClr val="phClr"/>
+        </a:solidFill>
+        <a:solidFill>
+          <a:schemeClr val="phClr">
+            <a:tint val="95000"/>
+            <a:satMod val="170000"/>
+          </a:schemeClr>
+        </a:solidFill>
+        <a:gradFill rotWithShape="1">
+          <a:gsLst>
+            <a:gs pos="0">
+              <a:schemeClr val="phClr">
+                <a:tint val="93000"/>
+                <a:satMod val="150000"/>
+                <a:shade val="98000"/>
+                <a:lumMod val="102000"/>
+              </a:schemeClr>
+            </a:gs>
+            <a:gs pos="50000">
+              <a:schemeClr val="phClr">
+                <a:tint val="98000"/>
+                <a:satMod val="130000"/>
+                <a:shade val="90000"/>
+                <a:lumMod val="103000"/>
+              </a:schemeClr>
+            </a:gs>
+            <a:gs pos="100000">
+              <a:schemeClr val="phClr">
+                <a:shade val="63000"/>
+                <a:satMod val="120000"/>
+              </a:schemeClr>
+            </a:gs>
+          </a:gsLst>
+          <a:lin ang="5400000" scaled="0"/>
+        </a:gradFill>
+      </a:bgFillStyleLst>
+    </a:fmtScheme>
+  </a:themeElements>
+  <a:objectDefaults/>
+  <a:extraClrSchemeLst/>
+  <a:extLst>
+    <a:ext uri="{05A4C25C-085E-4340-85A3-A5531E510DB2}">
+      <thm15:themeFamily xmlns:thm15="http://schemas.microsoft.com/office/thememl/2012/main" name="Office Theme" id="{62F939B6-93AF-4DB8-9C6B-D6C7DFDC589F}" vid="{4A3C46E8-61CC-4603-A589-7422A47A8E4A}"/>
+    </a:ext>
+  </a:extLst>
+</a:theme>
 </file>
--- a/Osztott rendszerek, párhuzamos programozás.pptx
+++ b/Osztott rendszerek, párhuzamos programozás.pptx
@@ -5,14 +5,16 @@
     <p:sldMasterId id="2147483648" r:id="rId1"/>
   </p:sldMasterIdLst>
   <p:notesMasterIdLst>
-    <p:notesMasterId r:id="rId7"/>
+    <p:notesMasterId r:id="rId9"/>
   </p:notesMasterIdLst>
   <p:sldIdLst>
     <p:sldId id="256" r:id="rId2"/>
     <p:sldId id="257" r:id="rId3"/>
     <p:sldId id="258" r:id="rId4"/>
     <p:sldId id="259" r:id="rId5"/>
-    <p:sldId id="260" r:id="rId6"/>
+    <p:sldId id="261" r:id="rId6"/>
+    <p:sldId id="262" r:id="rId7"/>
+    <p:sldId id="260" r:id="rId8"/>
   </p:sldIdLst>
   <p:sldSz cx="12192000" cy="6858000"/>
   <p:notesSz cx="6858000" cy="9144000"/>
@@ -796,6 +798,264 @@
     <p:extLst>
       <p:ext uri="{BB962C8B-B14F-4D97-AF65-F5344CB8AC3E}">
         <p14:creationId xmlns:p14="http://schemas.microsoft.com/office/powerpoint/2010/main" val="217478851"/>
+      </p:ext>
+    </p:extLst>
+  </p:cSld>
+  <p:clrMapOvr>
+    <a:masterClrMapping/>
+  </p:clrMapOvr>
+</p:notes>
+</file>
+
+<file path=ppt/notesSlides/notesSlide3.xml><?xml version="1.0" encoding="utf-8"?>
+<p:notes xmlns:a="http://schemas.openxmlformats.org/drawingml/2006/main" xmlns:r="http://schemas.openxmlformats.org/officeDocument/2006/relationships" xmlns:p="http://schemas.openxmlformats.org/presentationml/2006/main">
+  <p:cSld>
+    <p:spTree>
+      <p:nvGrpSpPr>
+        <p:cNvPr id="1" name=""/>
+        <p:cNvGrpSpPr/>
+        <p:nvPr/>
+      </p:nvGrpSpPr>
+      <p:grpSpPr>
+        <a:xfrm>
+          <a:off x="0" y="0"/>
+          <a:ext cx="0" cy="0"/>
+          <a:chOff x="0" y="0"/>
+          <a:chExt cx="0" cy="0"/>
+        </a:xfrm>
+      </p:grpSpPr>
+      <p:sp>
+        <p:nvSpPr>
+          <p:cNvPr id="2" name="Diakép helye 1"/>
+          <p:cNvSpPr>
+            <a:spLocks noGrp="1" noRot="1" noChangeAspect="1"/>
+          </p:cNvSpPr>
+          <p:nvPr>
+            <p:ph type="sldImg"/>
+          </p:nvPr>
+        </p:nvSpPr>
+        <p:spPr/>
+      </p:sp>
+      <p:sp>
+        <p:nvSpPr>
+          <p:cNvPr id="3" name="Jegyzetek helye 2"/>
+          <p:cNvSpPr>
+            <a:spLocks noGrp="1"/>
+          </p:cNvSpPr>
+          <p:nvPr>
+            <p:ph type="body" idx="1"/>
+          </p:nvPr>
+        </p:nvSpPr>
+        <p:spPr/>
+        <p:txBody>
+          <a:bodyPr/>
+          <a:lstStyle/>
+          <a:p>
+            <a:r>
+              <a:rPr lang="hu-HU" dirty="0"/>
+              <a:t>Az ábrán egy folyamat futása látható. </a:t>
+            </a:r>
+            <a:br>
+              <a:rPr lang="hu-HU" dirty="0"/>
+            </a:br>
+            <a:r>
+              <a:rPr lang="hu-HU" dirty="0"/>
+              <a:t>Ugye ahogy a folyamatoknál említettem, egy folyamat több szálon futhat, azt próbálja szemléltetni ez az ábra is.</a:t>
+            </a:r>
+          </a:p>
+        </p:txBody>
+      </p:sp>
+      <p:sp>
+        <p:nvSpPr>
+          <p:cNvPr id="4" name="Dia számának helye 3"/>
+          <p:cNvSpPr>
+            <a:spLocks noGrp="1"/>
+          </p:cNvSpPr>
+          <p:nvPr>
+            <p:ph type="sldNum" sz="quarter" idx="5"/>
+          </p:nvPr>
+        </p:nvSpPr>
+        <p:spPr/>
+        <p:txBody>
+          <a:bodyPr/>
+          <a:lstStyle/>
+          <a:p>
+            <a:fld id="{674FF4E3-1DEA-4DBB-AF74-DDA85AC22194}" type="slidenum">
+              <a:rPr lang="hu-HU" smtClean="0"/>
+              <a:t>5</a:t>
+            </a:fld>
+            <a:endParaRPr lang="hu-HU"/>
+          </a:p>
+        </p:txBody>
+      </p:sp>
+    </p:spTree>
+    <p:extLst>
+      <p:ext uri="{BB962C8B-B14F-4D97-AF65-F5344CB8AC3E}">
+        <p14:creationId xmlns:p14="http://schemas.microsoft.com/office/powerpoint/2010/main" val="2814851083"/>
+      </p:ext>
+    </p:extLst>
+  </p:cSld>
+  <p:clrMapOvr>
+    <a:masterClrMapping/>
+  </p:clrMapOvr>
+</p:notes>
+</file>
+
+<file path=ppt/notesSlides/notesSlide4.xml><?xml version="1.0" encoding="utf-8"?>
+<p:notes xmlns:a="http://schemas.openxmlformats.org/drawingml/2006/main" xmlns:r="http://schemas.openxmlformats.org/officeDocument/2006/relationships" xmlns:p="http://schemas.openxmlformats.org/presentationml/2006/main">
+  <p:cSld>
+    <p:spTree>
+      <p:nvGrpSpPr>
+        <p:cNvPr id="1" name=""/>
+        <p:cNvGrpSpPr/>
+        <p:nvPr/>
+      </p:nvGrpSpPr>
+      <p:grpSpPr>
+        <a:xfrm>
+          <a:off x="0" y="0"/>
+          <a:ext cx="0" cy="0"/>
+          <a:chOff x="0" y="0"/>
+          <a:chExt cx="0" cy="0"/>
+        </a:xfrm>
+      </p:grpSpPr>
+      <p:sp>
+        <p:nvSpPr>
+          <p:cNvPr id="2" name="Diakép helye 1"/>
+          <p:cNvSpPr>
+            <a:spLocks noGrp="1" noRot="1" noChangeAspect="1"/>
+          </p:cNvSpPr>
+          <p:nvPr>
+            <p:ph type="sldImg"/>
+          </p:nvPr>
+        </p:nvSpPr>
+        <p:spPr/>
+      </p:sp>
+      <p:sp>
+        <p:nvSpPr>
+          <p:cNvPr id="3" name="Jegyzetek helye 2"/>
+          <p:cNvSpPr>
+            <a:spLocks noGrp="1"/>
+          </p:cNvSpPr>
+          <p:nvPr>
+            <p:ph type="body" idx="1"/>
+          </p:nvPr>
+        </p:nvSpPr>
+        <p:spPr/>
+        <p:txBody>
+          <a:bodyPr/>
+          <a:lstStyle/>
+          <a:p>
+            <a:r>
+              <a:rPr lang="hu-HU" dirty="0"/>
+              <a:t>Egy jól megírt programot a szálak fel tudnak gyorsítani azzal, hogy a nagyobb erőforrást igénylő feladatokat </a:t>
+            </a:r>
+            <a:r>
+              <a:rPr lang="hu-HU" dirty="0" err="1"/>
+              <a:t>async</a:t>
+            </a:r>
+            <a:r>
+              <a:rPr lang="hu-HU" dirty="0"/>
+              <a:t>-é téve megengedjük a programnak, hogy egymással párhuzamosan tudjanak futni ezek a folyamatok.</a:t>
+            </a:r>
+            <a:br>
+              <a:rPr lang="hu-HU" dirty="0"/>
+            </a:br>
+            <a:r>
+              <a:rPr lang="hu-HU" dirty="0"/>
+              <a:t>Fájlfeltöltés + (4 </a:t>
+            </a:r>
+            <a:r>
+              <a:rPr lang="hu-HU" dirty="0" err="1"/>
+              <a:t>thread</a:t>
+            </a:r>
+            <a:r>
+              <a:rPr lang="hu-HU" dirty="0"/>
+              <a:t> korlátozás)</a:t>
+            </a:r>
+          </a:p>
+          <a:p>
+            <a:endParaRPr lang="hu-HU" dirty="0"/>
+          </a:p>
+          <a:p>
+            <a:r>
+              <a:rPr lang="hu-HU" dirty="0"/>
+              <a:t>Szálak és magok közötti különbségek elmagyarázása</a:t>
+            </a:r>
+          </a:p>
+          <a:p>
+            <a:br>
+              <a:rPr lang="hu-HU" dirty="0"/>
+            </a:br>
+            <a:r>
+              <a:rPr lang="hu-HU" dirty="0"/>
+              <a:t>A program szüneteltetése:</a:t>
+            </a:r>
+          </a:p>
+          <a:p>
+            <a:r>
+              <a:rPr lang="hu-HU" dirty="0"/>
+              <a:t>WAIT</a:t>
+            </a:r>
+            <a:br>
+              <a:rPr lang="hu-HU" dirty="0"/>
+            </a:br>
+            <a:r>
+              <a:rPr lang="hu-HU" dirty="0" err="1"/>
+              <a:t>pl</a:t>
+            </a:r>
+            <a:r>
+              <a:rPr lang="hu-HU" dirty="0"/>
+              <a:t>: </a:t>
+            </a:r>
+            <a:r>
+              <a:rPr lang="hu-HU" dirty="0" err="1"/>
+              <a:t>javascript</a:t>
+            </a:r>
+            <a:r>
+              <a:rPr lang="hu-HU" dirty="0"/>
+              <a:t> </a:t>
+            </a:r>
+            <a:r>
+              <a:rPr lang="hu-HU" dirty="0" err="1"/>
+              <a:t>setTimeout</a:t>
+            </a:r>
+            <a:r>
+              <a:rPr lang="hu-HU" dirty="0"/>
+              <a:t> -&gt; ASYNC JS BEMUTATÁSA</a:t>
+            </a:r>
+          </a:p>
+          <a:p>
+            <a:endParaRPr lang="hu-HU" dirty="0"/>
+          </a:p>
+        </p:txBody>
+      </p:sp>
+      <p:sp>
+        <p:nvSpPr>
+          <p:cNvPr id="4" name="Dia számának helye 3"/>
+          <p:cNvSpPr>
+            <a:spLocks noGrp="1"/>
+          </p:cNvSpPr>
+          <p:nvPr>
+            <p:ph type="sldNum" sz="quarter" idx="5"/>
+          </p:nvPr>
+        </p:nvSpPr>
+        <p:spPr/>
+        <p:txBody>
+          <a:bodyPr/>
+          <a:lstStyle/>
+          <a:p>
+            <a:fld id="{674FF4E3-1DEA-4DBB-AF74-DDA85AC22194}" type="slidenum">
+              <a:rPr lang="hu-HU" smtClean="0"/>
+              <a:t>6</a:t>
+            </a:fld>
+            <a:endParaRPr lang="hu-HU"/>
+          </a:p>
+        </p:txBody>
+      </p:sp>
+    </p:spTree>
+    <p:extLst>
+      <p:ext uri="{BB962C8B-B14F-4D97-AF65-F5344CB8AC3E}">
+        <p14:creationId xmlns:p14="http://schemas.microsoft.com/office/powerpoint/2010/main" val="3393567852"/>
       </p:ext>
     </p:extLst>
   </p:cSld>
@@ -4487,6 +4747,533 @@
 </file>
 
 <file path=ppt/slides/slide5.xml><?xml version="1.0" encoding="utf-8"?>
+<p:sld xmlns:a="http://schemas.openxmlformats.org/drawingml/2006/main" xmlns:r="http://schemas.openxmlformats.org/officeDocument/2006/relationships" xmlns:p="http://schemas.openxmlformats.org/presentationml/2006/main">
+  <p:cSld>
+    <p:spTree>
+      <p:nvGrpSpPr>
+        <p:cNvPr id="1" name=""/>
+        <p:cNvGrpSpPr/>
+        <p:nvPr/>
+      </p:nvGrpSpPr>
+      <p:grpSpPr>
+        <a:xfrm>
+          <a:off x="0" y="0"/>
+          <a:ext cx="0" cy="0"/>
+          <a:chOff x="0" y="0"/>
+          <a:chExt cx="0" cy="0"/>
+        </a:xfrm>
+      </p:grpSpPr>
+      <p:sp>
+        <p:nvSpPr>
+          <p:cNvPr id="2" name="Cím 1">
+            <a:extLst>
+              <a:ext uri="{FF2B5EF4-FFF2-40B4-BE49-F238E27FC236}">
+                <a16:creationId xmlns:a16="http://schemas.microsoft.com/office/drawing/2014/main" id="{CCA75075-30EC-4397-89F9-91C74C5998B0}"/>
+              </a:ext>
+            </a:extLst>
+          </p:cNvPr>
+          <p:cNvSpPr>
+            <a:spLocks noGrp="1"/>
+          </p:cNvSpPr>
+          <p:nvPr>
+            <p:ph type="title"/>
+          </p:nvPr>
+        </p:nvSpPr>
+        <p:spPr>
+          <a:xfrm>
+            <a:off x="838200" y="365125"/>
+            <a:ext cx="9855200" cy="1325563"/>
+          </a:xfrm>
+        </p:spPr>
+        <p:txBody>
+          <a:bodyPr/>
+          <a:lstStyle/>
+          <a:p>
+            <a:pPr algn="ctr"/>
+            <a:r>
+              <a:rPr lang="hu-HU" dirty="0"/>
+              <a:t>Szálak</a:t>
+            </a:r>
+          </a:p>
+        </p:txBody>
+      </p:sp>
+      <p:pic>
+        <p:nvPicPr>
+          <p:cNvPr id="1026" name="Picture 2" descr="https://upload.wikimedia.org/wikipedia/commons/thumb/a/a5/Multithreaded_process.svg/1024px-Multithreaded_process.svg.png">
+            <a:extLst>
+              <a:ext uri="{FF2B5EF4-FFF2-40B4-BE49-F238E27FC236}">
+                <a16:creationId xmlns:a16="http://schemas.microsoft.com/office/drawing/2014/main" id="{23EA2D5E-FC9B-459F-A000-EF5CC828C714}"/>
+              </a:ext>
+            </a:extLst>
+          </p:cNvPr>
+          <p:cNvPicPr>
+            <a:picLocks noGrp="1" noChangeAspect="1" noChangeArrowheads="1"/>
+          </p:cNvPicPr>
+          <p:nvPr>
+            <p:ph idx="1"/>
+          </p:nvPr>
+        </p:nvPicPr>
+        <p:blipFill>
+          <a:blip r:embed="rId3">
+            <a:extLst>
+              <a:ext uri="{BEBA8EAE-BF5A-486C-A8C5-ECC9F3942E4B}">
+                <a14:imgProps xmlns:a14="http://schemas.microsoft.com/office/drawing/2010/main">
+                  <a14:imgLayer r:embed="rId4">
+                    <a14:imgEffect>
+                      <a14:backgroundRemoval t="931" b="98656" l="1563" r="97461">
+                        <a14:foregroundMark x1="8105" y1="39504" x2="12402" y2="30610"/>
+                        <a14:foregroundMark x1="12402" y1="30610" x2="26660" y2="16546"/>
+                        <a14:foregroundMark x1="26660" y1="16546" x2="18848" y2="22751"/>
+                        <a14:foregroundMark x1="18848" y1="22751" x2="35547" y2="12823"/>
+                        <a14:foregroundMark x1="35547" y1="12823" x2="45215" y2="11996"/>
+                        <a14:foregroundMark x1="45215" y1="11996" x2="64355" y2="17787"/>
+                        <a14:foregroundMark x1="64355" y1="17787" x2="72754" y2="23164"/>
+                        <a14:foregroundMark x1="72754" y1="23164" x2="64258" y2="16649"/>
+                        <a14:foregroundMark x1="64258" y1="16649" x2="78125" y2="30507"/>
+                        <a14:foregroundMark x1="78125" y1="30507" x2="81836" y2="40434"/>
+                        <a14:foregroundMark x1="81836" y1="40434" x2="78125" y2="30610"/>
+                        <a14:foregroundMark x1="78125" y1="30610" x2="72168" y2="25543"/>
+                        <a14:foregroundMark x1="64453" y1="16856" x2="53613" y2="13547"/>
+                        <a14:foregroundMark x1="61133" y1="14064" x2="51758" y2="11272"/>
+                        <a14:foregroundMark x1="60254" y1="14788" x2="42188" y2="11272"/>
+                        <a14:foregroundMark x1="54492" y1="12927" x2="37207" y2="12306"/>
+                        <a14:foregroundMark x1="42285" y1="13030" x2="25000" y2="15822"/>
+                        <a14:foregroundMark x1="29688" y1="14478" x2="22168" y2="18511"/>
+                        <a14:foregroundMark x1="34473" y1="12927" x2="23633" y2="18821"/>
+                        <a14:foregroundMark x1="33105" y1="14374" x2="23633" y2="17580"/>
+                        <a14:foregroundMark x1="23633" y1="17580" x2="19727" y2="20372"/>
+                        <a14:foregroundMark x1="23926" y1="19648" x2="11133" y2="29783"/>
+                        <a14:foregroundMark x1="13574" y1="23578" x2="9473" y2="28025"/>
+                        <a14:foregroundMark x1="16895" y1="21820" x2="10449" y2="30817"/>
+                        <a14:foregroundMark x1="19141" y1="19338" x2="12695" y2="30093"/>
+                        <a14:foregroundMark x1="17773" y1="20372" x2="9375" y2="33506"/>
+                        <a14:foregroundMark x1="18848" y1="18925" x2="9375" y2="37022"/>
+                        <a14:foregroundMark x1="10547" y1="33299" x2="5273" y2="47363"/>
+                        <a14:foregroundMark x1="7715" y1="32472" x2="5566" y2="47777"/>
+                        <a14:foregroundMark x1="7813" y1="34747" x2="7520" y2="47777"/>
+                        <a14:foregroundMark x1="5469" y1="34953" x2="6641" y2="58014"/>
+                        <a14:foregroundMark x1="6836" y1="48811" x2="7520" y2="59255"/>
+                        <a14:foregroundMark x1="7520" y1="59255" x2="8008" y2="59979"/>
+                        <a14:foregroundMark x1="2832" y1="54395" x2="8105" y2="65460"/>
+                        <a14:foregroundMark x1="8105" y1="65460" x2="9668" y2="66805"/>
+                        <a14:foregroundMark x1="1855" y1="50052" x2="6152" y2="61634"/>
+                        <a14:foregroundMark x1="6152" y1="61634" x2="7129" y2="62151"/>
+                        <a14:foregroundMark x1="4199" y1="53051" x2="8496" y2="65564"/>
+                        <a14:foregroundMark x1="8496" y1="65564" x2="7520" y2="62771"/>
+                        <a14:foregroundMark x1="3223" y1="46432" x2="8301" y2="62668"/>
+                        <a14:foregroundMark x1="5762" y1="49948" x2="9668" y2="60393"/>
+                        <a14:foregroundMark x1="9668" y1="60393" x2="9375" y2="59772"/>
+                        <a14:foregroundMark x1="4492" y1="47156" x2="6934" y2="62358"/>
+                        <a14:foregroundMark x1="5566" y1="51499" x2="10547" y2="65150"/>
+                        <a14:foregroundMark x1="5859" y1="63289" x2="12988" y2="70010"/>
+                        <a14:foregroundMark x1="12988" y1="70010" x2="19922" y2="71872"/>
+                        <a14:foregroundMark x1="7129" y1="65564" x2="17383" y2="64840"/>
+                        <a14:foregroundMark x1="17383" y1="64840" x2="18066" y2="65150"/>
+                        <a14:foregroundMark x1="1563" y1="62358" x2="27832" y2="64736"/>
+                        <a14:foregroundMark x1="14160" y1="65667" x2="28613" y2="64840"/>
+                        <a14:foregroundMark x1="28613" y1="64840" x2="30762" y2="64116"/>
+                        <a14:foregroundMark x1="14160" y1="60393" x2="25098" y2="62151"/>
+                        <a14:foregroundMark x1="25098" y1="62151" x2="29199" y2="61841"/>
+                        <a14:foregroundMark x1="15527" y1="63909" x2="30469" y2="68666"/>
+                        <a14:foregroundMark x1="17969" y1="75905" x2="29395" y2="72802"/>
+                        <a14:foregroundMark x1="17773" y1="72699" x2="30664" y2="73837"/>
+                        <a14:foregroundMark x1="30664" y1="73837" x2="38086" y2="72699"/>
+                        <a14:foregroundMark x1="19629" y1="75698" x2="29102" y2="76629"/>
+                        <a14:foregroundMark x1="29102" y1="76629" x2="35352" y2="76008"/>
+                        <a14:foregroundMark x1="16699" y1="77146" x2="28125" y2="63289"/>
+                        <a14:foregroundMark x1="10059" y1="35264" x2="20020" y2="34643"/>
+                        <a14:foregroundMark x1="20020" y1="34643" x2="30566" y2="34643"/>
+                        <a14:foregroundMark x1="14941" y1="34436" x2="25391" y2="35057"/>
+                        <a14:foregroundMark x1="25391" y1="35057" x2="31445" y2="34126"/>
+                        <a14:foregroundMark x1="13379" y1="35677" x2="25684" y2="37022"/>
+                        <a14:foregroundMark x1="25684" y1="37022" x2="33398" y2="36298"/>
+                        <a14:foregroundMark x1="16895" y1="40021" x2="29590" y2="42192"/>
+                        <a14:foregroundMark x1="29590" y1="42192" x2="51758" y2="41882"/>
+                        <a14:foregroundMark x1="51758" y1="41882" x2="51758" y2="41882"/>
+                        <a14:foregroundMark x1="58691" y1="46536" x2="68262" y2="46949"/>
+                        <a14:foregroundMark x1="68262" y1="46949" x2="73047" y2="45605"/>
+                        <a14:foregroundMark x1="49219" y1="45708" x2="65234" y2="44467"/>
+                        <a14:foregroundMark x1="54785" y1="48914" x2="71094" y2="43226"/>
+                        <a14:foregroundMark x1="51758" y1="58325" x2="63477" y2="58738"/>
+                        <a14:foregroundMark x1="63477" y1="58738" x2="70508" y2="55326"/>
+                        <a14:foregroundMark x1="56641" y1="57394" x2="70801" y2="52740"/>
+                        <a14:foregroundMark x1="52246" y1="54809" x2="71875" y2="49948"/>
+                        <a14:foregroundMark x1="52539" y1="50569" x2="68945" y2="47363"/>
+                        <a14:foregroundMark x1="49805" y1="50052" x2="60059" y2="50569"/>
+                        <a14:foregroundMark x1="60059" y1="50569" x2="74805" y2="48811"/>
+                        <a14:foregroundMark x1="28027" y1="60083" x2="37402" y2="70114"/>
+                        <a14:foregroundMark x1="37402" y1="70114" x2="51074" y2="71562"/>
+                        <a14:foregroundMark x1="17773" y1="77973" x2="29492" y2="80455"/>
+                        <a14:foregroundMark x1="29492" y1="80455" x2="34375" y2="80352"/>
+                        <a14:foregroundMark x1="6445" y1="68666" x2="11914" y2="68252"/>
+                        <a14:foregroundMark x1="5566" y1="64116" x2="5176" y2="71872"/>
+                        <a14:foregroundMark x1="9766" y1="65667" x2="9766" y2="74457"/>
+                        <a14:foregroundMark x1="6641" y1="62461" x2="7227" y2="75698"/>
+                        <a14:foregroundMark x1="11035" y1="68046" x2="12402" y2="78077"/>
+                        <a14:foregroundMark x1="9668" y1="71148" x2="10840" y2="83868"/>
+                        <a14:foregroundMark x1="10547" y1="73320" x2="15527" y2="87487"/>
+                        <a14:foregroundMark x1="13574" y1="77353" x2="15820" y2="87487"/>
+                        <a14:foregroundMark x1="15820" y1="87487" x2="16602" y2="87487"/>
+                        <a14:foregroundMark x1="13574" y1="76836" x2="18848" y2="90279"/>
+                        <a14:foregroundMark x1="17969" y1="78800" x2="24609" y2="92761"/>
+                        <a14:foregroundMark x1="24609" y1="92761" x2="24707" y2="92761"/>
+                        <a14:foregroundMark x1="21289" y1="82730" x2="24414" y2="93382"/>
+                        <a14:foregroundMark x1="24414" y1="93382" x2="24414" y2="93382"/>
+                        <a14:foregroundMark x1="22168" y1="84281" x2="30371" y2="96691"/>
+                        <a14:foregroundMark x1="30371" y1="96691" x2="30469" y2="96587"/>
+                        <a14:foregroundMark x1="29688" y1="88004" x2="33594" y2="95036"/>
+                        <a14:foregroundMark x1="30176" y1="86246" x2="36426" y2="94209"/>
+                        <a14:foregroundMark x1="36426" y1="94209" x2="41113" y2="96587"/>
+                        <a14:foregroundMark x1="31055" y1="86246" x2="34180" y2="93899"/>
+                        <a14:foregroundMark x1="30566" y1="88314" x2="41797" y2="93588"/>
+                        <a14:foregroundMark x1="41797" y1="93588" x2="48926" y2="93692"/>
+                        <a14:foregroundMark x1="39746" y1="90693" x2="50684" y2="92658"/>
+                        <a14:foregroundMark x1="50684" y1="92658" x2="53027" y2="92347"/>
+                        <a14:foregroundMark x1="40527" y1="92761" x2="55566" y2="93588"/>
+                        <a14:foregroundMark x1="40527" y1="93278" x2="57031" y2="94209"/>
+                        <a14:foregroundMark x1="41406" y1="93692" x2="51270" y2="94312"/>
+                        <a14:foregroundMark x1="51270" y1="94312" x2="56934" y2="94209"/>
+                        <a14:foregroundMark x1="25488" y1="93899" x2="36914" y2="95657"/>
+                        <a14:foregroundMark x1="36914" y1="95657" x2="50195" y2="94519"/>
+                        <a14:foregroundMark x1="28320" y1="93382" x2="38281" y2="94105"/>
+                        <a14:foregroundMark x1="38281" y1="94105" x2="52246" y2="93382"/>
+                        <a14:foregroundMark x1="36621" y1="94209" x2="46387" y2="95140"/>
+                        <a14:foregroundMark x1="46387" y1="95140" x2="59473" y2="94209"/>
+                        <a14:foregroundMark x1="45508" y1="94105" x2="55469" y2="94416"/>
+                        <a14:foregroundMark x1="55469" y1="94416" x2="65430" y2="92761"/>
+                        <a14:foregroundMark x1="65430" y1="92761" x2="65527" y2="92761"/>
+                        <a14:foregroundMark x1="46680" y1="91934" x2="56055" y2="93278"/>
+                        <a14:foregroundMark x1="56055" y1="93278" x2="68945" y2="92141"/>
+                        <a14:foregroundMark x1="52246" y1="91520" x2="63184" y2="91934"/>
+                        <a14:foregroundMark x1="63184" y1="91934" x2="72949" y2="90072"/>
+                        <a14:foregroundMark x1="72949" y1="90072" x2="73047" y2="89866"/>
+                        <a14:foregroundMark x1="54980" y1="88004" x2="64844" y2="89142"/>
+                        <a14:foregroundMark x1="64844" y1="89142" x2="81055" y2="87487"/>
+                        <a14:foregroundMark x1="63379" y1="87073" x2="73730" y2="88314"/>
+                        <a14:foregroundMark x1="73730" y1="88314" x2="81348" y2="87177"/>
+                        <a14:foregroundMark x1="56152" y1="85936" x2="67188" y2="86763"/>
+                        <a14:foregroundMark x1="67188" y1="86763" x2="84668" y2="86453"/>
+                        <a14:foregroundMark x1="71387" y1="91830" x2="82324" y2="92451"/>
+                        <a14:foregroundMark x1="82324" y1="92451" x2="92480" y2="91830"/>
+                        <a14:foregroundMark x1="92480" y1="91830" x2="92480" y2="91830"/>
+                        <a14:foregroundMark x1="77051" y1="91830" x2="92285" y2="91003"/>
+                        <a14:foregroundMark x1="76367" y1="91830" x2="90039" y2="94416"/>
+                        <a14:foregroundMark x1="82031" y1="95450" x2="93555" y2="95450"/>
+                        <a14:foregroundMark x1="93555" y1="95450" x2="96680" y2="94726"/>
+                        <a14:foregroundMark x1="78906" y1="94829" x2="88867" y2="93899"/>
+                        <a14:foregroundMark x1="88867" y1="93899" x2="89258" y2="93899"/>
+                        <a14:foregroundMark x1="81152" y1="95657" x2="91016" y2="96381"/>
+                        <a14:foregroundMark x1="91016" y1="96381" x2="95313" y2="95450"/>
+                        <a14:foregroundMark x1="81641" y1="95760" x2="90332" y2="94519"/>
+                        <a14:foregroundMark x1="79980" y1="95967" x2="91504" y2="95036"/>
+                        <a14:foregroundMark x1="84473" y1="98656" x2="91113" y2="96794"/>
+                        <a14:foregroundMark x1="87500" y1="97518" x2="95898" y2="96277"/>
+                        <a14:foregroundMark x1="85352" y1="97208" x2="93652" y2="95140"/>
+                        <a14:foregroundMark x1="82813" y1="95346" x2="89258" y2="90279"/>
+                        <a14:foregroundMark x1="79785" y1="87487" x2="87891" y2="83040"/>
+                        <a14:foregroundMark x1="82715" y1="88625" x2="90234" y2="83247"/>
+                        <a14:foregroundMark x1="85645" y1="90383" x2="87793" y2="81593"/>
+                        <a14:foregroundMark x1="88672" y1="94416" x2="89258" y2="80869"/>
+                        <a14:foregroundMark x1="84180" y1="85419" x2="89258" y2="72182"/>
+                        <a14:foregroundMark x1="87500" y1="81903" x2="91113" y2="70010"/>
+                        <a14:foregroundMark x1="73145" y1="84488" x2="85059" y2="72079"/>
+                        <a14:foregroundMark x1="73047" y1="79835" x2="85547" y2="72699"/>
+                        <a14:foregroundMark x1="68066" y1="83661" x2="83887" y2="70424"/>
+                        <a14:foregroundMark x1="74414" y1="75905" x2="90332" y2="66805"/>
+                        <a14:foregroundMark x1="71094" y1="72802" x2="90039" y2="60083"/>
+                        <a14:foregroundMark x1="79492" y1="73630" x2="86719" y2="64323"/>
+                        <a14:foregroundMark x1="86719" y1="64323" x2="88379" y2="60290"/>
+                        <a14:foregroundMark x1="77734" y1="75905" x2="89160" y2="58325"/>
+                        <a14:foregroundMark x1="82031" y1="71562" x2="86621" y2="56153"/>
+                        <a14:foregroundMark x1="78320" y1="68873" x2="86426" y2="60186"/>
+                        <a14:foregroundMark x1="86426" y1="60186" x2="91699" y2="49121"/>
+                        <a14:foregroundMark x1="80371" y1="65564" x2="90234" y2="49535"/>
+                        <a14:foregroundMark x1="78320" y1="61531" x2="89160" y2="45295"/>
+                        <a14:foregroundMark x1="78418" y1="57704" x2="89551" y2="40124"/>
+                        <a14:foregroundMark x1="77441" y1="54395" x2="89258" y2="34747"/>
+                        <a14:foregroundMark x1="76465" y1="49741" x2="87305" y2="33919"/>
+                        <a14:foregroundMark x1="75098" y1="43950" x2="86621" y2="29679"/>
+                        <a14:foregroundMark x1="72852" y1="38469" x2="85547" y2="26991"/>
+                        <a14:foregroundMark x1="69141" y1="38573" x2="81738" y2="26577"/>
+                        <a14:foregroundMark x1="68945" y1="35264" x2="76758" y2="26991"/>
+                        <a14:foregroundMark x1="67578" y1="29369" x2="74805" y2="23785"/>
+                        <a14:foregroundMark x1="66895" y1="26163" x2="77051" y2="24405"/>
+                        <a14:foregroundMark x1="77051" y1="24405" x2="77539" y2="24405"/>
+                        <a14:foregroundMark x1="62988" y1="27921" x2="73047" y2="28749"/>
+                        <a14:foregroundMark x1="73047" y1="28749" x2="81348" y2="32885"/>
+                        <a14:foregroundMark x1="93945" y1="41158" x2="94727" y2="60393"/>
+                        <a14:foregroundMark x1="94824" y1="45708" x2="94727" y2="62358"/>
+                        <a14:foregroundMark x1="94824" y1="41572" x2="94238" y2="57187"/>
+                        <a14:foregroundMark x1="93555" y1="44467" x2="94824" y2="61531"/>
+                        <a14:foregroundMark x1="95508" y1="39710" x2="97461" y2="62461"/>
+                        <a14:foregroundMark x1="97461" y1="62461" x2="97266" y2="61737"/>
+                        <a14:foregroundMark x1="96387" y1="44467" x2="96680" y2="63702"/>
+                        <a14:foregroundMark x1="96680" y1="63702" x2="96680" y2="63495"/>
+                        <a14:foregroundMark x1="94727" y1="40641" x2="94824" y2="64529"/>
+                        <a14:foregroundMark x1="94824" y1="43640" x2="97168" y2="64116"/>
+                        <a14:foregroundMark x1="95801" y1="43226" x2="97168" y2="62151"/>
+                        <a14:foregroundMark x1="96191" y1="43330" x2="96875" y2="56256"/>
+                        <a14:foregroundMark x1="96875" y1="56256" x2="93555" y2="44984"/>
+                        <a14:foregroundMark x1="93555" y1="44984" x2="93652" y2="57394"/>
+                        <a14:foregroundMark x1="93652" y1="57394" x2="91992" y2="47156"/>
+                        <a14:foregroundMark x1="91992" y1="47156" x2="90527" y2="59255"/>
+                        <a14:foregroundMark x1="90527" y1="59255" x2="91602" y2="47156"/>
+                        <a14:foregroundMark x1="91602" y1="47156" x2="93945" y2="55326"/>
+                        <a14:foregroundMark x1="70508" y1="21406" x2="57617" y2="20993"/>
+                        <a14:foregroundMark x1="57617" y1="20993" x2="51172" y2="13547"/>
+                        <a14:foregroundMark x1="51172" y1="13547" x2="42285" y2="11479"/>
+                        <a14:foregroundMark x1="50781" y1="12616" x2="41113" y2="13444"/>
+                        <a14:foregroundMark x1="41113" y1="13444" x2="50879" y2="13133"/>
+                        <a14:foregroundMark x1="50879" y1="13133" x2="40527" y2="13030"/>
+                        <a14:foregroundMark x1="40527" y1="13030" x2="43262" y2="12099"/>
+                        <a14:foregroundMark x1="45801" y1="11789" x2="55957" y2="12203"/>
+                        <a14:foregroundMark x1="55957" y1="12203" x2="41016" y2="12410"/>
+                        <a14:foregroundMark x1="45020" y1="12410" x2="57227" y2="11479"/>
+                        <a14:foregroundMark x1="42578" y1="12927" x2="55566" y2="12306"/>
+                        <a14:foregroundMark x1="36621" y1="13547" x2="54785" y2="11686"/>
+                        <a14:foregroundMark x1="40625" y1="12616" x2="53125" y2="10238"/>
+                        <a14:foregroundMark x1="34082" y1="11479" x2="43848" y2="11892"/>
+                        <a14:foregroundMark x1="43848" y1="11892" x2="54297" y2="11375"/>
+                        <a14:foregroundMark x1="54297" y1="11375" x2="54492" y2="11272"/>
+                        <a14:foregroundMark x1="31934" y1="12099" x2="50781" y2="11686"/>
+                        <a14:foregroundMark x1="31445" y1="13547" x2="43262" y2="14168"/>
+                        <a14:foregroundMark x1="43262" y1="14168" x2="46582" y2="14064"/>
+                        <a14:foregroundMark x1="21875" y1="14995" x2="31934" y2="15408"/>
+                        <a14:foregroundMark x1="31934" y1="15408" x2="44238" y2="13857"/>
+                        <a14:foregroundMark x1="23828" y1="16132" x2="34180" y2="16236"/>
+                        <a14:foregroundMark x1="34180" y1="16236" x2="49219" y2="15305"/>
+                        <a14:foregroundMark x1="32422" y1="17063" x2="53809" y2="18614"/>
+                        <a14:foregroundMark x1="53809" y1="18614" x2="68945" y2="17684"/>
+                        <a14:foregroundMark x1="84961" y1="16753" x2="86426" y2="19442"/>
+                        <a14:foregroundMark x1="84668" y1="16546" x2="89258" y2="14168"/>
+                        <a14:foregroundMark x1="82715" y1="16856" x2="90918" y2="23475"/>
+                        <a14:foregroundMark x1="90918" y1="23475" x2="80078" y2="26991"/>
+                        <a14:foregroundMark x1="80078" y1="26991" x2="89453" y2="30403"/>
+                        <a14:foregroundMark x1="89453" y1="30403" x2="82910" y2="38263"/>
+                        <a14:foregroundMark x1="82910" y1="38263" x2="87695" y2="28128"/>
+                        <a14:foregroundMark x1="87695" y1="28128" x2="84375" y2="37952"/>
+                        <a14:foregroundMark x1="84375" y1="37952" x2="86328" y2="26577"/>
+                        <a14:foregroundMark x1="86328" y1="26577" x2="83105" y2="16856"/>
+                        <a14:foregroundMark x1="83105" y1="16856" x2="87891" y2="25750"/>
+                        <a14:foregroundMark x1="87891" y1="25750" x2="86133" y2="16546"/>
+                        <a14:foregroundMark x1="88281" y1="16856" x2="89160" y2="22130"/>
+                        <a14:foregroundMark x1="90234" y1="18201" x2="87207" y2="19752"/>
+                        <a14:foregroundMark x1="88086" y1="5688" x2="87305" y2="16132"/>
+                        <a14:foregroundMark x1="87305" y1="16132" x2="88086" y2="9100"/>
+                        <a14:foregroundMark x1="88574" y1="15512" x2="88574" y2="9928"/>
+                        <a14:foregroundMark x1="88086" y1="15822" x2="88086" y2="15822"/>
+                        <a14:foregroundMark x1="88086" y1="15822" x2="87305" y2="12099"/>
+                        <a14:foregroundMark x1="87891" y1="13547" x2="89160" y2="22441"/>
+                        <a14:foregroundMark x1="88867" y1="10858" x2="88379" y2="19752"/>
+                        <a14:foregroundMark x1="88574" y1="12927" x2="87500" y2="21717"/>
+                        <a14:foregroundMark x1="86914" y1="11686" x2="86719" y2="20683"/>
+                        <a14:foregroundMark x1="85938" y1="12616" x2="86914" y2="17063"/>
+                        <a14:foregroundMark x1="88379" y1="21200" x2="86621" y2="5895"/>
+                        <a14:foregroundMark x1="88379" y1="21820" x2="88965" y2="17684"/>
+                        <a14:foregroundMark x1="87891" y1="9100" x2="90234" y2="29783"/>
+                        <a14:foregroundMark x1="89160" y1="9928" x2="89551" y2="28232"/>
+                        <a14:foregroundMark x1="89160" y1="20579" x2="86328" y2="10858"/>
+                        <a14:foregroundMark x1="86328" y1="10858" x2="85352" y2="11272"/>
+                        <a14:foregroundMark x1="88867" y1="36815" x2="87207" y2="25646"/>
+                        <a14:foregroundMark x1="85254" y1="10548" x2="85645" y2="28852"/>
+                        <a14:foregroundMark x1="87891" y1="11686" x2="89941" y2="20993"/>
+                        <a14:foregroundMark x1="91211" y1="19442" x2="89453" y2="12306"/>
+                        <a14:foregroundMark x1="90625" y1="19752" x2="88672" y2="8480"/>
+                        <a14:foregroundMark x1="87598" y1="14685" x2="87793" y2="25233"/>
+                        <a14:foregroundMark x1="87793" y1="25233" x2="87891" y2="20993"/>
+                        <a14:foregroundMark x1="87305" y1="7342" x2="87793" y2="22958"/>
+                        <a14:foregroundMark x1="85938" y1="8170" x2="88086" y2="21820"/>
+                        <a14:foregroundMark x1="85645" y1="931" x2="88379" y2="15305"/>
+                        <a14:foregroundMark x1="85352" y1="1138" x2="88086" y2="14995"/>
+                        <a14:foregroundMark x1="88086" y1="14995" x2="88086" y2="14995"/>
+                        <a14:foregroundMark x1="85254" y1="3619" x2="86621" y2="13547"/>
+                        <a14:foregroundMark x1="86426" y1="10238" x2="88867" y2="15822"/>
+                        <a14:foregroundMark x1="87891" y1="17373" x2="87891" y2="20993"/>
+                        <a14:foregroundMark x1="56055" y1="29990" x2="68164" y2="30196"/>
+                        <a14:foregroundMark x1="68164" y1="30196" x2="74414" y2="28335"/>
+                        <a14:foregroundMark x1="42480" y1="31127" x2="58398" y2="31541"/>
+                        <a14:foregroundMark x1="18652" y1="30610" x2="31934" y2="31127"/>
+                        <a14:foregroundMark x1="31934" y1="31127" x2="44336" y2="30817"/>
+                        <a14:foregroundMark x1="44336" y1="30817" x2="46387" y2="30817"/>
+                        <a14:foregroundMark x1="13867" y1="28232" x2="33789" y2="28852"/>
+                        <a14:foregroundMark x1="11426" y1="26784" x2="35254" y2="28232"/>
+                        <a14:foregroundMark x1="10547" y1="28232" x2="33887" y2="28335"/>
+                        <a14:foregroundMark x1="9766" y1="32885" x2="23242" y2="34126"/>
+                        <a14:foregroundMark x1="23242" y1="34126" x2="32227" y2="32161"/>
+                        <a14:foregroundMark x1="20605" y1="21406" x2="30176" y2="20993"/>
+                        <a14:foregroundMark x1="30176" y1="20993" x2="35840" y2="20993"/>
+                        <a14:foregroundMark x1="41895" y1="12410" x2="36719" y2="12720"/>
+                        <a14:foregroundMark x1="37695" y1="12306" x2="47461" y2="11065"/>
+                        <a14:foregroundMark x1="47461" y1="11065" x2="48242" y2="11272"/>
+                        <a14:foregroundMark x1="48633" y1="11272" x2="37988" y2="11272"/>
+                        <a14:foregroundMark x1="40039" y1="95140" x2="47852" y2="94519"/>
+                        <a14:foregroundMark x1="38281" y1="93899" x2="47754" y2="95036"/>
+                        <a14:foregroundMark x1="47754" y1="95036" x2="51660" y2="94416"/>
+                        <a14:foregroundMark x1="38574" y1="94416" x2="50195" y2="95140"/>
+                        <a14:foregroundMark x1="36426" y1="94726" x2="46582" y2="95760"/>
+                        <a14:foregroundMark x1="46582" y1="95760" x2="49219" y2="95346"/>
+                        <a14:foregroundMark x1="38672" y1="94829" x2="45898" y2="96174"/>
+                        <a14:foregroundMark x1="38672" y1="95346" x2="48535" y2="95863"/>
+                        <a14:foregroundMark x1="48535" y1="95863" x2="50293" y2="95346"/>
+                        <a14:foregroundMark x1="43066" y1="95346" x2="51758" y2="95450"/>
+                        <a14:foregroundMark x1="45508" y1="95346" x2="57227" y2="95140"/>
+                        <a14:foregroundMark x1="57227" y1="95140" x2="57520" y2="95140"/>
+                        <a14:backgroundMark x1="29395" y1="8273" x2="34473" y2="7653"/>
+                        <a14:backgroundMark x1="21387" y1="4447" x2="43945" y2="5067"/>
+                        <a14:backgroundMark x1="23242" y1="5274" x2="38086" y2="2999"/>
+                        <a14:backgroundMark x1="21582" y1="1241" x2="38086" y2="2068"/>
+                        <a14:backgroundMark x1="28906" y1="3619" x2="45508" y2="4137"/>
+                        <a14:backgroundMark x1="22266" y1="4964" x2="42188" y2="6101"/>
+                        <a14:backgroundMark x1="41016" y1="6722" x2="56738" y2="6722"/>
+                        <a14:backgroundMark x1="35254" y1="6101" x2="56738" y2="7342"/>
+                        <a14:backgroundMark x1="45801" y1="7032" x2="62305" y2="6412"/>
+                        <a14:backgroundMark x1="46973" y1="5584" x2="61035" y2="5688"/>
+                      </a14:backgroundRemoval>
+                    </a14:imgEffect>
+                  </a14:imgLayer>
+                </a14:imgProps>
+              </a:ext>
+              <a:ext uri="{28A0092B-C50C-407E-A947-70E740481C1C}">
+                <a14:useLocalDpi xmlns:a14="http://schemas.microsoft.com/office/drawing/2010/main" val="0"/>
+              </a:ext>
+            </a:extLst>
+          </a:blip>
+          <a:srcRect/>
+          <a:stretch>
+            <a:fillRect/>
+          </a:stretch>
+        </p:blipFill>
+        <p:spPr bwMode="auto">
+          <a:xfrm>
+            <a:off x="3565141" y="1409700"/>
+            <a:ext cx="5061718" cy="4779963"/>
+          </a:xfrm>
+          <a:prstGeom prst="rect">
+            <a:avLst/>
+          </a:prstGeom>
+          <a:noFill/>
+          <a:extLst>
+            <a:ext uri="{909E8E84-426E-40DD-AFC4-6F175D3DCCD1}">
+              <a14:hiddenFill xmlns:a14="http://schemas.microsoft.com/office/drawing/2010/main">
+                <a:solidFill>
+                  <a:srgbClr val="FFFFFF"/>
+                </a:solidFill>
+              </a14:hiddenFill>
+            </a:ext>
+          </a:extLst>
+        </p:spPr>
+      </p:pic>
+    </p:spTree>
+    <p:extLst>
+      <p:ext uri="{BB962C8B-B14F-4D97-AF65-F5344CB8AC3E}">
+        <p14:creationId xmlns:p14="http://schemas.microsoft.com/office/powerpoint/2010/main" val="2844424324"/>
+      </p:ext>
+    </p:extLst>
+  </p:cSld>
+  <p:clrMapOvr>
+    <a:masterClrMapping/>
+  </p:clrMapOvr>
+</p:sld>
+</file>
+
+<file path=ppt/slides/slide6.xml><?xml version="1.0" encoding="utf-8"?>
+<p:sld xmlns:a="http://schemas.openxmlformats.org/drawingml/2006/main" xmlns:r="http://schemas.openxmlformats.org/officeDocument/2006/relationships" xmlns:p="http://schemas.openxmlformats.org/presentationml/2006/main">
+  <p:cSld>
+    <p:spTree>
+      <p:nvGrpSpPr>
+        <p:cNvPr id="1" name=""/>
+        <p:cNvGrpSpPr/>
+        <p:nvPr/>
+      </p:nvGrpSpPr>
+      <p:grpSpPr>
+        <a:xfrm>
+          <a:off x="0" y="0"/>
+          <a:ext cx="0" cy="0"/>
+          <a:chOff x="0" y="0"/>
+          <a:chExt cx="0" cy="0"/>
+        </a:xfrm>
+      </p:grpSpPr>
+      <p:sp>
+        <p:nvSpPr>
+          <p:cNvPr id="2" name="Cím 1">
+            <a:extLst>
+              <a:ext uri="{FF2B5EF4-FFF2-40B4-BE49-F238E27FC236}">
+                <a16:creationId xmlns:a16="http://schemas.microsoft.com/office/drawing/2014/main" id="{82A783BA-F5A3-4863-94C2-C91E84205198}"/>
+              </a:ext>
+            </a:extLst>
+          </p:cNvPr>
+          <p:cNvSpPr>
+            <a:spLocks noGrp="1"/>
+          </p:cNvSpPr>
+          <p:nvPr>
+            <p:ph type="title"/>
+          </p:nvPr>
+        </p:nvSpPr>
+        <p:spPr/>
+        <p:txBody>
+          <a:bodyPr/>
+          <a:lstStyle/>
+          <a:p>
+            <a:r>
+              <a:rPr lang="hu-HU" dirty="0"/>
+              <a:t>Szálak felhasználása</a:t>
+            </a:r>
+          </a:p>
+        </p:txBody>
+      </p:sp>
+      <p:sp>
+        <p:nvSpPr>
+          <p:cNvPr id="3" name="Tartalom helye 2">
+            <a:extLst>
+              <a:ext uri="{FF2B5EF4-FFF2-40B4-BE49-F238E27FC236}">
+                <a16:creationId xmlns:a16="http://schemas.microsoft.com/office/drawing/2014/main" id="{B601EB7D-21ED-4D6D-B5C3-69CBCDB9644C}"/>
+              </a:ext>
+            </a:extLst>
+          </p:cNvPr>
+          <p:cNvSpPr>
+            <a:spLocks noGrp="1"/>
+          </p:cNvSpPr>
+          <p:nvPr>
+            <p:ph idx="1"/>
+          </p:nvPr>
+        </p:nvSpPr>
+        <p:spPr>
+          <a:xfrm>
+            <a:off x="838200" y="2768599"/>
+            <a:ext cx="10515600" cy="3636963"/>
+          </a:xfrm>
+        </p:spPr>
+        <p:txBody>
+          <a:bodyPr/>
+          <a:lstStyle/>
+          <a:p>
+            <a:r>
+              <a:rPr lang="hu-HU" dirty="0"/>
+              <a:t>Program gyorsítása</a:t>
+            </a:r>
+          </a:p>
+          <a:p>
+            <a:r>
+              <a:rPr lang="hu-HU" dirty="0"/>
+              <a:t>Program szüneteltetése</a:t>
+            </a:r>
+          </a:p>
+        </p:txBody>
+      </p:sp>
+    </p:spTree>
+    <p:extLst>
+      <p:ext uri="{BB962C8B-B14F-4D97-AF65-F5344CB8AC3E}">
+        <p14:creationId xmlns:p14="http://schemas.microsoft.com/office/powerpoint/2010/main" val="3686392931"/>
+      </p:ext>
+    </p:extLst>
+  </p:cSld>
+  <p:clrMapOvr>
+    <a:masterClrMapping/>
+  </p:clrMapOvr>
+</p:sld>
+</file>
+
+<file path=ppt/slides/slide7.xml><?xml version="1.0" encoding="utf-8"?>
 <p:sld xmlns:a="http://schemas.openxmlformats.org/drawingml/2006/main" xmlns:r="http://schemas.openxmlformats.org/officeDocument/2006/relationships" xmlns:p="http://schemas.openxmlformats.org/presentationml/2006/main">
   <p:cSld>
     <p:spTree>

--- a/Osztott rendszerek, párhuzamos programozás.pptx
+++ b/Osztott rendszerek, párhuzamos programozás.pptx
@@ -5,16 +5,19 @@
     <p:sldMasterId id="2147483648" r:id="rId1"/>
   </p:sldMasterIdLst>
   <p:notesMasterIdLst>
-    <p:notesMasterId r:id="rId9"/>
+    <p:notesMasterId r:id="rId12"/>
   </p:notesMasterIdLst>
   <p:sldIdLst>
     <p:sldId id="256" r:id="rId2"/>
     <p:sldId id="257" r:id="rId3"/>
-    <p:sldId id="258" r:id="rId4"/>
-    <p:sldId id="259" r:id="rId5"/>
-    <p:sldId id="261" r:id="rId6"/>
-    <p:sldId id="262" r:id="rId7"/>
-    <p:sldId id="260" r:id="rId8"/>
+    <p:sldId id="265" r:id="rId4"/>
+    <p:sldId id="258" r:id="rId5"/>
+    <p:sldId id="259" r:id="rId6"/>
+    <p:sldId id="261" r:id="rId7"/>
+    <p:sldId id="262" r:id="rId8"/>
+    <p:sldId id="263" r:id="rId9"/>
+    <p:sldId id="264" r:id="rId10"/>
+    <p:sldId id="260" r:id="rId11"/>
   </p:sldIdLst>
   <p:sldSz cx="12192000" cy="6858000"/>
   <p:notesSz cx="6858000" cy="9144000"/>
@@ -215,7 +218,7 @@
           <a:p>
             <a:fld id="{81E79A26-81C4-4025-92C3-532DA6E0B8B9}" type="datetimeFigureOut">
               <a:rPr lang="hu-HU" smtClean="0"/>
-              <a:t>2021. 10. 02.</a:t>
+              <a:t>2021. 10. 06.</a:t>
             </a:fld>
             <a:endParaRPr lang="hu-HU"/>
           </a:p>
@@ -528,7 +531,22 @@
           <a:p>
             <a:r>
               <a:rPr lang="hu-HU" dirty="0"/>
-              <a:t>A számítástechnikában a folyamat egy számítógépes program példánya, amelyet egy vagy több szál hajt végre. Ez tartalmazza a programkódot és a tevékenységét. Operációs rendszertől függően egy folyamat több végrehajtási szálból állhat, amely utasításokat egyidejűleg hajtják végre.</a:t>
+              <a:t>Párhuzamos programozás:</a:t>
+            </a:r>
+            <a:br>
+              <a:rPr lang="hu-HU" dirty="0"/>
+            </a:br>
+            <a:r>
+              <a:rPr lang="hu-HU" dirty="0"/>
+              <a:t>A párhuzamos programozás azt a lehetőséget takarja, hogy </a:t>
+            </a:r>
+            <a:r>
+              <a:rPr lang="hu-HU" dirty="0" err="1"/>
+              <a:t>szoftvereinket</a:t>
+            </a:r>
+            <a:r>
+              <a:rPr lang="hu-HU" dirty="0"/>
+              <a:t> olyan programozási nyelven fejlesszük ki, amely lehetősége ad a számítási feladatok egymással egy időben végrehajtandó részfeladatainak és számítási módjának megadására.</a:t>
             </a:r>
             <a:br>
               <a:rPr lang="hu-HU" dirty="0"/>
@@ -538,7 +556,21 @@
             </a:br>
             <a:r>
               <a:rPr lang="hu-HU" dirty="0"/>
-              <a:t>Míg a számítógépes program passzív utasítások gyűjteménye, addig a folyamat ezen utasítások tényleges végrehajtása.</a:t>
+              <a:t>Miért?</a:t>
+            </a:r>
+            <a:br>
+              <a:rPr lang="hu-HU" dirty="0"/>
+            </a:br>
+            <a:r>
+              <a:rPr lang="hu-HU" dirty="0"/>
+              <a:t>Az egyprocesszoros (soros) végrehajtás megközelítette határait. </a:t>
+            </a:r>
+            <a:br>
+              <a:rPr lang="hu-HU" dirty="0"/>
+            </a:br>
+            <a:r>
+              <a:rPr lang="hu-HU" dirty="0"/>
+              <a:t>Processzorokról: régen 1 mag, ma több</a:t>
             </a:r>
           </a:p>
         </p:txBody>
@@ -560,7 +592,7 @@
           <a:p>
             <a:fld id="{674FF4E3-1DEA-4DBB-AF74-DDA85AC22194}" type="slidenum">
               <a:rPr lang="hu-HU" smtClean="0"/>
-              <a:t>3</a:t>
+              <a:t>1</a:t>
             </a:fld>
             <a:endParaRPr lang="hu-HU"/>
           </a:p>
@@ -569,7 +601,7 @@
     </p:spTree>
     <p:extLst>
       <p:ext uri="{BB962C8B-B14F-4D97-AF65-F5344CB8AC3E}">
-        <p14:creationId xmlns:p14="http://schemas.microsoft.com/office/powerpoint/2010/main" val="481971378"/>
+        <p14:creationId xmlns:p14="http://schemas.microsoft.com/office/powerpoint/2010/main" val="2719634606"/>
       </p:ext>
     </p:extLst>
   </p:cSld>
@@ -625,148 +657,37 @@
           <a:p>
             <a:r>
               <a:rPr lang="hu-HU" dirty="0"/>
-              <a:t>Egy operációs rendszer rendszermagjának, amely lehetővé teszi a </a:t>
-            </a:r>
-            <a:r>
-              <a:rPr lang="hu-HU" dirty="0" err="1"/>
-              <a:t>többfeladatosságot</a:t>
-            </a:r>
-            <a:r>
-              <a:rPr lang="hu-HU" dirty="0"/>
-              <a:t>, szüksége van arra, hogy a folyamatoknak legyenek bizonyos állapotai. Ezeknek az állapotoknak a nevei nincsenek szabványosítva, de hasonló funkcióval rendelkeznek.</a:t>
-            </a:r>
-            <a:br>
-              <a:rPr lang="hu-HU" dirty="0"/>
-            </a:br>
-            <a:br>
-              <a:rPr lang="hu-HU" dirty="0"/>
-            </a:br>
-            <a:r>
-              <a:rPr lang="hu-HU" dirty="0" err="1"/>
-              <a:t>Created</a:t>
-            </a:r>
-            <a:r>
-              <a:rPr lang="hu-HU" dirty="0"/>
-              <a:t>: Első lépésben a folyamatot „létrehozzuk”, azaz betöltjük a memóriába. Ezután a folyamatütemező hozzárendeli a „</a:t>
-            </a:r>
-            <a:r>
-              <a:rPr lang="hu-HU" dirty="0" err="1"/>
-              <a:t>waiting</a:t>
-            </a:r>
-            <a:r>
-              <a:rPr lang="hu-HU" dirty="0"/>
-              <a:t>” </a:t>
-            </a:r>
-            <a:r>
-              <a:rPr lang="hu-HU" dirty="0" err="1"/>
-              <a:t>állapoot</a:t>
-            </a:r>
-            <a:r>
-              <a:rPr lang="hu-HU" dirty="0"/>
-              <a:t> a folyamathoz.</a:t>
-            </a:r>
-            <a:br>
-              <a:rPr lang="hu-HU" dirty="0"/>
-            </a:br>
-            <a:br>
-              <a:rPr lang="hu-HU" dirty="0"/>
-            </a:br>
-            <a:r>
-              <a:rPr lang="hu-HU" dirty="0" err="1"/>
-              <a:t>Waiting</a:t>
-            </a:r>
-            <a:r>
-              <a:rPr lang="hu-HU" dirty="0"/>
-              <a:t>: </a:t>
-            </a:r>
-            <a:r>
-              <a:rPr lang="hu-HU" dirty="0" err="1"/>
-              <a:t>Amígy</a:t>
-            </a:r>
-            <a:r>
-              <a:rPr lang="hu-HU" dirty="0"/>
-              <a:t> a folyamat „</a:t>
-            </a:r>
-            <a:r>
-              <a:rPr lang="hu-HU" dirty="0" err="1"/>
-              <a:t>waiting</a:t>
-            </a:r>
-            <a:r>
-              <a:rPr lang="hu-HU" dirty="0"/>
-              <a:t>” állapotban van, addig az ütemező elvégzi a kontextusváltást. A kontextusváltás betölti a folyamatot a processzorba és az </a:t>
-            </a:r>
-            <a:r>
-              <a:rPr lang="hu-HU" dirty="0" err="1"/>
-              <a:t>allapototo</a:t>
-            </a:r>
-            <a:r>
-              <a:rPr lang="hu-HU" dirty="0"/>
-              <a:t> „</a:t>
-            </a:r>
-            <a:r>
-              <a:rPr lang="hu-HU" dirty="0" err="1"/>
-              <a:t>running</a:t>
-            </a:r>
-            <a:r>
-              <a:rPr lang="hu-HU" dirty="0"/>
-              <a:t>”-</a:t>
-            </a:r>
-            <a:r>
-              <a:rPr lang="hu-HU" dirty="0" err="1"/>
-              <a:t>ra</a:t>
-            </a:r>
-            <a:r>
-              <a:rPr lang="hu-HU" dirty="0"/>
-              <a:t> állítja.</a:t>
-            </a:r>
-          </a:p>
-          <a:p>
-            <a:endParaRPr lang="hu-HU" dirty="0"/>
-          </a:p>
-          <a:p>
-            <a:r>
-              <a:rPr lang="hu-HU" dirty="0" err="1"/>
-              <a:t>Blocked</a:t>
-            </a:r>
-            <a:r>
-              <a:rPr lang="hu-HU" dirty="0"/>
-              <a:t>: Ebbe az állapotba akkor kerül a folyamat, ha a folyamatnak meg kell várnia egy erőforrást (például várnia kell a felhasználói bemenetre, vagy egy fájl megnyitására), addig blokkolt állapotba kerül.</a:t>
-            </a:r>
-            <a:br>
-              <a:rPr lang="hu-HU" dirty="0"/>
-            </a:br>
-            <a:r>
-              <a:rPr lang="hu-HU" dirty="0"/>
-              <a:t>A folyamat állapota visszaáll a „</a:t>
-            </a:r>
-            <a:r>
-              <a:rPr lang="hu-HU" dirty="0" err="1"/>
-              <a:t>waiting</a:t>
-            </a:r>
-            <a:r>
-              <a:rPr lang="hu-HU" dirty="0"/>
-              <a:t>” állapotra, amint a folyamatnak nem kell tovább várni.</a:t>
-            </a:r>
-          </a:p>
-          <a:p>
-            <a:endParaRPr lang="hu-HU" dirty="0"/>
-          </a:p>
-          <a:p>
-            <a:r>
-              <a:rPr lang="hu-HU" dirty="0" err="1"/>
-              <a:t>Terminated</a:t>
-            </a:r>
-            <a:r>
-              <a:rPr lang="hu-HU" dirty="0"/>
-              <a:t>: Amint a folyamat lefutott, akkor az a folyamat „</a:t>
-            </a:r>
-            <a:r>
-              <a:rPr lang="hu-HU" dirty="0" err="1"/>
-              <a:t>terminated</a:t>
-            </a:r>
-            <a:r>
-              <a:rPr lang="hu-HU" dirty="0"/>
-              <a:t>” állapotba kerül.</a:t>
+              <a:t>• Program Utasítások és adatok önálló egységet képező halmaza. </a:t>
+            </a:r>
+          </a:p>
+          <a:p>
+            <a:r>
+              <a:rPr lang="hu-HU" dirty="0"/>
+              <a:t>• Feladat A program elemeinek önhordó és önállóan végrehajtható halmaza vagy részhalmaza. A programok feladatokra bonthatók (de fordítva nem). </a:t>
+            </a:r>
+          </a:p>
+          <a:p>
+            <a:r>
+              <a:rPr lang="hu-HU" dirty="0"/>
+              <a:t>• Folyamat A program végrehajtása, illetve a végrehajtás alatt álló program (adataival, erőforrásaival és belső állapotával együtt). </a:t>
+            </a:r>
+          </a:p>
+          <a:p>
+            <a:r>
+              <a:rPr lang="hu-HU" dirty="0"/>
+              <a:t>• Szál A folyamaton belüli kisebb egység, amely végrehajtható műveletek sorát tartalmazza. Egy folyamaton belül több szál is létezhet (de fordítva nem). </a:t>
+            </a:r>
+          </a:p>
+          <a:p>
+            <a:r>
+              <a:rPr lang="hu-HU" dirty="0"/>
+              <a:t>• Végrehajtási egység Egy adott feladat (folyamat vagy szál) legkisebb végrehajtható részhalmaza. </a:t>
+            </a:r>
+          </a:p>
+          <a:p>
+            <a:r>
+              <a:rPr lang="hu-HU" dirty="0"/>
+              <a:t>• Feldolgozóegység, végrehajtóegység A végrehajtási egységet feldolgozó hardverelem (pl. processzormag, ALU).</a:t>
             </a:r>
           </a:p>
         </p:txBody>
@@ -788,7 +709,7 @@
           <a:p>
             <a:fld id="{674FF4E3-1DEA-4DBB-AF74-DDA85AC22194}" type="slidenum">
               <a:rPr lang="hu-HU" smtClean="0"/>
-              <a:t>4</a:t>
+              <a:t>3</a:t>
             </a:fld>
             <a:endParaRPr lang="hu-HU"/>
           </a:p>
@@ -797,7 +718,7 @@
     </p:spTree>
     <p:extLst>
       <p:ext uri="{BB962C8B-B14F-4D97-AF65-F5344CB8AC3E}">
-        <p14:creationId xmlns:p14="http://schemas.microsoft.com/office/powerpoint/2010/main" val="217478851"/>
+        <p14:creationId xmlns:p14="http://schemas.microsoft.com/office/powerpoint/2010/main" val="2695434450"/>
       </p:ext>
     </p:extLst>
   </p:cSld>
@@ -853,14 +774,17 @@
           <a:p>
             <a:r>
               <a:rPr lang="hu-HU" dirty="0"/>
-              <a:t>Az ábrán egy folyamat futása látható. </a:t>
+              <a:t>A számítástechnikában a folyamat egy számítógépes program példánya, amelyet egy vagy több szál hajt végre. Ez tartalmazza a programkódot és a tevékenységét. Operációs rendszertől függően egy folyamat több végrehajtási szálból állhat, amely utasításokat egyidejűleg hajtják végre.</a:t>
             </a:r>
             <a:br>
               <a:rPr lang="hu-HU" dirty="0"/>
             </a:br>
-            <a:r>
-              <a:rPr lang="hu-HU" dirty="0"/>
-              <a:t>Ugye ahogy a folyamatoknál említettem, egy folyamat több szálon futhat, azt próbálja szemléltetni ez az ábra is.</a:t>
+            <a:br>
+              <a:rPr lang="hu-HU" dirty="0"/>
+            </a:br>
+            <a:r>
+              <a:rPr lang="hu-HU" dirty="0"/>
+              <a:t>Míg a számítógépes program passzív utasítások gyűjteménye, addig a folyamat ezen utasítások tényleges végrehajtása.</a:t>
             </a:r>
           </a:p>
         </p:txBody>
@@ -882,7 +806,7 @@
           <a:p>
             <a:fld id="{674FF4E3-1DEA-4DBB-AF74-DDA85AC22194}" type="slidenum">
               <a:rPr lang="hu-HU" smtClean="0"/>
-              <a:t>5</a:t>
+              <a:t>4</a:t>
             </a:fld>
             <a:endParaRPr lang="hu-HU"/>
           </a:p>
@@ -891,7 +815,7 @@
     </p:spTree>
     <p:extLst>
       <p:ext uri="{BB962C8B-B14F-4D97-AF65-F5344CB8AC3E}">
-        <p14:creationId xmlns:p14="http://schemas.microsoft.com/office/powerpoint/2010/main" val="2814851083"/>
+        <p14:creationId xmlns:p14="http://schemas.microsoft.com/office/powerpoint/2010/main" val="481971378"/>
       </p:ext>
     </p:extLst>
   </p:cSld>
@@ -947,15 +871,254 @@
           <a:p>
             <a:r>
               <a:rPr lang="hu-HU" dirty="0"/>
-              <a:t>Egy jól megírt programot a szálak fel tudnak gyorsítani azzal, hogy a nagyobb erőforrást igénylő feladatokat </a:t>
+              <a:t>Egy operációs rendszer rendszermagjának, amely lehetővé teszi a </a:t>
             </a:r>
             <a:r>
               <a:rPr lang="hu-HU" dirty="0" err="1"/>
-              <a:t>async</a:t>
-            </a:r>
-            <a:r>
-              <a:rPr lang="hu-HU" dirty="0"/>
-              <a:t>-é téve megengedjük a programnak, hogy egymással párhuzamosan tudjanak futni ezek a folyamatok.</a:t>
+              <a:t>többfeladatosságot</a:t>
+            </a:r>
+            <a:r>
+              <a:rPr lang="hu-HU" dirty="0"/>
+              <a:t>, szüksége van arra, hogy a folyamatoknak legyenek bizonyos állapotai. Ezeknek az állapotoknak a nevei nincsenek szabványosítva, de hasonló funkcióval rendelkeznek.</a:t>
+            </a:r>
+            <a:br>
+              <a:rPr lang="hu-HU" dirty="0"/>
+            </a:br>
+            <a:br>
+              <a:rPr lang="hu-HU" dirty="0"/>
+            </a:br>
+            <a:r>
+              <a:rPr lang="hu-HU" dirty="0" err="1"/>
+              <a:t>Created</a:t>
+            </a:r>
+            <a:r>
+              <a:rPr lang="hu-HU" dirty="0"/>
+              <a:t>: Első lépésben a folyamatot „létrehozzuk”, azaz betöltjük a memóriába. Ezután a folyamatütemező hozzárendeli a „</a:t>
+            </a:r>
+            <a:r>
+              <a:rPr lang="hu-HU" dirty="0" err="1"/>
+              <a:t>waiting</a:t>
+            </a:r>
+            <a:r>
+              <a:rPr lang="hu-HU" dirty="0"/>
+              <a:t>” </a:t>
+            </a:r>
+            <a:r>
+              <a:rPr lang="hu-HU" dirty="0" err="1"/>
+              <a:t>állapoot</a:t>
+            </a:r>
+            <a:r>
+              <a:rPr lang="hu-HU" dirty="0"/>
+              <a:t> a folyamathoz.</a:t>
+            </a:r>
+            <a:br>
+              <a:rPr lang="hu-HU" dirty="0"/>
+            </a:br>
+            <a:br>
+              <a:rPr lang="hu-HU" dirty="0"/>
+            </a:br>
+            <a:r>
+              <a:rPr lang="hu-HU" dirty="0" err="1"/>
+              <a:t>Waiting</a:t>
+            </a:r>
+            <a:r>
+              <a:rPr lang="hu-HU" dirty="0"/>
+              <a:t>: </a:t>
+            </a:r>
+            <a:r>
+              <a:rPr lang="hu-HU" dirty="0" err="1"/>
+              <a:t>Amígy</a:t>
+            </a:r>
+            <a:r>
+              <a:rPr lang="hu-HU" dirty="0"/>
+              <a:t> a folyamat „</a:t>
+            </a:r>
+            <a:r>
+              <a:rPr lang="hu-HU" dirty="0" err="1"/>
+              <a:t>waiting</a:t>
+            </a:r>
+            <a:r>
+              <a:rPr lang="hu-HU" dirty="0"/>
+              <a:t>” állapotban van, addig az ütemező elvégzi a kontextusváltást. A kontextusváltás betölti a folyamatot a processzorba és az </a:t>
+            </a:r>
+            <a:r>
+              <a:rPr lang="hu-HU" dirty="0" err="1"/>
+              <a:t>allapototo</a:t>
+            </a:r>
+            <a:r>
+              <a:rPr lang="hu-HU" dirty="0"/>
+              <a:t> „</a:t>
+            </a:r>
+            <a:r>
+              <a:rPr lang="hu-HU" dirty="0" err="1"/>
+              <a:t>running</a:t>
+            </a:r>
+            <a:r>
+              <a:rPr lang="hu-HU" dirty="0"/>
+              <a:t>”-</a:t>
+            </a:r>
+            <a:r>
+              <a:rPr lang="hu-HU" dirty="0" err="1"/>
+              <a:t>ra</a:t>
+            </a:r>
+            <a:r>
+              <a:rPr lang="hu-HU" dirty="0"/>
+              <a:t> állítja.</a:t>
+            </a:r>
+          </a:p>
+          <a:p>
+            <a:endParaRPr lang="hu-HU" dirty="0"/>
+          </a:p>
+          <a:p>
+            <a:r>
+              <a:rPr lang="hu-HU" dirty="0" err="1"/>
+              <a:t>Blocked</a:t>
+            </a:r>
+            <a:r>
+              <a:rPr lang="hu-HU" dirty="0"/>
+              <a:t>: Ebbe az állapotba akkor kerül a folyamat, ha a folyamatnak meg kell várnia egy erőforrást (például várnia kell a felhasználói bemenetre, vagy egy fájl megnyitására), addig blokkolt állapotba kerül.</a:t>
+            </a:r>
+            <a:br>
+              <a:rPr lang="hu-HU" dirty="0"/>
+            </a:br>
+            <a:r>
+              <a:rPr lang="hu-HU" dirty="0"/>
+              <a:t>A folyamat állapota visszaáll a „</a:t>
+            </a:r>
+            <a:r>
+              <a:rPr lang="hu-HU" dirty="0" err="1"/>
+              <a:t>waiting</a:t>
+            </a:r>
+            <a:r>
+              <a:rPr lang="hu-HU" dirty="0"/>
+              <a:t>” állapotra, amint a folyamatnak nem kell tovább várni.</a:t>
+            </a:r>
+          </a:p>
+          <a:p>
+            <a:endParaRPr lang="hu-HU" dirty="0"/>
+          </a:p>
+          <a:p>
+            <a:r>
+              <a:rPr lang="hu-HU" dirty="0" err="1"/>
+              <a:t>Terminated</a:t>
+            </a:r>
+            <a:r>
+              <a:rPr lang="hu-HU" dirty="0"/>
+              <a:t>: Amint a folyamat lefutott, akkor az a folyamat „</a:t>
+            </a:r>
+            <a:r>
+              <a:rPr lang="hu-HU" dirty="0" err="1"/>
+              <a:t>terminated</a:t>
+            </a:r>
+            <a:r>
+              <a:rPr lang="hu-HU" dirty="0"/>
+              <a:t>” állapotba kerül.</a:t>
+            </a:r>
+          </a:p>
+        </p:txBody>
+      </p:sp>
+      <p:sp>
+        <p:nvSpPr>
+          <p:cNvPr id="4" name="Dia számának helye 3"/>
+          <p:cNvSpPr>
+            <a:spLocks noGrp="1"/>
+          </p:cNvSpPr>
+          <p:nvPr>
+            <p:ph type="sldNum" sz="quarter" idx="5"/>
+          </p:nvPr>
+        </p:nvSpPr>
+        <p:spPr/>
+        <p:txBody>
+          <a:bodyPr/>
+          <a:lstStyle/>
+          <a:p>
+            <a:fld id="{674FF4E3-1DEA-4DBB-AF74-DDA85AC22194}" type="slidenum">
+              <a:rPr lang="hu-HU" smtClean="0"/>
+              <a:t>5</a:t>
+            </a:fld>
+            <a:endParaRPr lang="hu-HU"/>
+          </a:p>
+        </p:txBody>
+      </p:sp>
+    </p:spTree>
+    <p:extLst>
+      <p:ext uri="{BB962C8B-B14F-4D97-AF65-F5344CB8AC3E}">
+        <p14:creationId xmlns:p14="http://schemas.microsoft.com/office/powerpoint/2010/main" val="217478851"/>
+      </p:ext>
+    </p:extLst>
+  </p:cSld>
+  <p:clrMapOvr>
+    <a:masterClrMapping/>
+  </p:clrMapOvr>
+</p:notes>
+</file>
+
+<file path=ppt/notesSlides/notesSlide5.xml><?xml version="1.0" encoding="utf-8"?>
+<p:notes xmlns:a="http://schemas.openxmlformats.org/drawingml/2006/main" xmlns:r="http://schemas.openxmlformats.org/officeDocument/2006/relationships" xmlns:p="http://schemas.openxmlformats.org/presentationml/2006/main">
+  <p:cSld>
+    <p:spTree>
+      <p:nvGrpSpPr>
+        <p:cNvPr id="1" name=""/>
+        <p:cNvGrpSpPr/>
+        <p:nvPr/>
+      </p:nvGrpSpPr>
+      <p:grpSpPr>
+        <a:xfrm>
+          <a:off x="0" y="0"/>
+          <a:ext cx="0" cy="0"/>
+          <a:chOff x="0" y="0"/>
+          <a:chExt cx="0" cy="0"/>
+        </a:xfrm>
+      </p:grpSpPr>
+      <p:sp>
+        <p:nvSpPr>
+          <p:cNvPr id="2" name="Diakép helye 1"/>
+          <p:cNvSpPr>
+            <a:spLocks noGrp="1" noRot="1" noChangeAspect="1"/>
+          </p:cNvSpPr>
+          <p:nvPr>
+            <p:ph type="sldImg"/>
+          </p:nvPr>
+        </p:nvSpPr>
+        <p:spPr/>
+      </p:sp>
+      <p:sp>
+        <p:nvSpPr>
+          <p:cNvPr id="3" name="Jegyzetek helye 2"/>
+          <p:cNvSpPr>
+            <a:spLocks noGrp="1"/>
+          </p:cNvSpPr>
+          <p:nvPr>
+            <p:ph type="body" idx="1"/>
+          </p:nvPr>
+        </p:nvSpPr>
+        <p:spPr/>
+        <p:txBody>
+          <a:bodyPr/>
+          <a:lstStyle/>
+          <a:p>
+            <a:r>
+              <a:rPr lang="hu-HU" dirty="0"/>
+              <a:t>Az ábrán egy folyamat futása látható. </a:t>
+            </a:r>
+            <a:br>
+              <a:rPr lang="hu-HU" dirty="0"/>
+            </a:br>
+            <a:r>
+              <a:rPr lang="hu-HU" dirty="0"/>
+              <a:t>Ugye ahogy a folyamatoknál említettem, egy folyamat több szálon futhat, azt próbálja szemléltetni ez az ábra is.</a:t>
+            </a:r>
+          </a:p>
+          <a:p>
+            <a:endParaRPr lang="hu-HU" dirty="0"/>
+          </a:p>
+          <a:p>
+            <a:endParaRPr lang="hu-HU" dirty="0"/>
+          </a:p>
+          <a:p>
+            <a:r>
+              <a:rPr lang="hu-HU" dirty="0"/>
+              <a:t>Egy jól megírt programot a szálak fel tudnak gyorsítani azzal, hogy a nagyobb erőforrást igénylő feladatokat több szálra szétosztva megengedjük a programnak, hogy egymással párhuzamosan tudjanak futni ezek a folyamatok.</a:t>
             </a:r>
             <a:br>
               <a:rPr lang="hu-HU" dirty="0"/>
@@ -1055,7 +1218,519 @@
     </p:spTree>
     <p:extLst>
       <p:ext uri="{BB962C8B-B14F-4D97-AF65-F5344CB8AC3E}">
-        <p14:creationId xmlns:p14="http://schemas.microsoft.com/office/powerpoint/2010/main" val="3393567852"/>
+        <p14:creationId xmlns:p14="http://schemas.microsoft.com/office/powerpoint/2010/main" val="2814851083"/>
+      </p:ext>
+    </p:extLst>
+  </p:cSld>
+  <p:clrMapOvr>
+    <a:masterClrMapping/>
+  </p:clrMapOvr>
+</p:notes>
+</file>
+
+<file path=ppt/notesSlides/notesSlide6.xml><?xml version="1.0" encoding="utf-8"?>
+<p:notes xmlns:a="http://schemas.openxmlformats.org/drawingml/2006/main" xmlns:r="http://schemas.openxmlformats.org/officeDocument/2006/relationships" xmlns:p="http://schemas.openxmlformats.org/presentationml/2006/main">
+  <p:cSld>
+    <p:spTree>
+      <p:nvGrpSpPr>
+        <p:cNvPr id="1" name=""/>
+        <p:cNvGrpSpPr/>
+        <p:nvPr/>
+      </p:nvGrpSpPr>
+      <p:grpSpPr>
+        <a:xfrm>
+          <a:off x="0" y="0"/>
+          <a:ext cx="0" cy="0"/>
+          <a:chOff x="0" y="0"/>
+          <a:chExt cx="0" cy="0"/>
+        </a:xfrm>
+      </p:grpSpPr>
+      <p:sp>
+        <p:nvSpPr>
+          <p:cNvPr id="2" name="Diakép helye 1"/>
+          <p:cNvSpPr>
+            <a:spLocks noGrp="1" noRot="1" noChangeAspect="1"/>
+          </p:cNvSpPr>
+          <p:nvPr>
+            <p:ph type="sldImg"/>
+          </p:nvPr>
+        </p:nvSpPr>
+        <p:spPr/>
+      </p:sp>
+      <p:sp>
+        <p:nvSpPr>
+          <p:cNvPr id="3" name="Jegyzetek helye 2"/>
+          <p:cNvSpPr>
+            <a:spLocks noGrp="1"/>
+          </p:cNvSpPr>
+          <p:nvPr>
+            <p:ph type="body" idx="1"/>
+          </p:nvPr>
+        </p:nvSpPr>
+        <p:spPr/>
+        <p:txBody>
+          <a:bodyPr/>
+          <a:lstStyle/>
+          <a:p>
+            <a:r>
+              <a:rPr lang="hu-HU" dirty="0"/>
+              <a:t>Ezek a modellek csak többprocesszoros gépeken használható. </a:t>
+            </a:r>
+            <a:br>
+              <a:rPr lang="hu-HU" dirty="0"/>
+            </a:br>
+            <a:br>
+              <a:rPr lang="hu-HU" dirty="0"/>
+            </a:br>
+            <a:r>
+              <a:rPr lang="hu-HU" dirty="0"/>
+              <a:t>UMA: Uniform </a:t>
+            </a:r>
+            <a:r>
+              <a:rPr lang="hu-HU" dirty="0" err="1"/>
+              <a:t>Memory</a:t>
+            </a:r>
+            <a:r>
+              <a:rPr lang="hu-HU" dirty="0"/>
+              <a:t> Access (közös memória)</a:t>
+            </a:r>
+          </a:p>
+          <a:p>
+            <a:pPr lvl="1"/>
+            <a:r>
+              <a:rPr lang="hu-HU" dirty="0"/>
+              <a:t>Minden processzor egyetlen közös memóriában tárolja az adatokat. </a:t>
+            </a:r>
+          </a:p>
+          <a:p>
+            <a:pPr lvl="1"/>
+            <a:r>
+              <a:rPr lang="hu-HU" dirty="0"/>
+              <a:t>Más néven SMP (</a:t>
+            </a:r>
+            <a:r>
+              <a:rPr lang="hu-HU" dirty="0" err="1"/>
+              <a:t>symmetric</a:t>
+            </a:r>
+            <a:r>
+              <a:rPr lang="hu-HU" dirty="0"/>
+              <a:t> </a:t>
+            </a:r>
+            <a:r>
+              <a:rPr lang="hu-HU" dirty="0" err="1"/>
+              <a:t>multiprocessor</a:t>
+            </a:r>
+            <a:r>
+              <a:rPr lang="hu-HU" dirty="0"/>
+              <a:t>)-architektúra. </a:t>
+            </a:r>
+          </a:p>
+          <a:p>
+            <a:pPr marL="457200" lvl="1" indent="0">
+              <a:buNone/>
+            </a:pPr>
+            <a:endParaRPr lang="hu-HU" dirty="0"/>
+          </a:p>
+          <a:p>
+            <a:r>
+              <a:rPr lang="en-US" dirty="0"/>
+              <a:t>NUMA: Non-Uniform Memory Access (</a:t>
+            </a:r>
+            <a:r>
+              <a:rPr lang="en-US" dirty="0" err="1"/>
+              <a:t>elosztott</a:t>
+            </a:r>
+            <a:r>
+              <a:rPr lang="en-US" dirty="0"/>
+              <a:t> </a:t>
+            </a:r>
+            <a:r>
+              <a:rPr lang="en-US" dirty="0" err="1"/>
+              <a:t>memória</a:t>
+            </a:r>
+            <a:r>
+              <a:rPr lang="en-US" dirty="0"/>
+              <a:t>) </a:t>
+            </a:r>
+            <a:endParaRPr lang="hu-HU" dirty="0"/>
+          </a:p>
+          <a:p>
+            <a:pPr lvl="1"/>
+            <a:r>
+              <a:rPr lang="en-US" dirty="0"/>
+              <a:t>Minden </a:t>
+            </a:r>
+            <a:r>
+              <a:rPr lang="en-US" dirty="0" err="1"/>
+              <a:t>processzor</a:t>
+            </a:r>
+            <a:r>
+              <a:rPr lang="en-US" dirty="0"/>
+              <a:t> </a:t>
+            </a:r>
+            <a:r>
+              <a:rPr lang="en-US" dirty="0" err="1"/>
+              <a:t>saját</a:t>
+            </a:r>
+            <a:r>
+              <a:rPr lang="en-US" dirty="0"/>
+              <a:t>, </a:t>
+            </a:r>
+            <a:r>
+              <a:rPr lang="en-US" dirty="0" err="1"/>
+              <a:t>független</a:t>
+            </a:r>
+            <a:r>
+              <a:rPr lang="en-US" dirty="0"/>
+              <a:t> </a:t>
+            </a:r>
+            <a:r>
+              <a:rPr lang="en-US" dirty="0" err="1"/>
+              <a:t>memóriával</a:t>
+            </a:r>
+            <a:r>
+              <a:rPr lang="en-US" dirty="0"/>
+              <a:t> </a:t>
+            </a:r>
+            <a:r>
+              <a:rPr lang="en-US" dirty="0" err="1"/>
+              <a:t>rendelkezik</a:t>
+            </a:r>
+            <a:r>
+              <a:rPr lang="en-US" dirty="0"/>
+              <a:t>. </a:t>
+            </a:r>
+            <a:endParaRPr lang="hu-HU" dirty="0"/>
+          </a:p>
+          <a:p>
+            <a:pPr lvl="1"/>
+            <a:r>
+              <a:rPr lang="en-US" dirty="0"/>
+              <a:t>Más </a:t>
+            </a:r>
+            <a:r>
+              <a:rPr lang="en-US" dirty="0" err="1"/>
+              <a:t>néven</a:t>
+            </a:r>
+            <a:r>
+              <a:rPr lang="en-US" dirty="0"/>
+              <a:t> DM (distributed memory)-</a:t>
+            </a:r>
+            <a:r>
+              <a:rPr lang="en-US" dirty="0" err="1"/>
+              <a:t>architektúra</a:t>
+            </a:r>
+            <a:r>
+              <a:rPr lang="en-US" dirty="0"/>
+              <a:t>. </a:t>
+            </a:r>
+            <a:endParaRPr lang="hu-HU" dirty="0"/>
+          </a:p>
+          <a:p>
+            <a:endParaRPr lang="hu-HU" dirty="0"/>
+          </a:p>
+        </p:txBody>
+      </p:sp>
+      <p:sp>
+        <p:nvSpPr>
+          <p:cNvPr id="4" name="Dia számának helye 3"/>
+          <p:cNvSpPr>
+            <a:spLocks noGrp="1"/>
+          </p:cNvSpPr>
+          <p:nvPr>
+            <p:ph type="sldNum" sz="quarter" idx="5"/>
+          </p:nvPr>
+        </p:nvSpPr>
+        <p:spPr/>
+        <p:txBody>
+          <a:bodyPr/>
+          <a:lstStyle/>
+          <a:p>
+            <a:fld id="{674FF4E3-1DEA-4DBB-AF74-DDA85AC22194}" type="slidenum">
+              <a:rPr lang="hu-HU" smtClean="0"/>
+              <a:t>7</a:t>
+            </a:fld>
+            <a:endParaRPr lang="hu-HU"/>
+          </a:p>
+        </p:txBody>
+      </p:sp>
+    </p:spTree>
+    <p:extLst>
+      <p:ext uri="{BB962C8B-B14F-4D97-AF65-F5344CB8AC3E}">
+        <p14:creationId xmlns:p14="http://schemas.microsoft.com/office/powerpoint/2010/main" val="2124914228"/>
+      </p:ext>
+    </p:extLst>
+  </p:cSld>
+  <p:clrMapOvr>
+    <a:masterClrMapping/>
+  </p:clrMapOvr>
+</p:notes>
+</file>
+
+<file path=ppt/notesSlides/notesSlide7.xml><?xml version="1.0" encoding="utf-8"?>
+<p:notes xmlns:a="http://schemas.openxmlformats.org/drawingml/2006/main" xmlns:r="http://schemas.openxmlformats.org/officeDocument/2006/relationships" xmlns:p="http://schemas.openxmlformats.org/presentationml/2006/main">
+  <p:cSld>
+    <p:spTree>
+      <p:nvGrpSpPr>
+        <p:cNvPr id="1" name=""/>
+        <p:cNvGrpSpPr/>
+        <p:nvPr/>
+      </p:nvGrpSpPr>
+      <p:grpSpPr>
+        <a:xfrm>
+          <a:off x="0" y="0"/>
+          <a:ext cx="0" cy="0"/>
+          <a:chOff x="0" y="0"/>
+          <a:chExt cx="0" cy="0"/>
+        </a:xfrm>
+      </p:grpSpPr>
+      <p:sp>
+        <p:nvSpPr>
+          <p:cNvPr id="2" name="Diakép helye 1"/>
+          <p:cNvSpPr>
+            <a:spLocks noGrp="1" noRot="1" noChangeAspect="1"/>
+          </p:cNvSpPr>
+          <p:nvPr>
+            <p:ph type="sldImg"/>
+          </p:nvPr>
+        </p:nvSpPr>
+        <p:spPr/>
+      </p:sp>
+      <p:sp>
+        <p:nvSpPr>
+          <p:cNvPr id="3" name="Jegyzetek helye 2"/>
+          <p:cNvSpPr>
+            <a:spLocks noGrp="1"/>
+          </p:cNvSpPr>
+          <p:nvPr>
+            <p:ph type="body" idx="1"/>
+          </p:nvPr>
+        </p:nvSpPr>
+        <p:spPr/>
+        <p:txBody>
+          <a:bodyPr/>
+          <a:lstStyle/>
+          <a:p>
+            <a:r>
+              <a:rPr lang="hu-HU" dirty="0"/>
+              <a:t>Ez a rendszer az UMA és a NUMA keveréke, mivel a rendszer egynél több memóriablokkot tartalmaz (tehát nem tisztán</a:t>
+            </a:r>
+          </a:p>
+          <a:p>
+            <a:r>
+              <a:rPr lang="hu-HU" dirty="0"/>
+              <a:t>UMA), de ezeket a processzorok közösen is használják (tehát nem is tisztán</a:t>
+            </a:r>
+          </a:p>
+          <a:p>
+            <a:r>
+              <a:rPr lang="hu-HU" dirty="0"/>
+              <a:t>NUMA). A nagy teljesítményű párhuzamos számítógépek (más néven</a:t>
+            </a:r>
+          </a:p>
+          <a:p>
+            <a:r>
+              <a:rPr lang="hu-HU" dirty="0"/>
+              <a:t>„szuperszámítógépek”) körében egyértelmű trend a hibrid NUMA megoldás</a:t>
+            </a:r>
+          </a:p>
+          <a:p>
+            <a:r>
+              <a:rPr lang="hu-HU" dirty="0"/>
+              <a:t>terjedése.</a:t>
+            </a:r>
+          </a:p>
+        </p:txBody>
+      </p:sp>
+      <p:sp>
+        <p:nvSpPr>
+          <p:cNvPr id="4" name="Dia számának helye 3"/>
+          <p:cNvSpPr>
+            <a:spLocks noGrp="1"/>
+          </p:cNvSpPr>
+          <p:nvPr>
+            <p:ph type="sldNum" sz="quarter" idx="5"/>
+          </p:nvPr>
+        </p:nvSpPr>
+        <p:spPr/>
+        <p:txBody>
+          <a:bodyPr/>
+          <a:lstStyle/>
+          <a:p>
+            <a:fld id="{674FF4E3-1DEA-4DBB-AF74-DDA85AC22194}" type="slidenum">
+              <a:rPr lang="hu-HU" smtClean="0"/>
+              <a:t>8</a:t>
+            </a:fld>
+            <a:endParaRPr lang="hu-HU"/>
+          </a:p>
+        </p:txBody>
+      </p:sp>
+    </p:spTree>
+    <p:extLst>
+      <p:ext uri="{BB962C8B-B14F-4D97-AF65-F5344CB8AC3E}">
+        <p14:creationId xmlns:p14="http://schemas.microsoft.com/office/powerpoint/2010/main" val="3816258218"/>
+      </p:ext>
+    </p:extLst>
+  </p:cSld>
+  <p:clrMapOvr>
+    <a:masterClrMapping/>
+  </p:clrMapOvr>
+</p:notes>
+</file>
+
+<file path=ppt/notesSlides/notesSlide8.xml><?xml version="1.0" encoding="utf-8"?>
+<p:notes xmlns:a="http://schemas.openxmlformats.org/drawingml/2006/main" xmlns:r="http://schemas.openxmlformats.org/officeDocument/2006/relationships" xmlns:p="http://schemas.openxmlformats.org/presentationml/2006/main">
+  <p:cSld>
+    <p:spTree>
+      <p:nvGrpSpPr>
+        <p:cNvPr id="1" name=""/>
+        <p:cNvGrpSpPr/>
+        <p:nvPr/>
+      </p:nvGrpSpPr>
+      <p:grpSpPr>
+        <a:xfrm>
+          <a:off x="0" y="0"/>
+          <a:ext cx="0" cy="0"/>
+          <a:chOff x="0" y="0"/>
+          <a:chExt cx="0" cy="0"/>
+        </a:xfrm>
+      </p:grpSpPr>
+      <p:sp>
+        <p:nvSpPr>
+          <p:cNvPr id="2" name="Diakép helye 1"/>
+          <p:cNvSpPr>
+            <a:spLocks noGrp="1" noRot="1" noChangeAspect="1"/>
+          </p:cNvSpPr>
+          <p:nvPr>
+            <p:ph type="sldImg"/>
+          </p:nvPr>
+        </p:nvSpPr>
+        <p:spPr/>
+      </p:sp>
+      <p:sp>
+        <p:nvSpPr>
+          <p:cNvPr id="3" name="Jegyzetek helye 2"/>
+          <p:cNvSpPr>
+            <a:spLocks noGrp="1"/>
+          </p:cNvSpPr>
+          <p:nvPr>
+            <p:ph type="body" idx="1"/>
+          </p:nvPr>
+        </p:nvSpPr>
+        <p:spPr/>
+        <p:txBody>
+          <a:bodyPr/>
+          <a:lstStyle/>
+          <a:p>
+            <a:r>
+              <a:rPr lang="hu-HU" dirty="0"/>
+              <a:t>A processzorok mindig rendelkeznek gyorsítótárakkal, melyek a memóriából</a:t>
+            </a:r>
+          </a:p>
+          <a:p>
+            <a:r>
+              <a:rPr lang="hu-HU" dirty="0"/>
+              <a:t>betöltött, illetve oda kiírandó adatok egy részét tárolják. </a:t>
+            </a:r>
+            <a:br>
+              <a:rPr lang="hu-HU" dirty="0"/>
+            </a:br>
+            <a:br>
+              <a:rPr lang="hu-HU" dirty="0"/>
+            </a:br>
+            <a:r>
+              <a:rPr lang="hu-HU" dirty="0"/>
+              <a:t>Ezek tartalmának összehangolása külön feladatként merül fel, mely az UMA és NUMA</a:t>
+            </a:r>
+          </a:p>
+          <a:p>
+            <a:r>
+              <a:rPr lang="hu-HU" dirty="0"/>
+              <a:t>modellekben igen bonyolultan oldható meg.</a:t>
+            </a:r>
+            <a:br>
+              <a:rPr lang="hu-HU" dirty="0"/>
+            </a:br>
+            <a:endParaRPr lang="hu-HU" dirty="0"/>
+          </a:p>
+          <a:p>
+            <a:r>
+              <a:rPr lang="hu-HU" dirty="0"/>
+              <a:t>A </a:t>
+            </a:r>
+            <a:r>
+              <a:rPr lang="hu-HU" dirty="0" err="1"/>
+              <a:t>ccUMA</a:t>
+            </a:r>
+            <a:r>
+              <a:rPr lang="hu-HU" dirty="0"/>
+              <a:t> (cache-</a:t>
+            </a:r>
+            <a:r>
+              <a:rPr lang="hu-HU" dirty="0" err="1"/>
+              <a:t>coherent</a:t>
+            </a:r>
+            <a:r>
+              <a:rPr lang="hu-HU" dirty="0"/>
+              <a:t> UMA) és </a:t>
+            </a:r>
+            <a:r>
+              <a:rPr lang="hu-HU" dirty="0" err="1"/>
+              <a:t>ccNUMA</a:t>
+            </a:r>
+            <a:r>
+              <a:rPr lang="hu-HU" dirty="0"/>
+              <a:t> modelleknél speciális, egy ún.</a:t>
+            </a:r>
+          </a:p>
+          <a:p>
+            <a:r>
+              <a:rPr lang="hu-HU" dirty="0"/>
+              <a:t>koherencia-protokollt megvalósító egység gondoskodik az összehangolásról.</a:t>
+            </a:r>
+            <a:br>
+              <a:rPr lang="hu-HU" dirty="0"/>
+            </a:br>
+            <a:br>
+              <a:rPr lang="hu-HU" dirty="0"/>
+            </a:br>
+            <a:r>
+              <a:rPr lang="hu-HU" dirty="0"/>
+              <a:t>Ezekre a modellekre azért van szükség, mert az adatfeldolgozás igen energiaigényes, ezekkel a kommunikációs modellekkel, ez a „veszteség” könnyen csökkenthető.</a:t>
+            </a:r>
+          </a:p>
+          <a:p>
+            <a:endParaRPr lang="hu-HU" dirty="0"/>
+          </a:p>
+        </p:txBody>
+      </p:sp>
+      <p:sp>
+        <p:nvSpPr>
+          <p:cNvPr id="4" name="Dia számának helye 3"/>
+          <p:cNvSpPr>
+            <a:spLocks noGrp="1"/>
+          </p:cNvSpPr>
+          <p:nvPr>
+            <p:ph type="sldNum" sz="quarter" idx="5"/>
+          </p:nvPr>
+        </p:nvSpPr>
+        <p:spPr/>
+        <p:txBody>
+          <a:bodyPr/>
+          <a:lstStyle/>
+          <a:p>
+            <a:fld id="{674FF4E3-1DEA-4DBB-AF74-DDA85AC22194}" type="slidenum">
+              <a:rPr lang="hu-HU" smtClean="0"/>
+              <a:t>9</a:t>
+            </a:fld>
+            <a:endParaRPr lang="hu-HU"/>
+          </a:p>
+        </p:txBody>
+      </p:sp>
+    </p:spTree>
+    <p:extLst>
+      <p:ext uri="{BB962C8B-B14F-4D97-AF65-F5344CB8AC3E}">
+        <p14:creationId xmlns:p14="http://schemas.microsoft.com/office/powerpoint/2010/main" val="1870017760"/>
       </p:ext>
     </p:extLst>
   </p:cSld>
@@ -1212,7 +1887,7 @@
           <a:p>
             <a:fld id="{74D6CE58-D5BF-4592-BBC8-A7847BDADEB9}" type="datetimeFigureOut">
               <a:rPr lang="hu-HU" smtClean="0"/>
-              <a:t>2021. 10. 02.</a:t>
+              <a:t>2021. 10. 06.</a:t>
             </a:fld>
             <a:endParaRPr lang="hu-HU"/>
           </a:p>
@@ -1410,7 +2085,7 @@
           <a:p>
             <a:fld id="{74D6CE58-D5BF-4592-BBC8-A7847BDADEB9}" type="datetimeFigureOut">
               <a:rPr lang="hu-HU" smtClean="0"/>
-              <a:t>2021. 10. 02.</a:t>
+              <a:t>2021. 10. 06.</a:t>
             </a:fld>
             <a:endParaRPr lang="hu-HU"/>
           </a:p>
@@ -1618,7 +2293,7 @@
           <a:p>
             <a:fld id="{74D6CE58-D5BF-4592-BBC8-A7847BDADEB9}" type="datetimeFigureOut">
               <a:rPr lang="hu-HU" smtClean="0"/>
-              <a:t>2021. 10. 02.</a:t>
+              <a:t>2021. 10. 06.</a:t>
             </a:fld>
             <a:endParaRPr lang="hu-HU"/>
           </a:p>
@@ -1816,7 +2491,7 @@
           <a:p>
             <a:fld id="{74D6CE58-D5BF-4592-BBC8-A7847BDADEB9}" type="datetimeFigureOut">
               <a:rPr lang="hu-HU" smtClean="0"/>
-              <a:t>2021. 10. 02.</a:t>
+              <a:t>2021. 10. 06.</a:t>
             </a:fld>
             <a:endParaRPr lang="hu-HU"/>
           </a:p>
@@ -2091,7 +2766,7 @@
           <a:p>
             <a:fld id="{74D6CE58-D5BF-4592-BBC8-A7847BDADEB9}" type="datetimeFigureOut">
               <a:rPr lang="hu-HU" smtClean="0"/>
-              <a:t>2021. 10. 02.</a:t>
+              <a:t>2021. 10. 06.</a:t>
             </a:fld>
             <a:endParaRPr lang="hu-HU"/>
           </a:p>
@@ -2356,7 +3031,7 @@
           <a:p>
             <a:fld id="{74D6CE58-D5BF-4592-BBC8-A7847BDADEB9}" type="datetimeFigureOut">
               <a:rPr lang="hu-HU" smtClean="0"/>
-              <a:t>2021. 10. 02.</a:t>
+              <a:t>2021. 10. 06.</a:t>
             </a:fld>
             <a:endParaRPr lang="hu-HU"/>
           </a:p>
@@ -2768,7 +3443,7 @@
           <a:p>
             <a:fld id="{74D6CE58-D5BF-4592-BBC8-A7847BDADEB9}" type="datetimeFigureOut">
               <a:rPr lang="hu-HU" smtClean="0"/>
-              <a:t>2021. 10. 02.</a:t>
+              <a:t>2021. 10. 06.</a:t>
             </a:fld>
             <a:endParaRPr lang="hu-HU"/>
           </a:p>
@@ -2909,7 +3584,7 @@
           <a:p>
             <a:fld id="{74D6CE58-D5BF-4592-BBC8-A7847BDADEB9}" type="datetimeFigureOut">
               <a:rPr lang="hu-HU" smtClean="0"/>
-              <a:t>2021. 10. 02.</a:t>
+              <a:t>2021. 10. 06.</a:t>
             </a:fld>
             <a:endParaRPr lang="hu-HU"/>
           </a:p>
@@ -3022,7 +3697,7 @@
           <a:p>
             <a:fld id="{74D6CE58-D5BF-4592-BBC8-A7847BDADEB9}" type="datetimeFigureOut">
               <a:rPr lang="hu-HU" smtClean="0"/>
-              <a:t>2021. 10. 02.</a:t>
+              <a:t>2021. 10. 06.</a:t>
             </a:fld>
             <a:endParaRPr lang="hu-HU"/>
           </a:p>
@@ -3333,7 +4008,7 @@
           <a:p>
             <a:fld id="{74D6CE58-D5BF-4592-BBC8-A7847BDADEB9}" type="datetimeFigureOut">
               <a:rPr lang="hu-HU" smtClean="0"/>
-              <a:t>2021. 10. 02.</a:t>
+              <a:t>2021. 10. 06.</a:t>
             </a:fld>
             <a:endParaRPr lang="hu-HU"/>
           </a:p>
@@ -3621,7 +4296,7 @@
           <a:p>
             <a:fld id="{74D6CE58-D5BF-4592-BBC8-A7847BDADEB9}" type="datetimeFigureOut">
               <a:rPr lang="hu-HU" smtClean="0"/>
-              <a:t>2021. 10. 02.</a:t>
+              <a:t>2021. 10. 06.</a:t>
             </a:fld>
             <a:endParaRPr lang="hu-HU"/>
           </a:p>
@@ -3862,7 +4537,7 @@
           <a:p>
             <a:fld id="{74D6CE58-D5BF-4592-BBC8-A7847BDADEB9}" type="datetimeFigureOut">
               <a:rPr lang="hu-HU" smtClean="0"/>
-              <a:t>2021. 10. 02.</a:t>
+              <a:t>2021. 10. 06.</a:t>
             </a:fld>
             <a:endParaRPr lang="hu-HU"/>
           </a:p>
@@ -4359,6 +5034,105 @@
 </p:sld>
 </file>
 
+<file path=ppt/slides/slide10.xml><?xml version="1.0" encoding="utf-8"?>
+<p:sld xmlns:a="http://schemas.openxmlformats.org/drawingml/2006/main" xmlns:r="http://schemas.openxmlformats.org/officeDocument/2006/relationships" xmlns:p="http://schemas.openxmlformats.org/presentationml/2006/main">
+  <p:cSld>
+    <p:spTree>
+      <p:nvGrpSpPr>
+        <p:cNvPr id="1" name=""/>
+        <p:cNvGrpSpPr/>
+        <p:nvPr/>
+      </p:nvGrpSpPr>
+      <p:grpSpPr>
+        <a:xfrm>
+          <a:off x="0" y="0"/>
+          <a:ext cx="0" cy="0"/>
+          <a:chOff x="0" y="0"/>
+          <a:chExt cx="0" cy="0"/>
+        </a:xfrm>
+      </p:grpSpPr>
+      <p:sp>
+        <p:nvSpPr>
+          <p:cNvPr id="2" name="Cím 1">
+            <a:extLst>
+              <a:ext uri="{FF2B5EF4-FFF2-40B4-BE49-F238E27FC236}">
+                <a16:creationId xmlns:a16="http://schemas.microsoft.com/office/drawing/2014/main" id="{EC9BEC7B-56CF-4849-95F5-4B2D0C381343}"/>
+              </a:ext>
+            </a:extLst>
+          </p:cNvPr>
+          <p:cNvSpPr>
+            <a:spLocks noGrp="1"/>
+          </p:cNvSpPr>
+          <p:nvPr>
+            <p:ph type="title"/>
+          </p:nvPr>
+        </p:nvSpPr>
+        <p:spPr/>
+        <p:txBody>
+          <a:bodyPr/>
+          <a:lstStyle/>
+          <a:p>
+            <a:endParaRPr lang="hu-HU"/>
+          </a:p>
+        </p:txBody>
+      </p:sp>
+      <p:sp>
+        <p:nvSpPr>
+          <p:cNvPr id="3" name="Tartalom helye 2">
+            <a:extLst>
+              <a:ext uri="{FF2B5EF4-FFF2-40B4-BE49-F238E27FC236}">
+                <a16:creationId xmlns:a16="http://schemas.microsoft.com/office/drawing/2014/main" id="{31C14EB4-5FA4-4FA0-A1B5-E36D224D01FB}"/>
+              </a:ext>
+            </a:extLst>
+          </p:cNvPr>
+          <p:cNvSpPr>
+            <a:spLocks noGrp="1"/>
+          </p:cNvSpPr>
+          <p:nvPr>
+            <p:ph idx="1"/>
+          </p:nvPr>
+        </p:nvSpPr>
+        <p:spPr/>
+        <p:txBody>
+          <a:bodyPr/>
+          <a:lstStyle/>
+          <a:p>
+            <a:r>
+              <a:rPr lang="en-US" dirty="0"/>
+              <a:t>Chapter 4. Processes, Operating system concepts with Java, Sixth, John Wiley &amp; Sons</a:t>
+            </a:r>
+            <a:endParaRPr lang="hu-HU" dirty="0"/>
+          </a:p>
+          <a:p>
+            <a:r>
+              <a:rPr lang="en-US" dirty="0"/>
+              <a:t>Stallings, William. </a:t>
+            </a:r>
+            <a:r>
+              <a:rPr lang="en-US" i="1" dirty="0"/>
+              <a:t>Operating Systems: internals and design principles</a:t>
+            </a:r>
+            <a:r>
+              <a:rPr lang="en-US" dirty="0"/>
+              <a:t>, 5th, Prentice Hall</a:t>
+            </a:r>
+            <a:endParaRPr lang="hu-HU" dirty="0"/>
+          </a:p>
+        </p:txBody>
+      </p:sp>
+    </p:spTree>
+    <p:extLst>
+      <p:ext uri="{BB962C8B-B14F-4D97-AF65-F5344CB8AC3E}">
+        <p14:creationId xmlns:p14="http://schemas.microsoft.com/office/powerpoint/2010/main" val="1840052443"/>
+      </p:ext>
+    </p:extLst>
+  </p:cSld>
+  <p:clrMapOvr>
+    <a:masterClrMapping/>
+  </p:clrMapOvr>
+</p:sld>
+</file>
+
 <file path=ppt/slides/slide2.xml><?xml version="1.0" encoding="utf-8"?>
 <p:sld xmlns:a="http://schemas.openxmlformats.org/drawingml/2006/main" xmlns:r="http://schemas.openxmlformats.org/officeDocument/2006/relationships" xmlns:p="http://schemas.openxmlformats.org/presentationml/2006/main">
   <p:cSld>
@@ -4447,10 +5221,9 @@
           </a:p>
           <a:p>
             <a:r>
-              <a:rPr lang="hu-HU" dirty="0" err="1"/>
-              <a:t>Numa</a:t>
-            </a:r>
-            <a:endParaRPr lang="hu-HU" dirty="0"/>
+              <a:rPr lang="hu-HU" dirty="0"/>
+              <a:t>UMA / NUMA</a:t>
+            </a:r>
           </a:p>
           <a:p>
             <a:r>
@@ -4559,6 +5332,122 @@
           <p:cNvPr id="2" name="Cím 1">
             <a:extLst>
               <a:ext uri="{FF2B5EF4-FFF2-40B4-BE49-F238E27FC236}">
+                <a16:creationId xmlns:a16="http://schemas.microsoft.com/office/drawing/2014/main" id="{26AC7C7D-0672-487F-A091-820D1EBF4305}"/>
+              </a:ext>
+            </a:extLst>
+          </p:cNvPr>
+          <p:cNvSpPr>
+            <a:spLocks noGrp="1"/>
+          </p:cNvSpPr>
+          <p:nvPr>
+            <p:ph type="title"/>
+          </p:nvPr>
+        </p:nvSpPr>
+        <p:spPr/>
+        <p:txBody>
+          <a:bodyPr/>
+          <a:lstStyle/>
+          <a:p>
+            <a:r>
+              <a:rPr lang="hu-HU" dirty="0"/>
+              <a:t>A párhuzamos programozás alapfogalmai</a:t>
+            </a:r>
+          </a:p>
+        </p:txBody>
+      </p:sp>
+      <p:sp>
+        <p:nvSpPr>
+          <p:cNvPr id="3" name="Tartalom helye 2">
+            <a:extLst>
+              <a:ext uri="{FF2B5EF4-FFF2-40B4-BE49-F238E27FC236}">
+                <a16:creationId xmlns:a16="http://schemas.microsoft.com/office/drawing/2014/main" id="{C96F5C4E-1F53-4264-A97A-C2BB2806D4D9}"/>
+              </a:ext>
+            </a:extLst>
+          </p:cNvPr>
+          <p:cNvSpPr>
+            <a:spLocks noGrp="1"/>
+          </p:cNvSpPr>
+          <p:nvPr>
+            <p:ph idx="1"/>
+          </p:nvPr>
+        </p:nvSpPr>
+        <p:spPr/>
+        <p:txBody>
+          <a:bodyPr/>
+          <a:lstStyle/>
+          <a:p>
+            <a:r>
+              <a:rPr lang="hu-HU" dirty="0"/>
+              <a:t>Program</a:t>
+            </a:r>
+          </a:p>
+          <a:p>
+            <a:r>
+              <a:rPr lang="hu-HU" dirty="0"/>
+              <a:t>Feladat</a:t>
+            </a:r>
+          </a:p>
+          <a:p>
+            <a:r>
+              <a:rPr lang="hu-HU" dirty="0"/>
+              <a:t>Folyamat</a:t>
+            </a:r>
+          </a:p>
+          <a:p>
+            <a:r>
+              <a:rPr lang="hu-HU" dirty="0"/>
+              <a:t>Szál</a:t>
+            </a:r>
+          </a:p>
+          <a:p>
+            <a:r>
+              <a:rPr lang="hu-HU" dirty="0"/>
+              <a:t>Végrehajtási egység</a:t>
+            </a:r>
+          </a:p>
+          <a:p>
+            <a:r>
+              <a:rPr lang="hu-HU" dirty="0"/>
+              <a:t>Feldolgozóegység</a:t>
+            </a:r>
+          </a:p>
+        </p:txBody>
+      </p:sp>
+    </p:spTree>
+    <p:extLst>
+      <p:ext uri="{BB962C8B-B14F-4D97-AF65-F5344CB8AC3E}">
+        <p14:creationId xmlns:p14="http://schemas.microsoft.com/office/powerpoint/2010/main" val="2876470666"/>
+      </p:ext>
+    </p:extLst>
+  </p:cSld>
+  <p:clrMapOvr>
+    <a:masterClrMapping/>
+  </p:clrMapOvr>
+</p:sld>
+</file>
+
+<file path=ppt/slides/slide4.xml><?xml version="1.0" encoding="utf-8"?>
+<p:sld xmlns:a="http://schemas.openxmlformats.org/drawingml/2006/main" xmlns:r="http://schemas.openxmlformats.org/officeDocument/2006/relationships" xmlns:p="http://schemas.openxmlformats.org/presentationml/2006/main">
+  <p:cSld>
+    <p:spTree>
+      <p:nvGrpSpPr>
+        <p:cNvPr id="1" name=""/>
+        <p:cNvGrpSpPr/>
+        <p:nvPr/>
+      </p:nvGrpSpPr>
+      <p:grpSpPr>
+        <a:xfrm>
+          <a:off x="0" y="0"/>
+          <a:ext cx="0" cy="0"/>
+          <a:chOff x="0" y="0"/>
+          <a:chExt cx="0" cy="0"/>
+        </a:xfrm>
+      </p:grpSpPr>
+      <p:sp>
+        <p:nvSpPr>
+          <p:cNvPr id="2" name="Cím 1">
+            <a:extLst>
+              <a:ext uri="{FF2B5EF4-FFF2-40B4-BE49-F238E27FC236}">
                 <a16:creationId xmlns:a16="http://schemas.microsoft.com/office/drawing/2014/main" id="{C9D5461E-6EAF-40C4-9B97-C1BC365F58DE}"/>
               </a:ext>
             </a:extLst>
@@ -4635,7 +5524,7 @@
 </p:sld>
 </file>
 
-<file path=ppt/slides/slide4.xml><?xml version="1.0" encoding="utf-8"?>
+<file path=ppt/slides/slide5.xml><?xml version="1.0" encoding="utf-8"?>
 <p:sld xmlns:a="http://schemas.openxmlformats.org/drawingml/2006/main" xmlns:r="http://schemas.openxmlformats.org/officeDocument/2006/relationships" xmlns:p="http://schemas.openxmlformats.org/presentationml/2006/main">
   <p:cSld>
     <p:spTree>
@@ -4746,7 +5635,7 @@
 </p:sld>
 </file>
 
-<file path=ppt/slides/slide5.xml><?xml version="1.0" encoding="utf-8"?>
+<file path=ppt/slides/slide6.xml><?xml version="1.0" encoding="utf-8"?>
 <p:sld xmlns:a="http://schemas.openxmlformats.org/drawingml/2006/main" xmlns:r="http://schemas.openxmlformats.org/officeDocument/2006/relationships" xmlns:p="http://schemas.openxmlformats.org/presentationml/2006/main">
   <p:cSld>
     <p:spTree>
@@ -5176,103 +6065,6 @@
 </p:sld>
 </file>
 
-<file path=ppt/slides/slide6.xml><?xml version="1.0" encoding="utf-8"?>
-<p:sld xmlns:a="http://schemas.openxmlformats.org/drawingml/2006/main" xmlns:r="http://schemas.openxmlformats.org/officeDocument/2006/relationships" xmlns:p="http://schemas.openxmlformats.org/presentationml/2006/main">
-  <p:cSld>
-    <p:spTree>
-      <p:nvGrpSpPr>
-        <p:cNvPr id="1" name=""/>
-        <p:cNvGrpSpPr/>
-        <p:nvPr/>
-      </p:nvGrpSpPr>
-      <p:grpSpPr>
-        <a:xfrm>
-          <a:off x="0" y="0"/>
-          <a:ext cx="0" cy="0"/>
-          <a:chOff x="0" y="0"/>
-          <a:chExt cx="0" cy="0"/>
-        </a:xfrm>
-      </p:grpSpPr>
-      <p:sp>
-        <p:nvSpPr>
-          <p:cNvPr id="2" name="Cím 1">
-            <a:extLst>
-              <a:ext uri="{FF2B5EF4-FFF2-40B4-BE49-F238E27FC236}">
-                <a16:creationId xmlns:a16="http://schemas.microsoft.com/office/drawing/2014/main" id="{82A783BA-F5A3-4863-94C2-C91E84205198}"/>
-              </a:ext>
-            </a:extLst>
-          </p:cNvPr>
-          <p:cNvSpPr>
-            <a:spLocks noGrp="1"/>
-          </p:cNvSpPr>
-          <p:nvPr>
-            <p:ph type="title"/>
-          </p:nvPr>
-        </p:nvSpPr>
-        <p:spPr/>
-        <p:txBody>
-          <a:bodyPr/>
-          <a:lstStyle/>
-          <a:p>
-            <a:r>
-              <a:rPr lang="hu-HU" dirty="0"/>
-              <a:t>Szálak felhasználása</a:t>
-            </a:r>
-          </a:p>
-        </p:txBody>
-      </p:sp>
-      <p:sp>
-        <p:nvSpPr>
-          <p:cNvPr id="3" name="Tartalom helye 2">
-            <a:extLst>
-              <a:ext uri="{FF2B5EF4-FFF2-40B4-BE49-F238E27FC236}">
-                <a16:creationId xmlns:a16="http://schemas.microsoft.com/office/drawing/2014/main" id="{B601EB7D-21ED-4D6D-B5C3-69CBCDB9644C}"/>
-              </a:ext>
-            </a:extLst>
-          </p:cNvPr>
-          <p:cNvSpPr>
-            <a:spLocks noGrp="1"/>
-          </p:cNvSpPr>
-          <p:nvPr>
-            <p:ph idx="1"/>
-          </p:nvPr>
-        </p:nvSpPr>
-        <p:spPr>
-          <a:xfrm>
-            <a:off x="838200" y="2768599"/>
-            <a:ext cx="10515600" cy="3636963"/>
-          </a:xfrm>
-        </p:spPr>
-        <p:txBody>
-          <a:bodyPr/>
-          <a:lstStyle/>
-          <a:p>
-            <a:r>
-              <a:rPr lang="hu-HU" dirty="0"/>
-              <a:t>Program gyorsítása</a:t>
-            </a:r>
-          </a:p>
-          <a:p>
-            <a:r>
-              <a:rPr lang="hu-HU" dirty="0"/>
-              <a:t>Program szüneteltetése</a:t>
-            </a:r>
-          </a:p>
-        </p:txBody>
-      </p:sp>
-    </p:spTree>
-    <p:extLst>
-      <p:ext uri="{BB962C8B-B14F-4D97-AF65-F5344CB8AC3E}">
-        <p14:creationId xmlns:p14="http://schemas.microsoft.com/office/powerpoint/2010/main" val="3686392931"/>
-      </p:ext>
-    </p:extLst>
-  </p:cSld>
-  <p:clrMapOvr>
-    <a:masterClrMapping/>
-  </p:clrMapOvr>
-</p:sld>
-</file>
-
 <file path=ppt/slides/slide7.xml><?xml version="1.0" encoding="utf-8"?>
 <p:sld xmlns:a="http://schemas.openxmlformats.org/drawingml/2006/main" xmlns:r="http://schemas.openxmlformats.org/officeDocument/2006/relationships" xmlns:p="http://schemas.openxmlformats.org/presentationml/2006/main">
   <p:cSld>
@@ -5295,7 +6087,7 @@
           <p:cNvPr id="2" name="Cím 1">
             <a:extLst>
               <a:ext uri="{FF2B5EF4-FFF2-40B4-BE49-F238E27FC236}">
-                <a16:creationId xmlns:a16="http://schemas.microsoft.com/office/drawing/2014/main" id="{EC9BEC7B-56CF-4849-95F5-4B2D0C381343}"/>
+                <a16:creationId xmlns:a16="http://schemas.microsoft.com/office/drawing/2014/main" id="{4BBCD19D-1459-4CD4-9217-EED38C332748}"/>
               </a:ext>
             </a:extLst>
           </p:cNvPr>
@@ -5311,58 +6103,344 @@
           <a:bodyPr/>
           <a:lstStyle/>
           <a:p>
-            <a:endParaRPr lang="hu-HU"/>
-          </a:p>
-        </p:txBody>
-      </p:sp>
-      <p:sp>
-        <p:nvSpPr>
-          <p:cNvPr id="3" name="Tartalom helye 2">
-            <a:extLst>
-              <a:ext uri="{FF2B5EF4-FFF2-40B4-BE49-F238E27FC236}">
-                <a16:creationId xmlns:a16="http://schemas.microsoft.com/office/drawing/2014/main" id="{31C14EB4-5FA4-4FA0-A1B5-E36D224D01FB}"/>
-              </a:ext>
-            </a:extLst>
-          </p:cNvPr>
-          <p:cNvSpPr>
-            <a:spLocks noGrp="1"/>
-          </p:cNvSpPr>
+            <a:r>
+              <a:rPr lang="hu-HU" dirty="0"/>
+              <a:t>UMA és NUMA modell</a:t>
+            </a:r>
+          </a:p>
+        </p:txBody>
+      </p:sp>
+      <p:pic>
+        <p:nvPicPr>
+          <p:cNvPr id="4" name="Tartalom helye 3">
+            <a:extLst>
+              <a:ext uri="{FF2B5EF4-FFF2-40B4-BE49-F238E27FC236}">
+                <a16:creationId xmlns:a16="http://schemas.microsoft.com/office/drawing/2014/main" id="{96732B93-CBA0-4EEB-B378-3D7179B0B4F1}"/>
+              </a:ext>
+            </a:extLst>
+          </p:cNvPr>
+          <p:cNvPicPr>
+            <a:picLocks noGrp="1" noChangeAspect="1"/>
+          </p:cNvPicPr>
           <p:nvPr>
             <p:ph idx="1"/>
           </p:nvPr>
-        </p:nvSpPr>
-        <p:spPr/>
-        <p:txBody>
-          <a:bodyPr/>
-          <a:lstStyle/>
-          <a:p>
-            <a:r>
-              <a:rPr lang="en-US" dirty="0"/>
-              <a:t>Chapter 4. Processes, Operating system concepts with Java, Sixth, John Wiley &amp; Sons</a:t>
-            </a:r>
-            <a:endParaRPr lang="hu-HU" dirty="0"/>
-          </a:p>
-          <a:p>
-            <a:r>
-              <a:rPr lang="en-US" dirty="0"/>
-              <a:t>Stallings, William. </a:t>
-            </a:r>
-            <a:r>
-              <a:rPr lang="en-US" i="1" dirty="0"/>
-              <a:t>Operating Systems: internals and design principles</a:t>
-            </a:r>
-            <a:r>
-              <a:rPr lang="en-US" dirty="0"/>
-              <a:t>, 5th, Prentice Hall</a:t>
-            </a:r>
-            <a:endParaRPr lang="hu-HU" dirty="0"/>
-          </a:p>
-        </p:txBody>
-      </p:sp>
+        </p:nvPicPr>
+        <p:blipFill>
+          <a:blip r:embed="rId3">
+            <a:extLst>
+              <a:ext uri="{BEBA8EAE-BF5A-486C-A8C5-ECC9F3942E4B}">
+                <a14:imgProps xmlns:a14="http://schemas.microsoft.com/office/drawing/2010/main">
+                  <a14:imgLayer r:embed="rId4">
+                    <a14:imgEffect>
+                      <a14:brightnessContrast contrast="58000"/>
+                    </a14:imgEffect>
+                  </a14:imgLayer>
+                </a14:imgProps>
+              </a:ext>
+            </a:extLst>
+          </a:blip>
+          <a:stretch>
+            <a:fillRect/>
+          </a:stretch>
+        </p:blipFill>
+        <p:spPr>
+          <a:xfrm>
+            <a:off x="838200" y="1873787"/>
+            <a:ext cx="5257800" cy="3473904"/>
+          </a:xfrm>
+          <a:prstGeom prst="rect">
+            <a:avLst/>
+          </a:prstGeom>
+        </p:spPr>
+      </p:pic>
+      <p:pic>
+        <p:nvPicPr>
+          <p:cNvPr id="5" name="Kép 4">
+            <a:extLst>
+              <a:ext uri="{FF2B5EF4-FFF2-40B4-BE49-F238E27FC236}">
+                <a16:creationId xmlns:a16="http://schemas.microsoft.com/office/drawing/2014/main" id="{B9860C94-C424-4021-A84E-7385880CA681}"/>
+              </a:ext>
+            </a:extLst>
+          </p:cNvPr>
+          <p:cNvPicPr>
+            <a:picLocks noChangeAspect="1"/>
+          </p:cNvPicPr>
+          <p:nvPr/>
+        </p:nvPicPr>
+        <p:blipFill>
+          <a:blip r:embed="rId5">
+            <a:extLst>
+              <a:ext uri="{BEBA8EAE-BF5A-486C-A8C5-ECC9F3942E4B}">
+                <a14:imgProps xmlns:a14="http://schemas.microsoft.com/office/drawing/2010/main">
+                  <a14:imgLayer r:embed="rId6">
+                    <a14:imgEffect>
+                      <a14:brightnessContrast contrast="50000"/>
+                    </a14:imgEffect>
+                  </a14:imgLayer>
+                </a14:imgProps>
+              </a:ext>
+            </a:extLst>
+          </a:blip>
+          <a:stretch>
+            <a:fillRect/>
+          </a:stretch>
+        </p:blipFill>
+        <p:spPr>
+          <a:xfrm>
+            <a:off x="6096001" y="1873787"/>
+            <a:ext cx="5257800" cy="3473904"/>
+          </a:xfrm>
+          <a:prstGeom prst="rect">
+            <a:avLst/>
+          </a:prstGeom>
+        </p:spPr>
+      </p:pic>
     </p:spTree>
     <p:extLst>
       <p:ext uri="{BB962C8B-B14F-4D97-AF65-F5344CB8AC3E}">
-        <p14:creationId xmlns:p14="http://schemas.microsoft.com/office/powerpoint/2010/main" val="1840052443"/>
+        <p14:creationId xmlns:p14="http://schemas.microsoft.com/office/powerpoint/2010/main" val="742668845"/>
+      </p:ext>
+    </p:extLst>
+  </p:cSld>
+  <p:clrMapOvr>
+    <a:masterClrMapping/>
+  </p:clrMapOvr>
+</p:sld>
+</file>
+
+<file path=ppt/slides/slide8.xml><?xml version="1.0" encoding="utf-8"?>
+<p:sld xmlns:a="http://schemas.openxmlformats.org/drawingml/2006/main" xmlns:r="http://schemas.openxmlformats.org/officeDocument/2006/relationships" xmlns:p="http://schemas.openxmlformats.org/presentationml/2006/main">
+  <p:cSld>
+    <p:spTree>
+      <p:nvGrpSpPr>
+        <p:cNvPr id="1" name=""/>
+        <p:cNvGrpSpPr/>
+        <p:nvPr/>
+      </p:nvGrpSpPr>
+      <p:grpSpPr>
+        <a:xfrm>
+          <a:off x="0" y="0"/>
+          <a:ext cx="0" cy="0"/>
+          <a:chOff x="0" y="0"/>
+          <a:chExt cx="0" cy="0"/>
+        </a:xfrm>
+      </p:grpSpPr>
+      <p:pic>
+        <p:nvPicPr>
+          <p:cNvPr id="4" name="Tartalom helye 3">
+            <a:extLst>
+              <a:ext uri="{FF2B5EF4-FFF2-40B4-BE49-F238E27FC236}">
+                <a16:creationId xmlns:a16="http://schemas.microsoft.com/office/drawing/2014/main" id="{BA85B070-680B-4749-82D3-CCF2E2E38E67}"/>
+              </a:ext>
+            </a:extLst>
+          </p:cNvPr>
+          <p:cNvPicPr>
+            <a:picLocks noGrp="1" noChangeAspect="1"/>
+          </p:cNvPicPr>
+          <p:nvPr>
+            <p:ph idx="1"/>
+          </p:nvPr>
+        </p:nvPicPr>
+        <p:blipFill>
+          <a:blip r:embed="rId3">
+            <a:extLst>
+              <a:ext uri="{BEBA8EAE-BF5A-486C-A8C5-ECC9F3942E4B}">
+                <a14:imgProps xmlns:a14="http://schemas.microsoft.com/office/drawing/2010/main">
+                  <a14:imgLayer r:embed="rId4">
+                    <a14:imgEffect>
+                      <a14:brightnessContrast contrast="52000"/>
+                    </a14:imgEffect>
+                  </a14:imgLayer>
+                </a14:imgProps>
+              </a:ext>
+            </a:extLst>
+          </a:blip>
+          <a:stretch>
+            <a:fillRect/>
+          </a:stretch>
+        </p:blipFill>
+        <p:spPr>
+          <a:xfrm>
+            <a:off x="1168400" y="185373"/>
+            <a:ext cx="9855200" cy="6487253"/>
+          </a:xfrm>
+          <a:prstGeom prst="rect">
+            <a:avLst/>
+          </a:prstGeom>
+        </p:spPr>
+      </p:pic>
+    </p:spTree>
+    <p:extLst>
+      <p:ext uri="{BB962C8B-B14F-4D97-AF65-F5344CB8AC3E}">
+        <p14:creationId xmlns:p14="http://schemas.microsoft.com/office/powerpoint/2010/main" val="1980384069"/>
+      </p:ext>
+    </p:extLst>
+  </p:cSld>
+  <p:clrMapOvr>
+    <a:masterClrMapping/>
+  </p:clrMapOvr>
+</p:sld>
+</file>
+
+<file path=ppt/slides/slide9.xml><?xml version="1.0" encoding="utf-8"?>
+<p:sld xmlns:a="http://schemas.openxmlformats.org/drawingml/2006/main" xmlns:r="http://schemas.openxmlformats.org/officeDocument/2006/relationships" xmlns:p="http://schemas.openxmlformats.org/presentationml/2006/main">
+  <p:cSld>
+    <p:spTree>
+      <p:nvGrpSpPr>
+        <p:cNvPr id="1" name=""/>
+        <p:cNvGrpSpPr/>
+        <p:nvPr/>
+      </p:nvGrpSpPr>
+      <p:grpSpPr>
+        <a:xfrm>
+          <a:off x="0" y="0"/>
+          <a:ext cx="0" cy="0"/>
+          <a:chOff x="0" y="0"/>
+          <a:chExt cx="0" cy="0"/>
+        </a:xfrm>
+      </p:grpSpPr>
+      <p:sp>
+        <p:nvSpPr>
+          <p:cNvPr id="2" name="Cím 1">
+            <a:extLst>
+              <a:ext uri="{FF2B5EF4-FFF2-40B4-BE49-F238E27FC236}">
+                <a16:creationId xmlns:a16="http://schemas.microsoft.com/office/drawing/2014/main" id="{2F3F2180-84DE-4C65-85D2-CA01207B6B1E}"/>
+              </a:ext>
+            </a:extLst>
+          </p:cNvPr>
+          <p:cNvSpPr>
+            <a:spLocks noGrp="1"/>
+          </p:cNvSpPr>
+          <p:nvPr>
+            <p:ph type="title"/>
+          </p:nvPr>
+        </p:nvSpPr>
+        <p:spPr/>
+        <p:txBody>
+          <a:bodyPr/>
+          <a:lstStyle/>
+          <a:p>
+            <a:r>
+              <a:rPr lang="pt-BR" dirty="0"/>
+              <a:t>A ccUMA és a ccNUMA</a:t>
+            </a:r>
+            <a:r>
+              <a:rPr lang="hu-HU" dirty="0"/>
+              <a:t> </a:t>
+            </a:r>
+            <a:r>
+              <a:rPr lang="pt-BR" dirty="0"/>
+              <a:t>modell</a:t>
+            </a:r>
+            <a:br>
+              <a:rPr lang="hu-HU" dirty="0"/>
+            </a:br>
+            <a:r>
+              <a:rPr lang="hu-HU" dirty="0"/>
+              <a:t>(cache-</a:t>
+            </a:r>
+            <a:r>
+              <a:rPr lang="hu-HU" dirty="0" err="1"/>
+              <a:t>coherent</a:t>
+            </a:r>
+            <a:r>
+              <a:rPr lang="hu-HU" dirty="0"/>
+              <a:t> )</a:t>
+            </a:r>
+          </a:p>
+        </p:txBody>
+      </p:sp>
+      <p:pic>
+        <p:nvPicPr>
+          <p:cNvPr id="5" name="Tartalom helye 4">
+            <a:extLst>
+              <a:ext uri="{FF2B5EF4-FFF2-40B4-BE49-F238E27FC236}">
+                <a16:creationId xmlns:a16="http://schemas.microsoft.com/office/drawing/2014/main" id="{FE406BCE-397D-4A07-98B7-D30346CA7AC4}"/>
+              </a:ext>
+            </a:extLst>
+          </p:cNvPr>
+          <p:cNvPicPr>
+            <a:picLocks noGrp="1" noChangeAspect="1"/>
+          </p:cNvPicPr>
+          <p:nvPr>
+            <p:ph idx="1"/>
+          </p:nvPr>
+        </p:nvPicPr>
+        <p:blipFill>
+          <a:blip r:embed="rId3">
+            <a:extLst>
+              <a:ext uri="{BEBA8EAE-BF5A-486C-A8C5-ECC9F3942E4B}">
+                <a14:imgProps xmlns:a14="http://schemas.microsoft.com/office/drawing/2010/main">
+                  <a14:imgLayer r:embed="rId4">
+                    <a14:imgEffect>
+                      <a14:brightnessContrast contrast="54000"/>
+                    </a14:imgEffect>
+                  </a14:imgLayer>
+                </a14:imgProps>
+              </a:ext>
+            </a:extLst>
+          </a:blip>
+          <a:stretch>
+            <a:fillRect/>
+          </a:stretch>
+        </p:blipFill>
+        <p:spPr>
+          <a:xfrm>
+            <a:off x="6096000" y="2362407"/>
+            <a:ext cx="6096001" cy="4021960"/>
+          </a:xfrm>
+          <a:prstGeom prst="rect">
+            <a:avLst/>
+          </a:prstGeom>
+        </p:spPr>
+      </p:pic>
+      <p:pic>
+        <p:nvPicPr>
+          <p:cNvPr id="4" name="Kép 3">
+            <a:extLst>
+              <a:ext uri="{FF2B5EF4-FFF2-40B4-BE49-F238E27FC236}">
+                <a16:creationId xmlns:a16="http://schemas.microsoft.com/office/drawing/2014/main" id="{CA90CE03-FB3E-4587-8501-09CA911C973D}"/>
+              </a:ext>
+            </a:extLst>
+          </p:cNvPr>
+          <p:cNvPicPr>
+            <a:picLocks noChangeAspect="1"/>
+          </p:cNvPicPr>
+          <p:nvPr/>
+        </p:nvPicPr>
+        <p:blipFill>
+          <a:blip r:embed="rId5">
+            <a:extLst>
+              <a:ext uri="{BEBA8EAE-BF5A-486C-A8C5-ECC9F3942E4B}">
+                <a14:imgProps xmlns:a14="http://schemas.microsoft.com/office/drawing/2010/main">
+                  <a14:imgLayer r:embed="rId6">
+                    <a14:imgEffect>
+                      <a14:brightnessContrast contrast="48000"/>
+                    </a14:imgEffect>
+                  </a14:imgLayer>
+                </a14:imgProps>
+              </a:ext>
+            </a:extLst>
+          </a:blip>
+          <a:stretch>
+            <a:fillRect/>
+          </a:stretch>
+        </p:blipFill>
+        <p:spPr>
+          <a:xfrm>
+            <a:off x="0" y="2362407"/>
+            <a:ext cx="6096000" cy="4021960"/>
+          </a:xfrm>
+          <a:prstGeom prst="rect">
+            <a:avLst/>
+          </a:prstGeom>
+        </p:spPr>
+      </p:pic>
+    </p:spTree>
+    <p:extLst>
+      <p:ext uri="{BB962C8B-B14F-4D97-AF65-F5344CB8AC3E}">
+        <p14:creationId xmlns:p14="http://schemas.microsoft.com/office/powerpoint/2010/main" val="3030645523"/>
       </p:ext>
     </p:extLst>
   </p:cSld>

--- a/Osztott rendszerek, párhuzamos programozás.pptx
+++ b/Osztott rendszerek, párhuzamos programozás.pptx
@@ -5,7 +5,7 @@
     <p:sldMasterId id="2147483648" r:id="rId1"/>
   </p:sldMasterIdLst>
   <p:notesMasterIdLst>
-    <p:notesMasterId r:id="rId12"/>
+    <p:notesMasterId r:id="rId17"/>
   </p:notesMasterIdLst>
   <p:sldIdLst>
     <p:sldId id="256" r:id="rId2"/>
@@ -17,7 +17,12 @@
     <p:sldId id="262" r:id="rId8"/>
     <p:sldId id="263" r:id="rId9"/>
     <p:sldId id="264" r:id="rId10"/>
-    <p:sldId id="260" r:id="rId11"/>
+    <p:sldId id="266" r:id="rId11"/>
+    <p:sldId id="267" r:id="rId12"/>
+    <p:sldId id="269" r:id="rId13"/>
+    <p:sldId id="268" r:id="rId14"/>
+    <p:sldId id="270" r:id="rId15"/>
+    <p:sldId id="260" r:id="rId16"/>
   </p:sldIdLst>
   <p:sldSz cx="12192000" cy="6858000"/>
   <p:notesSz cx="6858000" cy="9144000"/>
@@ -218,7 +223,7 @@
           <a:p>
             <a:fld id="{81E79A26-81C4-4025-92C3-532DA6E0B8B9}" type="datetimeFigureOut">
               <a:rPr lang="hu-HU" smtClean="0"/>
-              <a:t>2021. 10. 06.</a:t>
+              <a:t>2021. 10. 09.</a:t>
             </a:fld>
             <a:endParaRPr lang="hu-HU"/>
           </a:p>
@@ -611,6 +616,736 @@
 </p:notes>
 </file>
 
+<file path=ppt/notesSlides/notesSlide10.xml><?xml version="1.0" encoding="utf-8"?>
+<p:notes xmlns:a="http://schemas.openxmlformats.org/drawingml/2006/main" xmlns:r="http://schemas.openxmlformats.org/officeDocument/2006/relationships" xmlns:p="http://schemas.openxmlformats.org/presentationml/2006/main">
+  <p:cSld>
+    <p:spTree>
+      <p:nvGrpSpPr>
+        <p:cNvPr id="1" name=""/>
+        <p:cNvGrpSpPr/>
+        <p:nvPr/>
+      </p:nvGrpSpPr>
+      <p:grpSpPr>
+        <a:xfrm>
+          <a:off x="0" y="0"/>
+          <a:ext cx="0" cy="0"/>
+          <a:chOff x="0" y="0"/>
+          <a:chExt cx="0" cy="0"/>
+        </a:xfrm>
+      </p:grpSpPr>
+      <p:sp>
+        <p:nvSpPr>
+          <p:cNvPr id="2" name="Diakép helye 1"/>
+          <p:cNvSpPr>
+            <a:spLocks noGrp="1" noRot="1" noChangeAspect="1"/>
+          </p:cNvSpPr>
+          <p:nvPr>
+            <p:ph type="sldImg"/>
+          </p:nvPr>
+        </p:nvSpPr>
+        <p:spPr/>
+      </p:sp>
+      <p:sp>
+        <p:nvSpPr>
+          <p:cNvPr id="3" name="Jegyzetek helye 2"/>
+          <p:cNvSpPr>
+            <a:spLocks noGrp="1"/>
+          </p:cNvSpPr>
+          <p:nvPr>
+            <p:ph type="body" idx="1"/>
+          </p:nvPr>
+        </p:nvSpPr>
+        <p:spPr/>
+        <p:txBody>
+          <a:bodyPr/>
+          <a:lstStyle/>
+          <a:p>
+            <a:r>
+              <a:rPr lang="hu-HU" dirty="0"/>
+              <a:t>Megeshet, hogy egy publikus REST interfész fejlesztése a feladat, de általában ez így nem lesz, biztosítani kell az erőforrások védelmét a jogosulatlan hozzáférésekkel szemben - főleg, ha „írási” műveleteket is lehetővé tesz az interfész. Mivel állapotmentes technológiáról beszélünk, nem tehetjük meg azt, hogy a kliens küld egy „bejelentkezési kérelmet” a szervernek; majd a szerver elindítja a munkafolyamatot és innentől kényelmesen történik a kommunikáció. Ez esetben ez sajnos nem fog működni.</a:t>
+            </a:r>
+          </a:p>
+          <a:p>
+            <a:endParaRPr lang="hu-HU" dirty="0"/>
+          </a:p>
+          <a:p>
+            <a:r>
+              <a:rPr lang="hu-HU" dirty="0"/>
+              <a:t>Nyilván így minden kérésben azonosítani kell a klienst, hogy a szerver tudja, milyen jogok vannak számára kiosztva, mely erőforrásokat elérését biztosíthatja. A legfapadosabb megoldás, hogy az URI-ban GET vagy a kérés fejlécében POST paraméterekként megadjuk a kliens azonosítására szolgáló adatokat (felhasználónév – jelszó párost, vagy </a:t>
+            </a:r>
+            <a:r>
+              <a:rPr lang="hu-HU" dirty="0" err="1"/>
+              <a:t>tokent</a:t>
+            </a:r>
+            <a:r>
+              <a:rPr lang="hu-HU" dirty="0"/>
+              <a:t>). Ez azonban csak akkor fog működni, ha a szerver GET vagy POST kérésre reagál, és így ráadásul minden kérésnél ügyelni kell, hogy az azonosító a megfelelő helyen szerepeljen a kérésben. Így azonban sérül az egységesség, gyakorlatilag ez az esetek közel 100%-</a:t>
+            </a:r>
+            <a:r>
+              <a:rPr lang="hu-HU" dirty="0" err="1"/>
+              <a:t>ában</a:t>
+            </a:r>
+            <a:r>
+              <a:rPr lang="hu-HU" dirty="0"/>
+              <a:t> nem járható út.</a:t>
+            </a:r>
+          </a:p>
+          <a:p>
+            <a:endParaRPr lang="hu-HU" dirty="0"/>
+          </a:p>
+          <a:p>
+            <a:r>
+              <a:rPr lang="hu-HU" dirty="0"/>
+              <a:t>Az azonosítást éppen ezért a kérés fejlécében, az </a:t>
+            </a:r>
+            <a:r>
+              <a:rPr lang="hu-HU" dirty="0" err="1"/>
+              <a:t>Authorization</a:t>
+            </a:r>
+            <a:r>
+              <a:rPr lang="hu-HU" dirty="0"/>
+              <a:t> mezőben szokás elvégezni. Itt több lehetőségünk is lesz, a legkézenfekvőbb megoldás a Basic mód használata. </a:t>
+            </a:r>
+            <a:r>
+              <a:rPr lang="hu-HU" dirty="0" err="1"/>
+              <a:t>Paraméterül</a:t>
+            </a:r>
+            <a:r>
+              <a:rPr lang="hu-HU" dirty="0"/>
+              <a:t> egy Base64-be kódolt </a:t>
+            </a:r>
+            <a:r>
+              <a:rPr lang="hu-HU" dirty="0" err="1"/>
+              <a:t>string-et</a:t>
+            </a:r>
+            <a:r>
+              <a:rPr lang="hu-HU" dirty="0"/>
+              <a:t> vár, mely a felhasználónevet és a jelszót tartalmazza kettősponttal összefűzve. A példa kedvéért legyen a felhasználónév „rest”, a jelszó pedig „R3st”, tehát a „rest:R3st” </a:t>
+            </a:r>
+            <a:r>
+              <a:rPr lang="hu-HU" dirty="0" err="1"/>
+              <a:t>string-et</a:t>
+            </a:r>
+            <a:r>
+              <a:rPr lang="hu-HU" dirty="0"/>
+              <a:t> kell Base64-be kódolni. A HTTP </a:t>
+            </a:r>
+            <a:r>
+              <a:rPr lang="hu-HU" dirty="0" err="1"/>
+              <a:t>header</a:t>
+            </a:r>
+            <a:r>
+              <a:rPr lang="hu-HU" dirty="0"/>
+              <a:t> ekkor a következőt kell tartalmazza:</a:t>
+            </a:r>
+          </a:p>
+          <a:p>
+            <a:endParaRPr lang="hu-HU" dirty="0"/>
+          </a:p>
+          <a:p>
+            <a:r>
+              <a:rPr lang="hu-HU" dirty="0" err="1"/>
+              <a:t>Authorization</a:t>
+            </a:r>
+            <a:r>
+              <a:rPr lang="hu-HU" dirty="0"/>
+              <a:t>: Basic cmVzdDpSM3N0</a:t>
+            </a:r>
+          </a:p>
+          <a:p>
+            <a:endParaRPr lang="hu-HU" dirty="0"/>
+          </a:p>
+          <a:p>
+            <a:r>
+              <a:rPr lang="hu-HU" dirty="0"/>
+              <a:t>A szerver ezt automatikusan fel tudja dolgozni, és PHP-s környezetben például a $_SERVER szuperglobális tömb PHP_AUTH_USER és PHP_AUTH_PW mezőibe fogja írni. Nyilván ez a megoldás nem a legbiztonságosabb ilyen formában, így érdemes megfontolni más módszer használatát, vagy legalább a felhasználónevet és/vagy a jelszót egyféle </a:t>
+            </a:r>
+            <a:r>
+              <a:rPr lang="hu-HU" dirty="0" err="1"/>
+              <a:t>tokenizálásnak</a:t>
+            </a:r>
+            <a:r>
+              <a:rPr lang="hu-HU" dirty="0"/>
+              <a:t> is alávetni.</a:t>
+            </a:r>
+          </a:p>
+          <a:p>
+            <a:endParaRPr lang="hu-HU" dirty="0"/>
+          </a:p>
+          <a:p>
+            <a:r>
+              <a:rPr lang="hu-HU" dirty="0"/>
+              <a:t>De ha már </a:t>
+            </a:r>
+            <a:r>
+              <a:rPr lang="hu-HU" dirty="0" err="1"/>
+              <a:t>token</a:t>
+            </a:r>
+            <a:r>
+              <a:rPr lang="hu-HU" dirty="0"/>
+              <a:t>, lehetőségünk van közvetlenül egy </a:t>
+            </a:r>
+            <a:r>
+              <a:rPr lang="hu-HU" dirty="0" err="1"/>
+              <a:t>tokent</a:t>
+            </a:r>
+            <a:r>
+              <a:rPr lang="hu-HU" dirty="0"/>
+              <a:t> is átadni az </a:t>
+            </a:r>
+            <a:r>
+              <a:rPr lang="hu-HU" dirty="0" err="1"/>
+              <a:t>Authorization</a:t>
+            </a:r>
+            <a:r>
+              <a:rPr lang="hu-HU" dirty="0"/>
+              <a:t> mezőben. Ehhez Basic helyett </a:t>
+            </a:r>
+            <a:r>
+              <a:rPr lang="hu-HU" dirty="0" err="1"/>
+              <a:t>Bearer</a:t>
+            </a:r>
+            <a:r>
+              <a:rPr lang="hu-HU" dirty="0"/>
+              <a:t> módszer használatára lesz szükség, bár ez megköveteli a szerverkörnyezeten az </a:t>
+            </a:r>
+            <a:r>
+              <a:rPr lang="hu-HU" dirty="0" err="1"/>
+              <a:t>OAuth</a:t>
+            </a:r>
+            <a:r>
+              <a:rPr lang="hu-HU" dirty="0"/>
+              <a:t> modul létezését – erről bővebb információk az </a:t>
+            </a:r>
+            <a:r>
+              <a:rPr lang="hu-HU" dirty="0" err="1"/>
+              <a:t>OAuth</a:t>
+            </a:r>
+            <a:r>
+              <a:rPr lang="hu-HU" dirty="0"/>
+              <a:t> dokumentációjában olvashatóak.</a:t>
+            </a:r>
+          </a:p>
+        </p:txBody>
+      </p:sp>
+      <p:sp>
+        <p:nvSpPr>
+          <p:cNvPr id="4" name="Dia számának helye 3"/>
+          <p:cNvSpPr>
+            <a:spLocks noGrp="1"/>
+          </p:cNvSpPr>
+          <p:nvPr>
+            <p:ph type="sldNum" sz="quarter" idx="5"/>
+          </p:nvPr>
+        </p:nvSpPr>
+        <p:spPr/>
+        <p:txBody>
+          <a:bodyPr/>
+          <a:lstStyle/>
+          <a:p>
+            <a:fld id="{674FF4E3-1DEA-4DBB-AF74-DDA85AC22194}" type="slidenum">
+              <a:rPr lang="hu-HU" smtClean="0"/>
+              <a:t>11</a:t>
+            </a:fld>
+            <a:endParaRPr lang="hu-HU"/>
+          </a:p>
+        </p:txBody>
+      </p:sp>
+    </p:spTree>
+    <p:extLst>
+      <p:ext uri="{BB962C8B-B14F-4D97-AF65-F5344CB8AC3E}">
+        <p14:creationId xmlns:p14="http://schemas.microsoft.com/office/powerpoint/2010/main" val="973792321"/>
+      </p:ext>
+    </p:extLst>
+  </p:cSld>
+  <p:clrMapOvr>
+    <a:masterClrMapping/>
+  </p:clrMapOvr>
+</p:notes>
+</file>
+
+<file path=ppt/notesSlides/notesSlide11.xml><?xml version="1.0" encoding="utf-8"?>
+<p:notes xmlns:a="http://schemas.openxmlformats.org/drawingml/2006/main" xmlns:r="http://schemas.openxmlformats.org/officeDocument/2006/relationships" xmlns:p="http://schemas.openxmlformats.org/presentationml/2006/main">
+  <p:cSld>
+    <p:spTree>
+      <p:nvGrpSpPr>
+        <p:cNvPr id="1" name=""/>
+        <p:cNvGrpSpPr/>
+        <p:nvPr/>
+      </p:nvGrpSpPr>
+      <p:grpSpPr>
+        <a:xfrm>
+          <a:off x="0" y="0"/>
+          <a:ext cx="0" cy="0"/>
+          <a:chOff x="0" y="0"/>
+          <a:chExt cx="0" cy="0"/>
+        </a:xfrm>
+      </p:grpSpPr>
+      <p:sp>
+        <p:nvSpPr>
+          <p:cNvPr id="2" name="Diakép helye 1"/>
+          <p:cNvSpPr>
+            <a:spLocks noGrp="1" noRot="1" noChangeAspect="1"/>
+          </p:cNvSpPr>
+          <p:nvPr>
+            <p:ph type="sldImg"/>
+          </p:nvPr>
+        </p:nvSpPr>
+        <p:spPr/>
+      </p:sp>
+      <p:sp>
+        <p:nvSpPr>
+          <p:cNvPr id="3" name="Jegyzetek helye 2"/>
+          <p:cNvSpPr>
+            <a:spLocks noGrp="1"/>
+          </p:cNvSpPr>
+          <p:nvPr>
+            <p:ph type="body" idx="1"/>
+          </p:nvPr>
+        </p:nvSpPr>
+        <p:spPr/>
+        <p:txBody>
+          <a:bodyPr/>
+          <a:lstStyle/>
+          <a:p>
+            <a:r>
+              <a:rPr lang="hu-HU" sz="1200" b="0" i="0" kern="1200" dirty="0">
+                <a:solidFill>
+                  <a:schemeClr val="tx1"/>
+                </a:solidFill>
+                <a:effectLst/>
+                <a:latin typeface="+mn-lt"/>
+                <a:ea typeface="+mn-ea"/>
+                <a:cs typeface="+mn-cs"/>
+              </a:rPr>
+              <a:t>A HTTP-állapotkódokat a kliens kérésére adott válasz első sora tartalmazza.</a:t>
+            </a:r>
+          </a:p>
+          <a:p>
+            <a:endParaRPr lang="hu-HU" sz="1200" b="0" i="0" kern="1200" dirty="0">
+              <a:solidFill>
+                <a:schemeClr val="tx1"/>
+              </a:solidFill>
+              <a:effectLst/>
+              <a:latin typeface="+mn-lt"/>
+              <a:ea typeface="+mn-ea"/>
+              <a:cs typeface="+mn-cs"/>
+            </a:endParaRPr>
+          </a:p>
+          <a:p>
+            <a:r>
+              <a:rPr lang="hu-HU" sz="1200" b="0" i="0" kern="1200" dirty="0">
+                <a:solidFill>
+                  <a:schemeClr val="tx1"/>
+                </a:solidFill>
+                <a:effectLst/>
+                <a:latin typeface="+mn-lt"/>
+                <a:ea typeface="+mn-ea"/>
+                <a:cs typeface="+mn-cs"/>
+              </a:rPr>
+              <a:t>Az állapotkódok 3 számjegyből állnak, az első számjegy utal a tartalmukra, ez a számjegy 1-től 5-ig terjedhet. Ez alapján a következő csoportjai vannak az állapotkódoknak:</a:t>
+            </a:r>
+          </a:p>
+          <a:p>
+            <a:endParaRPr lang="hu-HU" sz="1200" b="0" i="0" kern="1200" dirty="0">
+              <a:solidFill>
+                <a:schemeClr val="tx1"/>
+              </a:solidFill>
+              <a:effectLst/>
+              <a:latin typeface="+mn-lt"/>
+              <a:ea typeface="+mn-ea"/>
+              <a:cs typeface="+mn-cs"/>
+            </a:endParaRPr>
+          </a:p>
+          <a:p>
+            <a:r>
+              <a:rPr lang="hu-HU" sz="1200" b="0" i="0" kern="1200" dirty="0">
+                <a:solidFill>
+                  <a:schemeClr val="tx1"/>
+                </a:solidFill>
+                <a:effectLst/>
+                <a:latin typeface="+mn-lt"/>
+                <a:ea typeface="+mn-ea"/>
+                <a:cs typeface="+mn-cs"/>
+              </a:rPr>
+              <a:t>1xx - tájékoztató információk: A kérést megkapta a szerver, feldolgozás következik</a:t>
+            </a:r>
+          </a:p>
+          <a:p>
+            <a:r>
+              <a:rPr lang="hu-HU" sz="1200" b="0" i="0" kern="1200" dirty="0">
+                <a:solidFill>
+                  <a:schemeClr val="tx1"/>
+                </a:solidFill>
+                <a:effectLst/>
+                <a:latin typeface="+mn-lt"/>
+                <a:ea typeface="+mn-ea"/>
+                <a:cs typeface="+mn-cs"/>
+              </a:rPr>
+              <a:t>2xx - sikeres kérés: A kérést sikeresen megkapta, elfogadta, megértette a szerver.</a:t>
+            </a:r>
+          </a:p>
+          <a:p>
+            <a:r>
+              <a:rPr lang="hu-HU" sz="1200" b="0" i="0" kern="1200" dirty="0">
+                <a:solidFill>
+                  <a:schemeClr val="tx1"/>
+                </a:solidFill>
+                <a:effectLst/>
+                <a:latin typeface="+mn-lt"/>
+                <a:ea typeface="+mn-ea"/>
+                <a:cs typeface="+mn-cs"/>
+              </a:rPr>
+              <a:t>3xx - átirányítás: További tevékenységekre van szükség a kérés befejezéséhez.</a:t>
+            </a:r>
+          </a:p>
+          <a:p>
+            <a:r>
+              <a:rPr lang="hu-HU" sz="1200" b="0" i="0" kern="1200" dirty="0">
+                <a:solidFill>
+                  <a:schemeClr val="tx1"/>
+                </a:solidFill>
+                <a:effectLst/>
+                <a:latin typeface="+mn-lt"/>
+                <a:ea typeface="+mn-ea"/>
+                <a:cs typeface="+mn-cs"/>
+              </a:rPr>
+              <a:t>4xx - klienshiba: A kérés rossz szintaxisú vagy nem teljesíthető.</a:t>
+            </a:r>
+          </a:p>
+          <a:p>
+            <a:r>
+              <a:rPr lang="hu-HU" sz="1200" b="0" i="0" kern="1200" dirty="0">
+                <a:solidFill>
+                  <a:schemeClr val="tx1"/>
+                </a:solidFill>
+                <a:effectLst/>
+                <a:latin typeface="+mn-lt"/>
+                <a:ea typeface="+mn-ea"/>
+                <a:cs typeface="+mn-cs"/>
+              </a:rPr>
+              <a:t>5xx - szerverhiba: A szervernek nem sikerült egy helyes kérést végrehajtania.</a:t>
+            </a:r>
+          </a:p>
+          <a:p>
+            <a:r>
+              <a:rPr lang="hu-HU" sz="1200" b="0" i="0" kern="1200" dirty="0">
+                <a:solidFill>
+                  <a:schemeClr val="tx1"/>
+                </a:solidFill>
+                <a:effectLst/>
+                <a:latin typeface="+mn-lt"/>
+                <a:ea typeface="+mn-ea"/>
+                <a:cs typeface="+mn-cs"/>
+              </a:rPr>
+              <a:t>A második és harmadik számjegyre nincsenek szabályok.</a:t>
+            </a:r>
+          </a:p>
+          <a:p>
+            <a:endParaRPr lang="hu-HU" sz="1200" b="0" i="0" kern="1200" dirty="0">
+              <a:solidFill>
+                <a:schemeClr val="tx1"/>
+              </a:solidFill>
+              <a:effectLst/>
+              <a:latin typeface="+mn-lt"/>
+              <a:ea typeface="+mn-ea"/>
+              <a:cs typeface="+mn-cs"/>
+            </a:endParaRPr>
+          </a:p>
+          <a:p>
+            <a:r>
+              <a:rPr lang="hu-HU" sz="1200" b="0" i="0" kern="1200" dirty="0">
+                <a:solidFill>
+                  <a:schemeClr val="tx1"/>
+                </a:solidFill>
+                <a:effectLst/>
+                <a:latin typeface="+mn-lt"/>
+                <a:ea typeface="+mn-ea"/>
+                <a:cs typeface="+mn-cs"/>
+              </a:rPr>
+              <a:t>Nem minden lehetséges kód létezik, hiába van 404-es kód például, a kódok száma csak 62 (nem szabványosakkal együtt 90).</a:t>
+            </a:r>
+            <a:endParaRPr lang="hu-HU" dirty="0"/>
+          </a:p>
+        </p:txBody>
+      </p:sp>
+      <p:sp>
+        <p:nvSpPr>
+          <p:cNvPr id="4" name="Dia számának helye 3"/>
+          <p:cNvSpPr>
+            <a:spLocks noGrp="1"/>
+          </p:cNvSpPr>
+          <p:nvPr>
+            <p:ph type="sldNum" sz="quarter" idx="5"/>
+          </p:nvPr>
+        </p:nvSpPr>
+        <p:spPr/>
+        <p:txBody>
+          <a:bodyPr/>
+          <a:lstStyle/>
+          <a:p>
+            <a:fld id="{674FF4E3-1DEA-4DBB-AF74-DDA85AC22194}" type="slidenum">
+              <a:rPr lang="hu-HU" smtClean="0"/>
+              <a:t>12</a:t>
+            </a:fld>
+            <a:endParaRPr lang="hu-HU"/>
+          </a:p>
+        </p:txBody>
+      </p:sp>
+    </p:spTree>
+    <p:extLst>
+      <p:ext uri="{BB962C8B-B14F-4D97-AF65-F5344CB8AC3E}">
+        <p14:creationId xmlns:p14="http://schemas.microsoft.com/office/powerpoint/2010/main" val="2526906062"/>
+      </p:ext>
+    </p:extLst>
+  </p:cSld>
+  <p:clrMapOvr>
+    <a:masterClrMapping/>
+  </p:clrMapOvr>
+</p:notes>
+</file>
+
+<file path=ppt/notesSlides/notesSlide12.xml><?xml version="1.0" encoding="utf-8"?>
+<p:notes xmlns:a="http://schemas.openxmlformats.org/drawingml/2006/main" xmlns:r="http://schemas.openxmlformats.org/officeDocument/2006/relationships" xmlns:p="http://schemas.openxmlformats.org/presentationml/2006/main">
+  <p:cSld>
+    <p:spTree>
+      <p:nvGrpSpPr>
+        <p:cNvPr id="1" name=""/>
+        <p:cNvGrpSpPr/>
+        <p:nvPr/>
+      </p:nvGrpSpPr>
+      <p:grpSpPr>
+        <a:xfrm>
+          <a:off x="0" y="0"/>
+          <a:ext cx="0" cy="0"/>
+          <a:chOff x="0" y="0"/>
+          <a:chExt cx="0" cy="0"/>
+        </a:xfrm>
+      </p:grpSpPr>
+      <p:sp>
+        <p:nvSpPr>
+          <p:cNvPr id="2" name="Diakép helye 1"/>
+          <p:cNvSpPr>
+            <a:spLocks noGrp="1" noRot="1" noChangeAspect="1"/>
+          </p:cNvSpPr>
+          <p:nvPr>
+            <p:ph type="sldImg"/>
+          </p:nvPr>
+        </p:nvSpPr>
+        <p:spPr/>
+      </p:sp>
+      <p:sp>
+        <p:nvSpPr>
+          <p:cNvPr id="3" name="Jegyzetek helye 2"/>
+          <p:cNvSpPr>
+            <a:spLocks noGrp="1"/>
+          </p:cNvSpPr>
+          <p:nvPr>
+            <p:ph type="body" idx="1"/>
+          </p:nvPr>
+        </p:nvSpPr>
+        <p:spPr/>
+        <p:txBody>
+          <a:bodyPr/>
+          <a:lstStyle/>
+          <a:p>
+            <a:r>
+              <a:rPr lang="hu-HU" dirty="0"/>
+              <a:t>a sikeres teljesítésről 200-as kóddal tájékoztathatjuk a klienst;</a:t>
+            </a:r>
+          </a:p>
+          <a:p>
+            <a:r>
+              <a:rPr lang="hu-HU" dirty="0"/>
+              <a:t>a sikertelen </a:t>
+            </a:r>
+            <a:r>
+              <a:rPr lang="hu-HU" dirty="0" err="1"/>
+              <a:t>authorizációt</a:t>
+            </a:r>
+            <a:r>
+              <a:rPr lang="hu-HU" dirty="0"/>
+              <a:t> 401-gyel jelezhetjük;</a:t>
+            </a:r>
+          </a:p>
+          <a:p>
+            <a:r>
+              <a:rPr lang="hu-HU" dirty="0"/>
+              <a:t>amennyiben az alkalmazás nem létező erőforrást próbált elérni, a 404-es hibakód a hibátlan megoldás;</a:t>
+            </a:r>
+          </a:p>
+          <a:p>
+            <a:r>
+              <a:rPr lang="hu-HU" dirty="0"/>
+              <a:t>egyes esetekben bizonyos erőforrás kérések csak megfelelő metódusokkal </a:t>
+            </a:r>
+            <a:r>
+              <a:rPr lang="hu-HU" dirty="0" err="1"/>
+              <a:t>érhetőek</a:t>
+            </a:r>
+            <a:r>
+              <a:rPr lang="hu-HU" dirty="0"/>
+              <a:t> el. Helytelen metódus használatáról a 405-ös kód tájékoztat.</a:t>
+            </a:r>
+          </a:p>
+        </p:txBody>
+      </p:sp>
+      <p:sp>
+        <p:nvSpPr>
+          <p:cNvPr id="4" name="Dia számának helye 3"/>
+          <p:cNvSpPr>
+            <a:spLocks noGrp="1"/>
+          </p:cNvSpPr>
+          <p:nvPr>
+            <p:ph type="sldNum" sz="quarter" idx="5"/>
+          </p:nvPr>
+        </p:nvSpPr>
+        <p:spPr/>
+        <p:txBody>
+          <a:bodyPr/>
+          <a:lstStyle/>
+          <a:p>
+            <a:fld id="{674FF4E3-1DEA-4DBB-AF74-DDA85AC22194}" type="slidenum">
+              <a:rPr lang="hu-HU" smtClean="0"/>
+              <a:t>13</a:t>
+            </a:fld>
+            <a:endParaRPr lang="hu-HU"/>
+          </a:p>
+        </p:txBody>
+      </p:sp>
+    </p:spTree>
+    <p:extLst>
+      <p:ext uri="{BB962C8B-B14F-4D97-AF65-F5344CB8AC3E}">
+        <p14:creationId xmlns:p14="http://schemas.microsoft.com/office/powerpoint/2010/main" val="3075244480"/>
+      </p:ext>
+    </p:extLst>
+  </p:cSld>
+  <p:clrMapOvr>
+    <a:masterClrMapping/>
+  </p:clrMapOvr>
+</p:notes>
+</file>
+
+<file path=ppt/notesSlides/notesSlide13.xml><?xml version="1.0" encoding="utf-8"?>
+<p:notes xmlns:a="http://schemas.openxmlformats.org/drawingml/2006/main" xmlns:r="http://schemas.openxmlformats.org/officeDocument/2006/relationships" xmlns:p="http://schemas.openxmlformats.org/presentationml/2006/main">
+  <p:cSld>
+    <p:spTree>
+      <p:nvGrpSpPr>
+        <p:cNvPr id="1" name=""/>
+        <p:cNvGrpSpPr/>
+        <p:nvPr/>
+      </p:nvGrpSpPr>
+      <p:grpSpPr>
+        <a:xfrm>
+          <a:off x="0" y="0"/>
+          <a:ext cx="0" cy="0"/>
+          <a:chOff x="0" y="0"/>
+          <a:chExt cx="0" cy="0"/>
+        </a:xfrm>
+      </p:grpSpPr>
+      <p:sp>
+        <p:nvSpPr>
+          <p:cNvPr id="2" name="Diakép helye 1"/>
+          <p:cNvSpPr>
+            <a:spLocks noGrp="1" noRot="1" noChangeAspect="1"/>
+          </p:cNvSpPr>
+          <p:nvPr>
+            <p:ph type="sldImg"/>
+          </p:nvPr>
+        </p:nvSpPr>
+        <p:spPr/>
+      </p:sp>
+      <p:sp>
+        <p:nvSpPr>
+          <p:cNvPr id="3" name="Jegyzetek helye 2"/>
+          <p:cNvSpPr>
+            <a:spLocks noGrp="1"/>
+          </p:cNvSpPr>
+          <p:nvPr>
+            <p:ph type="body" idx="1"/>
+          </p:nvPr>
+        </p:nvSpPr>
+        <p:spPr/>
+        <p:txBody>
+          <a:bodyPr/>
+          <a:lstStyle/>
+          <a:p>
+            <a:r>
+              <a:rPr lang="hu-HU" dirty="0"/>
+              <a:t>A fentiek közül a HEAD, GET, OPTIONS és TRACE metódusokat biztonságos metódusoknak is hívják. Biztonságosak olyan szempontból, hogy csak információ lekérésére szolgálnak, és nem változtatják meg a szerver állapotát. Ezekkel együtt a PUT és a DELETE </a:t>
+            </a:r>
+            <a:r>
+              <a:rPr lang="hu-HU" dirty="0" err="1"/>
+              <a:t>idempotens</a:t>
+            </a:r>
+            <a:r>
+              <a:rPr lang="hu-HU" dirty="0"/>
+              <a:t> is, azaz a többszöri végrehajtás ugyanazt eredményezi, mint az egyszeri. Ezeknél a metódusoknál a kliens többször is </a:t>
+            </a:r>
+            <a:r>
+              <a:rPr lang="hu-HU" dirty="0" err="1"/>
+              <a:t>újrapróbálkozhat</a:t>
+            </a:r>
+            <a:r>
+              <a:rPr lang="hu-HU" dirty="0"/>
+              <a:t> további következmények nélkül.</a:t>
+            </a:r>
+          </a:p>
+          <a:p>
+            <a:endParaRPr lang="hu-HU" dirty="0"/>
+          </a:p>
+          <a:p>
+            <a:r>
+              <a:rPr lang="hu-HU" dirty="0"/>
+              <a:t>- </a:t>
+            </a:r>
+            <a:r>
+              <a:rPr lang="hu-HU" dirty="0" err="1"/>
+              <a:t>Connect</a:t>
+            </a:r>
+            <a:r>
+              <a:rPr lang="hu-HU" dirty="0"/>
+              <a:t> biztonságos kapcsolatokhoz szükséges</a:t>
+            </a:r>
+          </a:p>
+        </p:txBody>
+      </p:sp>
+      <p:sp>
+        <p:nvSpPr>
+          <p:cNvPr id="4" name="Dia számának helye 3"/>
+          <p:cNvSpPr>
+            <a:spLocks noGrp="1"/>
+          </p:cNvSpPr>
+          <p:nvPr>
+            <p:ph type="sldNum" sz="quarter" idx="5"/>
+          </p:nvPr>
+        </p:nvSpPr>
+        <p:spPr/>
+        <p:txBody>
+          <a:bodyPr/>
+          <a:lstStyle/>
+          <a:p>
+            <a:fld id="{674FF4E3-1DEA-4DBB-AF74-DDA85AC22194}" type="slidenum">
+              <a:rPr lang="hu-HU" smtClean="0"/>
+              <a:t>14</a:t>
+            </a:fld>
+            <a:endParaRPr lang="hu-HU"/>
+          </a:p>
+        </p:txBody>
+      </p:sp>
+    </p:spTree>
+    <p:extLst>
+      <p:ext uri="{BB962C8B-B14F-4D97-AF65-F5344CB8AC3E}">
+        <p14:creationId xmlns:p14="http://schemas.microsoft.com/office/powerpoint/2010/main" val="1827748837"/>
+      </p:ext>
+    </p:extLst>
+  </p:cSld>
+  <p:clrMapOvr>
+    <a:masterClrMapping/>
+  </p:clrMapOvr>
+</p:notes>
+</file>
+
 <file path=ppt/notesSlides/notesSlide2.xml><?xml version="1.0" encoding="utf-8"?>
 <p:notes xmlns:a="http://schemas.openxmlformats.org/drawingml/2006/main" xmlns:r="http://schemas.openxmlformats.org/officeDocument/2006/relationships" xmlns:p="http://schemas.openxmlformats.org/presentationml/2006/main">
   <p:cSld>
@@ -1639,13 +2374,27 @@
               <a:rPr lang="hu-HU" dirty="0"/>
             </a:br>
             <a:r>
-              <a:rPr lang="hu-HU" dirty="0"/>
+              <a:rPr lang="hu-HU" sz="1200" u="sng" dirty="0">
+                <a:solidFill>
+                  <a:schemeClr val="accent6">
+                    <a:lumMod val="40000"/>
+                    <a:lumOff val="60000"/>
+                  </a:schemeClr>
+                </a:solidFill>
+              </a:rPr>
               <a:t>Ezek tartalmának összehangolása külön feladatként merül fel, mely az UMA és NUMA</a:t>
             </a:r>
           </a:p>
           <a:p>
             <a:r>
-              <a:rPr lang="hu-HU" dirty="0"/>
+              <a:rPr lang="hu-HU" sz="1200" u="sng" dirty="0">
+                <a:solidFill>
+                  <a:schemeClr val="accent6">
+                    <a:lumMod val="40000"/>
+                    <a:lumOff val="60000"/>
+                  </a:schemeClr>
+                </a:solidFill>
+              </a:rPr>
               <a:t>modellekben igen bonyolultan oldható meg.</a:t>
             </a:r>
             <a:br>
@@ -1731,6 +2480,101 @@
     <p:extLst>
       <p:ext uri="{BB962C8B-B14F-4D97-AF65-F5344CB8AC3E}">
         <p14:creationId xmlns:p14="http://schemas.microsoft.com/office/powerpoint/2010/main" val="1870017760"/>
+      </p:ext>
+    </p:extLst>
+  </p:cSld>
+  <p:clrMapOvr>
+    <a:masterClrMapping/>
+  </p:clrMapOvr>
+</p:notes>
+</file>
+
+<file path=ppt/notesSlides/notesSlide9.xml><?xml version="1.0" encoding="utf-8"?>
+<p:notes xmlns:a="http://schemas.openxmlformats.org/drawingml/2006/main" xmlns:r="http://schemas.openxmlformats.org/officeDocument/2006/relationships" xmlns:p="http://schemas.openxmlformats.org/presentationml/2006/main">
+  <p:cSld>
+    <p:spTree>
+      <p:nvGrpSpPr>
+        <p:cNvPr id="1" name=""/>
+        <p:cNvGrpSpPr/>
+        <p:nvPr/>
+      </p:nvGrpSpPr>
+      <p:grpSpPr>
+        <a:xfrm>
+          <a:off x="0" y="0"/>
+          <a:ext cx="0" cy="0"/>
+          <a:chOff x="0" y="0"/>
+          <a:chExt cx="0" cy="0"/>
+        </a:xfrm>
+      </p:grpSpPr>
+      <p:sp>
+        <p:nvSpPr>
+          <p:cNvPr id="2" name="Diakép helye 1"/>
+          <p:cNvSpPr>
+            <a:spLocks noGrp="1" noRot="1" noChangeAspect="1"/>
+          </p:cNvSpPr>
+          <p:nvPr>
+            <p:ph type="sldImg"/>
+          </p:nvPr>
+        </p:nvSpPr>
+        <p:spPr/>
+      </p:sp>
+      <p:sp>
+        <p:nvSpPr>
+          <p:cNvPr id="3" name="Jegyzetek helye 2"/>
+          <p:cNvSpPr>
+            <a:spLocks noGrp="1"/>
+          </p:cNvSpPr>
+          <p:nvPr>
+            <p:ph type="body" idx="1"/>
+          </p:nvPr>
+        </p:nvSpPr>
+        <p:spPr/>
+        <p:txBody>
+          <a:bodyPr/>
+          <a:lstStyle/>
+          <a:p>
+            <a:r>
+              <a:rPr lang="hu-HU" dirty="0"/>
+              <a:t>A REST egy HTTP protokollra fejlesztett kommunikációs architektúra típus, mely kliens és szerver közti kommunikáció megvalósítására használható. Kihasználja a HTTP állapotkódokat és metódusokat egyaránt, sőt a specifikáció megköveteli azok használatát, bár az egyedi fejlesztésű REST interfészek tervezése során ezekre gyakran nem ügyelnek a fejlesztők. A kérések URI-k használatával történnek, melyek erőforrásokat azonosítanak, és az URI-k egységes interfészt biztosítanak a kliens számára. Minden kérésre azonos formátumban reagál a szerver, ez általában JSON, de használható még HTML és XML formátum is. Fontos, hogy a kérések állapotmentesek, tehát nem beszélhetünk „munkafolyamatról”, így az </a:t>
+            </a:r>
+            <a:r>
+              <a:rPr lang="hu-HU" dirty="0" err="1"/>
+              <a:t>authorizáció</a:t>
+            </a:r>
+            <a:r>
+              <a:rPr lang="hu-HU" dirty="0"/>
+              <a:t> folyamatos figyelmet igényel.</a:t>
+            </a:r>
+          </a:p>
+        </p:txBody>
+      </p:sp>
+      <p:sp>
+        <p:nvSpPr>
+          <p:cNvPr id="4" name="Dia számának helye 3"/>
+          <p:cNvSpPr>
+            <a:spLocks noGrp="1"/>
+          </p:cNvSpPr>
+          <p:nvPr>
+            <p:ph type="sldNum" sz="quarter" idx="5"/>
+          </p:nvPr>
+        </p:nvSpPr>
+        <p:spPr/>
+        <p:txBody>
+          <a:bodyPr/>
+          <a:lstStyle/>
+          <a:p>
+            <a:fld id="{674FF4E3-1DEA-4DBB-AF74-DDA85AC22194}" type="slidenum">
+              <a:rPr lang="hu-HU" smtClean="0"/>
+              <a:t>10</a:t>
+            </a:fld>
+            <a:endParaRPr lang="hu-HU"/>
+          </a:p>
+        </p:txBody>
+      </p:sp>
+    </p:spTree>
+    <p:extLst>
+      <p:ext uri="{BB962C8B-B14F-4D97-AF65-F5344CB8AC3E}">
+        <p14:creationId xmlns:p14="http://schemas.microsoft.com/office/powerpoint/2010/main" val="3499535093"/>
       </p:ext>
     </p:extLst>
   </p:cSld>
@@ -1887,7 +2731,7 @@
           <a:p>
             <a:fld id="{74D6CE58-D5BF-4592-BBC8-A7847BDADEB9}" type="datetimeFigureOut">
               <a:rPr lang="hu-HU" smtClean="0"/>
-              <a:t>2021. 10. 06.</a:t>
+              <a:t>2021. 10. 09.</a:t>
             </a:fld>
             <a:endParaRPr lang="hu-HU"/>
           </a:p>
@@ -2085,7 +2929,7 @@
           <a:p>
             <a:fld id="{74D6CE58-D5BF-4592-BBC8-A7847BDADEB9}" type="datetimeFigureOut">
               <a:rPr lang="hu-HU" smtClean="0"/>
-              <a:t>2021. 10. 06.</a:t>
+              <a:t>2021. 10. 09.</a:t>
             </a:fld>
             <a:endParaRPr lang="hu-HU"/>
           </a:p>
@@ -2293,7 +3137,7 @@
           <a:p>
             <a:fld id="{74D6CE58-D5BF-4592-BBC8-A7847BDADEB9}" type="datetimeFigureOut">
               <a:rPr lang="hu-HU" smtClean="0"/>
-              <a:t>2021. 10. 06.</a:t>
+              <a:t>2021. 10. 09.</a:t>
             </a:fld>
             <a:endParaRPr lang="hu-HU"/>
           </a:p>
@@ -2491,7 +3335,7 @@
           <a:p>
             <a:fld id="{74D6CE58-D5BF-4592-BBC8-A7847BDADEB9}" type="datetimeFigureOut">
               <a:rPr lang="hu-HU" smtClean="0"/>
-              <a:t>2021. 10. 06.</a:t>
+              <a:t>2021. 10. 09.</a:t>
             </a:fld>
             <a:endParaRPr lang="hu-HU"/>
           </a:p>
@@ -2766,7 +3610,7 @@
           <a:p>
             <a:fld id="{74D6CE58-D5BF-4592-BBC8-A7847BDADEB9}" type="datetimeFigureOut">
               <a:rPr lang="hu-HU" smtClean="0"/>
-              <a:t>2021. 10. 06.</a:t>
+              <a:t>2021. 10. 09.</a:t>
             </a:fld>
             <a:endParaRPr lang="hu-HU"/>
           </a:p>
@@ -3031,7 +3875,7 @@
           <a:p>
             <a:fld id="{74D6CE58-D5BF-4592-BBC8-A7847BDADEB9}" type="datetimeFigureOut">
               <a:rPr lang="hu-HU" smtClean="0"/>
-              <a:t>2021. 10. 06.</a:t>
+              <a:t>2021. 10. 09.</a:t>
             </a:fld>
             <a:endParaRPr lang="hu-HU"/>
           </a:p>
@@ -3443,7 +4287,7 @@
           <a:p>
             <a:fld id="{74D6CE58-D5BF-4592-BBC8-A7847BDADEB9}" type="datetimeFigureOut">
               <a:rPr lang="hu-HU" smtClean="0"/>
-              <a:t>2021. 10. 06.</a:t>
+              <a:t>2021. 10. 09.</a:t>
             </a:fld>
             <a:endParaRPr lang="hu-HU"/>
           </a:p>
@@ -3584,7 +4428,7 @@
           <a:p>
             <a:fld id="{74D6CE58-D5BF-4592-BBC8-A7847BDADEB9}" type="datetimeFigureOut">
               <a:rPr lang="hu-HU" smtClean="0"/>
-              <a:t>2021. 10. 06.</a:t>
+              <a:t>2021. 10. 09.</a:t>
             </a:fld>
             <a:endParaRPr lang="hu-HU"/>
           </a:p>
@@ -3697,7 +4541,7 @@
           <a:p>
             <a:fld id="{74D6CE58-D5BF-4592-BBC8-A7847BDADEB9}" type="datetimeFigureOut">
               <a:rPr lang="hu-HU" smtClean="0"/>
-              <a:t>2021. 10. 06.</a:t>
+              <a:t>2021. 10. 09.</a:t>
             </a:fld>
             <a:endParaRPr lang="hu-HU"/>
           </a:p>
@@ -4008,7 +4852,7 @@
           <a:p>
             <a:fld id="{74D6CE58-D5BF-4592-BBC8-A7847BDADEB9}" type="datetimeFigureOut">
               <a:rPr lang="hu-HU" smtClean="0"/>
-              <a:t>2021. 10. 06.</a:t>
+              <a:t>2021. 10. 09.</a:t>
             </a:fld>
             <a:endParaRPr lang="hu-HU"/>
           </a:p>
@@ -4296,7 +5140,7 @@
           <a:p>
             <a:fld id="{74D6CE58-D5BF-4592-BBC8-A7847BDADEB9}" type="datetimeFigureOut">
               <a:rPr lang="hu-HU" smtClean="0"/>
-              <a:t>2021. 10. 06.</a:t>
+              <a:t>2021. 10. 09.</a:t>
             </a:fld>
             <a:endParaRPr lang="hu-HU"/>
           </a:p>
@@ -4537,7 +5381,7 @@
           <a:p>
             <a:fld id="{74D6CE58-D5BF-4592-BBC8-A7847BDADEB9}" type="datetimeFigureOut">
               <a:rPr lang="hu-HU" smtClean="0"/>
-              <a:t>2021. 10. 06.</a:t>
+              <a:t>2021. 10. 09.</a:t>
             </a:fld>
             <a:endParaRPr lang="hu-HU"/>
           </a:p>
@@ -5056,6 +5900,610 @@
           <p:cNvPr id="2" name="Cím 1">
             <a:extLst>
               <a:ext uri="{FF2B5EF4-FFF2-40B4-BE49-F238E27FC236}">
+                <a16:creationId xmlns:a16="http://schemas.microsoft.com/office/drawing/2014/main" id="{9FB664F0-9C22-44FE-A99C-5F803CB63B64}"/>
+              </a:ext>
+            </a:extLst>
+          </p:cNvPr>
+          <p:cNvSpPr>
+            <a:spLocks noGrp="1"/>
+          </p:cNvSpPr>
+          <p:nvPr>
+            <p:ph type="title"/>
+          </p:nvPr>
+        </p:nvSpPr>
+        <p:spPr/>
+        <p:txBody>
+          <a:bodyPr/>
+          <a:lstStyle/>
+          <a:p>
+            <a:r>
+              <a:rPr lang="hu-HU" dirty="0"/>
+              <a:t>REST (</a:t>
+            </a:r>
+            <a:r>
+              <a:rPr lang="hu-HU" dirty="0" err="1"/>
+              <a:t>Representational</a:t>
+            </a:r>
+            <a:r>
+              <a:rPr lang="hu-HU" dirty="0"/>
+              <a:t> </a:t>
+            </a:r>
+            <a:r>
+              <a:rPr lang="hu-HU" dirty="0" err="1"/>
+              <a:t>State</a:t>
+            </a:r>
+            <a:r>
+              <a:rPr lang="hu-HU" dirty="0"/>
+              <a:t> </a:t>
+            </a:r>
+            <a:r>
+              <a:rPr lang="hu-HU" dirty="0" err="1"/>
+              <a:t>Transfer</a:t>
+            </a:r>
+            <a:r>
+              <a:rPr lang="hu-HU" dirty="0"/>
+              <a:t>)</a:t>
+            </a:r>
+          </a:p>
+        </p:txBody>
+      </p:sp>
+      <p:pic>
+        <p:nvPicPr>
+          <p:cNvPr id="1026" name="Picture 2" descr="What is REST API | PHPenthusiast">
+            <a:extLst>
+              <a:ext uri="{FF2B5EF4-FFF2-40B4-BE49-F238E27FC236}">
+                <a16:creationId xmlns:a16="http://schemas.microsoft.com/office/drawing/2014/main" id="{830C1EE3-4547-4463-BEF0-BE04570DA4D7}"/>
+              </a:ext>
+            </a:extLst>
+          </p:cNvPr>
+          <p:cNvPicPr>
+            <a:picLocks noGrp="1" noChangeAspect="1" noChangeArrowheads="1"/>
+          </p:cNvPicPr>
+          <p:nvPr>
+            <p:ph idx="1"/>
+          </p:nvPr>
+        </p:nvPicPr>
+        <p:blipFill>
+          <a:blip r:embed="rId3">
+            <a:extLst>
+              <a:ext uri="{28A0092B-C50C-407E-A947-70E740481C1C}">
+                <a14:useLocalDpi xmlns:a14="http://schemas.microsoft.com/office/drawing/2010/main" val="0"/>
+              </a:ext>
+            </a:extLst>
+          </a:blip>
+          <a:srcRect/>
+          <a:stretch>
+            <a:fillRect/>
+          </a:stretch>
+        </p:blipFill>
+        <p:spPr bwMode="auto">
+          <a:xfrm>
+            <a:off x="838200" y="1885023"/>
+            <a:ext cx="10515600" cy="4232541"/>
+          </a:xfrm>
+          <a:prstGeom prst="rect">
+            <a:avLst/>
+          </a:prstGeom>
+          <a:noFill/>
+          <a:extLst>
+            <a:ext uri="{909E8E84-426E-40DD-AFC4-6F175D3DCCD1}">
+              <a14:hiddenFill xmlns:a14="http://schemas.microsoft.com/office/drawing/2010/main">
+                <a:solidFill>
+                  <a:srgbClr val="FFFFFF"/>
+                </a:solidFill>
+              </a14:hiddenFill>
+            </a:ext>
+          </a:extLst>
+        </p:spPr>
+      </p:pic>
+    </p:spTree>
+    <p:extLst>
+      <p:ext uri="{BB962C8B-B14F-4D97-AF65-F5344CB8AC3E}">
+        <p14:creationId xmlns:p14="http://schemas.microsoft.com/office/powerpoint/2010/main" val="3934164452"/>
+      </p:ext>
+    </p:extLst>
+  </p:cSld>
+  <p:clrMapOvr>
+    <a:masterClrMapping/>
+  </p:clrMapOvr>
+</p:sld>
+</file>
+
+<file path=ppt/slides/slide11.xml><?xml version="1.0" encoding="utf-8"?>
+<p:sld xmlns:a="http://schemas.openxmlformats.org/drawingml/2006/main" xmlns:r="http://schemas.openxmlformats.org/officeDocument/2006/relationships" xmlns:p="http://schemas.openxmlformats.org/presentationml/2006/main">
+  <p:cSld>
+    <p:spTree>
+      <p:nvGrpSpPr>
+        <p:cNvPr id="1" name=""/>
+        <p:cNvGrpSpPr/>
+        <p:nvPr/>
+      </p:nvGrpSpPr>
+      <p:grpSpPr>
+        <a:xfrm>
+          <a:off x="0" y="0"/>
+          <a:ext cx="0" cy="0"/>
+          <a:chOff x="0" y="0"/>
+          <a:chExt cx="0" cy="0"/>
+        </a:xfrm>
+      </p:grpSpPr>
+      <p:sp>
+        <p:nvSpPr>
+          <p:cNvPr id="2" name="Cím 1">
+            <a:extLst>
+              <a:ext uri="{FF2B5EF4-FFF2-40B4-BE49-F238E27FC236}">
+                <a16:creationId xmlns:a16="http://schemas.microsoft.com/office/drawing/2014/main" id="{17A27925-BEAF-420F-8265-060DA2BCEFBB}"/>
+              </a:ext>
+            </a:extLst>
+          </p:cNvPr>
+          <p:cNvSpPr>
+            <a:spLocks noGrp="1"/>
+          </p:cNvSpPr>
+          <p:nvPr>
+            <p:ph type="title"/>
+          </p:nvPr>
+        </p:nvSpPr>
+        <p:spPr/>
+        <p:txBody>
+          <a:bodyPr/>
+          <a:lstStyle/>
+          <a:p>
+            <a:r>
+              <a:rPr lang="hu-HU" dirty="0"/>
+              <a:t>REST </a:t>
+            </a:r>
+            <a:r>
+              <a:rPr lang="hu-HU" dirty="0" err="1"/>
+              <a:t>authorizáció</a:t>
+            </a:r>
+            <a:endParaRPr lang="hu-HU" dirty="0"/>
+          </a:p>
+        </p:txBody>
+      </p:sp>
+      <p:pic>
+        <p:nvPicPr>
+          <p:cNvPr id="2050" name="Picture 2" descr="REST API Authentication – callstats.io">
+            <a:extLst>
+              <a:ext uri="{FF2B5EF4-FFF2-40B4-BE49-F238E27FC236}">
+                <a16:creationId xmlns:a16="http://schemas.microsoft.com/office/drawing/2014/main" id="{F65292CC-F919-4FF8-9163-EA5F70C4276B}"/>
+              </a:ext>
+            </a:extLst>
+          </p:cNvPr>
+          <p:cNvPicPr>
+            <a:picLocks noGrp="1" noChangeAspect="1" noChangeArrowheads="1"/>
+          </p:cNvPicPr>
+          <p:nvPr>
+            <p:ph idx="1"/>
+          </p:nvPr>
+        </p:nvPicPr>
+        <p:blipFill>
+          <a:blip r:embed="rId3">
+            <a:extLst>
+              <a:ext uri="{28A0092B-C50C-407E-A947-70E740481C1C}">
+                <a14:useLocalDpi xmlns:a14="http://schemas.microsoft.com/office/drawing/2010/main" val="0"/>
+              </a:ext>
+            </a:extLst>
+          </a:blip>
+          <a:srcRect/>
+          <a:stretch>
+            <a:fillRect/>
+          </a:stretch>
+        </p:blipFill>
+        <p:spPr bwMode="auto">
+          <a:xfrm>
+            <a:off x="1784350" y="1690688"/>
+            <a:ext cx="8623300" cy="4804960"/>
+          </a:xfrm>
+          <a:prstGeom prst="rect">
+            <a:avLst/>
+          </a:prstGeom>
+          <a:noFill/>
+          <a:extLst>
+            <a:ext uri="{909E8E84-426E-40DD-AFC4-6F175D3DCCD1}">
+              <a14:hiddenFill xmlns:a14="http://schemas.microsoft.com/office/drawing/2010/main">
+                <a:solidFill>
+                  <a:srgbClr val="FFFFFF"/>
+                </a:solidFill>
+              </a14:hiddenFill>
+            </a:ext>
+          </a:extLst>
+        </p:spPr>
+      </p:pic>
+    </p:spTree>
+    <p:extLst>
+      <p:ext uri="{BB962C8B-B14F-4D97-AF65-F5344CB8AC3E}">
+        <p14:creationId xmlns:p14="http://schemas.microsoft.com/office/powerpoint/2010/main" val="4286342892"/>
+      </p:ext>
+    </p:extLst>
+  </p:cSld>
+  <p:clrMapOvr>
+    <a:masterClrMapping/>
+  </p:clrMapOvr>
+</p:sld>
+</file>
+
+<file path=ppt/slides/slide12.xml><?xml version="1.0" encoding="utf-8"?>
+<p:sld xmlns:a="http://schemas.openxmlformats.org/drawingml/2006/main" xmlns:r="http://schemas.openxmlformats.org/officeDocument/2006/relationships" xmlns:p="http://schemas.openxmlformats.org/presentationml/2006/main">
+  <p:cSld>
+    <p:spTree>
+      <p:nvGrpSpPr>
+        <p:cNvPr id="1" name=""/>
+        <p:cNvGrpSpPr/>
+        <p:nvPr/>
+      </p:nvGrpSpPr>
+      <p:grpSpPr>
+        <a:xfrm>
+          <a:off x="0" y="0"/>
+          <a:ext cx="0" cy="0"/>
+          <a:chOff x="0" y="0"/>
+          <a:chExt cx="0" cy="0"/>
+        </a:xfrm>
+      </p:grpSpPr>
+      <p:sp>
+        <p:nvSpPr>
+          <p:cNvPr id="2" name="Cím 1">
+            <a:extLst>
+              <a:ext uri="{FF2B5EF4-FFF2-40B4-BE49-F238E27FC236}">
+                <a16:creationId xmlns:a16="http://schemas.microsoft.com/office/drawing/2014/main" id="{7F3DDDB0-AA1F-431C-897B-B5557975D8CF}"/>
+              </a:ext>
+            </a:extLst>
+          </p:cNvPr>
+          <p:cNvSpPr>
+            <a:spLocks noGrp="1"/>
+          </p:cNvSpPr>
+          <p:nvPr>
+            <p:ph type="title"/>
+          </p:nvPr>
+        </p:nvSpPr>
+        <p:spPr/>
+        <p:txBody>
+          <a:bodyPr/>
+          <a:lstStyle/>
+          <a:p>
+            <a:r>
+              <a:rPr lang="hu-HU" dirty="0"/>
+              <a:t>Állapotkódok</a:t>
+            </a:r>
+          </a:p>
+        </p:txBody>
+      </p:sp>
+      <p:sp>
+        <p:nvSpPr>
+          <p:cNvPr id="3" name="Tartalom helye 2">
+            <a:extLst>
+              <a:ext uri="{FF2B5EF4-FFF2-40B4-BE49-F238E27FC236}">
+                <a16:creationId xmlns:a16="http://schemas.microsoft.com/office/drawing/2014/main" id="{C6A870D5-4D1B-4078-ABA5-B645B8D4AE60}"/>
+              </a:ext>
+            </a:extLst>
+          </p:cNvPr>
+          <p:cNvSpPr>
+            <a:spLocks noGrp="1"/>
+          </p:cNvSpPr>
+          <p:nvPr>
+            <p:ph idx="1"/>
+          </p:nvPr>
+        </p:nvSpPr>
+        <p:spPr/>
+        <p:txBody>
+          <a:bodyPr/>
+          <a:lstStyle/>
+          <a:p>
+            <a:r>
+              <a:rPr lang="hu-HU" dirty="0"/>
+              <a:t>1xx - tájékoztató információk: A kérést megkapta a szerver, feldolgozás következik</a:t>
+            </a:r>
+          </a:p>
+          <a:p>
+            <a:r>
+              <a:rPr lang="hu-HU" dirty="0"/>
+              <a:t>2xx - sikeres kérés: A kérést sikeresen megkapta, elfogadta, megértette a szerver.</a:t>
+            </a:r>
+          </a:p>
+          <a:p>
+            <a:r>
+              <a:rPr lang="hu-HU" dirty="0"/>
+              <a:t>3xx - átirányítás: További tevékenységekre van szükség a kérés befejezéséhez.</a:t>
+            </a:r>
+          </a:p>
+          <a:p>
+            <a:r>
+              <a:rPr lang="hu-HU" dirty="0"/>
+              <a:t>4xx - klienshiba: A kérés rossz szintaxisú vagy nem teljesíthető.</a:t>
+            </a:r>
+          </a:p>
+          <a:p>
+            <a:r>
+              <a:rPr lang="hu-HU" dirty="0"/>
+              <a:t>5xx - szerverhiba: A szervernek nem sikerült egy helyes kérést végrehajtania.</a:t>
+            </a:r>
+          </a:p>
+        </p:txBody>
+      </p:sp>
+    </p:spTree>
+    <p:extLst>
+      <p:ext uri="{BB962C8B-B14F-4D97-AF65-F5344CB8AC3E}">
+        <p14:creationId xmlns:p14="http://schemas.microsoft.com/office/powerpoint/2010/main" val="2866962885"/>
+      </p:ext>
+    </p:extLst>
+  </p:cSld>
+  <p:clrMapOvr>
+    <a:masterClrMapping/>
+  </p:clrMapOvr>
+</p:sld>
+</file>
+
+<file path=ppt/slides/slide13.xml><?xml version="1.0" encoding="utf-8"?>
+<p:sld xmlns:a="http://schemas.openxmlformats.org/drawingml/2006/main" xmlns:r="http://schemas.openxmlformats.org/officeDocument/2006/relationships" xmlns:p="http://schemas.openxmlformats.org/presentationml/2006/main">
+  <p:cSld>
+    <p:spTree>
+      <p:nvGrpSpPr>
+        <p:cNvPr id="1" name=""/>
+        <p:cNvGrpSpPr/>
+        <p:nvPr/>
+      </p:nvGrpSpPr>
+      <p:grpSpPr>
+        <a:xfrm>
+          <a:off x="0" y="0"/>
+          <a:ext cx="0" cy="0"/>
+          <a:chOff x="0" y="0"/>
+          <a:chExt cx="0" cy="0"/>
+        </a:xfrm>
+      </p:grpSpPr>
+      <p:sp>
+        <p:nvSpPr>
+          <p:cNvPr id="2" name="Cím 1">
+            <a:extLst>
+              <a:ext uri="{FF2B5EF4-FFF2-40B4-BE49-F238E27FC236}">
+                <a16:creationId xmlns:a16="http://schemas.microsoft.com/office/drawing/2014/main" id="{A8E66908-B78C-4E9E-A2C9-F8CDA4384E7E}"/>
+              </a:ext>
+            </a:extLst>
+          </p:cNvPr>
+          <p:cNvSpPr>
+            <a:spLocks noGrp="1"/>
+          </p:cNvSpPr>
+          <p:nvPr>
+            <p:ph type="title"/>
+          </p:nvPr>
+        </p:nvSpPr>
+        <p:spPr/>
+        <p:txBody>
+          <a:bodyPr/>
+          <a:lstStyle/>
+          <a:p>
+            <a:r>
+              <a:rPr lang="hu-HU" dirty="0"/>
+              <a:t>Állapotkódok a való életben</a:t>
+            </a:r>
+          </a:p>
+        </p:txBody>
+      </p:sp>
+      <p:sp>
+        <p:nvSpPr>
+          <p:cNvPr id="3" name="Tartalom helye 2">
+            <a:extLst>
+              <a:ext uri="{FF2B5EF4-FFF2-40B4-BE49-F238E27FC236}">
+                <a16:creationId xmlns:a16="http://schemas.microsoft.com/office/drawing/2014/main" id="{5D75F0E0-39B0-4E49-91FE-7DA41E6064BB}"/>
+              </a:ext>
+            </a:extLst>
+          </p:cNvPr>
+          <p:cNvSpPr>
+            <a:spLocks noGrp="1"/>
+          </p:cNvSpPr>
+          <p:nvPr>
+            <p:ph idx="1"/>
+          </p:nvPr>
+        </p:nvSpPr>
+        <p:spPr/>
+        <p:txBody>
+          <a:bodyPr/>
+          <a:lstStyle/>
+          <a:p>
+            <a:r>
+              <a:rPr lang="hu-HU" dirty="0"/>
+              <a:t>200 - sikeres</a:t>
+            </a:r>
+          </a:p>
+          <a:p>
+            <a:r>
+              <a:rPr lang="hu-HU" dirty="0"/>
+              <a:t>401 - </a:t>
+            </a:r>
+            <a:r>
+              <a:rPr lang="hu-HU" dirty="0" err="1"/>
+              <a:t>unauthorizált</a:t>
+            </a:r>
+            <a:endParaRPr lang="hu-HU" dirty="0"/>
+          </a:p>
+          <a:p>
+            <a:r>
+              <a:rPr lang="hu-HU" dirty="0"/>
+              <a:t>404 - nem létező erőforrás</a:t>
+            </a:r>
+          </a:p>
+          <a:p>
+            <a:r>
+              <a:rPr lang="hu-HU" dirty="0"/>
+              <a:t>405 - helytelen metódushasználat</a:t>
+            </a:r>
+          </a:p>
+          <a:p>
+            <a:r>
+              <a:rPr lang="hu-HU" dirty="0"/>
+              <a:t>500 - a backend hibára futott</a:t>
+            </a:r>
+          </a:p>
+        </p:txBody>
+      </p:sp>
+    </p:spTree>
+    <p:extLst>
+      <p:ext uri="{BB962C8B-B14F-4D97-AF65-F5344CB8AC3E}">
+        <p14:creationId xmlns:p14="http://schemas.microsoft.com/office/powerpoint/2010/main" val="1614059544"/>
+      </p:ext>
+    </p:extLst>
+  </p:cSld>
+  <p:clrMapOvr>
+    <a:masterClrMapping/>
+  </p:clrMapOvr>
+</p:sld>
+</file>
+
+<file path=ppt/slides/slide14.xml><?xml version="1.0" encoding="utf-8"?>
+<p:sld xmlns:a="http://schemas.openxmlformats.org/drawingml/2006/main" xmlns:r="http://schemas.openxmlformats.org/officeDocument/2006/relationships" xmlns:p="http://schemas.openxmlformats.org/presentationml/2006/main">
+  <p:cSld>
+    <p:spTree>
+      <p:nvGrpSpPr>
+        <p:cNvPr id="1" name=""/>
+        <p:cNvGrpSpPr/>
+        <p:nvPr/>
+      </p:nvGrpSpPr>
+      <p:grpSpPr>
+        <a:xfrm>
+          <a:off x="0" y="0"/>
+          <a:ext cx="0" cy="0"/>
+          <a:chOff x="0" y="0"/>
+          <a:chExt cx="0" cy="0"/>
+        </a:xfrm>
+      </p:grpSpPr>
+      <p:sp>
+        <p:nvSpPr>
+          <p:cNvPr id="2" name="Cím 1">
+            <a:extLst>
+              <a:ext uri="{FF2B5EF4-FFF2-40B4-BE49-F238E27FC236}">
+                <a16:creationId xmlns:a16="http://schemas.microsoft.com/office/drawing/2014/main" id="{0E84C055-4032-4E35-A80A-A8E354F6A8DE}"/>
+              </a:ext>
+            </a:extLst>
+          </p:cNvPr>
+          <p:cNvSpPr>
+            <a:spLocks noGrp="1"/>
+          </p:cNvSpPr>
+          <p:nvPr>
+            <p:ph type="title"/>
+          </p:nvPr>
+        </p:nvSpPr>
+        <p:spPr/>
+        <p:txBody>
+          <a:bodyPr/>
+          <a:lstStyle/>
+          <a:p>
+            <a:r>
+              <a:rPr lang="hu-HU" dirty="0"/>
+              <a:t>REST metódusok</a:t>
+            </a:r>
+          </a:p>
+        </p:txBody>
+      </p:sp>
+      <p:sp>
+        <p:nvSpPr>
+          <p:cNvPr id="3" name="Tartalom helye 2">
+            <a:extLst>
+              <a:ext uri="{FF2B5EF4-FFF2-40B4-BE49-F238E27FC236}">
+                <a16:creationId xmlns:a16="http://schemas.microsoft.com/office/drawing/2014/main" id="{BA43AF98-B90E-40DE-A9B5-809149E311CC}"/>
+              </a:ext>
+            </a:extLst>
+          </p:cNvPr>
+          <p:cNvSpPr>
+            <a:spLocks noGrp="1"/>
+          </p:cNvSpPr>
+          <p:nvPr>
+            <p:ph idx="1"/>
+          </p:nvPr>
+        </p:nvSpPr>
+        <p:spPr/>
+        <p:txBody>
+          <a:bodyPr/>
+          <a:lstStyle/>
+          <a:p>
+            <a:r>
+              <a:rPr lang="hu-HU" dirty="0"/>
+              <a:t>GET – erőforrás letöltése</a:t>
+            </a:r>
+          </a:p>
+          <a:p>
+            <a:r>
+              <a:rPr lang="hu-HU" dirty="0"/>
+              <a:t>POST - adatok szerverre küldése</a:t>
+            </a:r>
+          </a:p>
+          <a:p>
+            <a:r>
+              <a:rPr lang="hu-HU" dirty="0"/>
+              <a:t>PUT - feltölti a megadott erőforrást</a:t>
+            </a:r>
+          </a:p>
+          <a:p>
+            <a:r>
+              <a:rPr lang="hu-HU" dirty="0"/>
+              <a:t>DELETE - erőforrás eltávolítása</a:t>
+            </a:r>
+          </a:p>
+          <a:p>
+            <a:r>
+              <a:rPr lang="hu-HU" dirty="0"/>
+              <a:t>(HEAD) – ugyanaz, mint a GET, de csak a válasz fejlécet kéri le</a:t>
+            </a:r>
+          </a:p>
+          <a:p>
+            <a:r>
+              <a:rPr lang="hu-HU" dirty="0"/>
+              <a:t>(TRACE) – visszaküldi a kapott kérést</a:t>
+            </a:r>
+          </a:p>
+          <a:p>
+            <a:r>
+              <a:rPr lang="hu-HU" dirty="0"/>
+              <a:t>(OPTIONS) – a szerver által támogatott http metódusok listája</a:t>
+            </a:r>
+          </a:p>
+          <a:p>
+            <a:r>
+              <a:rPr lang="hu-HU" dirty="0"/>
+              <a:t>(CONNECT) – a kérést transzparens </a:t>
+            </a:r>
+            <a:r>
+              <a:rPr lang="hu-HU" dirty="0" err="1"/>
+              <a:t>tunellé</a:t>
+            </a:r>
+            <a:r>
+              <a:rPr lang="hu-HU" dirty="0"/>
+              <a:t> alakítja</a:t>
+            </a:r>
+          </a:p>
+        </p:txBody>
+      </p:sp>
+    </p:spTree>
+    <p:extLst>
+      <p:ext uri="{BB962C8B-B14F-4D97-AF65-F5344CB8AC3E}">
+        <p14:creationId xmlns:p14="http://schemas.microsoft.com/office/powerpoint/2010/main" val="3861055067"/>
+      </p:ext>
+    </p:extLst>
+  </p:cSld>
+  <p:clrMapOvr>
+    <a:masterClrMapping/>
+  </p:clrMapOvr>
+</p:sld>
+</file>
+
+<file path=ppt/slides/slide15.xml><?xml version="1.0" encoding="utf-8"?>
+<p:sld xmlns:a="http://schemas.openxmlformats.org/drawingml/2006/main" xmlns:r="http://schemas.openxmlformats.org/officeDocument/2006/relationships" xmlns:p="http://schemas.openxmlformats.org/presentationml/2006/main">
+  <p:cSld>
+    <p:spTree>
+      <p:nvGrpSpPr>
+        <p:cNvPr id="1" name=""/>
+        <p:cNvGrpSpPr/>
+        <p:nvPr/>
+      </p:nvGrpSpPr>
+      <p:grpSpPr>
+        <a:xfrm>
+          <a:off x="0" y="0"/>
+          <a:ext cx="0" cy="0"/>
+          <a:chOff x="0" y="0"/>
+          <a:chExt cx="0" cy="0"/>
+        </a:xfrm>
+      </p:grpSpPr>
+      <p:sp>
+        <p:nvSpPr>
+          <p:cNvPr id="2" name="Cím 1">
+            <a:extLst>
+              <a:ext uri="{FF2B5EF4-FFF2-40B4-BE49-F238E27FC236}">
                 <a16:creationId xmlns:a16="http://schemas.microsoft.com/office/drawing/2014/main" id="{EC9BEC7B-56CF-4849-95F5-4B2D0C381343}"/>
               </a:ext>
             </a:extLst>
@@ -5117,6 +6565,21 @@
               <a:t>, 5th, Prentice Hall</a:t>
             </a:r>
             <a:endParaRPr lang="hu-HU" dirty="0"/>
+          </a:p>
+          <a:p>
+            <a:r>
+              <a:rPr lang="hu-HU" dirty="0">
+                <a:hlinkClick r:id="rId2"/>
+              </a:rPr>
+              <a:t>https://psprog.hu/article/rest-alapu-kommunikacio</a:t>
+            </a:r>
+            <a:endParaRPr lang="hu-HU" dirty="0"/>
+          </a:p>
+          <a:p>
+            <a:r>
+              <a:rPr lang="hu-HU" dirty="0"/>
+              <a:t>http://webprogramozas.inf.elte.hu/tananyag/wf2/lecke12_lap1.html</a:t>
+            </a:r>
           </a:p>
         </p:txBody>
       </p:sp>
@@ -6346,7 +7809,7 @@
             </a:r>
             <a:r>
               <a:rPr lang="hu-HU" dirty="0"/>
-              <a:t> )</a:t>
+              <a:t>)</a:t>
             </a:r>
           </a:p>
         </p:txBody>

--- a/Osztott rendszerek, párhuzamos programozás.pptx
+++ b/Osztott rendszerek, párhuzamos programozás.pptx
@@ -223,7 +223,7 @@
           <a:p>
             <a:fld id="{81E79A26-81C4-4025-92C3-532DA6E0B8B9}" type="datetimeFigureOut">
               <a:rPr lang="hu-HU" smtClean="0"/>
-              <a:t>2021. 10. 09.</a:t>
+              <a:t>2021. 10. 10.</a:t>
             </a:fld>
             <a:endParaRPr lang="hu-HU"/>
           </a:p>
@@ -662,7 +662,15 @@
           <a:p>
             <a:r>
               <a:rPr lang="hu-HU" dirty="0"/>
-              <a:t>Megeshet, hogy egy publikus REST interfész fejlesztése a feladat, de általában ez így nem lesz, biztosítani kell az erőforrások védelmét a jogosulatlan hozzáférésekkel szemben - főleg, ha „írási” műveleteket is lehetővé tesz az interfész. Mivel állapotmentes technológiáról beszélünk, nem tehetjük meg azt, hogy a kliens küld egy „bejelentkezési kérelmet” a szervernek; majd a szerver elindítja a munkafolyamatot és innentől kényelmesen történik a kommunikáció. Ez esetben ez sajnos nem fog működni.</a:t>
+              <a:t>A REST egy HTTP protokollra fejlesztett kommunikációs architektúra típus, mely kliens és szerver közti kommunikáció megvalósítására használható. Kihasználja a HTTP állapotkódokat és metódusokat egyaránt, sőt a specifikáció megköveteli azok használatát, bár az egyedi fejlesztésű REST interfészek tervezése során ezekre gyakran nem ügyelnek a fejlesztők. A kérések URI-k használatával történnek, melyek erőforrásokat azonosítanak, és az URI-k egységes interfészt biztosítanak a kliens számára. Minden kérésre azonos formátumban reagál a szerver, ez általában JSON, de használható még HTML és XML formátum is. Fontos, hogy a kérések állapotmentesek, tehát nem beszélhetünk „munkafolyamatról”, így az </a:t>
+            </a:r>
+            <a:r>
+              <a:rPr lang="hu-HU" dirty="0" err="1"/>
+              <a:t>authorizáció</a:t>
+            </a:r>
+            <a:r>
+              <a:rPr lang="hu-HU" dirty="0"/>
+              <a:t> folyamatos figyelmet igényel.</a:t>
             </a:r>
           </a:p>
           <a:p>
@@ -671,159 +679,23 @@
           <a:p>
             <a:r>
               <a:rPr lang="hu-HU" dirty="0"/>
-              <a:t>Nyilván így minden kérésben azonosítani kell a klienst, hogy a szerver tudja, milyen jogok vannak számára kiosztva, mely erőforrásokat elérését biztosíthatja. A legfapadosabb megoldás, hogy az URI-ban GET vagy a kérés fejlécében POST paraméterekként megadjuk a kliens azonosítására szolgáló adatokat (felhasználónév – jelszó párost, vagy </a:t>
+              <a:t>Minden egyes alkalommal amikor rákerestek egy </a:t>
             </a:r>
             <a:r>
               <a:rPr lang="hu-HU" dirty="0" err="1"/>
-              <a:t>tokent</a:t>
-            </a:r>
-            <a:r>
-              <a:rPr lang="hu-HU" dirty="0"/>
-              <a:t>). Ez azonban csak akkor fog működni, ha a szerver GET vagy POST kérésre reagál, és így ráadásul minden kérésnél ügyelni kell, hogy az azonosító a megfelelő helyen szerepeljen a kérésben. Így azonban sérül az egységesség, gyakorlatilag ez az esetek közel 100%-</a:t>
+              <a:t>url-re</a:t>
+            </a:r>
+            <a:r>
+              <a:rPr lang="hu-HU" dirty="0"/>
+              <a:t> a böngészőben, ezzel egy kérést </a:t>
             </a:r>
             <a:r>
               <a:rPr lang="hu-HU" dirty="0" err="1"/>
-              <a:t>ában</a:t>
-            </a:r>
-            <a:r>
-              <a:rPr lang="hu-HU" dirty="0"/>
-              <a:t> nem járható út.</a:t>
-            </a:r>
-          </a:p>
-          <a:p>
-            <a:endParaRPr lang="hu-HU" dirty="0"/>
-          </a:p>
-          <a:p>
-            <a:r>
-              <a:rPr lang="hu-HU" dirty="0"/>
-              <a:t>Az azonosítást éppen ezért a kérés fejlécében, az </a:t>
-            </a:r>
-            <a:r>
-              <a:rPr lang="hu-HU" dirty="0" err="1"/>
-              <a:t>Authorization</a:t>
-            </a:r>
-            <a:r>
-              <a:rPr lang="hu-HU" dirty="0"/>
-              <a:t> mezőben szokás elvégezni. Itt több lehetőségünk is lesz, a legkézenfekvőbb megoldás a Basic mód használata. </a:t>
-            </a:r>
-            <a:r>
-              <a:rPr lang="hu-HU" dirty="0" err="1"/>
-              <a:t>Paraméterül</a:t>
-            </a:r>
-            <a:r>
-              <a:rPr lang="hu-HU" dirty="0"/>
-              <a:t> egy Base64-be kódolt </a:t>
-            </a:r>
-            <a:r>
-              <a:rPr lang="hu-HU" dirty="0" err="1"/>
-              <a:t>string-et</a:t>
-            </a:r>
-            <a:r>
-              <a:rPr lang="hu-HU" dirty="0"/>
-              <a:t> vár, mely a felhasználónevet és a jelszót tartalmazza kettősponttal összefűzve. A példa kedvéért legyen a felhasználónév „rest”, a jelszó pedig „R3st”, tehát a „rest:R3st” </a:t>
-            </a:r>
-            <a:r>
-              <a:rPr lang="hu-HU" dirty="0" err="1"/>
-              <a:t>string-et</a:t>
-            </a:r>
-            <a:r>
-              <a:rPr lang="hu-HU" dirty="0"/>
-              <a:t> kell Base64-be kódolni. A HTTP </a:t>
-            </a:r>
-            <a:r>
-              <a:rPr lang="hu-HU" dirty="0" err="1"/>
-              <a:t>header</a:t>
-            </a:r>
-            <a:r>
-              <a:rPr lang="hu-HU" dirty="0"/>
-              <a:t> ekkor a következőt kell tartalmazza:</a:t>
-            </a:r>
-          </a:p>
-          <a:p>
-            <a:endParaRPr lang="hu-HU" dirty="0"/>
-          </a:p>
-          <a:p>
-            <a:r>
-              <a:rPr lang="hu-HU" dirty="0" err="1"/>
-              <a:t>Authorization</a:t>
-            </a:r>
-            <a:r>
-              <a:rPr lang="hu-HU" dirty="0"/>
-              <a:t>: Basic cmVzdDpSM3N0</a:t>
-            </a:r>
-          </a:p>
-          <a:p>
-            <a:endParaRPr lang="hu-HU" dirty="0"/>
-          </a:p>
-          <a:p>
-            <a:r>
-              <a:rPr lang="hu-HU" dirty="0"/>
-              <a:t>A szerver ezt automatikusan fel tudja dolgozni, és PHP-s környezetben például a $_SERVER szuperglobális tömb PHP_AUTH_USER és PHP_AUTH_PW mezőibe fogja írni. Nyilván ez a megoldás nem a legbiztonságosabb ilyen formában, így érdemes megfontolni más módszer használatát, vagy legalább a felhasználónevet és/vagy a jelszót egyféle </a:t>
-            </a:r>
-            <a:r>
-              <a:rPr lang="hu-HU" dirty="0" err="1"/>
-              <a:t>tokenizálásnak</a:t>
-            </a:r>
-            <a:r>
-              <a:rPr lang="hu-HU" dirty="0"/>
-              <a:t> is alávetni.</a:t>
-            </a:r>
-          </a:p>
-          <a:p>
-            <a:endParaRPr lang="hu-HU" dirty="0"/>
-          </a:p>
-          <a:p>
-            <a:r>
-              <a:rPr lang="hu-HU" dirty="0"/>
-              <a:t>De ha már </a:t>
-            </a:r>
-            <a:r>
-              <a:rPr lang="hu-HU" dirty="0" err="1"/>
-              <a:t>token</a:t>
-            </a:r>
-            <a:r>
-              <a:rPr lang="hu-HU" dirty="0"/>
-              <a:t>, lehetőségünk van közvetlenül egy </a:t>
-            </a:r>
-            <a:r>
-              <a:rPr lang="hu-HU" dirty="0" err="1"/>
-              <a:t>tokent</a:t>
-            </a:r>
-            <a:r>
-              <a:rPr lang="hu-HU" dirty="0"/>
-              <a:t> is átadni az </a:t>
-            </a:r>
-            <a:r>
-              <a:rPr lang="hu-HU" dirty="0" err="1"/>
-              <a:t>Authorization</a:t>
-            </a:r>
-            <a:r>
-              <a:rPr lang="hu-HU" dirty="0"/>
-              <a:t> mezőben. Ehhez Basic helyett </a:t>
-            </a:r>
-            <a:r>
-              <a:rPr lang="hu-HU" dirty="0" err="1"/>
-              <a:t>Bearer</a:t>
-            </a:r>
-            <a:r>
-              <a:rPr lang="hu-HU" dirty="0"/>
-              <a:t> módszer használatára lesz szükség, bár ez megköveteli a szerverkörnyezeten az </a:t>
-            </a:r>
-            <a:r>
-              <a:rPr lang="hu-HU" dirty="0" err="1"/>
-              <a:t>OAuth</a:t>
-            </a:r>
-            <a:r>
-              <a:rPr lang="hu-HU" dirty="0"/>
-              <a:t> modul létezését – erről bővebb információk az </a:t>
-            </a:r>
-            <a:r>
-              <a:rPr lang="hu-HU" dirty="0" err="1"/>
-              <a:t>OAuth</a:t>
-            </a:r>
-            <a:r>
-              <a:rPr lang="hu-HU" dirty="0"/>
-              <a:t> dokumentációjában olvashatóak.</a:t>
+              <a:t>küldtök</a:t>
+            </a:r>
+            <a:r>
+              <a:rPr lang="hu-HU" dirty="0"/>
+              <a:t> a szervernek, ami visszaküldi a szükséges adatokat.</a:t>
             </a:r>
           </a:p>
         </p:txBody>
@@ -845,7 +717,7 @@
           <a:p>
             <a:fld id="{674FF4E3-1DEA-4DBB-AF74-DDA85AC22194}" type="slidenum">
               <a:rPr lang="hu-HU" smtClean="0"/>
-              <a:t>11</a:t>
+              <a:t>10</a:t>
             </a:fld>
             <a:endParaRPr lang="hu-HU"/>
           </a:p>
@@ -854,7 +726,7 @@
     </p:spTree>
     <p:extLst>
       <p:ext uri="{BB962C8B-B14F-4D97-AF65-F5344CB8AC3E}">
-        <p14:creationId xmlns:p14="http://schemas.microsoft.com/office/powerpoint/2010/main" val="973792321"/>
+        <p14:creationId xmlns:p14="http://schemas.microsoft.com/office/powerpoint/2010/main" val="3499535093"/>
       </p:ext>
     </p:extLst>
   </p:cSld>
@@ -909,163 +781,170 @@
           <a:lstStyle/>
           <a:p>
             <a:r>
-              <a:rPr lang="hu-HU" sz="1200" b="0" i="0" kern="1200" dirty="0">
-                <a:solidFill>
-                  <a:schemeClr val="tx1"/>
-                </a:solidFill>
-                <a:effectLst/>
-                <a:latin typeface="+mn-lt"/>
-                <a:ea typeface="+mn-ea"/>
-                <a:cs typeface="+mn-cs"/>
-              </a:rPr>
-              <a:t>A HTTP-állapotkódokat a kliens kérésére adott válasz első sora tartalmazza.</a:t>
-            </a:r>
-          </a:p>
-          <a:p>
-            <a:endParaRPr lang="hu-HU" sz="1200" b="0" i="0" kern="1200" dirty="0">
-              <a:solidFill>
-                <a:schemeClr val="tx1"/>
-              </a:solidFill>
-              <a:effectLst/>
-              <a:latin typeface="+mn-lt"/>
-              <a:ea typeface="+mn-ea"/>
-              <a:cs typeface="+mn-cs"/>
-            </a:endParaRPr>
-          </a:p>
-          <a:p>
-            <a:r>
-              <a:rPr lang="hu-HU" sz="1200" b="0" i="0" kern="1200" dirty="0">
-                <a:solidFill>
-                  <a:schemeClr val="tx1"/>
-                </a:solidFill>
-                <a:effectLst/>
-                <a:latin typeface="+mn-lt"/>
-                <a:ea typeface="+mn-ea"/>
-                <a:cs typeface="+mn-cs"/>
-              </a:rPr>
-              <a:t>Az állapotkódok 3 számjegyből állnak, az első számjegy utal a tartalmukra, ez a számjegy 1-től 5-ig terjedhet. Ez alapján a következő csoportjai vannak az állapotkódoknak:</a:t>
-            </a:r>
-          </a:p>
-          <a:p>
-            <a:endParaRPr lang="hu-HU" sz="1200" b="0" i="0" kern="1200" dirty="0">
-              <a:solidFill>
-                <a:schemeClr val="tx1"/>
-              </a:solidFill>
-              <a:effectLst/>
-              <a:latin typeface="+mn-lt"/>
-              <a:ea typeface="+mn-ea"/>
-              <a:cs typeface="+mn-cs"/>
-            </a:endParaRPr>
-          </a:p>
-          <a:p>
-            <a:r>
-              <a:rPr lang="hu-HU" sz="1200" b="0" i="0" kern="1200" dirty="0">
-                <a:solidFill>
-                  <a:schemeClr val="tx1"/>
-                </a:solidFill>
-                <a:effectLst/>
-                <a:latin typeface="+mn-lt"/>
-                <a:ea typeface="+mn-ea"/>
-                <a:cs typeface="+mn-cs"/>
-              </a:rPr>
-              <a:t>1xx - tájékoztató információk: A kérést megkapta a szerver, feldolgozás következik</a:t>
-            </a:r>
-          </a:p>
-          <a:p>
-            <a:r>
-              <a:rPr lang="hu-HU" sz="1200" b="0" i="0" kern="1200" dirty="0">
-                <a:solidFill>
-                  <a:schemeClr val="tx1"/>
-                </a:solidFill>
-                <a:effectLst/>
-                <a:latin typeface="+mn-lt"/>
-                <a:ea typeface="+mn-ea"/>
-                <a:cs typeface="+mn-cs"/>
-              </a:rPr>
-              <a:t>2xx - sikeres kérés: A kérést sikeresen megkapta, elfogadta, megértette a szerver.</a:t>
-            </a:r>
-          </a:p>
-          <a:p>
-            <a:r>
-              <a:rPr lang="hu-HU" sz="1200" b="0" i="0" kern="1200" dirty="0">
-                <a:solidFill>
-                  <a:schemeClr val="tx1"/>
-                </a:solidFill>
-                <a:effectLst/>
-                <a:latin typeface="+mn-lt"/>
-                <a:ea typeface="+mn-ea"/>
-                <a:cs typeface="+mn-cs"/>
-              </a:rPr>
-              <a:t>3xx - átirányítás: További tevékenységekre van szükség a kérés befejezéséhez.</a:t>
-            </a:r>
-          </a:p>
-          <a:p>
-            <a:r>
-              <a:rPr lang="hu-HU" sz="1200" b="0" i="0" kern="1200" dirty="0">
-                <a:solidFill>
-                  <a:schemeClr val="tx1"/>
-                </a:solidFill>
-                <a:effectLst/>
-                <a:latin typeface="+mn-lt"/>
-                <a:ea typeface="+mn-ea"/>
-                <a:cs typeface="+mn-cs"/>
-              </a:rPr>
-              <a:t>4xx - klienshiba: A kérés rossz szintaxisú vagy nem teljesíthető.</a:t>
-            </a:r>
-          </a:p>
-          <a:p>
-            <a:r>
-              <a:rPr lang="hu-HU" sz="1200" b="0" i="0" kern="1200" dirty="0">
-                <a:solidFill>
-                  <a:schemeClr val="tx1"/>
-                </a:solidFill>
-                <a:effectLst/>
-                <a:latin typeface="+mn-lt"/>
-                <a:ea typeface="+mn-ea"/>
-                <a:cs typeface="+mn-cs"/>
-              </a:rPr>
-              <a:t>5xx - szerverhiba: A szervernek nem sikerült egy helyes kérést végrehajtania.</a:t>
-            </a:r>
-          </a:p>
-          <a:p>
-            <a:r>
-              <a:rPr lang="hu-HU" sz="1200" b="0" i="0" kern="1200" dirty="0">
-                <a:solidFill>
-                  <a:schemeClr val="tx1"/>
-                </a:solidFill>
-                <a:effectLst/>
-                <a:latin typeface="+mn-lt"/>
-                <a:ea typeface="+mn-ea"/>
-                <a:cs typeface="+mn-cs"/>
-              </a:rPr>
-              <a:t>A második és harmadik számjegyre nincsenek szabályok.</a:t>
-            </a:r>
-          </a:p>
-          <a:p>
-            <a:endParaRPr lang="hu-HU" sz="1200" b="0" i="0" kern="1200" dirty="0">
-              <a:solidFill>
-                <a:schemeClr val="tx1"/>
-              </a:solidFill>
-              <a:effectLst/>
-              <a:latin typeface="+mn-lt"/>
-              <a:ea typeface="+mn-ea"/>
-              <a:cs typeface="+mn-cs"/>
-            </a:endParaRPr>
-          </a:p>
-          <a:p>
-            <a:r>
-              <a:rPr lang="hu-HU" sz="1200" b="0" i="0" kern="1200" dirty="0">
-                <a:solidFill>
-                  <a:schemeClr val="tx1"/>
-                </a:solidFill>
-                <a:effectLst/>
-                <a:latin typeface="+mn-lt"/>
-                <a:ea typeface="+mn-ea"/>
-                <a:cs typeface="+mn-cs"/>
-              </a:rPr>
-              <a:t>Nem minden lehetséges kód létezik, hiába van 404-es kód például, a kódok száma csak 62 (nem szabványosakkal együtt 90).</a:t>
-            </a:r>
+              <a:rPr lang="hu-HU" dirty="0"/>
+              <a:t>Megeshet, hogy egy publikus REST interfész fejlesztése a feladat, de általában ez így nem lesz, biztosítani kell az erőforrások védelmét a jogosulatlan hozzáférésekkel szemben - főleg, ha „írási” műveleteket is lehetővé tesz az interfész. Mivel állapotmentes technológiáról beszélünk, nem tehetjük meg azt, hogy a kliens küld egy „bejelentkezési kérelmet” a szervernek; majd a szerver elindítja a munkafolyamatot és innentől kényelmesen történik a kommunikáció. Ez esetben ez sajnos nem fog működni.</a:t>
+            </a:r>
+          </a:p>
+          <a:p>
             <a:endParaRPr lang="hu-HU" dirty="0"/>
+          </a:p>
+          <a:p>
+            <a:r>
+              <a:rPr lang="hu-HU" dirty="0"/>
+              <a:t>Nyilván így minden kérésben azonosítani kell a klienst, hogy a szerver tudja, milyen jogok vannak számára kiosztva, mely erőforrásokat elérését biztosíthatja. A legfapadosabb megoldás, hogy az URI-ban GET vagy a kérés fejlécében POST paraméterekként megadjuk a kliens azonosítására szolgáló adatokat (felhasználónév – jelszó párost, vagy </a:t>
+            </a:r>
+            <a:r>
+              <a:rPr lang="hu-HU" dirty="0" err="1"/>
+              <a:t>tokent</a:t>
+            </a:r>
+            <a:r>
+              <a:rPr lang="hu-HU" dirty="0"/>
+              <a:t>). Ez azonban csak akkor fog működni, ha a szerver GET vagy POST kérésre reagál, és így ráadásul minden kérésnél ügyelni kell, hogy az azonosító a megfelelő helyen szerepeljen a kérésben. Így azonban sérül az egységesség, gyakorlatilag ez az esetek közel 100%-</a:t>
+            </a:r>
+            <a:r>
+              <a:rPr lang="hu-HU" dirty="0" err="1"/>
+              <a:t>ában</a:t>
+            </a:r>
+            <a:r>
+              <a:rPr lang="hu-HU" dirty="0"/>
+              <a:t> nem járható út.</a:t>
+            </a:r>
+          </a:p>
+          <a:p>
+            <a:endParaRPr lang="hu-HU" dirty="0"/>
+          </a:p>
+          <a:p>
+            <a:r>
+              <a:rPr lang="hu-HU" dirty="0"/>
+              <a:t>Az azonosítást éppen ezért a kérés fejlécében, az </a:t>
+            </a:r>
+            <a:r>
+              <a:rPr lang="hu-HU" dirty="0" err="1"/>
+              <a:t>Authorization</a:t>
+            </a:r>
+            <a:r>
+              <a:rPr lang="hu-HU" dirty="0"/>
+              <a:t> mezőben szokás elvégezni. Itt több lehetőségünk is lesz, a legkézenfekvőbb megoldás a Basic mód használata. </a:t>
+            </a:r>
+            <a:r>
+              <a:rPr lang="hu-HU" dirty="0" err="1"/>
+              <a:t>Paraméterül</a:t>
+            </a:r>
+            <a:r>
+              <a:rPr lang="hu-HU" dirty="0"/>
+              <a:t> egy Base64-be kódolt </a:t>
+            </a:r>
+            <a:r>
+              <a:rPr lang="hu-HU" dirty="0" err="1"/>
+              <a:t>string-et</a:t>
+            </a:r>
+            <a:r>
+              <a:rPr lang="hu-HU" dirty="0"/>
+              <a:t> vár, mely a felhasználónevet és a jelszót tartalmazza kettősponttal összefűzve. A példa kedvéért legyen a felhasználónév „rest”, a jelszó pedig „R3st”, tehát a „rest:R3st” </a:t>
+            </a:r>
+            <a:r>
+              <a:rPr lang="hu-HU" dirty="0" err="1"/>
+              <a:t>string-et</a:t>
+            </a:r>
+            <a:r>
+              <a:rPr lang="hu-HU" dirty="0"/>
+              <a:t> kell Base64-be kódolni. A HTTP </a:t>
+            </a:r>
+            <a:r>
+              <a:rPr lang="hu-HU" dirty="0" err="1"/>
+              <a:t>header</a:t>
+            </a:r>
+            <a:r>
+              <a:rPr lang="hu-HU" dirty="0"/>
+              <a:t> ekkor a következőt kell tartalmazza:</a:t>
+            </a:r>
+          </a:p>
+          <a:p>
+            <a:endParaRPr lang="hu-HU" dirty="0"/>
+          </a:p>
+          <a:p>
+            <a:r>
+              <a:rPr lang="hu-HU" dirty="0" err="1"/>
+              <a:t>Authorization</a:t>
+            </a:r>
+            <a:r>
+              <a:rPr lang="hu-HU" dirty="0"/>
+              <a:t>: Basic cmVzdDpSM3N0</a:t>
+            </a:r>
+          </a:p>
+          <a:p>
+            <a:endParaRPr lang="hu-HU" dirty="0"/>
+          </a:p>
+          <a:p>
+            <a:r>
+              <a:rPr lang="hu-HU" dirty="0"/>
+              <a:t>A szerver ezt automatikusan fel tudja dolgozni, és PHP-s környezetben például a $_SERVER szuperglobális tömb PHP_AUTH_USER és PHP_AUTH_PW mezőibe fogja írni. Nyilván ez a megoldás nem a legbiztonságosabb ilyen formában, így érdemes megfontolni más módszer használatát, vagy legalább a felhasználónevet és/vagy a jelszót egyféle </a:t>
+            </a:r>
+            <a:r>
+              <a:rPr lang="hu-HU" dirty="0" err="1"/>
+              <a:t>tokenizálásnak</a:t>
+            </a:r>
+            <a:r>
+              <a:rPr lang="hu-HU" dirty="0"/>
+              <a:t> is alávetni.</a:t>
+            </a:r>
+          </a:p>
+          <a:p>
+            <a:endParaRPr lang="hu-HU" dirty="0"/>
+          </a:p>
+          <a:p>
+            <a:r>
+              <a:rPr lang="hu-HU" dirty="0"/>
+              <a:t>De ha már </a:t>
+            </a:r>
+            <a:r>
+              <a:rPr lang="hu-HU" dirty="0" err="1"/>
+              <a:t>token</a:t>
+            </a:r>
+            <a:r>
+              <a:rPr lang="hu-HU" dirty="0"/>
+              <a:t>, lehetőségünk van közvetlenül egy </a:t>
+            </a:r>
+            <a:r>
+              <a:rPr lang="hu-HU" dirty="0" err="1"/>
+              <a:t>tokent</a:t>
+            </a:r>
+            <a:r>
+              <a:rPr lang="hu-HU" dirty="0"/>
+              <a:t> is átadni az </a:t>
+            </a:r>
+            <a:r>
+              <a:rPr lang="hu-HU" dirty="0" err="1"/>
+              <a:t>Authorization</a:t>
+            </a:r>
+            <a:r>
+              <a:rPr lang="hu-HU" dirty="0"/>
+              <a:t> mezőben. Ehhez Basic helyett </a:t>
+            </a:r>
+            <a:r>
+              <a:rPr lang="hu-HU" dirty="0" err="1"/>
+              <a:t>Bearer</a:t>
+            </a:r>
+            <a:r>
+              <a:rPr lang="hu-HU" dirty="0"/>
+              <a:t> módszer használatára lesz szükség, bár ez megköveteli a szerverkörnyezeten az </a:t>
+            </a:r>
+            <a:r>
+              <a:rPr lang="hu-HU" dirty="0" err="1"/>
+              <a:t>OAuth</a:t>
+            </a:r>
+            <a:r>
+              <a:rPr lang="hu-HU" dirty="0"/>
+              <a:t> modul létezését – erről bővebb információk az </a:t>
+            </a:r>
+            <a:r>
+              <a:rPr lang="hu-HU" dirty="0" err="1"/>
+              <a:t>OAuth</a:t>
+            </a:r>
+            <a:r>
+              <a:rPr lang="hu-HU" dirty="0"/>
+              <a:t> dokumentációjában olvashatóak.</a:t>
+            </a:r>
           </a:p>
         </p:txBody>
       </p:sp>
@@ -1086,7 +965,7 @@
           <a:p>
             <a:fld id="{674FF4E3-1DEA-4DBB-AF74-DDA85AC22194}" type="slidenum">
               <a:rPr lang="hu-HU" smtClean="0"/>
-              <a:t>12</a:t>
+              <a:t>11</a:t>
             </a:fld>
             <a:endParaRPr lang="hu-HU"/>
           </a:p>
@@ -1095,7 +974,7 @@
     </p:spTree>
     <p:extLst>
       <p:ext uri="{BB962C8B-B14F-4D97-AF65-F5344CB8AC3E}">
-        <p14:creationId xmlns:p14="http://schemas.microsoft.com/office/powerpoint/2010/main" val="2526906062"/>
+        <p14:creationId xmlns:p14="http://schemas.microsoft.com/office/powerpoint/2010/main" val="973792321"/>
       </p:ext>
     </p:extLst>
   </p:cSld>
@@ -1150,6 +1029,247 @@
           <a:lstStyle/>
           <a:p>
             <a:r>
+              <a:rPr lang="hu-HU" sz="1200" b="0" i="0" kern="1200" dirty="0">
+                <a:solidFill>
+                  <a:schemeClr val="tx1"/>
+                </a:solidFill>
+                <a:effectLst/>
+                <a:latin typeface="+mn-lt"/>
+                <a:ea typeface="+mn-ea"/>
+                <a:cs typeface="+mn-cs"/>
+              </a:rPr>
+              <a:t>A HTTP-állapotkódokat a kliens kérésére adott válasz első sora tartalmazza.</a:t>
+            </a:r>
+          </a:p>
+          <a:p>
+            <a:endParaRPr lang="hu-HU" sz="1200" b="0" i="0" kern="1200" dirty="0">
+              <a:solidFill>
+                <a:schemeClr val="tx1"/>
+              </a:solidFill>
+              <a:effectLst/>
+              <a:latin typeface="+mn-lt"/>
+              <a:ea typeface="+mn-ea"/>
+              <a:cs typeface="+mn-cs"/>
+            </a:endParaRPr>
+          </a:p>
+          <a:p>
+            <a:r>
+              <a:rPr lang="hu-HU" sz="1200" b="0" i="0" kern="1200" dirty="0">
+                <a:solidFill>
+                  <a:schemeClr val="tx1"/>
+                </a:solidFill>
+                <a:effectLst/>
+                <a:latin typeface="+mn-lt"/>
+                <a:ea typeface="+mn-ea"/>
+                <a:cs typeface="+mn-cs"/>
+              </a:rPr>
+              <a:t>Az állapotkódok 3 számjegyből állnak, az első számjegy utal a tartalmukra, ez a számjegy 1-től 5-ig terjedhet. Ez alapján a következő csoportjai vannak az állapotkódoknak:</a:t>
+            </a:r>
+          </a:p>
+          <a:p>
+            <a:endParaRPr lang="hu-HU" sz="1200" b="0" i="0" kern="1200" dirty="0">
+              <a:solidFill>
+                <a:schemeClr val="tx1"/>
+              </a:solidFill>
+              <a:effectLst/>
+              <a:latin typeface="+mn-lt"/>
+              <a:ea typeface="+mn-ea"/>
+              <a:cs typeface="+mn-cs"/>
+            </a:endParaRPr>
+          </a:p>
+          <a:p>
+            <a:r>
+              <a:rPr lang="hu-HU" sz="1200" b="0" i="0" kern="1200" dirty="0">
+                <a:solidFill>
+                  <a:schemeClr val="tx1"/>
+                </a:solidFill>
+                <a:effectLst/>
+                <a:latin typeface="+mn-lt"/>
+                <a:ea typeface="+mn-ea"/>
+                <a:cs typeface="+mn-cs"/>
+              </a:rPr>
+              <a:t>1xx - tájékoztató információk: A kérést megkapta a szerver, feldolgozás következik</a:t>
+            </a:r>
+          </a:p>
+          <a:p>
+            <a:r>
+              <a:rPr lang="hu-HU" sz="1200" b="0" i="0" kern="1200" dirty="0">
+                <a:solidFill>
+                  <a:schemeClr val="tx1"/>
+                </a:solidFill>
+                <a:effectLst/>
+                <a:latin typeface="+mn-lt"/>
+                <a:ea typeface="+mn-ea"/>
+                <a:cs typeface="+mn-cs"/>
+              </a:rPr>
+              <a:t>2xx - sikeres kérés: A kérést sikeresen megkapta, elfogadta, megértette a szerver.</a:t>
+            </a:r>
+          </a:p>
+          <a:p>
+            <a:r>
+              <a:rPr lang="hu-HU" sz="1200" b="0" i="0" kern="1200" dirty="0">
+                <a:solidFill>
+                  <a:schemeClr val="tx1"/>
+                </a:solidFill>
+                <a:effectLst/>
+                <a:latin typeface="+mn-lt"/>
+                <a:ea typeface="+mn-ea"/>
+                <a:cs typeface="+mn-cs"/>
+              </a:rPr>
+              <a:t>3xx - átirányítás: További tevékenységekre van szükség a kérés befejezéséhez.</a:t>
+            </a:r>
+          </a:p>
+          <a:p>
+            <a:r>
+              <a:rPr lang="hu-HU" sz="1200" b="0" i="0" kern="1200" dirty="0">
+                <a:solidFill>
+                  <a:schemeClr val="tx1"/>
+                </a:solidFill>
+                <a:effectLst/>
+                <a:latin typeface="+mn-lt"/>
+                <a:ea typeface="+mn-ea"/>
+                <a:cs typeface="+mn-cs"/>
+              </a:rPr>
+              <a:t>4xx - klienshiba: A kérés rossz szintaxisú vagy nem teljesíthető.</a:t>
+            </a:r>
+          </a:p>
+          <a:p>
+            <a:r>
+              <a:rPr lang="hu-HU" sz="1200" b="0" i="0" kern="1200" dirty="0">
+                <a:solidFill>
+                  <a:schemeClr val="tx1"/>
+                </a:solidFill>
+                <a:effectLst/>
+                <a:latin typeface="+mn-lt"/>
+                <a:ea typeface="+mn-ea"/>
+                <a:cs typeface="+mn-cs"/>
+              </a:rPr>
+              <a:t>5xx - szerverhiba: A szervernek nem sikerült egy helyes kérést végrehajtania.</a:t>
+            </a:r>
+          </a:p>
+          <a:p>
+            <a:r>
+              <a:rPr lang="hu-HU" sz="1200" b="0" i="0" kern="1200" dirty="0">
+                <a:solidFill>
+                  <a:schemeClr val="tx1"/>
+                </a:solidFill>
+                <a:effectLst/>
+                <a:latin typeface="+mn-lt"/>
+                <a:ea typeface="+mn-ea"/>
+                <a:cs typeface="+mn-cs"/>
+              </a:rPr>
+              <a:t>A második és harmadik számjegyre nincsenek szabályok.</a:t>
+            </a:r>
+          </a:p>
+          <a:p>
+            <a:endParaRPr lang="hu-HU" sz="1200" b="0" i="0" kern="1200" dirty="0">
+              <a:solidFill>
+                <a:schemeClr val="tx1"/>
+              </a:solidFill>
+              <a:effectLst/>
+              <a:latin typeface="+mn-lt"/>
+              <a:ea typeface="+mn-ea"/>
+              <a:cs typeface="+mn-cs"/>
+            </a:endParaRPr>
+          </a:p>
+          <a:p>
+            <a:r>
+              <a:rPr lang="hu-HU" sz="1200" b="0" i="0" kern="1200" dirty="0">
+                <a:solidFill>
+                  <a:schemeClr val="tx1"/>
+                </a:solidFill>
+                <a:effectLst/>
+                <a:latin typeface="+mn-lt"/>
+                <a:ea typeface="+mn-ea"/>
+                <a:cs typeface="+mn-cs"/>
+              </a:rPr>
+              <a:t>Nem minden lehetséges kód létezik, hiába van 404-es kód például, a kódok száma csak 62 (nem szabványosakkal együtt 90).</a:t>
+            </a:r>
+            <a:endParaRPr lang="hu-HU" dirty="0"/>
+          </a:p>
+        </p:txBody>
+      </p:sp>
+      <p:sp>
+        <p:nvSpPr>
+          <p:cNvPr id="4" name="Dia számának helye 3"/>
+          <p:cNvSpPr>
+            <a:spLocks noGrp="1"/>
+          </p:cNvSpPr>
+          <p:nvPr>
+            <p:ph type="sldNum" sz="quarter" idx="5"/>
+          </p:nvPr>
+        </p:nvSpPr>
+        <p:spPr/>
+        <p:txBody>
+          <a:bodyPr/>
+          <a:lstStyle/>
+          <a:p>
+            <a:fld id="{674FF4E3-1DEA-4DBB-AF74-DDA85AC22194}" type="slidenum">
+              <a:rPr lang="hu-HU" smtClean="0"/>
+              <a:t>12</a:t>
+            </a:fld>
+            <a:endParaRPr lang="hu-HU"/>
+          </a:p>
+        </p:txBody>
+      </p:sp>
+    </p:spTree>
+    <p:extLst>
+      <p:ext uri="{BB962C8B-B14F-4D97-AF65-F5344CB8AC3E}">
+        <p14:creationId xmlns:p14="http://schemas.microsoft.com/office/powerpoint/2010/main" val="2526906062"/>
+      </p:ext>
+    </p:extLst>
+  </p:cSld>
+  <p:clrMapOvr>
+    <a:masterClrMapping/>
+  </p:clrMapOvr>
+</p:notes>
+</file>
+
+<file path=ppt/notesSlides/notesSlide13.xml><?xml version="1.0" encoding="utf-8"?>
+<p:notes xmlns:a="http://schemas.openxmlformats.org/drawingml/2006/main" xmlns:r="http://schemas.openxmlformats.org/officeDocument/2006/relationships" xmlns:p="http://schemas.openxmlformats.org/presentationml/2006/main">
+  <p:cSld>
+    <p:spTree>
+      <p:nvGrpSpPr>
+        <p:cNvPr id="1" name=""/>
+        <p:cNvGrpSpPr/>
+        <p:nvPr/>
+      </p:nvGrpSpPr>
+      <p:grpSpPr>
+        <a:xfrm>
+          <a:off x="0" y="0"/>
+          <a:ext cx="0" cy="0"/>
+          <a:chOff x="0" y="0"/>
+          <a:chExt cx="0" cy="0"/>
+        </a:xfrm>
+      </p:grpSpPr>
+      <p:sp>
+        <p:nvSpPr>
+          <p:cNvPr id="2" name="Diakép helye 1"/>
+          <p:cNvSpPr>
+            <a:spLocks noGrp="1" noRot="1" noChangeAspect="1"/>
+          </p:cNvSpPr>
+          <p:nvPr>
+            <p:ph type="sldImg"/>
+          </p:nvPr>
+        </p:nvSpPr>
+        <p:spPr/>
+      </p:sp>
+      <p:sp>
+        <p:nvSpPr>
+          <p:cNvPr id="3" name="Jegyzetek helye 2"/>
+          <p:cNvSpPr>
+            <a:spLocks noGrp="1"/>
+          </p:cNvSpPr>
+          <p:nvPr>
+            <p:ph type="body" idx="1"/>
+          </p:nvPr>
+        </p:nvSpPr>
+        <p:spPr/>
+        <p:txBody>
+          <a:bodyPr/>
+          <a:lstStyle/>
+          <a:p>
+            <a:r>
               <a:rPr lang="hu-HU" dirty="0"/>
               <a:t>a sikeres teljesítésről 200-as kóddal tájékoztathatjuk a klienst;</a:t>
             </a:r>
@@ -1226,7 +1346,7 @@
 </p:notes>
 </file>
 
-<file path=ppt/notesSlides/notesSlide13.xml><?xml version="1.0" encoding="utf-8"?>
+<file path=ppt/notesSlides/notesSlide14.xml><?xml version="1.0" encoding="utf-8"?>
 <p:notes xmlns:a="http://schemas.openxmlformats.org/drawingml/2006/main" xmlns:r="http://schemas.openxmlformats.org/officeDocument/2006/relationships" xmlns:p="http://schemas.openxmlformats.org/presentationml/2006/main">
   <p:cSld>
     <p:spTree>
@@ -1390,40 +1510,7 @@
           <a:bodyPr/>
           <a:lstStyle/>
           <a:p>
-            <a:r>
-              <a:rPr lang="hu-HU" dirty="0"/>
-              <a:t>• Program Utasítások és adatok önálló egységet képező halmaza. </a:t>
-            </a:r>
-          </a:p>
-          <a:p>
-            <a:r>
-              <a:rPr lang="hu-HU" dirty="0"/>
-              <a:t>• Feladat A program elemeinek önhordó és önállóan végrehajtható halmaza vagy részhalmaza. A programok feladatokra bonthatók (de fordítva nem). </a:t>
-            </a:r>
-          </a:p>
-          <a:p>
-            <a:r>
-              <a:rPr lang="hu-HU" dirty="0"/>
-              <a:t>• Folyamat A program végrehajtása, illetve a végrehajtás alatt álló program (adataival, erőforrásaival és belső állapotával együtt). </a:t>
-            </a:r>
-          </a:p>
-          <a:p>
-            <a:r>
-              <a:rPr lang="hu-HU" dirty="0"/>
-              <a:t>• Szál A folyamaton belüli kisebb egység, amely végrehajtható műveletek sorát tartalmazza. Egy folyamaton belül több szál is létezhet (de fordítva nem). </a:t>
-            </a:r>
-          </a:p>
-          <a:p>
-            <a:r>
-              <a:rPr lang="hu-HU" dirty="0"/>
-              <a:t>• Végrehajtási egység Egy adott feladat (folyamat vagy szál) legkisebb végrehajtható részhalmaza. </a:t>
-            </a:r>
-          </a:p>
-          <a:p>
-            <a:r>
-              <a:rPr lang="hu-HU" dirty="0"/>
-              <a:t>• Feldolgozóegység, végrehajtóegység A végrehajtási egységet feldolgozó hardverelem (pl. processzormag, ALU).</a:t>
-            </a:r>
+            <a:endParaRPr lang="hu-HU"/>
           </a:p>
         </p:txBody>
       </p:sp>
@@ -1444,7 +1531,7 @@
           <a:p>
             <a:fld id="{674FF4E3-1DEA-4DBB-AF74-DDA85AC22194}" type="slidenum">
               <a:rPr lang="hu-HU" smtClean="0"/>
-              <a:t>3</a:t>
+              <a:t>2</a:t>
             </a:fld>
             <a:endParaRPr lang="hu-HU"/>
           </a:p>
@@ -1453,7 +1540,7 @@
     </p:spTree>
     <p:extLst>
       <p:ext uri="{BB962C8B-B14F-4D97-AF65-F5344CB8AC3E}">
-        <p14:creationId xmlns:p14="http://schemas.microsoft.com/office/powerpoint/2010/main" val="2695434450"/>
+        <p14:creationId xmlns:p14="http://schemas.microsoft.com/office/powerpoint/2010/main" val="2417390618"/>
       </p:ext>
     </p:extLst>
   </p:cSld>
@@ -1509,17 +1596,37 @@
           <a:p>
             <a:r>
               <a:rPr lang="hu-HU" dirty="0"/>
-              <a:t>A számítástechnikában a folyamat egy számítógépes program példánya, amelyet egy vagy több szál hajt végre. Ez tartalmazza a programkódot és a tevékenységét. Operációs rendszertől függően egy folyamat több végrehajtási szálból állhat, amely utasításokat egyidejűleg hajtják végre.</a:t>
-            </a:r>
-            <a:br>
-              <a:rPr lang="hu-HU" dirty="0"/>
-            </a:br>
-            <a:br>
-              <a:rPr lang="hu-HU" dirty="0"/>
-            </a:br>
-            <a:r>
-              <a:rPr lang="hu-HU" dirty="0"/>
-              <a:t>Míg a számítógépes program passzív utasítások gyűjteménye, addig a folyamat ezen utasítások tényleges végrehajtása.</a:t>
+              <a:t>• Program Utasítások és adatok önálló egységet képező halmaza. </a:t>
+            </a:r>
+          </a:p>
+          <a:p>
+            <a:r>
+              <a:rPr lang="hu-HU" dirty="0"/>
+              <a:t>• Feladat A program elemeinek önhordó és önállóan végrehajtható halmaza vagy részhalmaza. A programok feladatokra bonthatók (de fordítva nem). </a:t>
+            </a:r>
+          </a:p>
+          <a:p>
+            <a:r>
+              <a:rPr lang="hu-HU" dirty="0"/>
+              <a:t>• Folyamat A program végrehajtása, illetve a végrehajtás alatt álló program (adataival, erőforrásaival és belső állapotával együtt). </a:t>
+            </a:r>
+          </a:p>
+          <a:p>
+            <a:r>
+              <a:rPr lang="hu-HU" dirty="0"/>
+              <a:t>• Szál A folyamaton belüli kisebb egység, amely végrehajtható műveletek sorát tartalmazza. Egy folyamaton belül több szál is létezhet (de fordítva nem). </a:t>
+            </a:r>
+          </a:p>
+          <a:p>
+            <a:r>
+              <a:rPr lang="hu-HU" dirty="0"/>
+              <a:t>• Végrehajtási egység Egy adott feladat (folyamat vagy szál) legkisebb végrehajtható részhalmaza. </a:t>
+            </a:r>
+          </a:p>
+          <a:p>
+            <a:r>
+              <a:rPr lang="hu-HU" dirty="0"/>
+              <a:t>• Feldolgozóegység, végrehajtóegység A végrehajtási egységet feldolgozó hardverelem (pl. processzormag, ALU).</a:t>
             </a:r>
           </a:p>
         </p:txBody>
@@ -1541,7 +1648,7 @@
           <a:p>
             <a:fld id="{674FF4E3-1DEA-4DBB-AF74-DDA85AC22194}" type="slidenum">
               <a:rPr lang="hu-HU" smtClean="0"/>
-              <a:t>4</a:t>
+              <a:t>3</a:t>
             </a:fld>
             <a:endParaRPr lang="hu-HU"/>
           </a:p>
@@ -1550,7 +1657,7 @@
     </p:spTree>
     <p:extLst>
       <p:ext uri="{BB962C8B-B14F-4D97-AF65-F5344CB8AC3E}">
-        <p14:creationId xmlns:p14="http://schemas.microsoft.com/office/powerpoint/2010/main" val="481971378"/>
+        <p14:creationId xmlns:p14="http://schemas.microsoft.com/office/powerpoint/2010/main" val="2695434450"/>
       </p:ext>
     </p:extLst>
   </p:cSld>
@@ -1606,15 +1713,7 @@
           <a:p>
             <a:r>
               <a:rPr lang="hu-HU" dirty="0"/>
-              <a:t>Egy operációs rendszer rendszermagjának, amely lehetővé teszi a </a:t>
-            </a:r>
-            <a:r>
-              <a:rPr lang="hu-HU" dirty="0" err="1"/>
-              <a:t>többfeladatosságot</a:t>
-            </a:r>
-            <a:r>
-              <a:rPr lang="hu-HU" dirty="0"/>
-              <a:t>, szüksége van arra, hogy a folyamatoknak legyenek bizonyos állapotai. Ezeknek az állapotoknak a nevei nincsenek szabványosítva, de hasonló funkcióval rendelkeznek.</a:t>
+              <a:t>A számítástechnikában a folyamat egy számítógépes program példánya, amelyet egy vagy több szál hajt végre. Ez tartalmazza a programkódot és a tevékenységét. Operációs rendszertől függően egy folyamat több végrehajtási szálból állhat, amely utasításokat egyidejűleg hajtják végre.</a:t>
             </a:r>
             <a:br>
               <a:rPr lang="hu-HU" dirty="0"/>
@@ -1623,131 +1722,8 @@
               <a:rPr lang="hu-HU" dirty="0"/>
             </a:br>
             <a:r>
-              <a:rPr lang="hu-HU" dirty="0" err="1"/>
-              <a:t>Created</a:t>
-            </a:r>
-            <a:r>
-              <a:rPr lang="hu-HU" dirty="0"/>
-              <a:t>: Első lépésben a folyamatot „létrehozzuk”, azaz betöltjük a memóriába. Ezután a folyamatütemező hozzárendeli a „</a:t>
-            </a:r>
-            <a:r>
-              <a:rPr lang="hu-HU" dirty="0" err="1"/>
-              <a:t>waiting</a:t>
-            </a:r>
-            <a:r>
-              <a:rPr lang="hu-HU" dirty="0"/>
-              <a:t>” </a:t>
-            </a:r>
-            <a:r>
-              <a:rPr lang="hu-HU" dirty="0" err="1"/>
-              <a:t>állapoot</a:t>
-            </a:r>
-            <a:r>
-              <a:rPr lang="hu-HU" dirty="0"/>
-              <a:t> a folyamathoz.</a:t>
-            </a:r>
-            <a:br>
-              <a:rPr lang="hu-HU" dirty="0"/>
-            </a:br>
-            <a:br>
-              <a:rPr lang="hu-HU" dirty="0"/>
-            </a:br>
-            <a:r>
-              <a:rPr lang="hu-HU" dirty="0" err="1"/>
-              <a:t>Waiting</a:t>
-            </a:r>
-            <a:r>
-              <a:rPr lang="hu-HU" dirty="0"/>
-              <a:t>: </a:t>
-            </a:r>
-            <a:r>
-              <a:rPr lang="hu-HU" dirty="0" err="1"/>
-              <a:t>Amígy</a:t>
-            </a:r>
-            <a:r>
-              <a:rPr lang="hu-HU" dirty="0"/>
-              <a:t> a folyamat „</a:t>
-            </a:r>
-            <a:r>
-              <a:rPr lang="hu-HU" dirty="0" err="1"/>
-              <a:t>waiting</a:t>
-            </a:r>
-            <a:r>
-              <a:rPr lang="hu-HU" dirty="0"/>
-              <a:t>” állapotban van, addig az ütemező elvégzi a kontextusváltást. A kontextusváltás betölti a folyamatot a processzorba és az </a:t>
-            </a:r>
-            <a:r>
-              <a:rPr lang="hu-HU" dirty="0" err="1"/>
-              <a:t>allapototo</a:t>
-            </a:r>
-            <a:r>
-              <a:rPr lang="hu-HU" dirty="0"/>
-              <a:t> „</a:t>
-            </a:r>
-            <a:r>
-              <a:rPr lang="hu-HU" dirty="0" err="1"/>
-              <a:t>running</a:t>
-            </a:r>
-            <a:r>
-              <a:rPr lang="hu-HU" dirty="0"/>
-              <a:t>”-</a:t>
-            </a:r>
-            <a:r>
-              <a:rPr lang="hu-HU" dirty="0" err="1"/>
-              <a:t>ra</a:t>
-            </a:r>
-            <a:r>
-              <a:rPr lang="hu-HU" dirty="0"/>
-              <a:t> állítja.</a:t>
-            </a:r>
-          </a:p>
-          <a:p>
-            <a:endParaRPr lang="hu-HU" dirty="0"/>
-          </a:p>
-          <a:p>
-            <a:r>
-              <a:rPr lang="hu-HU" dirty="0" err="1"/>
-              <a:t>Blocked</a:t>
-            </a:r>
-            <a:r>
-              <a:rPr lang="hu-HU" dirty="0"/>
-              <a:t>: Ebbe az állapotba akkor kerül a folyamat, ha a folyamatnak meg kell várnia egy erőforrást (például várnia kell a felhasználói bemenetre, vagy egy fájl megnyitására), addig blokkolt állapotba kerül.</a:t>
-            </a:r>
-            <a:br>
-              <a:rPr lang="hu-HU" dirty="0"/>
-            </a:br>
-            <a:r>
-              <a:rPr lang="hu-HU" dirty="0"/>
-              <a:t>A folyamat állapota visszaáll a „</a:t>
-            </a:r>
-            <a:r>
-              <a:rPr lang="hu-HU" dirty="0" err="1"/>
-              <a:t>waiting</a:t>
-            </a:r>
-            <a:r>
-              <a:rPr lang="hu-HU" dirty="0"/>
-              <a:t>” állapotra, amint a folyamatnak nem kell tovább várni.</a:t>
-            </a:r>
-          </a:p>
-          <a:p>
-            <a:endParaRPr lang="hu-HU" dirty="0"/>
-          </a:p>
-          <a:p>
-            <a:r>
-              <a:rPr lang="hu-HU" dirty="0" err="1"/>
-              <a:t>Terminated</a:t>
-            </a:r>
-            <a:r>
-              <a:rPr lang="hu-HU" dirty="0"/>
-              <a:t>: Amint a folyamat lefutott, akkor az a folyamat „</a:t>
-            </a:r>
-            <a:r>
-              <a:rPr lang="hu-HU" dirty="0" err="1"/>
-              <a:t>terminated</a:t>
-            </a:r>
-            <a:r>
-              <a:rPr lang="hu-HU" dirty="0"/>
-              <a:t>” állapotba kerül.</a:t>
+              <a:rPr lang="hu-HU" dirty="0"/>
+              <a:t>Míg a számítógépes program passzív utasítások gyűjteménye, addig a folyamat ezen utasítások tényleges végrehajtása.</a:t>
             </a:r>
           </a:p>
         </p:txBody>
@@ -1769,7 +1745,7 @@
           <a:p>
             <a:fld id="{674FF4E3-1DEA-4DBB-AF74-DDA85AC22194}" type="slidenum">
               <a:rPr lang="hu-HU" smtClean="0"/>
-              <a:t>5</a:t>
+              <a:t>4</a:t>
             </a:fld>
             <a:endParaRPr lang="hu-HU"/>
           </a:p>
@@ -1778,7 +1754,7 @@
     </p:spTree>
     <p:extLst>
       <p:ext uri="{BB962C8B-B14F-4D97-AF65-F5344CB8AC3E}">
-        <p14:creationId xmlns:p14="http://schemas.microsoft.com/office/powerpoint/2010/main" val="217478851"/>
+        <p14:creationId xmlns:p14="http://schemas.microsoft.com/office/powerpoint/2010/main" val="481971378"/>
       </p:ext>
     </p:extLst>
   </p:cSld>
@@ -1834,96 +1810,149 @@
           <a:p>
             <a:r>
               <a:rPr lang="hu-HU" dirty="0"/>
-              <a:t>Az ábrán egy folyamat futása látható. </a:t>
+              <a:t>Egy operációs rendszer rendszermagjának, amely lehetővé teszi a </a:t>
+            </a:r>
+            <a:r>
+              <a:rPr lang="hu-HU" dirty="0" err="1"/>
+              <a:t>többfeladatosságot</a:t>
+            </a:r>
+            <a:r>
+              <a:rPr lang="hu-HU" dirty="0"/>
+              <a:t>, szüksége van arra, hogy a folyamatoknak legyenek bizonyos állapotai. Ezeknek az állapotoknak a nevei nincsenek szabványosítva, de hasonló funkcióval rendelkeznek.</a:t>
             </a:r>
             <a:br>
               <a:rPr lang="hu-HU" dirty="0"/>
             </a:br>
-            <a:r>
-              <a:rPr lang="hu-HU" dirty="0"/>
-              <a:t>Ugye ahogy a folyamatoknál említettem, egy folyamat több szálon futhat, azt próbálja szemléltetni ez az ábra is.</a:t>
+            <a:br>
+              <a:rPr lang="hu-HU" dirty="0"/>
+            </a:br>
+            <a:r>
+              <a:rPr lang="hu-HU" dirty="0" err="1"/>
+              <a:t>Created</a:t>
+            </a:r>
+            <a:r>
+              <a:rPr lang="hu-HU" dirty="0"/>
+              <a:t>: Első lépésben a folyamatot „létrehozzuk”, azaz betöltjük a memóriába. Ezután a folyamatütemező hozzárendeli a „</a:t>
+            </a:r>
+            <a:r>
+              <a:rPr lang="hu-HU" dirty="0" err="1"/>
+              <a:t>waiting</a:t>
+            </a:r>
+            <a:r>
+              <a:rPr lang="hu-HU" dirty="0"/>
+              <a:t>” </a:t>
+            </a:r>
+            <a:r>
+              <a:rPr lang="hu-HU" dirty="0" err="1"/>
+              <a:t>állapoot</a:t>
+            </a:r>
+            <a:r>
+              <a:rPr lang="hu-HU" dirty="0"/>
+              <a:t> a folyamathoz.</a:t>
+            </a:r>
+            <a:br>
+              <a:rPr lang="hu-HU" dirty="0"/>
+            </a:br>
+            <a:br>
+              <a:rPr lang="hu-HU" dirty="0"/>
+            </a:br>
+            <a:r>
+              <a:rPr lang="hu-HU" dirty="0" err="1"/>
+              <a:t>Waiting</a:t>
+            </a:r>
+            <a:r>
+              <a:rPr lang="hu-HU" dirty="0"/>
+              <a:t>: </a:t>
+            </a:r>
+            <a:r>
+              <a:rPr lang="hu-HU" dirty="0" err="1"/>
+              <a:t>Amígy</a:t>
+            </a:r>
+            <a:r>
+              <a:rPr lang="hu-HU" dirty="0"/>
+              <a:t> a folyamat „</a:t>
+            </a:r>
+            <a:r>
+              <a:rPr lang="hu-HU" dirty="0" err="1"/>
+              <a:t>waiting</a:t>
+            </a:r>
+            <a:r>
+              <a:rPr lang="hu-HU" dirty="0"/>
+              <a:t>” állapotban van, addig az ütemező elvégzi a kontextusváltást. A kontextusváltás betölti a folyamatot a processzorba és az </a:t>
+            </a:r>
+            <a:r>
+              <a:rPr lang="hu-HU" dirty="0" err="1"/>
+              <a:t>allapototo</a:t>
+            </a:r>
+            <a:r>
+              <a:rPr lang="hu-HU" dirty="0"/>
+              <a:t> „</a:t>
+            </a:r>
+            <a:r>
+              <a:rPr lang="hu-HU" dirty="0" err="1"/>
+              <a:t>running</a:t>
+            </a:r>
+            <a:r>
+              <a:rPr lang="hu-HU" dirty="0"/>
+              <a:t>”-</a:t>
+            </a:r>
+            <a:r>
+              <a:rPr lang="hu-HU" dirty="0" err="1"/>
+              <a:t>ra</a:t>
+            </a:r>
+            <a:r>
+              <a:rPr lang="hu-HU" dirty="0"/>
+              <a:t> állítja.</a:t>
             </a:r>
           </a:p>
           <a:p>
             <a:endParaRPr lang="hu-HU" dirty="0"/>
           </a:p>
           <a:p>
+            <a:r>
+              <a:rPr lang="hu-HU" dirty="0" err="1"/>
+              <a:t>Blocked</a:t>
+            </a:r>
+            <a:r>
+              <a:rPr lang="hu-HU" dirty="0"/>
+              <a:t>: Ebbe az állapotba akkor kerül a folyamat, ha a folyamatnak meg kell várnia egy erőforrást (például várnia kell a felhasználói bemenetre, vagy egy fájl megnyitására), addig blokkolt állapotba kerül.</a:t>
+            </a:r>
+            <a:br>
+              <a:rPr lang="hu-HU" dirty="0"/>
+            </a:br>
+            <a:r>
+              <a:rPr lang="hu-HU" dirty="0"/>
+              <a:t>A folyamat állapota visszaáll a „</a:t>
+            </a:r>
+            <a:r>
+              <a:rPr lang="hu-HU" dirty="0" err="1"/>
+              <a:t>waiting</a:t>
+            </a:r>
+            <a:r>
+              <a:rPr lang="hu-HU" dirty="0"/>
+              <a:t>” állapotra, amint a folyamatnak nem kell tovább várni.</a:t>
+            </a:r>
+          </a:p>
+          <a:p>
             <a:endParaRPr lang="hu-HU" dirty="0"/>
           </a:p>
           <a:p>
             <a:r>
-              <a:rPr lang="hu-HU" dirty="0"/>
-              <a:t>Egy jól megírt programot a szálak fel tudnak gyorsítani azzal, hogy a nagyobb erőforrást igénylő feladatokat több szálra szétosztva megengedjük a programnak, hogy egymással párhuzamosan tudjanak futni ezek a folyamatok.</a:t>
-            </a:r>
-            <a:br>
-              <a:rPr lang="hu-HU" dirty="0"/>
-            </a:br>
-            <a:r>
-              <a:rPr lang="hu-HU" dirty="0"/>
-              <a:t>Fájlfeltöltés + (4 </a:t>
-            </a:r>
-            <a:r>
               <a:rPr lang="hu-HU" dirty="0" err="1"/>
-              <a:t>thread</a:t>
-            </a:r>
-            <a:r>
-              <a:rPr lang="hu-HU" dirty="0"/>
-              <a:t> korlátozás)</a:t>
-            </a:r>
-          </a:p>
-          <a:p>
-            <a:endParaRPr lang="hu-HU" dirty="0"/>
-          </a:p>
-          <a:p>
-            <a:r>
-              <a:rPr lang="hu-HU" dirty="0"/>
-              <a:t>Szálak és magok közötti különbségek elmagyarázása</a:t>
-            </a:r>
-          </a:p>
-          <a:p>
-            <a:br>
-              <a:rPr lang="hu-HU" dirty="0"/>
-            </a:br>
-            <a:r>
-              <a:rPr lang="hu-HU" dirty="0"/>
-              <a:t>A program szüneteltetése:</a:t>
-            </a:r>
-          </a:p>
-          <a:p>
-            <a:r>
-              <a:rPr lang="hu-HU" dirty="0"/>
-              <a:t>WAIT</a:t>
-            </a:r>
-            <a:br>
-              <a:rPr lang="hu-HU" dirty="0"/>
-            </a:br>
+              <a:t>Terminated</a:t>
+            </a:r>
+            <a:r>
+              <a:rPr lang="hu-HU" dirty="0"/>
+              <a:t>: Amint a folyamat lefutott, akkor az a folyamat „</a:t>
+            </a:r>
             <a:r>
               <a:rPr lang="hu-HU" dirty="0" err="1"/>
-              <a:t>pl</a:t>
-            </a:r>
-            <a:r>
-              <a:rPr lang="hu-HU" dirty="0"/>
-              <a:t>: </a:t>
-            </a:r>
-            <a:r>
-              <a:rPr lang="hu-HU" dirty="0" err="1"/>
-              <a:t>javascript</a:t>
-            </a:r>
-            <a:r>
-              <a:rPr lang="hu-HU" dirty="0"/>
-              <a:t> </a:t>
-            </a:r>
-            <a:r>
-              <a:rPr lang="hu-HU" dirty="0" err="1"/>
-              <a:t>setTimeout</a:t>
-            </a:r>
-            <a:r>
-              <a:rPr lang="hu-HU" dirty="0"/>
-              <a:t> -&gt; ASYNC JS BEMUTATÁSA</a:t>
-            </a:r>
-          </a:p>
-          <a:p>
-            <a:endParaRPr lang="hu-HU" dirty="0"/>
+              <a:t>terminated</a:t>
+            </a:r>
+            <a:r>
+              <a:rPr lang="hu-HU" dirty="0"/>
+              <a:t>” állapotba kerül.</a:t>
+            </a:r>
           </a:p>
         </p:txBody>
       </p:sp>
@@ -1944,7 +1973,7 @@
           <a:p>
             <a:fld id="{674FF4E3-1DEA-4DBB-AF74-DDA85AC22194}" type="slidenum">
               <a:rPr lang="hu-HU" smtClean="0"/>
-              <a:t>6</a:t>
+              <a:t>5</a:t>
             </a:fld>
             <a:endParaRPr lang="hu-HU"/>
           </a:p>
@@ -1953,7 +1982,7 @@
     </p:spTree>
     <p:extLst>
       <p:ext uri="{BB962C8B-B14F-4D97-AF65-F5344CB8AC3E}">
-        <p14:creationId xmlns:p14="http://schemas.microsoft.com/office/powerpoint/2010/main" val="2814851083"/>
+        <p14:creationId xmlns:p14="http://schemas.microsoft.com/office/powerpoint/2010/main" val="217478851"/>
       </p:ext>
     </p:extLst>
   </p:cSld>
@@ -2009,43 +2038,80 @@
           <a:p>
             <a:r>
               <a:rPr lang="hu-HU" dirty="0"/>
-              <a:t>Ezek a modellek csak többprocesszoros gépeken használható. </a:t>
+              <a:t>Az ábrán egy folyamat futása látható. </a:t>
             </a:r>
             <a:br>
               <a:rPr lang="hu-HU" dirty="0"/>
             </a:br>
+            <a:r>
+              <a:rPr lang="hu-HU" dirty="0"/>
+              <a:t>Ugye ahogy a folyamatoknál említettem, egy folyamat több szálon futhat, azt próbálja szemléltetni ez az ábra is.</a:t>
+            </a:r>
+          </a:p>
+          <a:p>
+            <a:endParaRPr lang="hu-HU" dirty="0"/>
+          </a:p>
+          <a:p>
+            <a:endParaRPr lang="hu-HU" dirty="0"/>
+          </a:p>
+          <a:p>
+            <a:r>
+              <a:rPr lang="hu-HU" dirty="0"/>
+              <a:t>Egy jól megírt programot a szálak fel tudnak gyorsítani azzal, hogy a nagyobb erőforrást igénylő feladatokat több szálra szétosztva megengedjük a programnak, hogy egymással párhuzamosan tudjanak futni ezek a folyamatok.</a:t>
+            </a:r>
             <a:br>
               <a:rPr lang="hu-HU" dirty="0"/>
             </a:br>
             <a:r>
               <a:rPr lang="hu-HU" dirty="0"/>
-              <a:t>UMA: Uniform </a:t>
+              <a:t>Fájlfeltöltés + (4 </a:t>
             </a:r>
             <a:r>
               <a:rPr lang="hu-HU" dirty="0" err="1"/>
-              <a:t>Memory</a:t>
-            </a:r>
-            <a:r>
-              <a:rPr lang="hu-HU" dirty="0"/>
-              <a:t> Access (közös memória)</a:t>
-            </a:r>
-          </a:p>
-          <a:p>
-            <a:pPr lvl="1"/>
-            <a:r>
-              <a:rPr lang="hu-HU" dirty="0"/>
-              <a:t>Minden processzor egyetlen közös memóriában tárolja az adatokat. </a:t>
-            </a:r>
-          </a:p>
-          <a:p>
-            <a:pPr lvl="1"/>
-            <a:r>
-              <a:rPr lang="hu-HU" dirty="0"/>
-              <a:t>Más néven SMP (</a:t>
-            </a:r>
+              <a:t>thread</a:t>
+            </a:r>
+            <a:r>
+              <a:rPr lang="hu-HU" dirty="0"/>
+              <a:t> korlátozás)</a:t>
+            </a:r>
+          </a:p>
+          <a:p>
+            <a:endParaRPr lang="hu-HU" dirty="0"/>
+          </a:p>
+          <a:p>
+            <a:r>
+              <a:rPr lang="hu-HU" dirty="0"/>
+              <a:t>Szálak és magok közötti különbségek elmagyarázása</a:t>
+            </a:r>
+          </a:p>
+          <a:p>
+            <a:br>
+              <a:rPr lang="hu-HU" dirty="0"/>
+            </a:br>
+            <a:r>
+              <a:rPr lang="hu-HU" dirty="0"/>
+              <a:t>A program szüneteltetése:</a:t>
+            </a:r>
+          </a:p>
+          <a:p>
+            <a:r>
+              <a:rPr lang="hu-HU" dirty="0"/>
+              <a:t>WAIT</a:t>
+            </a:r>
+            <a:br>
+              <a:rPr lang="hu-HU" dirty="0"/>
+            </a:br>
             <a:r>
               <a:rPr lang="hu-HU" dirty="0" err="1"/>
-              <a:t>symmetric</a:t>
+              <a:t>pl</a:t>
+            </a:r>
+            <a:r>
+              <a:rPr lang="hu-HU" dirty="0"/>
+              <a:t>: </a:t>
+            </a:r>
+            <a:r>
+              <a:rPr lang="hu-HU" dirty="0" err="1"/>
+              <a:t>javascript</a:t>
             </a:r>
             <a:r>
               <a:rPr lang="hu-HU" dirty="0"/>
@@ -2053,113 +2119,12 @@
             </a:r>
             <a:r>
               <a:rPr lang="hu-HU" dirty="0" err="1"/>
-              <a:t>multiprocessor</a:t>
-            </a:r>
-            <a:r>
-              <a:rPr lang="hu-HU" dirty="0"/>
-              <a:t>)-architektúra. </a:t>
-            </a:r>
-          </a:p>
-          <a:p>
-            <a:pPr marL="457200" lvl="1" indent="0">
-              <a:buNone/>
-            </a:pPr>
-            <a:endParaRPr lang="hu-HU" dirty="0"/>
-          </a:p>
-          <a:p>
-            <a:r>
-              <a:rPr lang="en-US" dirty="0"/>
-              <a:t>NUMA: Non-Uniform Memory Access (</a:t>
-            </a:r>
-            <a:r>
-              <a:rPr lang="en-US" dirty="0" err="1"/>
-              <a:t>elosztott</a:t>
-            </a:r>
-            <a:r>
-              <a:rPr lang="en-US" dirty="0"/>
-              <a:t> </a:t>
-            </a:r>
-            <a:r>
-              <a:rPr lang="en-US" dirty="0" err="1"/>
-              <a:t>memória</a:t>
-            </a:r>
-            <a:r>
-              <a:rPr lang="en-US" dirty="0"/>
-              <a:t>) </a:t>
-            </a:r>
-            <a:endParaRPr lang="hu-HU" dirty="0"/>
-          </a:p>
-          <a:p>
-            <a:pPr lvl="1"/>
-            <a:r>
-              <a:rPr lang="en-US" dirty="0"/>
-              <a:t>Minden </a:t>
-            </a:r>
-            <a:r>
-              <a:rPr lang="en-US" dirty="0" err="1"/>
-              <a:t>processzor</a:t>
-            </a:r>
-            <a:r>
-              <a:rPr lang="en-US" dirty="0"/>
-              <a:t> </a:t>
-            </a:r>
-            <a:r>
-              <a:rPr lang="en-US" dirty="0" err="1"/>
-              <a:t>saját</a:t>
-            </a:r>
-            <a:r>
-              <a:rPr lang="en-US" dirty="0"/>
-              <a:t>, </a:t>
-            </a:r>
-            <a:r>
-              <a:rPr lang="en-US" dirty="0" err="1"/>
-              <a:t>független</a:t>
-            </a:r>
-            <a:r>
-              <a:rPr lang="en-US" dirty="0"/>
-              <a:t> </a:t>
-            </a:r>
-            <a:r>
-              <a:rPr lang="en-US" dirty="0" err="1"/>
-              <a:t>memóriával</a:t>
-            </a:r>
-            <a:r>
-              <a:rPr lang="en-US" dirty="0"/>
-              <a:t> </a:t>
-            </a:r>
-            <a:r>
-              <a:rPr lang="en-US" dirty="0" err="1"/>
-              <a:t>rendelkezik</a:t>
-            </a:r>
-            <a:r>
-              <a:rPr lang="en-US" dirty="0"/>
-              <a:t>. </a:t>
-            </a:r>
-            <a:endParaRPr lang="hu-HU" dirty="0"/>
-          </a:p>
-          <a:p>
-            <a:pPr lvl="1"/>
-            <a:r>
-              <a:rPr lang="en-US" dirty="0"/>
-              <a:t>Más </a:t>
-            </a:r>
-            <a:r>
-              <a:rPr lang="en-US" dirty="0" err="1"/>
-              <a:t>néven</a:t>
-            </a:r>
-            <a:r>
-              <a:rPr lang="en-US" dirty="0"/>
-              <a:t> DM (distributed memory)-</a:t>
-            </a:r>
-            <a:r>
-              <a:rPr lang="en-US" dirty="0" err="1"/>
-              <a:t>architektúra</a:t>
-            </a:r>
-            <a:r>
-              <a:rPr lang="en-US" dirty="0"/>
-              <a:t>. </a:t>
-            </a:r>
-            <a:endParaRPr lang="hu-HU" dirty="0"/>
+              <a:t>setTimeout</a:t>
+            </a:r>
+            <a:r>
+              <a:rPr lang="hu-HU" dirty="0"/>
+              <a:t> -&gt; ASYNC JS BEMUTATÁSA</a:t>
+            </a:r>
           </a:p>
           <a:p>
             <a:endParaRPr lang="hu-HU" dirty="0"/>
@@ -2183,7 +2148,7 @@
           <a:p>
             <a:fld id="{674FF4E3-1DEA-4DBB-AF74-DDA85AC22194}" type="slidenum">
               <a:rPr lang="hu-HU" smtClean="0"/>
-              <a:t>7</a:t>
+              <a:t>6</a:t>
             </a:fld>
             <a:endParaRPr lang="hu-HU"/>
           </a:p>
@@ -2192,7 +2157,7 @@
     </p:spTree>
     <p:extLst>
       <p:ext uri="{BB962C8B-B14F-4D97-AF65-F5344CB8AC3E}">
-        <p14:creationId xmlns:p14="http://schemas.microsoft.com/office/powerpoint/2010/main" val="2124914228"/>
+        <p14:creationId xmlns:p14="http://schemas.microsoft.com/office/powerpoint/2010/main" val="2814851083"/>
       </p:ext>
     </p:extLst>
   </p:cSld>
@@ -2248,32 +2213,160 @@
           <a:p>
             <a:r>
               <a:rPr lang="hu-HU" dirty="0"/>
-              <a:t>Ez a rendszer az UMA és a NUMA keveréke, mivel a rendszer egynél több memóriablokkot tartalmaz (tehát nem tisztán</a:t>
-            </a:r>
-          </a:p>
-          <a:p>
-            <a:r>
-              <a:rPr lang="hu-HU" dirty="0"/>
-              <a:t>UMA), de ezeket a processzorok közösen is használják (tehát nem is tisztán</a:t>
-            </a:r>
-          </a:p>
-          <a:p>
-            <a:r>
-              <a:rPr lang="hu-HU" dirty="0"/>
-              <a:t>NUMA). A nagy teljesítményű párhuzamos számítógépek (más néven</a:t>
-            </a:r>
-          </a:p>
-          <a:p>
-            <a:r>
-              <a:rPr lang="hu-HU" dirty="0"/>
-              <a:t>„szuperszámítógépek”) körében egyértelmű trend a hibrid NUMA megoldás</a:t>
-            </a:r>
-          </a:p>
-          <a:p>
-            <a:r>
-              <a:rPr lang="hu-HU" dirty="0"/>
-              <a:t>terjedése.</a:t>
-            </a:r>
+              <a:t>Ezek a modellek csak többprocesszoros gépeken használható. </a:t>
+            </a:r>
+            <a:br>
+              <a:rPr lang="hu-HU" dirty="0"/>
+            </a:br>
+            <a:br>
+              <a:rPr lang="hu-HU" dirty="0"/>
+            </a:br>
+            <a:r>
+              <a:rPr lang="hu-HU" dirty="0"/>
+              <a:t>UMA: Uniform </a:t>
+            </a:r>
+            <a:r>
+              <a:rPr lang="hu-HU" dirty="0" err="1"/>
+              <a:t>Memory</a:t>
+            </a:r>
+            <a:r>
+              <a:rPr lang="hu-HU" dirty="0"/>
+              <a:t> Access (közös memória)</a:t>
+            </a:r>
+          </a:p>
+          <a:p>
+            <a:pPr lvl="1"/>
+            <a:r>
+              <a:rPr lang="hu-HU" dirty="0"/>
+              <a:t>Minden processzor egyetlen közös memóriában tárolja az adatokat. </a:t>
+            </a:r>
+          </a:p>
+          <a:p>
+            <a:pPr lvl="1"/>
+            <a:r>
+              <a:rPr lang="hu-HU" dirty="0"/>
+              <a:t>Más néven SMP (</a:t>
+            </a:r>
+            <a:r>
+              <a:rPr lang="hu-HU" dirty="0" err="1"/>
+              <a:t>symmetric</a:t>
+            </a:r>
+            <a:r>
+              <a:rPr lang="hu-HU" dirty="0"/>
+              <a:t> </a:t>
+            </a:r>
+            <a:r>
+              <a:rPr lang="hu-HU" dirty="0" err="1"/>
+              <a:t>multiprocessor</a:t>
+            </a:r>
+            <a:r>
+              <a:rPr lang="hu-HU" dirty="0"/>
+              <a:t>)-architektúra. </a:t>
+            </a:r>
+          </a:p>
+          <a:p>
+            <a:pPr marL="457200" lvl="1" indent="0">
+              <a:buNone/>
+            </a:pPr>
+            <a:endParaRPr lang="hu-HU" dirty="0"/>
+          </a:p>
+          <a:p>
+            <a:r>
+              <a:rPr lang="en-US" dirty="0"/>
+              <a:t>NUMA: Non-Uniform Memory Access (</a:t>
+            </a:r>
+            <a:r>
+              <a:rPr lang="en-US" dirty="0" err="1"/>
+              <a:t>elosztott</a:t>
+            </a:r>
+            <a:r>
+              <a:rPr lang="en-US" dirty="0"/>
+              <a:t> </a:t>
+            </a:r>
+            <a:r>
+              <a:rPr lang="en-US" dirty="0" err="1"/>
+              <a:t>memória</a:t>
+            </a:r>
+            <a:r>
+              <a:rPr lang="en-US" dirty="0"/>
+              <a:t>) </a:t>
+            </a:r>
+            <a:endParaRPr lang="hu-HU" dirty="0"/>
+          </a:p>
+          <a:p>
+            <a:pPr lvl="1"/>
+            <a:r>
+              <a:rPr lang="en-US" dirty="0"/>
+              <a:t>Minden </a:t>
+            </a:r>
+            <a:r>
+              <a:rPr lang="en-US" dirty="0" err="1"/>
+              <a:t>processzor</a:t>
+            </a:r>
+            <a:r>
+              <a:rPr lang="en-US" dirty="0"/>
+              <a:t> </a:t>
+            </a:r>
+            <a:r>
+              <a:rPr lang="en-US" dirty="0" err="1"/>
+              <a:t>saját</a:t>
+            </a:r>
+            <a:r>
+              <a:rPr lang="en-US" dirty="0"/>
+              <a:t>, </a:t>
+            </a:r>
+            <a:r>
+              <a:rPr lang="en-US" dirty="0" err="1"/>
+              <a:t>független</a:t>
+            </a:r>
+            <a:r>
+              <a:rPr lang="en-US" dirty="0"/>
+              <a:t> </a:t>
+            </a:r>
+            <a:r>
+              <a:rPr lang="en-US" dirty="0" err="1"/>
+              <a:t>memóriával</a:t>
+            </a:r>
+            <a:r>
+              <a:rPr lang="en-US" dirty="0"/>
+              <a:t> </a:t>
+            </a:r>
+            <a:r>
+              <a:rPr lang="en-US" dirty="0" err="1"/>
+              <a:t>rendelkezik</a:t>
+            </a:r>
+            <a:r>
+              <a:rPr lang="en-US" dirty="0"/>
+              <a:t>. </a:t>
+            </a:r>
+            <a:endParaRPr lang="hu-HU" dirty="0"/>
+          </a:p>
+          <a:p>
+            <a:pPr lvl="1"/>
+            <a:r>
+              <a:rPr lang="en-US" dirty="0"/>
+              <a:t>Más </a:t>
+            </a:r>
+            <a:r>
+              <a:rPr lang="en-US" dirty="0" err="1"/>
+              <a:t>néven</a:t>
+            </a:r>
+            <a:r>
+              <a:rPr lang="en-US" dirty="0"/>
+              <a:t> DM (distributed memory)-</a:t>
+            </a:r>
+            <a:r>
+              <a:rPr lang="en-US" dirty="0" err="1"/>
+              <a:t>architektúra</a:t>
+            </a:r>
+            <a:r>
+              <a:rPr lang="en-US" dirty="0"/>
+              <a:t>. </a:t>
+            </a:r>
+            <a:endParaRPr lang="hu-HU" dirty="0"/>
+          </a:p>
+          <a:p>
+            <a:endParaRPr lang="hu-HU" dirty="0"/>
           </a:p>
         </p:txBody>
       </p:sp>
@@ -2294,7 +2387,7 @@
           <a:p>
             <a:fld id="{674FF4E3-1DEA-4DBB-AF74-DDA85AC22194}" type="slidenum">
               <a:rPr lang="hu-HU" smtClean="0"/>
-              <a:t>8</a:t>
+              <a:t>7</a:t>
             </a:fld>
             <a:endParaRPr lang="hu-HU"/>
           </a:p>
@@ -2303,7 +2396,7 @@
     </p:spTree>
     <p:extLst>
       <p:ext uri="{BB962C8B-B14F-4D97-AF65-F5344CB8AC3E}">
-        <p14:creationId xmlns:p14="http://schemas.microsoft.com/office/powerpoint/2010/main" val="3816258218"/>
+        <p14:creationId xmlns:p14="http://schemas.microsoft.com/office/powerpoint/2010/main" val="2124914228"/>
       </p:ext>
     </p:extLst>
   </p:cSld>
@@ -2359,97 +2452,32 @@
           <a:p>
             <a:r>
               <a:rPr lang="hu-HU" dirty="0"/>
-              <a:t>A processzorok mindig rendelkeznek gyorsítótárakkal, melyek a memóriából</a:t>
-            </a:r>
-          </a:p>
-          <a:p>
-            <a:r>
-              <a:rPr lang="hu-HU" dirty="0"/>
-              <a:t>betöltött, illetve oda kiírandó adatok egy részét tárolják. </a:t>
-            </a:r>
-            <a:br>
-              <a:rPr lang="hu-HU" dirty="0"/>
-            </a:br>
-            <a:br>
-              <a:rPr lang="hu-HU" dirty="0"/>
-            </a:br>
-            <a:r>
-              <a:rPr lang="hu-HU" sz="1200" u="sng" dirty="0">
-                <a:solidFill>
-                  <a:schemeClr val="accent6">
-                    <a:lumMod val="40000"/>
-                    <a:lumOff val="60000"/>
-                  </a:schemeClr>
-                </a:solidFill>
-              </a:rPr>
-              <a:t>Ezek tartalmának összehangolása külön feladatként merül fel, mely az UMA és NUMA</a:t>
-            </a:r>
-          </a:p>
-          <a:p>
-            <a:r>
-              <a:rPr lang="hu-HU" sz="1200" u="sng" dirty="0">
-                <a:solidFill>
-                  <a:schemeClr val="accent6">
-                    <a:lumMod val="40000"/>
-                    <a:lumOff val="60000"/>
-                  </a:schemeClr>
-                </a:solidFill>
-              </a:rPr>
-              <a:t>modellekben igen bonyolultan oldható meg.</a:t>
-            </a:r>
-            <a:br>
-              <a:rPr lang="hu-HU" dirty="0"/>
-            </a:br>
-            <a:endParaRPr lang="hu-HU" dirty="0"/>
-          </a:p>
-          <a:p>
-            <a:r>
-              <a:rPr lang="hu-HU" dirty="0"/>
-              <a:t>A </a:t>
-            </a:r>
-            <a:r>
-              <a:rPr lang="hu-HU" dirty="0" err="1"/>
-              <a:t>ccUMA</a:t>
-            </a:r>
-            <a:r>
-              <a:rPr lang="hu-HU" dirty="0"/>
-              <a:t> (cache-</a:t>
-            </a:r>
-            <a:r>
-              <a:rPr lang="hu-HU" dirty="0" err="1"/>
-              <a:t>coherent</a:t>
-            </a:r>
-            <a:r>
-              <a:rPr lang="hu-HU" dirty="0"/>
-              <a:t> UMA) és </a:t>
-            </a:r>
-            <a:r>
-              <a:rPr lang="hu-HU" dirty="0" err="1"/>
-              <a:t>ccNUMA</a:t>
-            </a:r>
-            <a:r>
-              <a:rPr lang="hu-HU" dirty="0"/>
-              <a:t> modelleknél speciális, egy ún.</a:t>
-            </a:r>
-          </a:p>
-          <a:p>
-            <a:r>
-              <a:rPr lang="hu-HU" dirty="0"/>
-              <a:t>koherencia-protokollt megvalósító egység gondoskodik az összehangolásról.</a:t>
-            </a:r>
-            <a:br>
-              <a:rPr lang="hu-HU" dirty="0"/>
-            </a:br>
-            <a:br>
-              <a:rPr lang="hu-HU" dirty="0"/>
-            </a:br>
-            <a:r>
-              <a:rPr lang="hu-HU" dirty="0"/>
-              <a:t>Ezekre a modellekre azért van szükség, mert az adatfeldolgozás igen energiaigényes, ezekkel a kommunikációs modellekkel, ez a „veszteség” könnyen csökkenthető.</a:t>
-            </a:r>
-          </a:p>
-          <a:p>
-            <a:endParaRPr lang="hu-HU" dirty="0"/>
+              <a:t>Ez a rendszer az UMA és a NUMA keveréke, mivel a rendszer egynél több memóriablokkot tartalmaz (tehát nem tisztán</a:t>
+            </a:r>
+          </a:p>
+          <a:p>
+            <a:r>
+              <a:rPr lang="hu-HU" dirty="0"/>
+              <a:t>UMA), de ezeket a processzorok közösen is használják (tehát nem is tisztán</a:t>
+            </a:r>
+          </a:p>
+          <a:p>
+            <a:r>
+              <a:rPr lang="hu-HU" dirty="0"/>
+              <a:t>NUMA). A nagy teljesítményű párhuzamos számítógépek (más néven</a:t>
+            </a:r>
+          </a:p>
+          <a:p>
+            <a:r>
+              <a:rPr lang="hu-HU" dirty="0"/>
+              <a:t>„szuperszámítógépek”) körében egyértelmű trend a hibrid NUMA megoldás</a:t>
+            </a:r>
+          </a:p>
+          <a:p>
+            <a:r>
+              <a:rPr lang="hu-HU" dirty="0"/>
+              <a:t>terjedése.</a:t>
+            </a:r>
           </a:p>
         </p:txBody>
       </p:sp>
@@ -2470,7 +2498,7 @@
           <a:p>
             <a:fld id="{674FF4E3-1DEA-4DBB-AF74-DDA85AC22194}" type="slidenum">
               <a:rPr lang="hu-HU" smtClean="0"/>
-              <a:t>9</a:t>
+              <a:t>8</a:t>
             </a:fld>
             <a:endParaRPr lang="hu-HU"/>
           </a:p>
@@ -2479,7 +2507,7 @@
     </p:spTree>
     <p:extLst>
       <p:ext uri="{BB962C8B-B14F-4D97-AF65-F5344CB8AC3E}">
-        <p14:creationId xmlns:p14="http://schemas.microsoft.com/office/powerpoint/2010/main" val="1870017760"/>
+        <p14:creationId xmlns:p14="http://schemas.microsoft.com/office/powerpoint/2010/main" val="3816258218"/>
       </p:ext>
     </p:extLst>
   </p:cSld>
@@ -2535,16 +2563,97 @@
           <a:p>
             <a:r>
               <a:rPr lang="hu-HU" dirty="0"/>
-              <a:t>A REST egy HTTP protokollra fejlesztett kommunikációs architektúra típus, mely kliens és szerver közti kommunikáció megvalósítására használható. Kihasználja a HTTP állapotkódokat és metódusokat egyaránt, sőt a specifikáció megköveteli azok használatát, bár az egyedi fejlesztésű REST interfészek tervezése során ezekre gyakran nem ügyelnek a fejlesztők. A kérések URI-k használatával történnek, melyek erőforrásokat azonosítanak, és az URI-k egységes interfészt biztosítanak a kliens számára. Minden kérésre azonos formátumban reagál a szerver, ez általában JSON, de használható még HTML és XML formátum is. Fontos, hogy a kérések állapotmentesek, tehát nem beszélhetünk „munkafolyamatról”, így az </a:t>
+              <a:t>A processzorok mindig rendelkeznek gyorsítótárakkal, melyek a memóriából</a:t>
+            </a:r>
+          </a:p>
+          <a:p>
+            <a:r>
+              <a:rPr lang="hu-HU" dirty="0"/>
+              <a:t>betöltött, illetve oda kiírandó adatok egy részét tárolják. </a:t>
+            </a:r>
+            <a:br>
+              <a:rPr lang="hu-HU" dirty="0"/>
+            </a:br>
+            <a:br>
+              <a:rPr lang="hu-HU" dirty="0"/>
+            </a:br>
+            <a:r>
+              <a:rPr lang="hu-HU" sz="1200" u="sng" dirty="0">
+                <a:solidFill>
+                  <a:schemeClr val="accent6">
+                    <a:lumMod val="40000"/>
+                    <a:lumOff val="60000"/>
+                  </a:schemeClr>
+                </a:solidFill>
+              </a:rPr>
+              <a:t>Ezek tartalmának összehangolása külön feladatként merül fel, mely az UMA és NUMA</a:t>
+            </a:r>
+          </a:p>
+          <a:p>
+            <a:r>
+              <a:rPr lang="hu-HU" sz="1200" u="sng" dirty="0">
+                <a:solidFill>
+                  <a:schemeClr val="accent6">
+                    <a:lumMod val="40000"/>
+                    <a:lumOff val="60000"/>
+                  </a:schemeClr>
+                </a:solidFill>
+              </a:rPr>
+              <a:t>modellekben igen bonyolultan oldható meg.</a:t>
+            </a:r>
+            <a:br>
+              <a:rPr lang="hu-HU" dirty="0"/>
+            </a:br>
+            <a:endParaRPr lang="hu-HU" dirty="0"/>
+          </a:p>
+          <a:p>
+            <a:r>
+              <a:rPr lang="hu-HU" dirty="0"/>
+              <a:t>A </a:t>
             </a:r>
             <a:r>
               <a:rPr lang="hu-HU" dirty="0" err="1"/>
-              <a:t>authorizáció</a:t>
-            </a:r>
-            <a:r>
-              <a:rPr lang="hu-HU" dirty="0"/>
-              <a:t> folyamatos figyelmet igényel.</a:t>
-            </a:r>
+              <a:t>ccUMA</a:t>
+            </a:r>
+            <a:r>
+              <a:rPr lang="hu-HU" dirty="0"/>
+              <a:t> (cache-</a:t>
+            </a:r>
+            <a:r>
+              <a:rPr lang="hu-HU" dirty="0" err="1"/>
+              <a:t>coherent</a:t>
+            </a:r>
+            <a:r>
+              <a:rPr lang="hu-HU" dirty="0"/>
+              <a:t> UMA) és </a:t>
+            </a:r>
+            <a:r>
+              <a:rPr lang="hu-HU" dirty="0" err="1"/>
+              <a:t>ccNUMA</a:t>
+            </a:r>
+            <a:r>
+              <a:rPr lang="hu-HU" dirty="0"/>
+              <a:t> modelleknél speciális, egy ún.</a:t>
+            </a:r>
+          </a:p>
+          <a:p>
+            <a:r>
+              <a:rPr lang="hu-HU" dirty="0"/>
+              <a:t>koherencia-protokollt megvalósító egység gondoskodik az összehangolásról.</a:t>
+            </a:r>
+            <a:br>
+              <a:rPr lang="hu-HU" dirty="0"/>
+            </a:br>
+            <a:br>
+              <a:rPr lang="hu-HU" dirty="0"/>
+            </a:br>
+            <a:r>
+              <a:rPr lang="hu-HU" dirty="0"/>
+              <a:t>Ezekre a modellekre azért van szükség, mert az adatfeldolgozás igen energiaigényes, ezekkel a kommunikációs modellekkel, ez a „veszteség” könnyen csökkenthető.</a:t>
+            </a:r>
+          </a:p>
+          <a:p>
+            <a:endParaRPr lang="hu-HU" dirty="0"/>
           </a:p>
         </p:txBody>
       </p:sp>
@@ -2565,7 +2674,7 @@
           <a:p>
             <a:fld id="{674FF4E3-1DEA-4DBB-AF74-DDA85AC22194}" type="slidenum">
               <a:rPr lang="hu-HU" smtClean="0"/>
-              <a:t>10</a:t>
+              <a:t>9</a:t>
             </a:fld>
             <a:endParaRPr lang="hu-HU"/>
           </a:p>
@@ -2574,7 +2683,7 @@
     </p:spTree>
     <p:extLst>
       <p:ext uri="{BB962C8B-B14F-4D97-AF65-F5344CB8AC3E}">
-        <p14:creationId xmlns:p14="http://schemas.microsoft.com/office/powerpoint/2010/main" val="3499535093"/>
+        <p14:creationId xmlns:p14="http://schemas.microsoft.com/office/powerpoint/2010/main" val="1870017760"/>
       </p:ext>
     </p:extLst>
   </p:cSld>
@@ -2731,7 +2840,7 @@
           <a:p>
             <a:fld id="{74D6CE58-D5BF-4592-BBC8-A7847BDADEB9}" type="datetimeFigureOut">
               <a:rPr lang="hu-HU" smtClean="0"/>
-              <a:t>2021. 10. 09.</a:t>
+              <a:t>2021. 10. 10.</a:t>
             </a:fld>
             <a:endParaRPr lang="hu-HU"/>
           </a:p>
@@ -2929,7 +3038,7 @@
           <a:p>
             <a:fld id="{74D6CE58-D5BF-4592-BBC8-A7847BDADEB9}" type="datetimeFigureOut">
               <a:rPr lang="hu-HU" smtClean="0"/>
-              <a:t>2021. 10. 09.</a:t>
+              <a:t>2021. 10. 10.</a:t>
             </a:fld>
             <a:endParaRPr lang="hu-HU"/>
           </a:p>
@@ -3137,7 +3246,7 @@
           <a:p>
             <a:fld id="{74D6CE58-D5BF-4592-BBC8-A7847BDADEB9}" type="datetimeFigureOut">
               <a:rPr lang="hu-HU" smtClean="0"/>
-              <a:t>2021. 10. 09.</a:t>
+              <a:t>2021. 10. 10.</a:t>
             </a:fld>
             <a:endParaRPr lang="hu-HU"/>
           </a:p>
@@ -3335,7 +3444,7 @@
           <a:p>
             <a:fld id="{74D6CE58-D5BF-4592-BBC8-A7847BDADEB9}" type="datetimeFigureOut">
               <a:rPr lang="hu-HU" smtClean="0"/>
-              <a:t>2021. 10. 09.</a:t>
+              <a:t>2021. 10. 10.</a:t>
             </a:fld>
             <a:endParaRPr lang="hu-HU"/>
           </a:p>
@@ -3610,7 +3719,7 @@
           <a:p>
             <a:fld id="{74D6CE58-D5BF-4592-BBC8-A7847BDADEB9}" type="datetimeFigureOut">
               <a:rPr lang="hu-HU" smtClean="0"/>
-              <a:t>2021. 10. 09.</a:t>
+              <a:t>2021. 10. 10.</a:t>
             </a:fld>
             <a:endParaRPr lang="hu-HU"/>
           </a:p>
@@ -3875,7 +3984,7 @@
           <a:p>
             <a:fld id="{74D6CE58-D5BF-4592-BBC8-A7847BDADEB9}" type="datetimeFigureOut">
               <a:rPr lang="hu-HU" smtClean="0"/>
-              <a:t>2021. 10. 09.</a:t>
+              <a:t>2021. 10. 10.</a:t>
             </a:fld>
             <a:endParaRPr lang="hu-HU"/>
           </a:p>
@@ -4287,7 +4396,7 @@
           <a:p>
             <a:fld id="{74D6CE58-D5BF-4592-BBC8-A7847BDADEB9}" type="datetimeFigureOut">
               <a:rPr lang="hu-HU" smtClean="0"/>
-              <a:t>2021. 10. 09.</a:t>
+              <a:t>2021. 10. 10.</a:t>
             </a:fld>
             <a:endParaRPr lang="hu-HU"/>
           </a:p>
@@ -4428,7 +4537,7 @@
           <a:p>
             <a:fld id="{74D6CE58-D5BF-4592-BBC8-A7847BDADEB9}" type="datetimeFigureOut">
               <a:rPr lang="hu-HU" smtClean="0"/>
-              <a:t>2021. 10. 09.</a:t>
+              <a:t>2021. 10. 10.</a:t>
             </a:fld>
             <a:endParaRPr lang="hu-HU"/>
           </a:p>
@@ -4541,7 +4650,7 @@
           <a:p>
             <a:fld id="{74D6CE58-D5BF-4592-BBC8-A7847BDADEB9}" type="datetimeFigureOut">
               <a:rPr lang="hu-HU" smtClean="0"/>
-              <a:t>2021. 10. 09.</a:t>
+              <a:t>2021. 10. 10.</a:t>
             </a:fld>
             <a:endParaRPr lang="hu-HU"/>
           </a:p>
@@ -4852,7 +4961,7 @@
           <a:p>
             <a:fld id="{74D6CE58-D5BF-4592-BBC8-A7847BDADEB9}" type="datetimeFigureOut">
               <a:rPr lang="hu-HU" smtClean="0"/>
-              <a:t>2021. 10. 09.</a:t>
+              <a:t>2021. 10. 10.</a:t>
             </a:fld>
             <a:endParaRPr lang="hu-HU"/>
           </a:p>
@@ -5140,7 +5249,7 @@
           <a:p>
             <a:fld id="{74D6CE58-D5BF-4592-BBC8-A7847BDADEB9}" type="datetimeFigureOut">
               <a:rPr lang="hu-HU" smtClean="0"/>
-              <a:t>2021. 10. 09.</a:t>
+              <a:t>2021. 10. 10.</a:t>
             </a:fld>
             <a:endParaRPr lang="hu-HU"/>
           </a:p>
@@ -5381,7 +5490,7 @@
           <a:p>
             <a:fld id="{74D6CE58-D5BF-4592-BBC8-A7847BDADEB9}" type="datetimeFigureOut">
               <a:rPr lang="hu-HU" smtClean="0"/>
-              <a:t>2021. 10. 09.</a:t>
+              <a:t>2021. 10. 10.</a:t>
             </a:fld>
             <a:endParaRPr lang="hu-HU"/>
           </a:p>
@@ -6660,7 +6769,7 @@
         <p:spPr/>
         <p:txBody>
           <a:bodyPr>
-            <a:normAutofit fontScale="85000" lnSpcReduction="20000"/>
+            <a:normAutofit fontScale="77500" lnSpcReduction="20000"/>
           </a:bodyPr>
           <a:lstStyle/>
           <a:p>
@@ -6686,6 +6795,12 @@
             <a:r>
               <a:rPr lang="hu-HU" dirty="0"/>
               <a:t>UMA / NUMA</a:t>
+            </a:r>
+          </a:p>
+          <a:p>
+            <a:r>
+              <a:rPr lang="hu-HU" dirty="0"/>
+              <a:t>REST</a:t>
             </a:r>
           </a:p>
           <a:p>

--- a/Osztott rendszerek, párhuzamos programozás.pptx
+++ b/Osztott rendszerek, párhuzamos programozás.pptx
@@ -5,7 +5,7 @@
     <p:sldMasterId id="2147483648" r:id="rId1"/>
   </p:sldMasterIdLst>
   <p:notesMasterIdLst>
-    <p:notesMasterId r:id="rId17"/>
+    <p:notesMasterId r:id="rId27"/>
   </p:notesMasterIdLst>
   <p:sldIdLst>
     <p:sldId id="256" r:id="rId2"/>
@@ -22,7 +22,17 @@
     <p:sldId id="269" r:id="rId13"/>
     <p:sldId id="268" r:id="rId14"/>
     <p:sldId id="270" r:id="rId15"/>
-    <p:sldId id="260" r:id="rId16"/>
+    <p:sldId id="271" r:id="rId16"/>
+    <p:sldId id="272" r:id="rId17"/>
+    <p:sldId id="273" r:id="rId18"/>
+    <p:sldId id="274" r:id="rId19"/>
+    <p:sldId id="275" r:id="rId20"/>
+    <p:sldId id="276" r:id="rId21"/>
+    <p:sldId id="277" r:id="rId22"/>
+    <p:sldId id="278" r:id="rId23"/>
+    <p:sldId id="279" r:id="rId24"/>
+    <p:sldId id="280" r:id="rId25"/>
+    <p:sldId id="260" r:id="rId26"/>
   </p:sldIdLst>
   <p:sldSz cx="12192000" cy="6858000"/>
   <p:notesSz cx="6858000" cy="9144000"/>
@@ -223,7 +233,7 @@
           <a:p>
             <a:fld id="{81E79A26-81C4-4025-92C3-532DA6E0B8B9}" type="datetimeFigureOut">
               <a:rPr lang="hu-HU" smtClean="0"/>
-              <a:t>2021. 10. 10.</a:t>
+              <a:t>2021. 10. 26.</a:t>
             </a:fld>
             <a:endParaRPr lang="hu-HU"/>
           </a:p>
@@ -1466,6 +1476,680 @@
 </p:notes>
 </file>
 
+<file path=ppt/notesSlides/notesSlide15.xml><?xml version="1.0" encoding="utf-8"?>
+<p:notes xmlns:a="http://schemas.openxmlformats.org/drawingml/2006/main" xmlns:r="http://schemas.openxmlformats.org/officeDocument/2006/relationships" xmlns:p="http://schemas.openxmlformats.org/presentationml/2006/main">
+  <p:cSld>
+    <p:spTree>
+      <p:nvGrpSpPr>
+        <p:cNvPr id="1" name=""/>
+        <p:cNvGrpSpPr/>
+        <p:nvPr/>
+      </p:nvGrpSpPr>
+      <p:grpSpPr>
+        <a:xfrm>
+          <a:off x="0" y="0"/>
+          <a:ext cx="0" cy="0"/>
+          <a:chOff x="0" y="0"/>
+          <a:chExt cx="0" cy="0"/>
+        </a:xfrm>
+      </p:grpSpPr>
+      <p:sp>
+        <p:nvSpPr>
+          <p:cNvPr id="2" name="Diakép helye 1"/>
+          <p:cNvSpPr>
+            <a:spLocks noGrp="1" noRot="1" noChangeAspect="1"/>
+          </p:cNvSpPr>
+          <p:nvPr>
+            <p:ph type="sldImg"/>
+          </p:nvPr>
+        </p:nvSpPr>
+        <p:spPr/>
+      </p:sp>
+      <p:sp>
+        <p:nvSpPr>
+          <p:cNvPr id="3" name="Jegyzetek helye 2"/>
+          <p:cNvSpPr>
+            <a:spLocks noGrp="1"/>
+          </p:cNvSpPr>
+          <p:nvPr>
+            <p:ph type="body" idx="1"/>
+          </p:nvPr>
+        </p:nvSpPr>
+        <p:spPr/>
+        <p:txBody>
+          <a:bodyPr/>
+          <a:lstStyle/>
+          <a:p>
+            <a:r>
+              <a:rPr lang="hu-HU" dirty="0"/>
+              <a:t>1: </a:t>
+            </a:r>
+            <a:r>
+              <a:rPr lang="hu-HU" dirty="0" err="1"/>
+              <a:t>pl</a:t>
+            </a:r>
+            <a:r>
+              <a:rPr lang="hu-HU" dirty="0"/>
+              <a:t> nyomtató megosztás, az erőforrás adat is lehet</a:t>
+            </a:r>
+          </a:p>
+          <a:p>
+            <a:endParaRPr lang="hu-HU" dirty="0"/>
+          </a:p>
+          <a:p>
+            <a:r>
+              <a:rPr lang="hu-HU" dirty="0"/>
+              <a:t>Átlátszóság: a felhasználó csak az adatot kapja, nem kell tudni az üzemeltetőről, a rendszer „elfedi” mi van alatta</a:t>
+            </a:r>
+          </a:p>
+          <a:p>
+            <a:endParaRPr lang="hu-HU" dirty="0"/>
+          </a:p>
+          <a:p>
+            <a:r>
+              <a:rPr lang="hu-HU" dirty="0"/>
+              <a:t>Skálázhatóság: különböző terhelésekre tudjon reagálni</a:t>
+            </a:r>
+          </a:p>
+          <a:p>
+            <a:endParaRPr lang="hu-HU" dirty="0"/>
+          </a:p>
+        </p:txBody>
+      </p:sp>
+      <p:sp>
+        <p:nvSpPr>
+          <p:cNvPr id="4" name="Dia számának helye 3"/>
+          <p:cNvSpPr>
+            <a:spLocks noGrp="1"/>
+          </p:cNvSpPr>
+          <p:nvPr>
+            <p:ph type="sldNum" sz="quarter" idx="5"/>
+          </p:nvPr>
+        </p:nvSpPr>
+        <p:spPr/>
+        <p:txBody>
+          <a:bodyPr/>
+          <a:lstStyle/>
+          <a:p>
+            <a:fld id="{674FF4E3-1DEA-4DBB-AF74-DDA85AC22194}" type="slidenum">
+              <a:rPr lang="hu-HU" smtClean="0"/>
+              <a:t>16</a:t>
+            </a:fld>
+            <a:endParaRPr lang="hu-HU"/>
+          </a:p>
+        </p:txBody>
+      </p:sp>
+    </p:spTree>
+    <p:extLst>
+      <p:ext uri="{BB962C8B-B14F-4D97-AF65-F5344CB8AC3E}">
+        <p14:creationId xmlns:p14="http://schemas.microsoft.com/office/powerpoint/2010/main" val="4287810101"/>
+      </p:ext>
+    </p:extLst>
+  </p:cSld>
+  <p:clrMapOvr>
+    <a:masterClrMapping/>
+  </p:clrMapOvr>
+</p:notes>
+</file>
+
+<file path=ppt/notesSlides/notesSlide16.xml><?xml version="1.0" encoding="utf-8"?>
+<p:notes xmlns:a="http://schemas.openxmlformats.org/drawingml/2006/main" xmlns:r="http://schemas.openxmlformats.org/officeDocument/2006/relationships" xmlns:p="http://schemas.openxmlformats.org/presentationml/2006/main">
+  <p:cSld>
+    <p:spTree>
+      <p:nvGrpSpPr>
+        <p:cNvPr id="1" name=""/>
+        <p:cNvGrpSpPr/>
+        <p:nvPr/>
+      </p:nvGrpSpPr>
+      <p:grpSpPr>
+        <a:xfrm>
+          <a:off x="0" y="0"/>
+          <a:ext cx="0" cy="0"/>
+          <a:chOff x="0" y="0"/>
+          <a:chExt cx="0" cy="0"/>
+        </a:xfrm>
+      </p:grpSpPr>
+      <p:sp>
+        <p:nvSpPr>
+          <p:cNvPr id="2" name="Diakép helye 1"/>
+          <p:cNvSpPr>
+            <a:spLocks noGrp="1" noRot="1" noChangeAspect="1"/>
+          </p:cNvSpPr>
+          <p:nvPr>
+            <p:ph type="sldImg"/>
+          </p:nvPr>
+        </p:nvSpPr>
+        <p:spPr/>
+      </p:sp>
+      <p:sp>
+        <p:nvSpPr>
+          <p:cNvPr id="3" name="Jegyzetek helye 2"/>
+          <p:cNvSpPr>
+            <a:spLocks noGrp="1"/>
+          </p:cNvSpPr>
+          <p:nvPr>
+            <p:ph type="body" idx="1"/>
+          </p:nvPr>
+        </p:nvSpPr>
+        <p:spPr/>
+        <p:txBody>
+          <a:bodyPr/>
+          <a:lstStyle/>
+          <a:p>
+            <a:r>
+              <a:rPr lang="hu-HU" dirty="0"/>
+              <a:t>hozzáférési (</a:t>
+            </a:r>
+            <a:r>
+              <a:rPr lang="hu-HU" dirty="0" err="1"/>
+              <a:t>access</a:t>
+            </a:r>
+            <a:r>
+              <a:rPr lang="hu-HU" dirty="0"/>
+              <a:t>): adatok tárolási módjának, belső reprezentációjának elfedése (pl. ’/’</a:t>
+            </a:r>
+          </a:p>
+          <a:p>
+            <a:r>
+              <a:rPr lang="hu-HU" dirty="0"/>
+              <a:t>vagy ’\’ – közös interfész)</a:t>
+            </a:r>
+          </a:p>
+          <a:p>
+            <a:endParaRPr lang="hu-HU" dirty="0"/>
+          </a:p>
+          <a:p>
+            <a:r>
+              <a:rPr lang="hu-HU" dirty="0"/>
+              <a:t>hely (</a:t>
+            </a:r>
+            <a:r>
+              <a:rPr lang="hu-HU" dirty="0" err="1"/>
+              <a:t>location</a:t>
+            </a:r>
+            <a:r>
+              <a:rPr lang="hu-HU" dirty="0"/>
+              <a:t>): fizikai hely elfedése, pl. globális névvel (pl. URL)</a:t>
+            </a:r>
+          </a:p>
+          <a:p>
+            <a:endParaRPr lang="hu-HU" dirty="0"/>
+          </a:p>
+          <a:p>
+            <a:r>
+              <a:rPr lang="hu-HU" dirty="0"/>
+              <a:t>mozgatási (</a:t>
+            </a:r>
+            <a:r>
+              <a:rPr lang="hu-HU" dirty="0" err="1"/>
+              <a:t>migration</a:t>
+            </a:r>
+            <a:r>
+              <a:rPr lang="hu-HU" dirty="0"/>
+              <a:t>): szerver fizikai mozgatása ne érintse a felhasználót</a:t>
+            </a:r>
+          </a:p>
+          <a:p>
+            <a:endParaRPr lang="hu-HU" dirty="0"/>
+          </a:p>
+          <a:p>
+            <a:r>
+              <a:rPr lang="hu-HU" dirty="0" err="1"/>
+              <a:t>relokációs</a:t>
+            </a:r>
+            <a:r>
+              <a:rPr lang="hu-HU" dirty="0"/>
+              <a:t>: a kliens ne tudjon arról, hogy másik kiszolgálóra váltott a rendszer (pl. váltás egyik</a:t>
+            </a:r>
+          </a:p>
+          <a:p>
+            <a:r>
+              <a:rPr lang="hu-HU" dirty="0"/>
+              <a:t>adatbázisról a másikra, vagy wifi esetén séta -&gt; másik router)</a:t>
+            </a:r>
+          </a:p>
+          <a:p>
+            <a:endParaRPr lang="hu-HU" dirty="0"/>
+          </a:p>
+          <a:p>
+            <a:r>
+              <a:rPr lang="hu-HU" dirty="0"/>
+              <a:t>replikációs: felhasználó ne lássa, hogy melyik </a:t>
+            </a:r>
+            <a:r>
+              <a:rPr lang="hu-HU" dirty="0" err="1"/>
+              <a:t>replikátumból</a:t>
+            </a:r>
+            <a:r>
+              <a:rPr lang="hu-HU" dirty="0"/>
+              <a:t> kapja az adatot</a:t>
+            </a:r>
+          </a:p>
+          <a:p>
+            <a:endParaRPr lang="hu-HU" dirty="0"/>
+          </a:p>
+          <a:p>
+            <a:r>
+              <a:rPr lang="hu-HU" dirty="0"/>
+              <a:t>konkurencia: az alkalmazásnak nem kell tudnia, hogy más is használja az erőforrást</a:t>
+            </a:r>
+          </a:p>
+          <a:p>
+            <a:endParaRPr lang="hu-HU" dirty="0"/>
+          </a:p>
+          <a:p>
+            <a:r>
+              <a:rPr lang="hu-HU" dirty="0"/>
+              <a:t>hibatűrés: felhasználó ne lássa a hibát</a:t>
+            </a:r>
+          </a:p>
+        </p:txBody>
+      </p:sp>
+      <p:sp>
+        <p:nvSpPr>
+          <p:cNvPr id="4" name="Dia számának helye 3"/>
+          <p:cNvSpPr>
+            <a:spLocks noGrp="1"/>
+          </p:cNvSpPr>
+          <p:nvPr>
+            <p:ph type="sldNum" sz="quarter" idx="5"/>
+          </p:nvPr>
+        </p:nvSpPr>
+        <p:spPr/>
+        <p:txBody>
+          <a:bodyPr/>
+          <a:lstStyle/>
+          <a:p>
+            <a:fld id="{674FF4E3-1DEA-4DBB-AF74-DDA85AC22194}" type="slidenum">
+              <a:rPr lang="hu-HU" smtClean="0"/>
+              <a:t>17</a:t>
+            </a:fld>
+            <a:endParaRPr lang="hu-HU"/>
+          </a:p>
+        </p:txBody>
+      </p:sp>
+    </p:spTree>
+    <p:extLst>
+      <p:ext uri="{BB962C8B-B14F-4D97-AF65-F5344CB8AC3E}">
+        <p14:creationId xmlns:p14="http://schemas.microsoft.com/office/powerpoint/2010/main" val="4176186853"/>
+      </p:ext>
+    </p:extLst>
+  </p:cSld>
+  <p:clrMapOvr>
+    <a:masterClrMapping/>
+  </p:clrMapOvr>
+</p:notes>
+</file>
+
+<file path=ppt/notesSlides/notesSlide17.xml><?xml version="1.0" encoding="utf-8"?>
+<p:notes xmlns:a="http://schemas.openxmlformats.org/drawingml/2006/main" xmlns:r="http://schemas.openxmlformats.org/officeDocument/2006/relationships" xmlns:p="http://schemas.openxmlformats.org/presentationml/2006/main">
+  <p:cSld>
+    <p:spTree>
+      <p:nvGrpSpPr>
+        <p:cNvPr id="1" name=""/>
+        <p:cNvGrpSpPr/>
+        <p:nvPr/>
+      </p:nvGrpSpPr>
+      <p:grpSpPr>
+        <a:xfrm>
+          <a:off x="0" y="0"/>
+          <a:ext cx="0" cy="0"/>
+          <a:chOff x="0" y="0"/>
+          <a:chExt cx="0" cy="0"/>
+        </a:xfrm>
+      </p:grpSpPr>
+      <p:sp>
+        <p:nvSpPr>
+          <p:cNvPr id="2" name="Diakép helye 1"/>
+          <p:cNvSpPr>
+            <a:spLocks noGrp="1" noRot="1" noChangeAspect="1"/>
+          </p:cNvSpPr>
+          <p:nvPr>
+            <p:ph type="sldImg"/>
+          </p:nvPr>
+        </p:nvSpPr>
+        <p:spPr/>
+      </p:sp>
+      <p:sp>
+        <p:nvSpPr>
+          <p:cNvPr id="3" name="Jegyzetek helye 2"/>
+          <p:cNvSpPr>
+            <a:spLocks noGrp="1"/>
+          </p:cNvSpPr>
+          <p:nvPr>
+            <p:ph type="body" idx="1"/>
+          </p:nvPr>
+        </p:nvSpPr>
+        <p:spPr/>
+        <p:txBody>
+          <a:bodyPr/>
+          <a:lstStyle/>
+          <a:p>
+            <a:r>
+              <a:rPr lang="hu-HU" dirty="0"/>
+              <a:t>milyen nyelv? Java? C? -&gt; kell egy jól definiált interfész. ez különböző erősségű lehet:</a:t>
+            </a:r>
+          </a:p>
+          <a:p>
+            <a:r>
+              <a:rPr lang="hu-HU" dirty="0"/>
+              <a:t>    o teljesség: megmondjuk, mit kell csinálni</a:t>
+            </a:r>
+          </a:p>
+          <a:p>
+            <a:r>
+              <a:rPr lang="hu-HU" dirty="0"/>
+              <a:t>    o semlegesség: nem mondjuk meg, hogyan csinálja</a:t>
+            </a:r>
+          </a:p>
+          <a:p>
+            <a:endParaRPr lang="hu-HU" dirty="0"/>
+          </a:p>
+          <a:p>
+            <a:r>
+              <a:rPr lang="hu-HU" dirty="0"/>
+              <a:t>hordozhatóság: egyik gépről a másikra (UNIX -&gt; Windows)</a:t>
+            </a:r>
+          </a:p>
+          <a:p>
+            <a:endParaRPr lang="hu-HU" dirty="0"/>
+          </a:p>
+          <a:p>
+            <a:r>
+              <a:rPr lang="hu-HU" dirty="0"/>
+              <a:t>műveletek közötti átjárhatóság (pl. komponens csere után is működik a rendszer)</a:t>
+            </a:r>
+          </a:p>
+          <a:p>
+            <a:endParaRPr lang="hu-HU" dirty="0"/>
+          </a:p>
+        </p:txBody>
+      </p:sp>
+      <p:sp>
+        <p:nvSpPr>
+          <p:cNvPr id="4" name="Dia számának helye 3"/>
+          <p:cNvSpPr>
+            <a:spLocks noGrp="1"/>
+          </p:cNvSpPr>
+          <p:nvPr>
+            <p:ph type="sldNum" sz="quarter" idx="5"/>
+          </p:nvPr>
+        </p:nvSpPr>
+        <p:spPr/>
+        <p:txBody>
+          <a:bodyPr/>
+          <a:lstStyle/>
+          <a:p>
+            <a:fld id="{674FF4E3-1DEA-4DBB-AF74-DDA85AC22194}" type="slidenum">
+              <a:rPr lang="hu-HU" smtClean="0"/>
+              <a:t>18</a:t>
+            </a:fld>
+            <a:endParaRPr lang="hu-HU"/>
+          </a:p>
+        </p:txBody>
+      </p:sp>
+    </p:spTree>
+    <p:extLst>
+      <p:ext uri="{BB962C8B-B14F-4D97-AF65-F5344CB8AC3E}">
+        <p14:creationId xmlns:p14="http://schemas.microsoft.com/office/powerpoint/2010/main" val="1706269299"/>
+      </p:ext>
+    </p:extLst>
+  </p:cSld>
+  <p:clrMapOvr>
+    <a:masterClrMapping/>
+  </p:clrMapOvr>
+</p:notes>
+</file>
+
+<file path=ppt/notesSlides/notesSlide18.xml><?xml version="1.0" encoding="utf-8"?>
+<p:notes xmlns:a="http://schemas.openxmlformats.org/drawingml/2006/main" xmlns:r="http://schemas.openxmlformats.org/officeDocument/2006/relationships" xmlns:p="http://schemas.openxmlformats.org/presentationml/2006/main">
+  <p:cSld>
+    <p:spTree>
+      <p:nvGrpSpPr>
+        <p:cNvPr id="1" name=""/>
+        <p:cNvGrpSpPr/>
+        <p:nvPr/>
+      </p:nvGrpSpPr>
+      <p:grpSpPr>
+        <a:xfrm>
+          <a:off x="0" y="0"/>
+          <a:ext cx="0" cy="0"/>
+          <a:chOff x="0" y="0"/>
+          <a:chExt cx="0" cy="0"/>
+        </a:xfrm>
+      </p:grpSpPr>
+      <p:sp>
+        <p:nvSpPr>
+          <p:cNvPr id="2" name="Diakép helye 1"/>
+          <p:cNvSpPr>
+            <a:spLocks noGrp="1" noRot="1" noChangeAspect="1"/>
+          </p:cNvSpPr>
+          <p:nvPr>
+            <p:ph type="sldImg"/>
+          </p:nvPr>
+        </p:nvSpPr>
+        <p:spPr/>
+      </p:sp>
+      <p:sp>
+        <p:nvSpPr>
+          <p:cNvPr id="3" name="Jegyzetek helye 2"/>
+          <p:cNvSpPr>
+            <a:spLocks noGrp="1"/>
+          </p:cNvSpPr>
+          <p:nvPr>
+            <p:ph type="body" idx="1"/>
+          </p:nvPr>
+        </p:nvSpPr>
+        <p:spPr/>
+        <p:txBody>
+          <a:bodyPr/>
+          <a:lstStyle/>
+          <a:p>
+            <a:r>
+              <a:rPr lang="hu-HU" dirty="0"/>
+              <a:t>méretbeli: felhasználók, </a:t>
+            </a:r>
+            <a:r>
+              <a:rPr lang="hu-HU" dirty="0" err="1"/>
+              <a:t>process</a:t>
+            </a:r>
+            <a:r>
+              <a:rPr lang="hu-HU" dirty="0"/>
+              <a:t>-ek száma</a:t>
+            </a:r>
+          </a:p>
+          <a:p>
+            <a:endParaRPr lang="hu-HU" dirty="0"/>
+          </a:p>
+          <a:p>
+            <a:r>
+              <a:rPr lang="hu-HU" dirty="0"/>
+              <a:t>földrajzi: gépek közötti távolság</a:t>
+            </a:r>
+          </a:p>
+          <a:p>
+            <a:endParaRPr lang="hu-HU" dirty="0"/>
+          </a:p>
+          <a:p>
+            <a:r>
+              <a:rPr lang="hu-HU" dirty="0"/>
+              <a:t>adminisztratív: adat tárolási/kiadási stratégiák összehangolása</a:t>
+            </a:r>
+          </a:p>
+          <a:p>
+            <a:endParaRPr lang="hu-HU" dirty="0"/>
+          </a:p>
+          <a:p>
+            <a:r>
+              <a:rPr lang="hu-HU" dirty="0"/>
+              <a:t>Az első megoldható erős gépekkel, az utóbbi kettőnél van nehézség.</a:t>
+            </a:r>
+          </a:p>
+          <a:p>
+            <a:endParaRPr lang="hu-HU" dirty="0"/>
+          </a:p>
+        </p:txBody>
+      </p:sp>
+      <p:sp>
+        <p:nvSpPr>
+          <p:cNvPr id="4" name="Dia számának helye 3"/>
+          <p:cNvSpPr>
+            <a:spLocks noGrp="1"/>
+          </p:cNvSpPr>
+          <p:nvPr>
+            <p:ph type="sldNum" sz="quarter" idx="5"/>
+          </p:nvPr>
+        </p:nvSpPr>
+        <p:spPr/>
+        <p:txBody>
+          <a:bodyPr/>
+          <a:lstStyle/>
+          <a:p>
+            <a:fld id="{674FF4E3-1DEA-4DBB-AF74-DDA85AC22194}" type="slidenum">
+              <a:rPr lang="hu-HU" smtClean="0"/>
+              <a:t>19</a:t>
+            </a:fld>
+            <a:endParaRPr lang="hu-HU"/>
+          </a:p>
+        </p:txBody>
+      </p:sp>
+    </p:spTree>
+    <p:extLst>
+      <p:ext uri="{BB962C8B-B14F-4D97-AF65-F5344CB8AC3E}">
+        <p14:creationId xmlns:p14="http://schemas.microsoft.com/office/powerpoint/2010/main" val="1821942694"/>
+      </p:ext>
+    </p:extLst>
+  </p:cSld>
+  <p:clrMapOvr>
+    <a:masterClrMapping/>
+  </p:clrMapOvr>
+</p:notes>
+</file>
+
+<file path=ppt/notesSlides/notesSlide19.xml><?xml version="1.0" encoding="utf-8"?>
+<p:notes xmlns:a="http://schemas.openxmlformats.org/drawingml/2006/main" xmlns:r="http://schemas.openxmlformats.org/officeDocument/2006/relationships" xmlns:p="http://schemas.openxmlformats.org/presentationml/2006/main">
+  <p:cSld>
+    <p:spTree>
+      <p:nvGrpSpPr>
+        <p:cNvPr id="1" name=""/>
+        <p:cNvGrpSpPr/>
+        <p:nvPr/>
+      </p:nvGrpSpPr>
+      <p:grpSpPr>
+        <a:xfrm>
+          <a:off x="0" y="0"/>
+          <a:ext cx="0" cy="0"/>
+          <a:chOff x="0" y="0"/>
+          <a:chExt cx="0" cy="0"/>
+        </a:xfrm>
+      </p:grpSpPr>
+      <p:sp>
+        <p:nvSpPr>
+          <p:cNvPr id="2" name="Diakép helye 1"/>
+          <p:cNvSpPr>
+            <a:spLocks noGrp="1" noRot="1" noChangeAspect="1"/>
+          </p:cNvSpPr>
+          <p:nvPr>
+            <p:ph type="sldImg"/>
+          </p:nvPr>
+        </p:nvSpPr>
+        <p:spPr/>
+      </p:sp>
+      <p:sp>
+        <p:nvSpPr>
+          <p:cNvPr id="3" name="Jegyzetek helye 2"/>
+          <p:cNvSpPr>
+            <a:spLocks noGrp="1"/>
+          </p:cNvSpPr>
+          <p:nvPr>
+            <p:ph type="body" idx="1"/>
+          </p:nvPr>
+        </p:nvSpPr>
+        <p:spPr/>
+        <p:txBody>
+          <a:bodyPr/>
+          <a:lstStyle/>
+          <a:p>
+            <a:r>
+              <a:rPr lang="hu-HU" dirty="0"/>
+              <a:t>Sok osztott rendszer úgy van beállítva, hogy nagy </a:t>
+            </a:r>
+            <a:r>
+              <a:rPr lang="hu-HU" dirty="0" err="1"/>
+              <a:t>teljesíményű</a:t>
+            </a:r>
+            <a:r>
+              <a:rPr lang="hu-HU" dirty="0"/>
+              <a:t> számítást végezzenek</a:t>
+            </a:r>
+          </a:p>
+          <a:p>
+            <a:endParaRPr lang="hu-HU" dirty="0"/>
+          </a:p>
+          <a:p>
+            <a:r>
+              <a:rPr lang="hu-HU" dirty="0"/>
+              <a:t>Lényegében egy csoport </a:t>
+            </a:r>
+            <a:r>
+              <a:rPr lang="hu-HU" dirty="0" err="1"/>
+              <a:t>high</a:t>
+            </a:r>
+            <a:r>
+              <a:rPr lang="hu-HU" dirty="0"/>
+              <a:t>-end rendszer LAN-on összekapcsolva:</a:t>
+            </a:r>
+          </a:p>
+          <a:p>
+            <a:r>
+              <a:rPr lang="hu-HU" dirty="0"/>
+              <a:t>    Homogén: ugyanaz az operációs rendszer, a hardver közel azonos</a:t>
+            </a:r>
+          </a:p>
+          <a:p>
+            <a:r>
+              <a:rPr lang="hu-HU" dirty="0"/>
+              <a:t>    Egyetlen irányító csomópont</a:t>
+            </a:r>
+          </a:p>
+        </p:txBody>
+      </p:sp>
+      <p:sp>
+        <p:nvSpPr>
+          <p:cNvPr id="4" name="Dia számának helye 3"/>
+          <p:cNvSpPr>
+            <a:spLocks noGrp="1"/>
+          </p:cNvSpPr>
+          <p:nvPr>
+            <p:ph type="sldNum" sz="quarter" idx="5"/>
+          </p:nvPr>
+        </p:nvSpPr>
+        <p:spPr/>
+        <p:txBody>
+          <a:bodyPr/>
+          <a:lstStyle/>
+          <a:p>
+            <a:fld id="{674FF4E3-1DEA-4DBB-AF74-DDA85AC22194}" type="slidenum">
+              <a:rPr lang="hu-HU" smtClean="0"/>
+              <a:t>21</a:t>
+            </a:fld>
+            <a:endParaRPr lang="hu-HU"/>
+          </a:p>
+        </p:txBody>
+      </p:sp>
+    </p:spTree>
+    <p:extLst>
+      <p:ext uri="{BB962C8B-B14F-4D97-AF65-F5344CB8AC3E}">
+        <p14:creationId xmlns:p14="http://schemas.microsoft.com/office/powerpoint/2010/main" val="4022098739"/>
+      </p:ext>
+    </p:extLst>
+  </p:cSld>
+  <p:clrMapOvr>
+    <a:masterClrMapping/>
+  </p:clrMapOvr>
+</p:notes>
+</file>
+
 <file path=ppt/notesSlides/notesSlide2.xml><?xml version="1.0" encoding="utf-8"?>
 <p:notes xmlns:a="http://schemas.openxmlformats.org/drawingml/2006/main" xmlns:r="http://schemas.openxmlformats.org/officeDocument/2006/relationships" xmlns:p="http://schemas.openxmlformats.org/presentationml/2006/main">
   <p:cSld>
@@ -1541,6 +2225,486 @@
     <p:extLst>
       <p:ext uri="{BB962C8B-B14F-4D97-AF65-F5344CB8AC3E}">
         <p14:creationId xmlns:p14="http://schemas.microsoft.com/office/powerpoint/2010/main" val="2417390618"/>
+      </p:ext>
+    </p:extLst>
+  </p:cSld>
+  <p:clrMapOvr>
+    <a:masterClrMapping/>
+  </p:clrMapOvr>
+</p:notes>
+</file>
+
+<file path=ppt/notesSlides/notesSlide20.xml><?xml version="1.0" encoding="utf-8"?>
+<p:notes xmlns:a="http://schemas.openxmlformats.org/drawingml/2006/main" xmlns:r="http://schemas.openxmlformats.org/officeDocument/2006/relationships" xmlns:p="http://schemas.openxmlformats.org/presentationml/2006/main">
+  <p:cSld>
+    <p:spTree>
+      <p:nvGrpSpPr>
+        <p:cNvPr id="1" name=""/>
+        <p:cNvGrpSpPr/>
+        <p:nvPr/>
+      </p:nvGrpSpPr>
+      <p:grpSpPr>
+        <a:xfrm>
+          <a:off x="0" y="0"/>
+          <a:ext cx="0" cy="0"/>
+          <a:chOff x="0" y="0"/>
+          <a:chExt cx="0" cy="0"/>
+        </a:xfrm>
+      </p:grpSpPr>
+      <p:sp>
+        <p:nvSpPr>
+          <p:cNvPr id="2" name="Diakép helye 1"/>
+          <p:cNvSpPr>
+            <a:spLocks noGrp="1" noRot="1" noChangeAspect="1"/>
+          </p:cNvSpPr>
+          <p:nvPr>
+            <p:ph type="sldImg"/>
+          </p:nvPr>
+        </p:nvSpPr>
+        <p:spPr/>
+      </p:sp>
+      <p:sp>
+        <p:nvSpPr>
+          <p:cNvPr id="3" name="Jegyzetek helye 2"/>
+          <p:cNvSpPr>
+            <a:spLocks noGrp="1"/>
+          </p:cNvSpPr>
+          <p:nvPr>
+            <p:ph type="body" idx="1"/>
+          </p:nvPr>
+        </p:nvSpPr>
+        <p:spPr/>
+        <p:txBody>
+          <a:bodyPr/>
+          <a:lstStyle/>
+          <a:p>
+            <a:r>
+              <a:rPr lang="hu-HU" dirty="0"/>
+              <a:t>Modell</a:t>
+            </a:r>
+          </a:p>
+          <a:p>
+            <a:r>
+              <a:rPr lang="hu-HU" dirty="0"/>
+              <a:t>A tranzakció műveletek gyűjteménye</a:t>
+            </a:r>
+          </a:p>
+          <a:p>
+            <a:endParaRPr lang="hu-HU" dirty="0"/>
+          </a:p>
+          <a:p>
+            <a:r>
+              <a:rPr lang="hu-HU" dirty="0" err="1"/>
+              <a:t>Atomosság</a:t>
+            </a:r>
+            <a:r>
+              <a:rPr lang="hu-HU" dirty="0"/>
+              <a:t>: vagy minden műveletet végrehajtunk, vagy egyiket</a:t>
+            </a:r>
+          </a:p>
+          <a:p>
+            <a:r>
+              <a:rPr lang="hu-HU" dirty="0"/>
+              <a:t>sem. Ha a tranzakció nem sikerül, az objektum állapota sértetlen marad.</a:t>
+            </a:r>
+          </a:p>
+          <a:p>
+            <a:endParaRPr lang="hu-HU" dirty="0"/>
+          </a:p>
+          <a:p>
+            <a:r>
+              <a:rPr lang="hu-HU" dirty="0"/>
+              <a:t>Konzisztencia: A tranzakció érvényes állapotátmenetet hoz</a:t>
+            </a:r>
+          </a:p>
+          <a:p>
+            <a:r>
+              <a:rPr lang="hu-HU" dirty="0"/>
+              <a:t>létre. Ez nem zárja ki az érvénytelen köztes pillanatokat a tranzakció</a:t>
+            </a:r>
+          </a:p>
+          <a:p>
+            <a:r>
+              <a:rPr lang="hu-HU" dirty="0"/>
+              <a:t>végrehajtása során. </a:t>
+            </a:r>
+          </a:p>
+          <a:p>
+            <a:endParaRPr lang="hu-HU" dirty="0"/>
+          </a:p>
+          <a:p>
+            <a:r>
+              <a:rPr lang="hu-HU" dirty="0"/>
+              <a:t>Elkülönítés: Az egyidejű tranzakciók nem zavarják egymást. Minden</a:t>
+            </a:r>
+          </a:p>
+          <a:p>
+            <a:r>
+              <a:rPr lang="hu-HU" dirty="0"/>
+              <a:t>tranzakciónak látszólag úgy kell lefutnia, mintha ez alatt az idő alatt</a:t>
+            </a:r>
+          </a:p>
+          <a:p>
+            <a:r>
+              <a:rPr lang="hu-HU" dirty="0"/>
+              <a:t>semmilyen másik tranzakciót sem hajtanánk végre.</a:t>
+            </a:r>
+          </a:p>
+          <a:p>
+            <a:endParaRPr lang="hu-HU" dirty="0"/>
+          </a:p>
+          <a:p>
+            <a:r>
+              <a:rPr lang="hu-HU" dirty="0"/>
+              <a:t>Tartósság: Egy tranzakció végrehajtása után, annak hatásai</a:t>
+            </a:r>
+          </a:p>
+          <a:p>
+            <a:r>
+              <a:rPr lang="hu-HU" dirty="0"/>
+              <a:t>állandósulnak: ha egyszer egy tranzakció befejeződött, akkor már soha</a:t>
+            </a:r>
+          </a:p>
+          <a:p>
+            <a:r>
+              <a:rPr lang="hu-HU" dirty="0"/>
+              <a:t>többé nem </a:t>
+            </a:r>
+            <a:r>
+              <a:rPr lang="hu-HU" dirty="0" err="1"/>
+              <a:t>veszhet</a:t>
+            </a:r>
+            <a:r>
+              <a:rPr lang="hu-HU" dirty="0"/>
+              <a:t> el a tranzakció hatása.</a:t>
+            </a:r>
+          </a:p>
+        </p:txBody>
+      </p:sp>
+      <p:sp>
+        <p:nvSpPr>
+          <p:cNvPr id="4" name="Dia számának helye 3"/>
+          <p:cNvSpPr>
+            <a:spLocks noGrp="1"/>
+          </p:cNvSpPr>
+          <p:nvPr>
+            <p:ph type="sldNum" sz="quarter" idx="5"/>
+          </p:nvPr>
+        </p:nvSpPr>
+        <p:spPr/>
+        <p:txBody>
+          <a:bodyPr/>
+          <a:lstStyle/>
+          <a:p>
+            <a:fld id="{674FF4E3-1DEA-4DBB-AF74-DDA85AC22194}" type="slidenum">
+              <a:rPr lang="hu-HU" smtClean="0"/>
+              <a:t>22</a:t>
+            </a:fld>
+            <a:endParaRPr lang="hu-HU"/>
+          </a:p>
+        </p:txBody>
+      </p:sp>
+    </p:spTree>
+    <p:extLst>
+      <p:ext uri="{BB962C8B-B14F-4D97-AF65-F5344CB8AC3E}">
+        <p14:creationId xmlns:p14="http://schemas.microsoft.com/office/powerpoint/2010/main" val="1059871835"/>
+      </p:ext>
+    </p:extLst>
+  </p:cSld>
+  <p:clrMapOvr>
+    <a:masterClrMapping/>
+  </p:clrMapOvr>
+</p:notes>
+</file>
+
+<file path=ppt/notesSlides/notesSlide21.xml><?xml version="1.0" encoding="utf-8"?>
+<p:notes xmlns:a="http://schemas.openxmlformats.org/drawingml/2006/main" xmlns:r="http://schemas.openxmlformats.org/officeDocument/2006/relationships" xmlns:p="http://schemas.openxmlformats.org/presentationml/2006/main">
+  <p:cSld>
+    <p:spTree>
+      <p:nvGrpSpPr>
+        <p:cNvPr id="1" name=""/>
+        <p:cNvGrpSpPr/>
+        <p:nvPr/>
+      </p:nvGrpSpPr>
+      <p:grpSpPr>
+        <a:xfrm>
+          <a:off x="0" y="0"/>
+          <a:ext cx="0" cy="0"/>
+          <a:chOff x="0" y="0"/>
+          <a:chExt cx="0" cy="0"/>
+        </a:xfrm>
+      </p:grpSpPr>
+      <p:sp>
+        <p:nvSpPr>
+          <p:cNvPr id="2" name="Diakép helye 1"/>
+          <p:cNvSpPr>
+            <a:spLocks noGrp="1" noRot="1" noChangeAspect="1"/>
+          </p:cNvSpPr>
+          <p:nvPr>
+            <p:ph type="sldImg"/>
+          </p:nvPr>
+        </p:nvSpPr>
+        <p:spPr/>
+      </p:sp>
+      <p:sp>
+        <p:nvSpPr>
+          <p:cNvPr id="3" name="Jegyzetek helye 2"/>
+          <p:cNvSpPr>
+            <a:spLocks noGrp="1"/>
+          </p:cNvSpPr>
+          <p:nvPr>
+            <p:ph type="body" idx="1"/>
+          </p:nvPr>
+        </p:nvSpPr>
+        <p:spPr/>
+        <p:txBody>
+          <a:bodyPr/>
+          <a:lstStyle/>
+          <a:p>
+            <a:r>
+              <a:rPr lang="hu-HU" dirty="0"/>
+              <a:t>Feltörekvő következő generációs osztott rendszerek, ahol a csomópontok aprók,</a:t>
+            </a:r>
+          </a:p>
+          <a:p>
+            <a:r>
+              <a:rPr lang="hu-HU" dirty="0" err="1"/>
+              <a:t>mobilisak</a:t>
+            </a:r>
+            <a:r>
+              <a:rPr lang="hu-HU" dirty="0"/>
+              <a:t>, és gyakran a nagyobb rendszerbe </a:t>
+            </a:r>
+            <a:r>
+              <a:rPr lang="hu-HU" dirty="0" err="1"/>
+              <a:t>ágyazottak</a:t>
+            </a:r>
+            <a:r>
+              <a:rPr lang="hu-HU" dirty="0"/>
+              <a:t>.</a:t>
+            </a:r>
+          </a:p>
+          <a:p>
+            <a:endParaRPr lang="hu-HU" dirty="0"/>
+          </a:p>
+          <a:p>
+            <a:r>
+              <a:rPr lang="hu-HU" dirty="0"/>
+              <a:t>Kontextuális változás: A rendszer része egy olyan környezetnek, amelyben</a:t>
+            </a:r>
+          </a:p>
+          <a:p>
+            <a:r>
+              <a:rPr lang="hu-HU" dirty="0"/>
+              <a:t>változásokat azonnal el kell számolni.</a:t>
+            </a:r>
+          </a:p>
+          <a:p>
+            <a:endParaRPr lang="hu-HU" dirty="0"/>
+          </a:p>
+          <a:p>
+            <a:r>
+              <a:rPr lang="hu-HU" dirty="0"/>
+              <a:t>Ad hoc összetétel: Minden egyes csomópontot különböző felhasználók, akár</a:t>
+            </a:r>
+          </a:p>
+          <a:p>
+            <a:r>
+              <a:rPr lang="hu-HU" dirty="0"/>
+              <a:t>nagyon különböző módon használhatnak. Szükséges a könnyű konfiguráció.</a:t>
+            </a:r>
+          </a:p>
+          <a:p>
+            <a:endParaRPr lang="hu-HU" dirty="0"/>
+          </a:p>
+          <a:p>
+            <a:r>
+              <a:rPr lang="hu-HU" dirty="0"/>
+              <a:t>A megosztás az alapértelmezett: Csomópontok jönnek és mennek,</a:t>
+            </a:r>
+          </a:p>
+          <a:p>
+            <a:r>
+              <a:rPr lang="hu-HU" dirty="0"/>
+              <a:t>megosztható szolgáltatásokat és információkat kínálnak. Ez ismét az egyszerűségre</a:t>
+            </a:r>
+          </a:p>
+          <a:p>
+            <a:r>
+              <a:rPr lang="hu-HU" dirty="0"/>
+              <a:t>hívja fel a figyelmet.</a:t>
+            </a:r>
+          </a:p>
+        </p:txBody>
+      </p:sp>
+      <p:sp>
+        <p:nvSpPr>
+          <p:cNvPr id="4" name="Dia számának helye 3"/>
+          <p:cNvSpPr>
+            <a:spLocks noGrp="1"/>
+          </p:cNvSpPr>
+          <p:nvPr>
+            <p:ph type="sldNum" sz="quarter" idx="5"/>
+          </p:nvPr>
+        </p:nvSpPr>
+        <p:spPr/>
+        <p:txBody>
+          <a:bodyPr/>
+          <a:lstStyle/>
+          <a:p>
+            <a:fld id="{674FF4E3-1DEA-4DBB-AF74-DDA85AC22194}" type="slidenum">
+              <a:rPr lang="hu-HU" smtClean="0"/>
+              <a:t>23</a:t>
+            </a:fld>
+            <a:endParaRPr lang="hu-HU"/>
+          </a:p>
+        </p:txBody>
+      </p:sp>
+    </p:spTree>
+    <p:extLst>
+      <p:ext uri="{BB962C8B-B14F-4D97-AF65-F5344CB8AC3E}">
+        <p14:creationId xmlns:p14="http://schemas.microsoft.com/office/powerpoint/2010/main" val="3891131099"/>
+      </p:ext>
+    </p:extLst>
+  </p:cSld>
+  <p:clrMapOvr>
+    <a:masterClrMapping/>
+  </p:clrMapOvr>
+</p:notes>
+</file>
+
+<file path=ppt/notesSlides/notesSlide22.xml><?xml version="1.0" encoding="utf-8"?>
+<p:notes xmlns:a="http://schemas.openxmlformats.org/drawingml/2006/main" xmlns:r="http://schemas.openxmlformats.org/officeDocument/2006/relationships" xmlns:p="http://schemas.openxmlformats.org/presentationml/2006/main">
+  <p:cSld>
+    <p:spTree>
+      <p:nvGrpSpPr>
+        <p:cNvPr id="1" name=""/>
+        <p:cNvGrpSpPr/>
+        <p:nvPr/>
+      </p:nvGrpSpPr>
+      <p:grpSpPr>
+        <a:xfrm>
+          <a:off x="0" y="0"/>
+          <a:ext cx="0" cy="0"/>
+          <a:chOff x="0" y="0"/>
+          <a:chExt cx="0" cy="0"/>
+        </a:xfrm>
+      </p:grpSpPr>
+      <p:sp>
+        <p:nvSpPr>
+          <p:cNvPr id="2" name="Diakép helye 1"/>
+          <p:cNvSpPr>
+            <a:spLocks noGrp="1" noRot="1" noChangeAspect="1"/>
+          </p:cNvSpPr>
+          <p:nvPr>
+            <p:ph type="sldImg"/>
+          </p:nvPr>
+        </p:nvSpPr>
+        <p:spPr/>
+      </p:sp>
+      <p:sp>
+        <p:nvSpPr>
+          <p:cNvPr id="3" name="Jegyzetek helye 2"/>
+          <p:cNvSpPr>
+            <a:spLocks noGrp="1"/>
+          </p:cNvSpPr>
+          <p:nvPr>
+            <p:ph type="body" idx="1"/>
+          </p:nvPr>
+        </p:nvSpPr>
+        <p:spPr/>
+        <p:txBody>
+          <a:bodyPr/>
+          <a:lstStyle/>
+          <a:p>
+            <a:r>
+              <a:rPr lang="hu-HU" dirty="0"/>
+              <a:t>A </a:t>
+            </a:r>
+            <a:r>
+              <a:rPr lang="hu-HU" dirty="0" err="1"/>
+              <a:t>singleton</a:t>
+            </a:r>
+            <a:r>
+              <a:rPr lang="hu-HU" dirty="0"/>
+              <a:t> (magyarul egyke) minta lényege, hogy az adott osztályunknak maximum egy példánya lehet. </a:t>
+            </a:r>
+          </a:p>
+          <a:p>
+            <a:r>
+              <a:rPr lang="hu-HU" dirty="0"/>
+              <a:t>Ezt úgy tudjuk elérni, ha megakadályozzuk, hogy a </a:t>
+            </a:r>
+            <a:r>
+              <a:rPr lang="hu-HU" dirty="0" err="1"/>
+              <a:t>new</a:t>
+            </a:r>
+            <a:r>
+              <a:rPr lang="hu-HU" dirty="0"/>
+              <a:t> kulcsszóval </a:t>
+            </a:r>
+            <a:r>
+              <a:rPr lang="hu-HU" dirty="0" err="1"/>
+              <a:t>példányosítani</a:t>
+            </a:r>
+            <a:r>
+              <a:rPr lang="hu-HU" dirty="0"/>
+              <a:t> lehessen (tehát egy </a:t>
+            </a:r>
+            <a:r>
+              <a:rPr lang="hu-HU" dirty="0" err="1"/>
+              <a:t>private</a:t>
+            </a:r>
+            <a:r>
+              <a:rPr lang="hu-HU" dirty="0"/>
+              <a:t> konstruktort definiálunk az osztályunkon belül), ellenben egy publikus interfészen keresztül lehetővé tesszük ennek az egy példánynak a létrehozását és elérését. Erre egy statikus metódust fogunk használni, hiszen az </a:t>
+            </a:r>
+            <a:r>
+              <a:rPr lang="hu-HU" dirty="0" err="1"/>
+              <a:t>példányosítás</a:t>
+            </a:r>
+            <a:r>
+              <a:rPr lang="hu-HU" dirty="0"/>
+              <a:t> nélkül is rendelkezésünkre áll. Példa </a:t>
+            </a:r>
+            <a:r>
+              <a:rPr lang="hu-HU" dirty="0" err="1"/>
+              <a:t>minderre</a:t>
+            </a:r>
+            <a:r>
+              <a:rPr lang="hu-HU" dirty="0"/>
+              <a:t>:</a:t>
+            </a:r>
+          </a:p>
+        </p:txBody>
+      </p:sp>
+      <p:sp>
+        <p:nvSpPr>
+          <p:cNvPr id="4" name="Dia számának helye 3"/>
+          <p:cNvSpPr>
+            <a:spLocks noGrp="1"/>
+          </p:cNvSpPr>
+          <p:nvPr>
+            <p:ph type="sldNum" sz="quarter" idx="5"/>
+          </p:nvPr>
+        </p:nvSpPr>
+        <p:spPr/>
+        <p:txBody>
+          <a:bodyPr/>
+          <a:lstStyle/>
+          <a:p>
+            <a:fld id="{674FF4E3-1DEA-4DBB-AF74-DDA85AC22194}" type="slidenum">
+              <a:rPr lang="hu-HU" smtClean="0"/>
+              <a:t>24</a:t>
+            </a:fld>
+            <a:endParaRPr lang="hu-HU"/>
+          </a:p>
+        </p:txBody>
+      </p:sp>
+    </p:spTree>
+    <p:extLst>
+      <p:ext uri="{BB962C8B-B14F-4D97-AF65-F5344CB8AC3E}">
+        <p14:creationId xmlns:p14="http://schemas.microsoft.com/office/powerpoint/2010/main" val="4258266632"/>
       </p:ext>
     </p:extLst>
   </p:cSld>
@@ -2840,7 +4004,7 @@
           <a:p>
             <a:fld id="{74D6CE58-D5BF-4592-BBC8-A7847BDADEB9}" type="datetimeFigureOut">
               <a:rPr lang="hu-HU" smtClean="0"/>
-              <a:t>2021. 10. 10.</a:t>
+              <a:t>2021. 10. 26.</a:t>
             </a:fld>
             <a:endParaRPr lang="hu-HU"/>
           </a:p>
@@ -3038,7 +4202,7 @@
           <a:p>
             <a:fld id="{74D6CE58-D5BF-4592-BBC8-A7847BDADEB9}" type="datetimeFigureOut">
               <a:rPr lang="hu-HU" smtClean="0"/>
-              <a:t>2021. 10. 10.</a:t>
+              <a:t>2021. 10. 26.</a:t>
             </a:fld>
             <a:endParaRPr lang="hu-HU"/>
           </a:p>
@@ -3246,7 +4410,7 @@
           <a:p>
             <a:fld id="{74D6CE58-D5BF-4592-BBC8-A7847BDADEB9}" type="datetimeFigureOut">
               <a:rPr lang="hu-HU" smtClean="0"/>
-              <a:t>2021. 10. 10.</a:t>
+              <a:t>2021. 10. 26.</a:t>
             </a:fld>
             <a:endParaRPr lang="hu-HU"/>
           </a:p>
@@ -3444,7 +4608,7 @@
           <a:p>
             <a:fld id="{74D6CE58-D5BF-4592-BBC8-A7847BDADEB9}" type="datetimeFigureOut">
               <a:rPr lang="hu-HU" smtClean="0"/>
-              <a:t>2021. 10. 10.</a:t>
+              <a:t>2021. 10. 26.</a:t>
             </a:fld>
             <a:endParaRPr lang="hu-HU"/>
           </a:p>
@@ -3719,7 +4883,7 @@
           <a:p>
             <a:fld id="{74D6CE58-D5BF-4592-BBC8-A7847BDADEB9}" type="datetimeFigureOut">
               <a:rPr lang="hu-HU" smtClean="0"/>
-              <a:t>2021. 10. 10.</a:t>
+              <a:t>2021. 10. 26.</a:t>
             </a:fld>
             <a:endParaRPr lang="hu-HU"/>
           </a:p>
@@ -3984,7 +5148,7 @@
           <a:p>
             <a:fld id="{74D6CE58-D5BF-4592-BBC8-A7847BDADEB9}" type="datetimeFigureOut">
               <a:rPr lang="hu-HU" smtClean="0"/>
-              <a:t>2021. 10. 10.</a:t>
+              <a:t>2021. 10. 26.</a:t>
             </a:fld>
             <a:endParaRPr lang="hu-HU"/>
           </a:p>
@@ -4396,7 +5560,7 @@
           <a:p>
             <a:fld id="{74D6CE58-D5BF-4592-BBC8-A7847BDADEB9}" type="datetimeFigureOut">
               <a:rPr lang="hu-HU" smtClean="0"/>
-              <a:t>2021. 10. 10.</a:t>
+              <a:t>2021. 10. 26.</a:t>
             </a:fld>
             <a:endParaRPr lang="hu-HU"/>
           </a:p>
@@ -4537,7 +5701,7 @@
           <a:p>
             <a:fld id="{74D6CE58-D5BF-4592-BBC8-A7847BDADEB9}" type="datetimeFigureOut">
               <a:rPr lang="hu-HU" smtClean="0"/>
-              <a:t>2021. 10. 10.</a:t>
+              <a:t>2021. 10. 26.</a:t>
             </a:fld>
             <a:endParaRPr lang="hu-HU"/>
           </a:p>
@@ -4650,7 +5814,7 @@
           <a:p>
             <a:fld id="{74D6CE58-D5BF-4592-BBC8-A7847BDADEB9}" type="datetimeFigureOut">
               <a:rPr lang="hu-HU" smtClean="0"/>
-              <a:t>2021. 10. 10.</a:t>
+              <a:t>2021. 10. 26.</a:t>
             </a:fld>
             <a:endParaRPr lang="hu-HU"/>
           </a:p>
@@ -4961,7 +6125,7 @@
           <a:p>
             <a:fld id="{74D6CE58-D5BF-4592-BBC8-A7847BDADEB9}" type="datetimeFigureOut">
               <a:rPr lang="hu-HU" smtClean="0"/>
-              <a:t>2021. 10. 10.</a:t>
+              <a:t>2021. 10. 26.</a:t>
             </a:fld>
             <a:endParaRPr lang="hu-HU"/>
           </a:p>
@@ -5249,7 +6413,7 @@
           <a:p>
             <a:fld id="{74D6CE58-D5BF-4592-BBC8-A7847BDADEB9}" type="datetimeFigureOut">
               <a:rPr lang="hu-HU" smtClean="0"/>
-              <a:t>2021. 10. 10.</a:t>
+              <a:t>2021. 10. 26.</a:t>
             </a:fld>
             <a:endParaRPr lang="hu-HU"/>
           </a:p>
@@ -5490,7 +6654,7 @@
           <a:p>
             <a:fld id="{74D6CE58-D5BF-4592-BBC8-A7847BDADEB9}" type="datetimeFigureOut">
               <a:rPr lang="hu-HU" smtClean="0"/>
-              <a:t>2021. 10. 10.</a:t>
+              <a:t>2021. 10. 26.</a:t>
             </a:fld>
             <a:endParaRPr lang="hu-HU"/>
           </a:p>
@@ -6613,7 +7777,7 @@
           <p:cNvPr id="2" name="Cím 1">
             <a:extLst>
               <a:ext uri="{FF2B5EF4-FFF2-40B4-BE49-F238E27FC236}">
-                <a16:creationId xmlns:a16="http://schemas.microsoft.com/office/drawing/2014/main" id="{EC9BEC7B-56CF-4849-95F5-4B2D0C381343}"/>
+                <a16:creationId xmlns:a16="http://schemas.microsoft.com/office/drawing/2014/main" id="{26E37692-A740-4301-B69C-723F1D60BB00}"/>
               </a:ext>
             </a:extLst>
           </p:cNvPr>
@@ -6629,7 +7793,10 @@
           <a:bodyPr/>
           <a:lstStyle/>
           <a:p>
-            <a:endParaRPr lang="hu-HU"/>
+            <a:r>
+              <a:rPr lang="hu-HU" dirty="0"/>
+              <a:t>Elosztott rendszerek</a:t>
+            </a:r>
           </a:p>
         </p:txBody>
       </p:sp>
@@ -6638,7 +7805,7 @@
           <p:cNvPr id="3" name="Tartalom helye 2">
             <a:extLst>
               <a:ext uri="{FF2B5EF4-FFF2-40B4-BE49-F238E27FC236}">
-                <a16:creationId xmlns:a16="http://schemas.microsoft.com/office/drawing/2014/main" id="{31C14EB4-5FA4-4FA0-A1B5-E36D224D01FB}"/>
+                <a16:creationId xmlns:a16="http://schemas.microsoft.com/office/drawing/2014/main" id="{58DAF19B-C437-4657-AA96-0FC2A7E5D7AA}"/>
               </a:ext>
             </a:extLst>
           </p:cNvPr>
@@ -6655,39 +7822,30 @@
           <a:lstStyle/>
           <a:p>
             <a:r>
-              <a:rPr lang="en-US" dirty="0"/>
-              <a:t>Chapter 4. Processes, Operating system concepts with Java, Sixth, John Wiley &amp; Sons</a:t>
-            </a:r>
-            <a:endParaRPr lang="hu-HU" dirty="0"/>
-          </a:p>
-          <a:p>
-            <a:r>
-              <a:rPr lang="en-US" dirty="0"/>
-              <a:t>Stallings, William. </a:t>
-            </a:r>
-            <a:r>
-              <a:rPr lang="en-US" i="1" dirty="0"/>
-              <a:t>Operating Systems: internals and design principles</a:t>
-            </a:r>
-            <a:r>
-              <a:rPr lang="en-US" dirty="0"/>
-              <a:t>, 5th, Prentice Hall</a:t>
-            </a:r>
-            <a:endParaRPr lang="hu-HU" dirty="0"/>
-          </a:p>
-          <a:p>
-            <a:r>
-              <a:rPr lang="hu-HU" dirty="0">
-                <a:hlinkClick r:id="rId2"/>
-              </a:rPr>
-              <a:t>https://psprog.hu/article/rest-alapu-kommunikacio</a:t>
-            </a:r>
-            <a:endParaRPr lang="hu-HU" dirty="0"/>
-          </a:p>
-          <a:p>
-            <a:r>
-              <a:rPr lang="hu-HU" dirty="0"/>
-              <a:t>http://webprogramozas.inf.elte.hu/tananyag/wf2/lecke12_lap1.html</a:t>
+              <a:rPr lang="hu-HU" dirty="0"/>
+              <a:t>Független gépek </a:t>
+            </a:r>
+            <a:r>
+              <a:rPr lang="hu-HU" dirty="0" err="1"/>
+              <a:t>sokassága</a:t>
+            </a:r>
+            <a:r>
+              <a:rPr lang="hu-HU" dirty="0"/>
+              <a:t>, melyek a </a:t>
+            </a:r>
+            <a:r>
+              <a:rPr lang="hu-HU" dirty="0" err="1"/>
+              <a:t>felahsználó</a:t>
+            </a:r>
+            <a:r>
+              <a:rPr lang="hu-HU" dirty="0"/>
+              <a:t> számára összefüggő rendszert alkotnak</a:t>
+            </a:r>
+          </a:p>
+          <a:p>
+            <a:r>
+              <a:rPr lang="hu-HU" dirty="0"/>
+              <a:t>Az osztott rendszer egy köztes réteg a gépek és alkalmazások között</a:t>
             </a:r>
           </a:p>
         </p:txBody>
@@ -6695,7 +7853,453 @@
     </p:spTree>
     <p:extLst>
       <p:ext uri="{BB962C8B-B14F-4D97-AF65-F5344CB8AC3E}">
-        <p14:creationId xmlns:p14="http://schemas.microsoft.com/office/powerpoint/2010/main" val="1840052443"/>
+        <p14:creationId xmlns:p14="http://schemas.microsoft.com/office/powerpoint/2010/main" val="1760733059"/>
+      </p:ext>
+    </p:extLst>
+  </p:cSld>
+  <p:clrMapOvr>
+    <a:masterClrMapping/>
+  </p:clrMapOvr>
+</p:sld>
+</file>
+
+<file path=ppt/slides/slide16.xml><?xml version="1.0" encoding="utf-8"?>
+<p:sld xmlns:a="http://schemas.openxmlformats.org/drawingml/2006/main" xmlns:r="http://schemas.openxmlformats.org/officeDocument/2006/relationships" xmlns:p="http://schemas.openxmlformats.org/presentationml/2006/main">
+  <p:cSld>
+    <p:spTree>
+      <p:nvGrpSpPr>
+        <p:cNvPr id="1" name=""/>
+        <p:cNvGrpSpPr/>
+        <p:nvPr/>
+      </p:nvGrpSpPr>
+      <p:grpSpPr>
+        <a:xfrm>
+          <a:off x="0" y="0"/>
+          <a:ext cx="0" cy="0"/>
+          <a:chOff x="0" y="0"/>
+          <a:chExt cx="0" cy="0"/>
+        </a:xfrm>
+      </p:grpSpPr>
+      <p:sp>
+        <p:nvSpPr>
+          <p:cNvPr id="2" name="Cím 1">
+            <a:extLst>
+              <a:ext uri="{FF2B5EF4-FFF2-40B4-BE49-F238E27FC236}">
+                <a16:creationId xmlns:a16="http://schemas.microsoft.com/office/drawing/2014/main" id="{1D2529D6-1A36-447C-A61F-051D59CC4B7D}"/>
+              </a:ext>
+            </a:extLst>
+          </p:cNvPr>
+          <p:cNvSpPr>
+            <a:spLocks noGrp="1"/>
+          </p:cNvSpPr>
+          <p:nvPr>
+            <p:ph type="title"/>
+          </p:nvPr>
+        </p:nvSpPr>
+        <p:spPr/>
+        <p:txBody>
+          <a:bodyPr/>
+          <a:lstStyle/>
+          <a:p>
+            <a:r>
+              <a:rPr lang="hu-HU" dirty="0"/>
+              <a:t>Tervezési szempontok</a:t>
+            </a:r>
+          </a:p>
+        </p:txBody>
+      </p:sp>
+      <p:sp>
+        <p:nvSpPr>
+          <p:cNvPr id="3" name="Tartalom helye 2">
+            <a:extLst>
+              <a:ext uri="{FF2B5EF4-FFF2-40B4-BE49-F238E27FC236}">
+                <a16:creationId xmlns:a16="http://schemas.microsoft.com/office/drawing/2014/main" id="{0241F255-0B6F-4DFB-8448-0EE03BDCBECC}"/>
+              </a:ext>
+            </a:extLst>
+          </p:cNvPr>
+          <p:cNvSpPr>
+            <a:spLocks noGrp="1"/>
+          </p:cNvSpPr>
+          <p:nvPr>
+            <p:ph idx="1"/>
+          </p:nvPr>
+        </p:nvSpPr>
+        <p:spPr>
+          <a:xfrm>
+            <a:off x="838200" y="1914525"/>
+            <a:ext cx="10515600" cy="4351338"/>
+          </a:xfrm>
+        </p:spPr>
+        <p:txBody>
+          <a:bodyPr/>
+          <a:lstStyle/>
+          <a:p>
+            <a:r>
+              <a:rPr lang="hu-HU" dirty="0"/>
+              <a:t>Erőforrások elérhetővé tétele a felhasználónak</a:t>
+            </a:r>
+          </a:p>
+          <a:p>
+            <a:r>
+              <a:rPr lang="hu-HU" dirty="0"/>
+              <a:t>Átlátszóság</a:t>
+            </a:r>
+          </a:p>
+          <a:p>
+            <a:r>
+              <a:rPr lang="hu-HU" dirty="0"/>
+              <a:t>Nyíltság</a:t>
+            </a:r>
+          </a:p>
+          <a:p>
+            <a:r>
+              <a:rPr lang="hu-HU" dirty="0"/>
+              <a:t>Skálázhatóság</a:t>
+            </a:r>
+          </a:p>
+        </p:txBody>
+      </p:sp>
+    </p:spTree>
+    <p:extLst>
+      <p:ext uri="{BB962C8B-B14F-4D97-AF65-F5344CB8AC3E}">
+        <p14:creationId xmlns:p14="http://schemas.microsoft.com/office/powerpoint/2010/main" val="3902552877"/>
+      </p:ext>
+    </p:extLst>
+  </p:cSld>
+  <p:clrMapOvr>
+    <a:masterClrMapping/>
+  </p:clrMapOvr>
+</p:sld>
+</file>
+
+<file path=ppt/slides/slide17.xml><?xml version="1.0" encoding="utf-8"?>
+<p:sld xmlns:a="http://schemas.openxmlformats.org/drawingml/2006/main" xmlns:r="http://schemas.openxmlformats.org/officeDocument/2006/relationships" xmlns:p="http://schemas.openxmlformats.org/presentationml/2006/main">
+  <p:cSld>
+    <p:spTree>
+      <p:nvGrpSpPr>
+        <p:cNvPr id="1" name=""/>
+        <p:cNvGrpSpPr/>
+        <p:nvPr/>
+      </p:nvGrpSpPr>
+      <p:grpSpPr>
+        <a:xfrm>
+          <a:off x="0" y="0"/>
+          <a:ext cx="0" cy="0"/>
+          <a:chOff x="0" y="0"/>
+          <a:chExt cx="0" cy="0"/>
+        </a:xfrm>
+      </p:grpSpPr>
+      <p:sp>
+        <p:nvSpPr>
+          <p:cNvPr id="2" name="Cím 1">
+            <a:extLst>
+              <a:ext uri="{FF2B5EF4-FFF2-40B4-BE49-F238E27FC236}">
+                <a16:creationId xmlns:a16="http://schemas.microsoft.com/office/drawing/2014/main" id="{88606571-E834-4461-9608-E9CD7B9D12C3}"/>
+              </a:ext>
+            </a:extLst>
+          </p:cNvPr>
+          <p:cNvSpPr>
+            <a:spLocks noGrp="1"/>
+          </p:cNvSpPr>
+          <p:nvPr>
+            <p:ph type="title"/>
+          </p:nvPr>
+        </p:nvSpPr>
+        <p:spPr/>
+        <p:txBody>
+          <a:bodyPr/>
+          <a:lstStyle/>
+          <a:p>
+            <a:r>
+              <a:rPr lang="hu-HU" dirty="0"/>
+              <a:t>Átlátszóság</a:t>
+            </a:r>
+          </a:p>
+        </p:txBody>
+      </p:sp>
+      <p:sp>
+        <p:nvSpPr>
+          <p:cNvPr id="3" name="Tartalom helye 2">
+            <a:extLst>
+              <a:ext uri="{FF2B5EF4-FFF2-40B4-BE49-F238E27FC236}">
+                <a16:creationId xmlns:a16="http://schemas.microsoft.com/office/drawing/2014/main" id="{B722AC36-A9B7-46F2-9DA5-44CAEEC6CD18}"/>
+              </a:ext>
+            </a:extLst>
+          </p:cNvPr>
+          <p:cNvSpPr>
+            <a:spLocks noGrp="1"/>
+          </p:cNvSpPr>
+          <p:nvPr>
+            <p:ph idx="1"/>
+          </p:nvPr>
+        </p:nvSpPr>
+        <p:spPr/>
+        <p:txBody>
+          <a:bodyPr/>
+          <a:lstStyle/>
+          <a:p>
+            <a:r>
+              <a:rPr lang="hu-HU" dirty="0"/>
+              <a:t>Hozzáférés</a:t>
+            </a:r>
+          </a:p>
+          <a:p>
+            <a:r>
+              <a:rPr lang="hu-HU" dirty="0"/>
+              <a:t>Hely elfedése</a:t>
+            </a:r>
+          </a:p>
+          <a:p>
+            <a:r>
+              <a:rPr lang="hu-HU" dirty="0"/>
+              <a:t>Mozgatás</a:t>
+            </a:r>
+          </a:p>
+          <a:p>
+            <a:r>
+              <a:rPr lang="hu-HU" dirty="0" err="1"/>
+              <a:t>Relokáció</a:t>
+            </a:r>
+            <a:endParaRPr lang="hu-HU" dirty="0"/>
+          </a:p>
+          <a:p>
+            <a:r>
+              <a:rPr lang="hu-HU" dirty="0"/>
+              <a:t>Replikáció</a:t>
+            </a:r>
+          </a:p>
+          <a:p>
+            <a:r>
+              <a:rPr lang="hu-HU" dirty="0"/>
+              <a:t>Konkurencia</a:t>
+            </a:r>
+          </a:p>
+          <a:p>
+            <a:r>
+              <a:rPr lang="hu-HU" dirty="0"/>
+              <a:t>Hibatűrés</a:t>
+            </a:r>
+          </a:p>
+        </p:txBody>
+      </p:sp>
+    </p:spTree>
+    <p:extLst>
+      <p:ext uri="{BB962C8B-B14F-4D97-AF65-F5344CB8AC3E}">
+        <p14:creationId xmlns:p14="http://schemas.microsoft.com/office/powerpoint/2010/main" val="3650026717"/>
+      </p:ext>
+    </p:extLst>
+  </p:cSld>
+  <p:clrMapOvr>
+    <a:masterClrMapping/>
+  </p:clrMapOvr>
+</p:sld>
+</file>
+
+<file path=ppt/slides/slide18.xml><?xml version="1.0" encoding="utf-8"?>
+<p:sld xmlns:a="http://schemas.openxmlformats.org/drawingml/2006/main" xmlns:r="http://schemas.openxmlformats.org/officeDocument/2006/relationships" xmlns:p="http://schemas.openxmlformats.org/presentationml/2006/main">
+  <p:cSld>
+    <p:spTree>
+      <p:nvGrpSpPr>
+        <p:cNvPr id="1" name=""/>
+        <p:cNvGrpSpPr/>
+        <p:nvPr/>
+      </p:nvGrpSpPr>
+      <p:grpSpPr>
+        <a:xfrm>
+          <a:off x="0" y="0"/>
+          <a:ext cx="0" cy="0"/>
+          <a:chOff x="0" y="0"/>
+          <a:chExt cx="0" cy="0"/>
+        </a:xfrm>
+      </p:grpSpPr>
+      <p:sp>
+        <p:nvSpPr>
+          <p:cNvPr id="2" name="Cím 1">
+            <a:extLst>
+              <a:ext uri="{FF2B5EF4-FFF2-40B4-BE49-F238E27FC236}">
+                <a16:creationId xmlns:a16="http://schemas.microsoft.com/office/drawing/2014/main" id="{63BDAA71-EB16-4DF6-A996-1880DC7DAB52}"/>
+              </a:ext>
+            </a:extLst>
+          </p:cNvPr>
+          <p:cNvSpPr>
+            <a:spLocks noGrp="1"/>
+          </p:cNvSpPr>
+          <p:nvPr>
+            <p:ph type="title"/>
+          </p:nvPr>
+        </p:nvSpPr>
+        <p:spPr/>
+        <p:txBody>
+          <a:bodyPr/>
+          <a:lstStyle/>
+          <a:p>
+            <a:r>
+              <a:rPr lang="hu-HU" dirty="0"/>
+              <a:t>Nyíltság</a:t>
+            </a:r>
+          </a:p>
+        </p:txBody>
+      </p:sp>
+      <p:sp>
+        <p:nvSpPr>
+          <p:cNvPr id="3" name="Tartalom helye 2">
+            <a:extLst>
+              <a:ext uri="{FF2B5EF4-FFF2-40B4-BE49-F238E27FC236}">
+                <a16:creationId xmlns:a16="http://schemas.microsoft.com/office/drawing/2014/main" id="{064CAF0D-A507-4AF7-837C-E9C64C324E72}"/>
+              </a:ext>
+            </a:extLst>
+          </p:cNvPr>
+          <p:cNvSpPr>
+            <a:spLocks noGrp="1"/>
+          </p:cNvSpPr>
+          <p:nvPr>
+            <p:ph idx="1"/>
+          </p:nvPr>
+        </p:nvSpPr>
+        <p:spPr/>
+        <p:txBody>
+          <a:bodyPr/>
+          <a:lstStyle/>
+          <a:p>
+            <a:r>
+              <a:rPr lang="hu-HU" dirty="0"/>
+              <a:t>Programnyelv</a:t>
+            </a:r>
+          </a:p>
+          <a:p>
+            <a:pPr lvl="1"/>
+            <a:r>
+              <a:rPr lang="hu-HU" dirty="0"/>
+              <a:t>Teljesség</a:t>
+            </a:r>
+          </a:p>
+          <a:p>
+            <a:pPr lvl="1"/>
+            <a:r>
+              <a:rPr lang="hu-HU" dirty="0"/>
+              <a:t>Semlegesség</a:t>
+            </a:r>
+          </a:p>
+          <a:p>
+            <a:pPr lvl="1"/>
+            <a:endParaRPr lang="hu-HU" dirty="0"/>
+          </a:p>
+          <a:p>
+            <a:r>
+              <a:rPr lang="hu-HU" dirty="0"/>
+              <a:t>Hordozhatóság</a:t>
+            </a:r>
+          </a:p>
+          <a:p>
+            <a:r>
+              <a:rPr lang="hu-HU" dirty="0"/>
+              <a:t>Műveletek közötti átjárhatóság</a:t>
+            </a:r>
+          </a:p>
+        </p:txBody>
+      </p:sp>
+    </p:spTree>
+    <p:extLst>
+      <p:ext uri="{BB962C8B-B14F-4D97-AF65-F5344CB8AC3E}">
+        <p14:creationId xmlns:p14="http://schemas.microsoft.com/office/powerpoint/2010/main" val="663386619"/>
+      </p:ext>
+    </p:extLst>
+  </p:cSld>
+  <p:clrMapOvr>
+    <a:masterClrMapping/>
+  </p:clrMapOvr>
+</p:sld>
+</file>
+
+<file path=ppt/slides/slide19.xml><?xml version="1.0" encoding="utf-8"?>
+<p:sld xmlns:a="http://schemas.openxmlformats.org/drawingml/2006/main" xmlns:r="http://schemas.openxmlformats.org/officeDocument/2006/relationships" xmlns:p="http://schemas.openxmlformats.org/presentationml/2006/main">
+  <p:cSld>
+    <p:spTree>
+      <p:nvGrpSpPr>
+        <p:cNvPr id="1" name=""/>
+        <p:cNvGrpSpPr/>
+        <p:nvPr/>
+      </p:nvGrpSpPr>
+      <p:grpSpPr>
+        <a:xfrm>
+          <a:off x="0" y="0"/>
+          <a:ext cx="0" cy="0"/>
+          <a:chOff x="0" y="0"/>
+          <a:chExt cx="0" cy="0"/>
+        </a:xfrm>
+      </p:grpSpPr>
+      <p:sp>
+        <p:nvSpPr>
+          <p:cNvPr id="2" name="Cím 1">
+            <a:extLst>
+              <a:ext uri="{FF2B5EF4-FFF2-40B4-BE49-F238E27FC236}">
+                <a16:creationId xmlns:a16="http://schemas.microsoft.com/office/drawing/2014/main" id="{BDAD93E9-1E73-47DA-BAA3-6645AE039A64}"/>
+              </a:ext>
+            </a:extLst>
+          </p:cNvPr>
+          <p:cNvSpPr>
+            <a:spLocks noGrp="1"/>
+          </p:cNvSpPr>
+          <p:nvPr>
+            <p:ph type="title"/>
+          </p:nvPr>
+        </p:nvSpPr>
+        <p:spPr/>
+        <p:txBody>
+          <a:bodyPr/>
+          <a:lstStyle/>
+          <a:p>
+            <a:r>
+              <a:rPr lang="hu-HU" dirty="0"/>
+              <a:t>Skálázhatóság</a:t>
+            </a:r>
+          </a:p>
+        </p:txBody>
+      </p:sp>
+      <p:sp>
+        <p:nvSpPr>
+          <p:cNvPr id="3" name="Tartalom helye 2">
+            <a:extLst>
+              <a:ext uri="{FF2B5EF4-FFF2-40B4-BE49-F238E27FC236}">
+                <a16:creationId xmlns:a16="http://schemas.microsoft.com/office/drawing/2014/main" id="{9707FFEA-63A1-4239-9276-E8A78D96CD48}"/>
+              </a:ext>
+            </a:extLst>
+          </p:cNvPr>
+          <p:cNvSpPr>
+            <a:spLocks noGrp="1"/>
+          </p:cNvSpPr>
+          <p:nvPr>
+            <p:ph idx="1"/>
+          </p:nvPr>
+        </p:nvSpPr>
+        <p:spPr/>
+        <p:txBody>
+          <a:bodyPr/>
+          <a:lstStyle/>
+          <a:p>
+            <a:r>
+              <a:rPr lang="hu-HU" dirty="0"/>
+              <a:t>Méretbeli</a:t>
+            </a:r>
+          </a:p>
+          <a:p>
+            <a:r>
+              <a:rPr lang="hu-HU" dirty="0"/>
+              <a:t>Földrajzi</a:t>
+            </a:r>
+          </a:p>
+          <a:p>
+            <a:r>
+              <a:rPr lang="hu-HU" dirty="0"/>
+              <a:t>Adminisztratív</a:t>
+            </a:r>
+          </a:p>
+        </p:txBody>
+      </p:sp>
+    </p:spTree>
+    <p:extLst>
+      <p:ext uri="{BB962C8B-B14F-4D97-AF65-F5344CB8AC3E}">
+        <p14:creationId xmlns:p14="http://schemas.microsoft.com/office/powerpoint/2010/main" val="4174636521"/>
       </p:ext>
     </p:extLst>
   </p:cSld>
@@ -6879,6 +8483,604 @@
     <p:extLst>
       <p:ext uri="{BB962C8B-B14F-4D97-AF65-F5344CB8AC3E}">
         <p14:creationId xmlns:p14="http://schemas.microsoft.com/office/powerpoint/2010/main" val="3904471378"/>
+      </p:ext>
+    </p:extLst>
+  </p:cSld>
+  <p:clrMapOvr>
+    <a:masterClrMapping/>
+  </p:clrMapOvr>
+</p:sld>
+</file>
+
+<file path=ppt/slides/slide20.xml><?xml version="1.0" encoding="utf-8"?>
+<p:sld xmlns:a="http://schemas.openxmlformats.org/drawingml/2006/main" xmlns:r="http://schemas.openxmlformats.org/officeDocument/2006/relationships" xmlns:p="http://schemas.openxmlformats.org/presentationml/2006/main">
+  <p:cSld>
+    <p:spTree>
+      <p:nvGrpSpPr>
+        <p:cNvPr id="1" name=""/>
+        <p:cNvGrpSpPr/>
+        <p:nvPr/>
+      </p:nvGrpSpPr>
+      <p:grpSpPr>
+        <a:xfrm>
+          <a:off x="0" y="0"/>
+          <a:ext cx="0" cy="0"/>
+          <a:chOff x="0" y="0"/>
+          <a:chExt cx="0" cy="0"/>
+        </a:xfrm>
+      </p:grpSpPr>
+      <p:sp>
+        <p:nvSpPr>
+          <p:cNvPr id="2" name="Cím 1">
+            <a:extLst>
+              <a:ext uri="{FF2B5EF4-FFF2-40B4-BE49-F238E27FC236}">
+                <a16:creationId xmlns:a16="http://schemas.microsoft.com/office/drawing/2014/main" id="{296165D0-24CB-46F8-8F76-25F81A7585DB}"/>
+              </a:ext>
+            </a:extLst>
+          </p:cNvPr>
+          <p:cNvSpPr>
+            <a:spLocks noGrp="1"/>
+          </p:cNvSpPr>
+          <p:nvPr>
+            <p:ph type="title"/>
+          </p:nvPr>
+        </p:nvSpPr>
+        <p:spPr/>
+        <p:txBody>
+          <a:bodyPr/>
+          <a:lstStyle/>
+          <a:p>
+            <a:r>
+              <a:rPr lang="hu-HU" dirty="0"/>
+              <a:t>Elosztott rendszerek típusai</a:t>
+            </a:r>
+          </a:p>
+        </p:txBody>
+      </p:sp>
+      <p:sp>
+        <p:nvSpPr>
+          <p:cNvPr id="3" name="Tartalom helye 2">
+            <a:extLst>
+              <a:ext uri="{FF2B5EF4-FFF2-40B4-BE49-F238E27FC236}">
+                <a16:creationId xmlns:a16="http://schemas.microsoft.com/office/drawing/2014/main" id="{14F45C2E-CB82-4447-AA46-ECE215D70F1A}"/>
+              </a:ext>
+            </a:extLst>
+          </p:cNvPr>
+          <p:cNvSpPr>
+            <a:spLocks noGrp="1"/>
+          </p:cNvSpPr>
+          <p:nvPr>
+            <p:ph idx="1"/>
+          </p:nvPr>
+        </p:nvSpPr>
+        <p:spPr/>
+        <p:txBody>
+          <a:bodyPr/>
+          <a:lstStyle/>
+          <a:p>
+            <a:r>
+              <a:rPr lang="hu-HU" dirty="0"/>
+              <a:t>Elosztott számítási rendszerek</a:t>
+            </a:r>
+          </a:p>
+          <a:p>
+            <a:r>
+              <a:rPr lang="hu-HU" dirty="0"/>
+              <a:t>Elosztott információs rendszerek</a:t>
+            </a:r>
+          </a:p>
+          <a:p>
+            <a:r>
+              <a:rPr lang="hu-HU" dirty="0"/>
+              <a:t>Elosztott elterjedt rendszerek</a:t>
+            </a:r>
+          </a:p>
+        </p:txBody>
+      </p:sp>
+    </p:spTree>
+    <p:extLst>
+      <p:ext uri="{BB962C8B-B14F-4D97-AF65-F5344CB8AC3E}">
+        <p14:creationId xmlns:p14="http://schemas.microsoft.com/office/powerpoint/2010/main" val="4108310331"/>
+      </p:ext>
+    </p:extLst>
+  </p:cSld>
+  <p:clrMapOvr>
+    <a:masterClrMapping/>
+  </p:clrMapOvr>
+</p:sld>
+</file>
+
+<file path=ppt/slides/slide21.xml><?xml version="1.0" encoding="utf-8"?>
+<p:sld xmlns:a="http://schemas.openxmlformats.org/drawingml/2006/main" xmlns:r="http://schemas.openxmlformats.org/officeDocument/2006/relationships" xmlns:p="http://schemas.openxmlformats.org/presentationml/2006/main">
+  <p:cSld>
+    <p:spTree>
+      <p:nvGrpSpPr>
+        <p:cNvPr id="1" name=""/>
+        <p:cNvGrpSpPr/>
+        <p:nvPr/>
+      </p:nvGrpSpPr>
+      <p:grpSpPr>
+        <a:xfrm>
+          <a:off x="0" y="0"/>
+          <a:ext cx="0" cy="0"/>
+          <a:chOff x="0" y="0"/>
+          <a:chExt cx="0" cy="0"/>
+        </a:xfrm>
+      </p:grpSpPr>
+      <p:sp>
+        <p:nvSpPr>
+          <p:cNvPr id="2" name="Cím 1">
+            <a:extLst>
+              <a:ext uri="{FF2B5EF4-FFF2-40B4-BE49-F238E27FC236}">
+                <a16:creationId xmlns:a16="http://schemas.microsoft.com/office/drawing/2014/main" id="{18968DDD-9F06-489F-BA10-5791B940356A}"/>
+              </a:ext>
+            </a:extLst>
+          </p:cNvPr>
+          <p:cNvSpPr>
+            <a:spLocks noGrp="1"/>
+          </p:cNvSpPr>
+          <p:nvPr>
+            <p:ph type="title"/>
+          </p:nvPr>
+        </p:nvSpPr>
+        <p:spPr/>
+        <p:txBody>
+          <a:bodyPr/>
+          <a:lstStyle/>
+          <a:p>
+            <a:r>
+              <a:rPr lang="hu-HU" dirty="0"/>
+              <a:t>Elosztott számítási rendszerek</a:t>
+            </a:r>
+          </a:p>
+        </p:txBody>
+      </p:sp>
+      <p:pic>
+        <p:nvPicPr>
+          <p:cNvPr id="4" name="Tartalom helye 3">
+            <a:extLst>
+              <a:ext uri="{FF2B5EF4-FFF2-40B4-BE49-F238E27FC236}">
+                <a16:creationId xmlns:a16="http://schemas.microsoft.com/office/drawing/2014/main" id="{27385D66-1183-40D6-A2D6-6A45BC50CF94}"/>
+              </a:ext>
+            </a:extLst>
+          </p:cNvPr>
+          <p:cNvPicPr>
+            <a:picLocks noGrp="1" noChangeAspect="1"/>
+          </p:cNvPicPr>
+          <p:nvPr>
+            <p:ph idx="1"/>
+          </p:nvPr>
+        </p:nvPicPr>
+        <p:blipFill>
+          <a:blip r:embed="rId3"/>
+          <a:stretch>
+            <a:fillRect/>
+          </a:stretch>
+        </p:blipFill>
+        <p:spPr>
+          <a:xfrm>
+            <a:off x="838200" y="1566282"/>
+            <a:ext cx="10515600" cy="4870023"/>
+          </a:xfrm>
+          <a:prstGeom prst="rect">
+            <a:avLst/>
+          </a:prstGeom>
+        </p:spPr>
+      </p:pic>
+    </p:spTree>
+    <p:extLst>
+      <p:ext uri="{BB962C8B-B14F-4D97-AF65-F5344CB8AC3E}">
+        <p14:creationId xmlns:p14="http://schemas.microsoft.com/office/powerpoint/2010/main" val="3127564579"/>
+      </p:ext>
+    </p:extLst>
+  </p:cSld>
+  <p:clrMapOvr>
+    <a:masterClrMapping/>
+  </p:clrMapOvr>
+</p:sld>
+</file>
+
+<file path=ppt/slides/slide22.xml><?xml version="1.0" encoding="utf-8"?>
+<p:sld xmlns:a="http://schemas.openxmlformats.org/drawingml/2006/main" xmlns:r="http://schemas.openxmlformats.org/officeDocument/2006/relationships" xmlns:p="http://schemas.openxmlformats.org/presentationml/2006/main">
+  <p:cSld>
+    <p:spTree>
+      <p:nvGrpSpPr>
+        <p:cNvPr id="1" name=""/>
+        <p:cNvGrpSpPr/>
+        <p:nvPr/>
+      </p:nvGrpSpPr>
+      <p:grpSpPr>
+        <a:xfrm>
+          <a:off x="0" y="0"/>
+          <a:ext cx="0" cy="0"/>
+          <a:chOff x="0" y="0"/>
+          <a:chExt cx="0" cy="0"/>
+        </a:xfrm>
+      </p:grpSpPr>
+      <p:sp>
+        <p:nvSpPr>
+          <p:cNvPr id="2" name="Cím 1">
+            <a:extLst>
+              <a:ext uri="{FF2B5EF4-FFF2-40B4-BE49-F238E27FC236}">
+                <a16:creationId xmlns:a16="http://schemas.microsoft.com/office/drawing/2014/main" id="{833CA029-2B06-4A93-88EC-0D64C454D895}"/>
+              </a:ext>
+            </a:extLst>
+          </p:cNvPr>
+          <p:cNvSpPr>
+            <a:spLocks noGrp="1"/>
+          </p:cNvSpPr>
+          <p:nvPr>
+            <p:ph type="title"/>
+          </p:nvPr>
+        </p:nvSpPr>
+        <p:spPr/>
+        <p:txBody>
+          <a:bodyPr/>
+          <a:lstStyle/>
+          <a:p>
+            <a:r>
+              <a:rPr lang="hu-HU" dirty="0"/>
+              <a:t>Elosztott információs rendszerek: tranzakciók</a:t>
+            </a:r>
+          </a:p>
+        </p:txBody>
+      </p:sp>
+      <p:sp>
+        <p:nvSpPr>
+          <p:cNvPr id="3" name="Tartalom helye 2">
+            <a:extLst>
+              <a:ext uri="{FF2B5EF4-FFF2-40B4-BE49-F238E27FC236}">
+                <a16:creationId xmlns:a16="http://schemas.microsoft.com/office/drawing/2014/main" id="{E77598C3-A215-460E-99BD-F3AA66E3BEF1}"/>
+              </a:ext>
+            </a:extLst>
+          </p:cNvPr>
+          <p:cNvSpPr>
+            <a:spLocks noGrp="1"/>
+          </p:cNvSpPr>
+          <p:nvPr>
+            <p:ph idx="1"/>
+          </p:nvPr>
+        </p:nvSpPr>
+        <p:spPr/>
+        <p:txBody>
+          <a:bodyPr/>
+          <a:lstStyle/>
+          <a:p>
+            <a:r>
+              <a:rPr lang="hu-HU" dirty="0"/>
+              <a:t>Modell</a:t>
+            </a:r>
+          </a:p>
+          <a:p>
+            <a:r>
+              <a:rPr lang="hu-HU" dirty="0" err="1"/>
+              <a:t>Atomosság</a:t>
+            </a:r>
+            <a:endParaRPr lang="hu-HU" dirty="0"/>
+          </a:p>
+          <a:p>
+            <a:r>
+              <a:rPr lang="hu-HU" dirty="0"/>
+              <a:t>Konzisztencia</a:t>
+            </a:r>
+          </a:p>
+          <a:p>
+            <a:r>
+              <a:rPr lang="hu-HU" dirty="0"/>
+              <a:t>Elkülönítés</a:t>
+            </a:r>
+          </a:p>
+          <a:p>
+            <a:r>
+              <a:rPr lang="hu-HU" dirty="0"/>
+              <a:t>Tartósság</a:t>
+            </a:r>
+          </a:p>
+        </p:txBody>
+      </p:sp>
+    </p:spTree>
+    <p:extLst>
+      <p:ext uri="{BB962C8B-B14F-4D97-AF65-F5344CB8AC3E}">
+        <p14:creationId xmlns:p14="http://schemas.microsoft.com/office/powerpoint/2010/main" val="3120922148"/>
+      </p:ext>
+    </p:extLst>
+  </p:cSld>
+  <p:clrMapOvr>
+    <a:masterClrMapping/>
+  </p:clrMapOvr>
+</p:sld>
+</file>
+
+<file path=ppt/slides/slide23.xml><?xml version="1.0" encoding="utf-8"?>
+<p:sld xmlns:a="http://schemas.openxmlformats.org/drawingml/2006/main" xmlns:r="http://schemas.openxmlformats.org/officeDocument/2006/relationships" xmlns:p="http://schemas.openxmlformats.org/presentationml/2006/main">
+  <p:cSld>
+    <p:spTree>
+      <p:nvGrpSpPr>
+        <p:cNvPr id="1" name=""/>
+        <p:cNvGrpSpPr/>
+        <p:nvPr/>
+      </p:nvGrpSpPr>
+      <p:grpSpPr>
+        <a:xfrm>
+          <a:off x="0" y="0"/>
+          <a:ext cx="0" cy="0"/>
+          <a:chOff x="0" y="0"/>
+          <a:chExt cx="0" cy="0"/>
+        </a:xfrm>
+      </p:grpSpPr>
+      <p:sp>
+        <p:nvSpPr>
+          <p:cNvPr id="2" name="Cím 1">
+            <a:extLst>
+              <a:ext uri="{FF2B5EF4-FFF2-40B4-BE49-F238E27FC236}">
+                <a16:creationId xmlns:a16="http://schemas.microsoft.com/office/drawing/2014/main" id="{187342FE-3DAD-4ED6-982D-A4D15C329608}"/>
+              </a:ext>
+            </a:extLst>
+          </p:cNvPr>
+          <p:cNvSpPr>
+            <a:spLocks noGrp="1"/>
+          </p:cNvSpPr>
+          <p:nvPr>
+            <p:ph type="title"/>
+          </p:nvPr>
+        </p:nvSpPr>
+        <p:spPr/>
+        <p:txBody>
+          <a:bodyPr/>
+          <a:lstStyle/>
+          <a:p>
+            <a:r>
+              <a:rPr lang="hu-HU" dirty="0"/>
+              <a:t>Elosztott elterjedt rendszerek</a:t>
+            </a:r>
+          </a:p>
+        </p:txBody>
+      </p:sp>
+      <p:sp>
+        <p:nvSpPr>
+          <p:cNvPr id="3" name="Tartalom helye 2">
+            <a:extLst>
+              <a:ext uri="{FF2B5EF4-FFF2-40B4-BE49-F238E27FC236}">
+                <a16:creationId xmlns:a16="http://schemas.microsoft.com/office/drawing/2014/main" id="{72C212C5-2BCC-435D-A620-994AC3A765BA}"/>
+              </a:ext>
+            </a:extLst>
+          </p:cNvPr>
+          <p:cNvSpPr>
+            <a:spLocks noGrp="1"/>
+          </p:cNvSpPr>
+          <p:nvPr>
+            <p:ph idx="1"/>
+          </p:nvPr>
+        </p:nvSpPr>
+        <p:spPr/>
+        <p:txBody>
+          <a:bodyPr/>
+          <a:lstStyle/>
+          <a:p>
+            <a:r>
+              <a:rPr lang="hu-HU" dirty="0"/>
+              <a:t>Kontextuális változás</a:t>
+            </a:r>
+          </a:p>
+          <a:p>
+            <a:r>
+              <a:rPr lang="hu-HU" dirty="0"/>
+              <a:t>Ad hoc összetétel</a:t>
+            </a:r>
+          </a:p>
+          <a:p>
+            <a:r>
+              <a:rPr lang="hu-HU" dirty="0"/>
+              <a:t>A megosztás az alapértelmezett</a:t>
+            </a:r>
+          </a:p>
+        </p:txBody>
+      </p:sp>
+    </p:spTree>
+    <p:extLst>
+      <p:ext uri="{BB962C8B-B14F-4D97-AF65-F5344CB8AC3E}">
+        <p14:creationId xmlns:p14="http://schemas.microsoft.com/office/powerpoint/2010/main" val="1687631970"/>
+      </p:ext>
+    </p:extLst>
+  </p:cSld>
+  <p:clrMapOvr>
+    <a:masterClrMapping/>
+  </p:clrMapOvr>
+</p:sld>
+</file>
+
+<file path=ppt/slides/slide24.xml><?xml version="1.0" encoding="utf-8"?>
+<p:sld xmlns:a="http://schemas.openxmlformats.org/drawingml/2006/main" xmlns:r="http://schemas.openxmlformats.org/officeDocument/2006/relationships" xmlns:p="http://schemas.openxmlformats.org/presentationml/2006/main">
+  <p:cSld>
+    <p:spTree>
+      <p:nvGrpSpPr>
+        <p:cNvPr id="1" name=""/>
+        <p:cNvGrpSpPr/>
+        <p:nvPr/>
+      </p:nvGrpSpPr>
+      <p:grpSpPr>
+        <a:xfrm>
+          <a:off x="0" y="0"/>
+          <a:ext cx="0" cy="0"/>
+          <a:chOff x="0" y="0"/>
+          <a:chExt cx="0" cy="0"/>
+        </a:xfrm>
+      </p:grpSpPr>
+      <p:sp>
+        <p:nvSpPr>
+          <p:cNvPr id="2" name="Cím 1">
+            <a:extLst>
+              <a:ext uri="{FF2B5EF4-FFF2-40B4-BE49-F238E27FC236}">
+                <a16:creationId xmlns:a16="http://schemas.microsoft.com/office/drawing/2014/main" id="{7442CE72-EE7D-407B-85F0-6A073EBD4443}"/>
+              </a:ext>
+            </a:extLst>
+          </p:cNvPr>
+          <p:cNvSpPr>
+            <a:spLocks noGrp="1"/>
+          </p:cNvSpPr>
+          <p:nvPr>
+            <p:ph type="title"/>
+          </p:nvPr>
+        </p:nvSpPr>
+        <p:spPr/>
+        <p:txBody>
+          <a:bodyPr/>
+          <a:lstStyle/>
+          <a:p>
+            <a:r>
+              <a:rPr lang="hu-HU" dirty="0" err="1"/>
+              <a:t>Singleton</a:t>
+            </a:r>
+            <a:r>
+              <a:rPr lang="hu-HU" dirty="0"/>
+              <a:t> (egyke)</a:t>
+            </a:r>
+          </a:p>
+        </p:txBody>
+      </p:sp>
+      <p:sp>
+        <p:nvSpPr>
+          <p:cNvPr id="3" name="Tartalom helye 2">
+            <a:extLst>
+              <a:ext uri="{FF2B5EF4-FFF2-40B4-BE49-F238E27FC236}">
+                <a16:creationId xmlns:a16="http://schemas.microsoft.com/office/drawing/2014/main" id="{058A94DF-818C-4D99-A173-0CF48C69A363}"/>
+              </a:ext>
+            </a:extLst>
+          </p:cNvPr>
+          <p:cNvSpPr>
+            <a:spLocks noGrp="1"/>
+          </p:cNvSpPr>
+          <p:nvPr>
+            <p:ph idx="1"/>
+          </p:nvPr>
+        </p:nvSpPr>
+        <p:spPr/>
+        <p:txBody>
+          <a:bodyPr/>
+          <a:lstStyle/>
+          <a:p>
+            <a:endParaRPr lang="hu-HU" dirty="0"/>
+          </a:p>
+        </p:txBody>
+      </p:sp>
+    </p:spTree>
+    <p:extLst>
+      <p:ext uri="{BB962C8B-B14F-4D97-AF65-F5344CB8AC3E}">
+        <p14:creationId xmlns:p14="http://schemas.microsoft.com/office/powerpoint/2010/main" val="286922289"/>
+      </p:ext>
+    </p:extLst>
+  </p:cSld>
+  <p:clrMapOvr>
+    <a:masterClrMapping/>
+  </p:clrMapOvr>
+</p:sld>
+</file>
+
+<file path=ppt/slides/slide25.xml><?xml version="1.0" encoding="utf-8"?>
+<p:sld xmlns:a="http://schemas.openxmlformats.org/drawingml/2006/main" xmlns:r="http://schemas.openxmlformats.org/officeDocument/2006/relationships" xmlns:p="http://schemas.openxmlformats.org/presentationml/2006/main">
+  <p:cSld>
+    <p:spTree>
+      <p:nvGrpSpPr>
+        <p:cNvPr id="1" name=""/>
+        <p:cNvGrpSpPr/>
+        <p:nvPr/>
+      </p:nvGrpSpPr>
+      <p:grpSpPr>
+        <a:xfrm>
+          <a:off x="0" y="0"/>
+          <a:ext cx="0" cy="0"/>
+          <a:chOff x="0" y="0"/>
+          <a:chExt cx="0" cy="0"/>
+        </a:xfrm>
+      </p:grpSpPr>
+      <p:sp>
+        <p:nvSpPr>
+          <p:cNvPr id="2" name="Cím 1">
+            <a:extLst>
+              <a:ext uri="{FF2B5EF4-FFF2-40B4-BE49-F238E27FC236}">
+                <a16:creationId xmlns:a16="http://schemas.microsoft.com/office/drawing/2014/main" id="{EC9BEC7B-56CF-4849-95F5-4B2D0C381343}"/>
+              </a:ext>
+            </a:extLst>
+          </p:cNvPr>
+          <p:cNvSpPr>
+            <a:spLocks noGrp="1"/>
+          </p:cNvSpPr>
+          <p:nvPr>
+            <p:ph type="title"/>
+          </p:nvPr>
+        </p:nvSpPr>
+        <p:spPr/>
+        <p:txBody>
+          <a:bodyPr/>
+          <a:lstStyle/>
+          <a:p>
+            <a:endParaRPr lang="hu-HU"/>
+          </a:p>
+        </p:txBody>
+      </p:sp>
+      <p:sp>
+        <p:nvSpPr>
+          <p:cNvPr id="3" name="Tartalom helye 2">
+            <a:extLst>
+              <a:ext uri="{FF2B5EF4-FFF2-40B4-BE49-F238E27FC236}">
+                <a16:creationId xmlns:a16="http://schemas.microsoft.com/office/drawing/2014/main" id="{31C14EB4-5FA4-4FA0-A1B5-E36D224D01FB}"/>
+              </a:ext>
+            </a:extLst>
+          </p:cNvPr>
+          <p:cNvSpPr>
+            <a:spLocks noGrp="1"/>
+          </p:cNvSpPr>
+          <p:nvPr>
+            <p:ph idx="1"/>
+          </p:nvPr>
+        </p:nvSpPr>
+        <p:spPr/>
+        <p:txBody>
+          <a:bodyPr/>
+          <a:lstStyle/>
+          <a:p>
+            <a:r>
+              <a:rPr lang="en-US" dirty="0"/>
+              <a:t>Chapter 4. Processes, Operating system concepts with Java, Sixth, John Wiley &amp; Sons</a:t>
+            </a:r>
+            <a:endParaRPr lang="hu-HU" dirty="0"/>
+          </a:p>
+          <a:p>
+            <a:r>
+              <a:rPr lang="en-US" dirty="0"/>
+              <a:t>Stallings, William. </a:t>
+            </a:r>
+            <a:r>
+              <a:rPr lang="en-US" i="1" dirty="0"/>
+              <a:t>Operating Systems: internals and design principles</a:t>
+            </a:r>
+            <a:r>
+              <a:rPr lang="en-US" dirty="0"/>
+              <a:t>, 5th, Prentice Hall</a:t>
+            </a:r>
+            <a:endParaRPr lang="hu-HU" dirty="0"/>
+          </a:p>
+          <a:p>
+            <a:r>
+              <a:rPr lang="hu-HU" dirty="0">
+                <a:hlinkClick r:id="rId2"/>
+              </a:rPr>
+              <a:t>https://psprog.hu/article/rest-alapu-kommunikacio</a:t>
+            </a:r>
+            <a:endParaRPr lang="hu-HU" dirty="0"/>
+          </a:p>
+          <a:p>
+            <a:r>
+              <a:rPr lang="hu-HU" dirty="0"/>
+              <a:t>http://webprogramozas.inf.elte.hu/tananyag/wf2/lecke12_lap1.html</a:t>
+            </a:r>
+          </a:p>
+        </p:txBody>
+      </p:sp>
+    </p:spTree>
+    <p:extLst>
+      <p:ext uri="{BB962C8B-B14F-4D97-AF65-F5344CB8AC3E}">
+        <p14:creationId xmlns:p14="http://schemas.microsoft.com/office/powerpoint/2010/main" val="1840052443"/>
       </p:ext>
     </p:extLst>
   </p:cSld>

--- a/Osztott rendszerek, párhuzamos programozás.pptx
+++ b/Osztott rendszerek, párhuzamos programozás.pptx
@@ -5,7 +5,7 @@
     <p:sldMasterId id="2147483648" r:id="rId1"/>
   </p:sldMasterIdLst>
   <p:notesMasterIdLst>
-    <p:notesMasterId r:id="rId27"/>
+    <p:notesMasterId r:id="rId30"/>
   </p:notesMasterIdLst>
   <p:sldIdLst>
     <p:sldId id="256" r:id="rId2"/>
@@ -22,17 +22,20 @@
     <p:sldId id="269" r:id="rId13"/>
     <p:sldId id="268" r:id="rId14"/>
     <p:sldId id="270" r:id="rId15"/>
-    <p:sldId id="271" r:id="rId16"/>
-    <p:sldId id="272" r:id="rId17"/>
-    <p:sldId id="273" r:id="rId18"/>
-    <p:sldId id="274" r:id="rId19"/>
-    <p:sldId id="275" r:id="rId20"/>
-    <p:sldId id="276" r:id="rId21"/>
-    <p:sldId id="277" r:id="rId22"/>
-    <p:sldId id="278" r:id="rId23"/>
-    <p:sldId id="279" r:id="rId24"/>
-    <p:sldId id="280" r:id="rId25"/>
-    <p:sldId id="260" r:id="rId26"/>
+    <p:sldId id="280" r:id="rId16"/>
+    <p:sldId id="281" r:id="rId17"/>
+    <p:sldId id="271" r:id="rId18"/>
+    <p:sldId id="272" r:id="rId19"/>
+    <p:sldId id="273" r:id="rId20"/>
+    <p:sldId id="274" r:id="rId21"/>
+    <p:sldId id="275" r:id="rId22"/>
+    <p:sldId id="276" r:id="rId23"/>
+    <p:sldId id="277" r:id="rId24"/>
+    <p:sldId id="278" r:id="rId25"/>
+    <p:sldId id="279" r:id="rId26"/>
+    <p:sldId id="282" r:id="rId27"/>
+    <p:sldId id="283" r:id="rId28"/>
+    <p:sldId id="260" r:id="rId29"/>
   </p:sldIdLst>
   <p:sldSz cx="12192000" cy="6858000"/>
   <p:notesSz cx="6858000" cy="9144000"/>
@@ -233,7 +236,7 @@
           <a:p>
             <a:fld id="{81E79A26-81C4-4025-92C3-532DA6E0B8B9}" type="datetimeFigureOut">
               <a:rPr lang="hu-HU" smtClean="0"/>
-              <a:t>2021. 10. 26.</a:t>
+              <a:t>2021. 11. 11.</a:t>
             </a:fld>
             <a:endParaRPr lang="hu-HU"/>
           </a:p>
@@ -1522,15 +1525,63 @@
           <a:p>
             <a:r>
               <a:rPr lang="hu-HU" dirty="0"/>
-              <a:t>1: </a:t>
+              <a:t>Gyakori, hogy egy osztályt úgy kell megírni, hogy csak egy példány legyen belőle. </a:t>
+            </a:r>
+          </a:p>
+          <a:p>
+            <a:r>
+              <a:rPr lang="hu-HU" dirty="0"/>
+              <a:t>Ehhez jól kell ismerni az objektumorientált programozás alapelveit.</a:t>
+            </a:r>
+          </a:p>
+          <a:p>
+            <a:r>
+              <a:rPr lang="hu-HU" dirty="0"/>
+              <a:t>Az osztályból példányt a konstruktorával lehet készíteni. </a:t>
+            </a:r>
+          </a:p>
+          <a:p>
+            <a:r>
+              <a:rPr lang="hu-HU" dirty="0"/>
+              <a:t>Ha van publikus konstruktor az osztályban, akkor akárhány példány készíthető belőle, tehát publikus konstruktora nem lehet az egykének. </a:t>
+            </a:r>
+          </a:p>
+          <a:p>
+            <a:r>
+              <a:rPr lang="hu-HU" dirty="0"/>
+              <a:t>De ha nincs konstruktor, akkor nem hozható létre a példány, amin keresztül hívhatnánk a metódusait. </a:t>
+            </a:r>
+          </a:p>
+          <a:p>
+            <a:r>
+              <a:rPr lang="hu-HU" dirty="0"/>
+              <a:t>A megoldást az osztályszintű (statikus) metódusok jelentik.</a:t>
+            </a:r>
+          </a:p>
+          <a:p>
+            <a:r>
+              <a:rPr lang="hu-HU" dirty="0"/>
+              <a:t>Ezeket akkor is lehet hívni, ha nincs példány. </a:t>
+            </a:r>
+          </a:p>
+          <a:p>
+            <a:r>
+              <a:rPr lang="hu-HU" dirty="0"/>
+              <a:t>Az egykének tehát van egy osztályszintű metódusa, ami minden hívójának ugyanazt a példányt adja vissza. </a:t>
+            </a:r>
+          </a:p>
+          <a:p>
+            <a:r>
+              <a:rPr lang="hu-HU" dirty="0"/>
+              <a:t>Természetesen ezt a példányt is létre kell hozni, ehhez privát konstruktort kell készíteni, amit a </a:t>
             </a:r>
             <a:r>
               <a:rPr lang="hu-HU" dirty="0" err="1"/>
-              <a:t>pl</a:t>
-            </a:r>
-            <a:r>
-              <a:rPr lang="hu-HU" dirty="0"/>
-              <a:t> nyomtató megosztás, az erőforrás adat is lehet</a:t>
+              <a:t>getInstance</a:t>
+            </a:r>
+            <a:r>
+              <a:rPr lang="hu-HU" dirty="0"/>
+              <a:t> az egyke osztály tagjaként meghívhat</a:t>
             </a:r>
           </a:p>
           <a:p>
@@ -1539,20 +1590,37 @@
           <a:p>
             <a:r>
               <a:rPr lang="hu-HU" dirty="0"/>
-              <a:t>Átlátszóság: a felhasználó csak az adatot kapja, nem kell tudni az üzemeltetőről, a rendszer „elfedi” mi van alatta</a:t>
-            </a:r>
-          </a:p>
-          <a:p>
-            <a:endParaRPr lang="hu-HU" dirty="0"/>
-          </a:p>
-          <a:p>
-            <a:r>
-              <a:rPr lang="hu-HU" dirty="0"/>
-              <a:t>Skálázhatóság: különböző terhelésekre tudjon reagálni</a:t>
-            </a:r>
-          </a:p>
-          <a:p>
-            <a:endParaRPr lang="hu-HU" dirty="0"/>
+              <a:t>Felhasználása:</a:t>
+            </a:r>
+            <a:br>
+              <a:rPr lang="hu-HU" dirty="0"/>
+            </a:br>
+            <a:r>
+              <a:rPr lang="hu-HU" dirty="0"/>
+              <a:t>Akkor érdemes használni, ha több példány egyidejű létezése a rendszer rendellenes működését vagy összeomlását okozhatja.</a:t>
+            </a:r>
+          </a:p>
+          <a:p>
+            <a:r>
+              <a:rPr lang="hu-HU" dirty="0"/>
+              <a:t>A globális változókkal szemben gyakran az egykéket részesítik előnyben, mivel nem szennyezik a névteret szükségtelen változókkal, és lehetővé teszik a </a:t>
+            </a:r>
+            <a:r>
+              <a:rPr lang="hu-HU" dirty="0" err="1"/>
+              <a:t>lazyload</a:t>
+            </a:r>
+            <a:r>
+              <a:rPr lang="hu-HU" dirty="0"/>
+              <a:t>-ot és </a:t>
+            </a:r>
+            <a:r>
+              <a:rPr lang="hu-HU" dirty="0" err="1"/>
+              <a:t>inicializációt</a:t>
+            </a:r>
+            <a:r>
+              <a:rPr lang="hu-HU" dirty="0"/>
+              <a:t>, míg a globális változók mindig fogyasztanak erőforrásokat.</a:t>
+            </a:r>
           </a:p>
         </p:txBody>
       </p:sp>
@@ -1573,7 +1641,7 @@
           <a:p>
             <a:fld id="{674FF4E3-1DEA-4DBB-AF74-DDA85AC22194}" type="slidenum">
               <a:rPr lang="hu-HU" smtClean="0"/>
-              <a:t>16</a:t>
+              <a:t>15</a:t>
             </a:fld>
             <a:endParaRPr lang="hu-HU"/>
           </a:p>
@@ -1582,7 +1650,7 @@
     </p:spTree>
     <p:extLst>
       <p:ext uri="{BB962C8B-B14F-4D97-AF65-F5344CB8AC3E}">
-        <p14:creationId xmlns:p14="http://schemas.microsoft.com/office/powerpoint/2010/main" val="4287810101"/>
+        <p14:creationId xmlns:p14="http://schemas.microsoft.com/office/powerpoint/2010/main" val="4258266632"/>
       </p:ext>
     </p:extLst>
   </p:cSld>
@@ -1638,109 +1706,27 @@
           <a:p>
             <a:r>
               <a:rPr lang="hu-HU" dirty="0"/>
-              <a:t>hozzáférési (</a:t>
+              <a:t>A lusta betöltés egy létrehozási programtervezési minta. Lényege, hogy elhalasztják az objektum létrehozását akkorra, amikor tényleg szükség van rá.</a:t>
+            </a:r>
+          </a:p>
+          <a:p>
+            <a:r>
+              <a:rPr lang="hu-HU" dirty="0"/>
+              <a:t>Megfelelő használat esetén javíthatja a program válaszadási képességét és növelheti sebességét.</a:t>
+            </a:r>
+          </a:p>
+          <a:p>
+            <a:r>
+              <a:rPr lang="hu-HU" dirty="0"/>
+              <a:t>Akkor lehet vele sokat nyerni, ha nem feltétlenül van szükség arra, hogy </a:t>
             </a:r>
             <a:r>
               <a:rPr lang="hu-HU" dirty="0" err="1"/>
-              <a:t>access</a:t>
-            </a:r>
-            <a:r>
-              <a:rPr lang="hu-HU" dirty="0"/>
-              <a:t>): adatok tárolási módjának, belső reprezentációjának elfedése (pl. ’/’</a:t>
-            </a:r>
-          </a:p>
-          <a:p>
-            <a:r>
-              <a:rPr lang="hu-HU" dirty="0"/>
-              <a:t>vagy ’\’ – közös interfész)</a:t>
-            </a:r>
-          </a:p>
-          <a:p>
-            <a:endParaRPr lang="hu-HU" dirty="0"/>
-          </a:p>
-          <a:p>
-            <a:r>
-              <a:rPr lang="hu-HU" dirty="0"/>
-              <a:t>hely (</a:t>
-            </a:r>
-            <a:r>
-              <a:rPr lang="hu-HU" dirty="0" err="1"/>
-              <a:t>location</a:t>
-            </a:r>
-            <a:r>
-              <a:rPr lang="hu-HU" dirty="0"/>
-              <a:t>): fizikai hely elfedése, pl. globális névvel (pl. URL)</a:t>
-            </a:r>
-          </a:p>
-          <a:p>
-            <a:endParaRPr lang="hu-HU" dirty="0"/>
-          </a:p>
-          <a:p>
-            <a:r>
-              <a:rPr lang="hu-HU" dirty="0"/>
-              <a:t>mozgatási (</a:t>
-            </a:r>
-            <a:r>
-              <a:rPr lang="hu-HU" dirty="0" err="1"/>
-              <a:t>migration</a:t>
-            </a:r>
-            <a:r>
-              <a:rPr lang="hu-HU" dirty="0"/>
-              <a:t>): szerver fizikai mozgatása ne érintse a felhasználót</a:t>
-            </a:r>
-          </a:p>
-          <a:p>
-            <a:endParaRPr lang="hu-HU" dirty="0"/>
-          </a:p>
-          <a:p>
-            <a:r>
-              <a:rPr lang="hu-HU" dirty="0" err="1"/>
-              <a:t>relokációs</a:t>
-            </a:r>
-            <a:r>
-              <a:rPr lang="hu-HU" dirty="0"/>
-              <a:t>: a kliens ne tudjon arról, hogy másik kiszolgálóra váltott a rendszer (pl. váltás egyik</a:t>
-            </a:r>
-          </a:p>
-          <a:p>
-            <a:r>
-              <a:rPr lang="hu-HU" dirty="0"/>
-              <a:t>adatbázisról a másikra, vagy wifi esetén séta -&gt; másik router)</a:t>
-            </a:r>
-          </a:p>
-          <a:p>
-            <a:endParaRPr lang="hu-HU" dirty="0"/>
-          </a:p>
-          <a:p>
-            <a:r>
-              <a:rPr lang="hu-HU" dirty="0"/>
-              <a:t>replikációs: felhasználó ne lássa, hogy melyik </a:t>
-            </a:r>
-            <a:r>
-              <a:rPr lang="hu-HU" dirty="0" err="1"/>
-              <a:t>replikátumból</a:t>
-            </a:r>
-            <a:r>
-              <a:rPr lang="hu-HU" dirty="0"/>
-              <a:t> kapja az adatot</a:t>
-            </a:r>
-          </a:p>
-          <a:p>
-            <a:endParaRPr lang="hu-HU" dirty="0"/>
-          </a:p>
-          <a:p>
-            <a:r>
-              <a:rPr lang="hu-HU" dirty="0"/>
-              <a:t>konkurencia: az alkalmazásnak nem kell tudnia, hogy más is használja az erőforrást</a:t>
-            </a:r>
-          </a:p>
-          <a:p>
-            <a:endParaRPr lang="hu-HU" dirty="0"/>
-          </a:p>
-          <a:p>
-            <a:r>
-              <a:rPr lang="hu-HU" dirty="0"/>
-              <a:t>hibatűrés: felhasználó ne lássa a hibát</a:t>
+              <a:t>inicializálódjon</a:t>
+            </a:r>
+            <a:r>
+              <a:rPr lang="hu-HU" dirty="0"/>
+              <a:t> egy objektum, aminek inicializálása költséges.</a:t>
             </a:r>
           </a:p>
         </p:txBody>
@@ -1762,7 +1748,7 @@
           <a:p>
             <a:fld id="{674FF4E3-1DEA-4DBB-AF74-DDA85AC22194}" type="slidenum">
               <a:rPr lang="hu-HU" smtClean="0"/>
-              <a:t>17</a:t>
+              <a:t>16</a:t>
             </a:fld>
             <a:endParaRPr lang="hu-HU"/>
           </a:p>
@@ -1771,7 +1757,7 @@
     </p:spTree>
     <p:extLst>
       <p:ext uri="{BB962C8B-B14F-4D97-AF65-F5344CB8AC3E}">
-        <p14:creationId xmlns:p14="http://schemas.microsoft.com/office/powerpoint/2010/main" val="4176186853"/>
+        <p14:creationId xmlns:p14="http://schemas.microsoft.com/office/powerpoint/2010/main" val="2522102575"/>
       </p:ext>
     </p:extLst>
   </p:cSld>
@@ -1827,19 +1813,15 @@
           <a:p>
             <a:r>
               <a:rPr lang="hu-HU" dirty="0"/>
-              <a:t>milyen nyelv? Java? C? -&gt; kell egy jól definiált interfész. ez különböző erősségű lehet:</a:t>
-            </a:r>
-          </a:p>
-          <a:p>
-            <a:r>
-              <a:rPr lang="hu-HU" dirty="0"/>
-              <a:t>    o teljesség: megmondjuk, mit kell csinálni</a:t>
-            </a:r>
-          </a:p>
-          <a:p>
-            <a:r>
-              <a:rPr lang="hu-HU" dirty="0"/>
-              <a:t>    o semlegesség: nem mondjuk meg, hogyan csinálja</a:t>
+              <a:t>1: </a:t>
+            </a:r>
+            <a:r>
+              <a:rPr lang="hu-HU" dirty="0" err="1"/>
+              <a:t>pl</a:t>
+            </a:r>
+            <a:r>
+              <a:rPr lang="hu-HU" dirty="0"/>
+              <a:t> nyomtató megosztás, az erőforrás adat is lehet</a:t>
             </a:r>
           </a:p>
           <a:p>
@@ -1848,7 +1830,7 @@
           <a:p>
             <a:r>
               <a:rPr lang="hu-HU" dirty="0"/>
-              <a:t>hordozhatóság: egyik gépről a másikra (UNIX -&gt; Windows)</a:t>
+              <a:t>Átlátszóság: a felhasználó csak az adatot kapja, nem kell tudni az üzemeltetőről, a rendszer „elfedi” mi van alatta</a:t>
             </a:r>
           </a:p>
           <a:p>
@@ -1857,7 +1839,7 @@
           <a:p>
             <a:r>
               <a:rPr lang="hu-HU" dirty="0"/>
-              <a:t>műveletek közötti átjárhatóság (pl. komponens csere után is működik a rendszer)</a:t>
+              <a:t>Skálázhatóság: különböző terhelésekre tudjon reagálni</a:t>
             </a:r>
           </a:p>
           <a:p>
@@ -1891,7 +1873,7 @@
     </p:spTree>
     <p:extLst>
       <p:ext uri="{BB962C8B-B14F-4D97-AF65-F5344CB8AC3E}">
-        <p14:creationId xmlns:p14="http://schemas.microsoft.com/office/powerpoint/2010/main" val="1706269299"/>
+        <p14:creationId xmlns:p14="http://schemas.microsoft.com/office/powerpoint/2010/main" val="4287810101"/>
       </p:ext>
     </p:extLst>
   </p:cSld>
@@ -1947,15 +1929,21 @@
           <a:p>
             <a:r>
               <a:rPr lang="hu-HU" dirty="0"/>
-              <a:t>méretbeli: felhasználók, </a:t>
+              <a:t>hozzáférési (</a:t>
             </a:r>
             <a:r>
               <a:rPr lang="hu-HU" dirty="0" err="1"/>
-              <a:t>process</a:t>
-            </a:r>
-            <a:r>
-              <a:rPr lang="hu-HU" dirty="0"/>
-              <a:t>-ek száma</a:t>
+              <a:t>access</a:t>
+            </a:r>
+            <a:r>
+              <a:rPr lang="hu-HU" dirty="0"/>
+              <a:t>): adatok tárolási módjának, belső reprezentációjának elfedése (pl. ’/’</a:t>
+            </a:r>
+          </a:p>
+          <a:p>
+            <a:r>
+              <a:rPr lang="hu-HU" dirty="0"/>
+              <a:t>vagy ’\’ – közös interfész)</a:t>
             </a:r>
           </a:p>
           <a:p>
@@ -1964,7 +1952,15 @@
           <a:p>
             <a:r>
               <a:rPr lang="hu-HU" dirty="0"/>
-              <a:t>földrajzi: gépek közötti távolság</a:t>
+              <a:t>hely (</a:t>
+            </a:r>
+            <a:r>
+              <a:rPr lang="hu-HU" dirty="0" err="1"/>
+              <a:t>location</a:t>
+            </a:r>
+            <a:r>
+              <a:rPr lang="hu-HU" dirty="0"/>
+              <a:t>): fizikai hely elfedése, pl. globális névvel (pl. URL)</a:t>
             </a:r>
           </a:p>
           <a:p>
@@ -1973,7 +1969,15 @@
           <a:p>
             <a:r>
               <a:rPr lang="hu-HU" dirty="0"/>
-              <a:t>adminisztratív: adat tárolási/kiadási stratégiák összehangolása</a:t>
+              <a:t>mozgatási (</a:t>
+            </a:r>
+            <a:r>
+              <a:rPr lang="hu-HU" dirty="0" err="1"/>
+              <a:t>migration</a:t>
+            </a:r>
+            <a:r>
+              <a:rPr lang="hu-HU" dirty="0"/>
+              <a:t>): szerver fizikai mozgatása ne érintse a felhasználót</a:t>
             </a:r>
           </a:p>
           <a:p>
@@ -1981,12 +1985,54 @@
           </a:p>
           <a:p>
             <a:r>
-              <a:rPr lang="hu-HU" dirty="0"/>
-              <a:t>Az első megoldható erős gépekkel, az utóbbi kettőnél van nehézség.</a:t>
+              <a:rPr lang="hu-HU" dirty="0" err="1"/>
+              <a:t>relokációs</a:t>
+            </a:r>
+            <a:r>
+              <a:rPr lang="hu-HU" dirty="0"/>
+              <a:t>: a kliens ne tudjon arról, hogy másik kiszolgálóra váltott a rendszer (pl. váltás egyik</a:t>
+            </a:r>
+          </a:p>
+          <a:p>
+            <a:r>
+              <a:rPr lang="hu-HU" dirty="0"/>
+              <a:t>adatbázisról a másikra, vagy wifi esetén séta -&gt; másik router)</a:t>
             </a:r>
           </a:p>
           <a:p>
             <a:endParaRPr lang="hu-HU" dirty="0"/>
+          </a:p>
+          <a:p>
+            <a:r>
+              <a:rPr lang="hu-HU" dirty="0"/>
+              <a:t>replikációs: felhasználó ne lássa, hogy melyik </a:t>
+            </a:r>
+            <a:r>
+              <a:rPr lang="hu-HU" dirty="0" err="1"/>
+              <a:t>replikátumból</a:t>
+            </a:r>
+            <a:r>
+              <a:rPr lang="hu-HU" dirty="0"/>
+              <a:t> kapja az adatot</a:t>
+            </a:r>
+          </a:p>
+          <a:p>
+            <a:endParaRPr lang="hu-HU" dirty="0"/>
+          </a:p>
+          <a:p>
+            <a:r>
+              <a:rPr lang="hu-HU" dirty="0"/>
+              <a:t>konkurencia: az alkalmazásnak nem kell tudnia, hogy más is használja az erőforrást</a:t>
+            </a:r>
+          </a:p>
+          <a:p>
+            <a:endParaRPr lang="hu-HU" dirty="0"/>
+          </a:p>
+          <a:p>
+            <a:r>
+              <a:rPr lang="hu-HU" dirty="0"/>
+              <a:t>hibatűrés: felhasználó ne lássa a hibát</a:t>
+            </a:r>
           </a:p>
         </p:txBody>
       </p:sp>
@@ -2016,7 +2062,7 @@
     </p:spTree>
     <p:extLst>
       <p:ext uri="{BB962C8B-B14F-4D97-AF65-F5344CB8AC3E}">
-        <p14:creationId xmlns:p14="http://schemas.microsoft.com/office/powerpoint/2010/main" val="1821942694"/>
+        <p14:creationId xmlns:p14="http://schemas.microsoft.com/office/powerpoint/2010/main" val="4176186853"/>
       </p:ext>
     </p:extLst>
   </p:cSld>
@@ -2072,15 +2118,19 @@
           <a:p>
             <a:r>
               <a:rPr lang="hu-HU" dirty="0"/>
-              <a:t>Sok osztott rendszer úgy van beállítva, hogy nagy </a:t>
-            </a:r>
-            <a:r>
-              <a:rPr lang="hu-HU" dirty="0" err="1"/>
-              <a:t>teljesíményű</a:t>
-            </a:r>
-            <a:r>
-              <a:rPr lang="hu-HU" dirty="0"/>
-              <a:t> számítást végezzenek</a:t>
+              <a:t>milyen nyelv? Java? C? -&gt; kell egy jól definiált interfész. ez különböző erősségű lehet:</a:t>
+            </a:r>
+          </a:p>
+          <a:p>
+            <a:r>
+              <a:rPr lang="hu-HU" dirty="0"/>
+              <a:t>    o teljesség: megmondjuk, mit kell csinálni</a:t>
+            </a:r>
+          </a:p>
+          <a:p>
+            <a:r>
+              <a:rPr lang="hu-HU" dirty="0"/>
+              <a:t>    o semlegesség: nem mondjuk meg, hogyan csinálja</a:t>
             </a:r>
           </a:p>
           <a:p>
@@ -2089,28 +2139,20 @@
           <a:p>
             <a:r>
               <a:rPr lang="hu-HU" dirty="0"/>
-              <a:t>Lényegében egy csoport </a:t>
-            </a:r>
-            <a:r>
-              <a:rPr lang="hu-HU" dirty="0" err="1"/>
-              <a:t>high</a:t>
-            </a:r>
-            <a:r>
-              <a:rPr lang="hu-HU" dirty="0"/>
-              <a:t>-end rendszer LAN-on összekapcsolva:</a:t>
-            </a:r>
-          </a:p>
-          <a:p>
-            <a:r>
-              <a:rPr lang="hu-HU" dirty="0"/>
-              <a:t>    Homogén: ugyanaz az operációs rendszer, a hardver közel azonos</a:t>
-            </a:r>
-          </a:p>
-          <a:p>
-            <a:r>
-              <a:rPr lang="hu-HU" dirty="0"/>
-              <a:t>    Egyetlen irányító csomópont</a:t>
-            </a:r>
+              <a:t>hordozhatóság: egyik gépről a másikra (UNIX -&gt; Windows)</a:t>
+            </a:r>
+          </a:p>
+          <a:p>
+            <a:endParaRPr lang="hu-HU" dirty="0"/>
+          </a:p>
+          <a:p>
+            <a:r>
+              <a:rPr lang="hu-HU" dirty="0"/>
+              <a:t>műveletek közötti átjárhatóság (pl. komponens csere után is működik a rendszer)</a:t>
+            </a:r>
+          </a:p>
+          <a:p>
+            <a:endParaRPr lang="hu-HU" dirty="0"/>
           </a:p>
         </p:txBody>
       </p:sp>
@@ -2131,7 +2173,7 @@
           <a:p>
             <a:fld id="{674FF4E3-1DEA-4DBB-AF74-DDA85AC22194}" type="slidenum">
               <a:rPr lang="hu-HU" smtClean="0"/>
-              <a:t>21</a:t>
+              <a:t>20</a:t>
             </a:fld>
             <a:endParaRPr lang="hu-HU"/>
           </a:p>
@@ -2140,7 +2182,7 @@
     </p:spTree>
     <p:extLst>
       <p:ext uri="{BB962C8B-B14F-4D97-AF65-F5344CB8AC3E}">
-        <p14:creationId xmlns:p14="http://schemas.microsoft.com/office/powerpoint/2010/main" val="4022098739"/>
+        <p14:creationId xmlns:p14="http://schemas.microsoft.com/office/powerpoint/2010/main" val="1706269299"/>
       </p:ext>
     </p:extLst>
   </p:cSld>
@@ -2280,13 +2322,15 @@
           <a:p>
             <a:r>
               <a:rPr lang="hu-HU" dirty="0"/>
-              <a:t>Modell</a:t>
-            </a:r>
-          </a:p>
-          <a:p>
-            <a:r>
-              <a:rPr lang="hu-HU" dirty="0"/>
-              <a:t>A tranzakció műveletek gyűjteménye</a:t>
+              <a:t>méretbeli: felhasználók, </a:t>
+            </a:r>
+            <a:r>
+              <a:rPr lang="hu-HU" dirty="0" err="1"/>
+              <a:t>process</a:t>
+            </a:r>
+            <a:r>
+              <a:rPr lang="hu-HU" dirty="0"/>
+              <a:t>-ek száma</a:t>
             </a:r>
           </a:p>
           <a:p>
@@ -2294,18 +2338,8 @@
           </a:p>
           <a:p>
             <a:r>
-              <a:rPr lang="hu-HU" dirty="0" err="1"/>
-              <a:t>Atomosság</a:t>
-            </a:r>
-            <a:r>
-              <a:rPr lang="hu-HU" dirty="0"/>
-              <a:t>: vagy minden műveletet végrehajtunk, vagy egyiket</a:t>
-            </a:r>
-          </a:p>
-          <a:p>
-            <a:r>
-              <a:rPr lang="hu-HU" dirty="0"/>
-              <a:t>sem. Ha a tranzakció nem sikerül, az objektum állapota sértetlen marad.</a:t>
+              <a:rPr lang="hu-HU" dirty="0"/>
+              <a:t>földrajzi: gépek közötti távolság</a:t>
             </a:r>
           </a:p>
           <a:p>
@@ -2314,19 +2348,7 @@
           <a:p>
             <a:r>
               <a:rPr lang="hu-HU" dirty="0"/>
-              <a:t>Konzisztencia: A tranzakció érvényes állapotátmenetet hoz</a:t>
-            </a:r>
-          </a:p>
-          <a:p>
-            <a:r>
-              <a:rPr lang="hu-HU" dirty="0"/>
-              <a:t>létre. Ez nem zárja ki az érvénytelen köztes pillanatokat a tranzakció</a:t>
-            </a:r>
-          </a:p>
-          <a:p>
-            <a:r>
-              <a:rPr lang="hu-HU" dirty="0"/>
-              <a:t>végrehajtása során. </a:t>
+              <a:t>adminisztratív: adat tárolási/kiadási stratégiák összehangolása</a:t>
             </a:r>
           </a:p>
           <a:p>
@@ -2335,49 +2357,11 @@
           <a:p>
             <a:r>
               <a:rPr lang="hu-HU" dirty="0"/>
-              <a:t>Elkülönítés: Az egyidejű tranzakciók nem zavarják egymást. Minden</a:t>
-            </a:r>
-          </a:p>
-          <a:p>
-            <a:r>
-              <a:rPr lang="hu-HU" dirty="0"/>
-              <a:t>tranzakciónak látszólag úgy kell lefutnia, mintha ez alatt az idő alatt</a:t>
-            </a:r>
-          </a:p>
-          <a:p>
-            <a:r>
-              <a:rPr lang="hu-HU" dirty="0"/>
-              <a:t>semmilyen másik tranzakciót sem hajtanánk végre.</a:t>
+              <a:t>Az első megoldható erős gépekkel, az utóbbi kettőnél van nehézség.</a:t>
             </a:r>
           </a:p>
           <a:p>
             <a:endParaRPr lang="hu-HU" dirty="0"/>
-          </a:p>
-          <a:p>
-            <a:r>
-              <a:rPr lang="hu-HU" dirty="0"/>
-              <a:t>Tartósság: Egy tranzakció végrehajtása után, annak hatásai</a:t>
-            </a:r>
-          </a:p>
-          <a:p>
-            <a:r>
-              <a:rPr lang="hu-HU" dirty="0"/>
-              <a:t>állandósulnak: ha egyszer egy tranzakció befejeződött, akkor már soha</a:t>
-            </a:r>
-          </a:p>
-          <a:p>
-            <a:r>
-              <a:rPr lang="hu-HU" dirty="0"/>
-              <a:t>többé nem </a:t>
-            </a:r>
-            <a:r>
-              <a:rPr lang="hu-HU" dirty="0" err="1"/>
-              <a:t>veszhet</a:t>
-            </a:r>
-            <a:r>
-              <a:rPr lang="hu-HU" dirty="0"/>
-              <a:t> el a tranzakció hatása.</a:t>
-            </a:r>
           </a:p>
         </p:txBody>
       </p:sp>
@@ -2398,7 +2382,7 @@
           <a:p>
             <a:fld id="{674FF4E3-1DEA-4DBB-AF74-DDA85AC22194}" type="slidenum">
               <a:rPr lang="hu-HU" smtClean="0"/>
-              <a:t>22</a:t>
+              <a:t>21</a:t>
             </a:fld>
             <a:endParaRPr lang="hu-HU"/>
           </a:p>
@@ -2407,7 +2391,7 @@
     </p:spTree>
     <p:extLst>
       <p:ext uri="{BB962C8B-B14F-4D97-AF65-F5344CB8AC3E}">
-        <p14:creationId xmlns:p14="http://schemas.microsoft.com/office/powerpoint/2010/main" val="1059871835"/>
+        <p14:creationId xmlns:p14="http://schemas.microsoft.com/office/powerpoint/2010/main" val="1821942694"/>
       </p:ext>
     </p:extLst>
   </p:cSld>
@@ -2463,76 +2447,44 @@
           <a:p>
             <a:r>
               <a:rPr lang="hu-HU" dirty="0"/>
-              <a:t>Feltörekvő következő generációs osztott rendszerek, ahol a csomópontok aprók,</a:t>
-            </a:r>
-          </a:p>
-          <a:p>
+              <a:t>Sok osztott rendszer úgy van beállítva, hogy nagy </a:t>
+            </a:r>
             <a:r>
               <a:rPr lang="hu-HU" dirty="0" err="1"/>
-              <a:t>mobilisak</a:t>
-            </a:r>
-            <a:r>
-              <a:rPr lang="hu-HU" dirty="0"/>
-              <a:t>, és gyakran a nagyobb rendszerbe </a:t>
+              <a:t>teljesíményű</a:t>
+            </a:r>
+            <a:r>
+              <a:rPr lang="hu-HU" dirty="0"/>
+              <a:t> számítást végezzenek</a:t>
+            </a:r>
+          </a:p>
+          <a:p>
+            <a:endParaRPr lang="hu-HU" dirty="0"/>
+          </a:p>
+          <a:p>
+            <a:r>
+              <a:rPr lang="hu-HU" dirty="0"/>
+              <a:t>Lényegében egy csoport </a:t>
             </a:r>
             <a:r>
               <a:rPr lang="hu-HU" dirty="0" err="1"/>
-              <a:t>ágyazottak</a:t>
-            </a:r>
-            <a:r>
-              <a:rPr lang="hu-HU" dirty="0"/>
-              <a:t>.</a:t>
-            </a:r>
-          </a:p>
-          <a:p>
-            <a:endParaRPr lang="hu-HU" dirty="0"/>
-          </a:p>
-          <a:p>
-            <a:r>
-              <a:rPr lang="hu-HU" dirty="0"/>
-              <a:t>Kontextuális változás: A rendszer része egy olyan környezetnek, amelyben</a:t>
-            </a:r>
-          </a:p>
-          <a:p>
-            <a:r>
-              <a:rPr lang="hu-HU" dirty="0"/>
-              <a:t>változásokat azonnal el kell számolni.</a:t>
-            </a:r>
-          </a:p>
-          <a:p>
-            <a:endParaRPr lang="hu-HU" dirty="0"/>
-          </a:p>
-          <a:p>
-            <a:r>
-              <a:rPr lang="hu-HU" dirty="0"/>
-              <a:t>Ad hoc összetétel: Minden egyes csomópontot különböző felhasználók, akár</a:t>
-            </a:r>
-          </a:p>
-          <a:p>
-            <a:r>
-              <a:rPr lang="hu-HU" dirty="0"/>
-              <a:t>nagyon különböző módon használhatnak. Szükséges a könnyű konfiguráció.</a:t>
-            </a:r>
-          </a:p>
-          <a:p>
-            <a:endParaRPr lang="hu-HU" dirty="0"/>
-          </a:p>
-          <a:p>
-            <a:r>
-              <a:rPr lang="hu-HU" dirty="0"/>
-              <a:t>A megosztás az alapértelmezett: Csomópontok jönnek és mennek,</a:t>
-            </a:r>
-          </a:p>
-          <a:p>
-            <a:r>
-              <a:rPr lang="hu-HU" dirty="0"/>
-              <a:t>megosztható szolgáltatásokat és információkat kínálnak. Ez ismét az egyszerűségre</a:t>
-            </a:r>
-          </a:p>
-          <a:p>
-            <a:r>
-              <a:rPr lang="hu-HU" dirty="0"/>
-              <a:t>hívja fel a figyelmet.</a:t>
+              <a:t>high</a:t>
+            </a:r>
+            <a:r>
+              <a:rPr lang="hu-HU" dirty="0"/>
+              <a:t>-end rendszer LAN-on összekapcsolva:</a:t>
+            </a:r>
+          </a:p>
+          <a:p>
+            <a:r>
+              <a:rPr lang="hu-HU" dirty="0"/>
+              <a:t>    Homogén: ugyanaz az operációs rendszer, a hardver közel azonos</a:t>
+            </a:r>
+          </a:p>
+          <a:p>
+            <a:r>
+              <a:rPr lang="hu-HU" dirty="0"/>
+              <a:t>    Egyetlen irányító csomópont</a:t>
             </a:r>
           </a:p>
         </p:txBody>
@@ -2563,7 +2515,7 @@
     </p:spTree>
     <p:extLst>
       <p:ext uri="{BB962C8B-B14F-4D97-AF65-F5344CB8AC3E}">
-        <p14:creationId xmlns:p14="http://schemas.microsoft.com/office/powerpoint/2010/main" val="3891131099"/>
+        <p14:creationId xmlns:p14="http://schemas.microsoft.com/office/powerpoint/2010/main" val="4022098739"/>
       </p:ext>
     </p:extLst>
   </p:cSld>
@@ -2619,61 +2571,103 @@
           <a:p>
             <a:r>
               <a:rPr lang="hu-HU" dirty="0"/>
-              <a:t>A </a:t>
-            </a:r>
+              <a:t>Modell</a:t>
+            </a:r>
+          </a:p>
+          <a:p>
+            <a:r>
+              <a:rPr lang="hu-HU" dirty="0"/>
+              <a:t>A tranzakció műveletek gyűjteménye</a:t>
+            </a:r>
+          </a:p>
+          <a:p>
+            <a:endParaRPr lang="hu-HU" dirty="0"/>
+          </a:p>
+          <a:p>
             <a:r>
               <a:rPr lang="hu-HU" dirty="0" err="1"/>
-              <a:t>singleton</a:t>
-            </a:r>
-            <a:r>
-              <a:rPr lang="hu-HU" dirty="0"/>
-              <a:t> (magyarul egyke) minta lényege, hogy az adott osztályunknak maximum egy példánya lehet. </a:t>
-            </a:r>
-          </a:p>
-          <a:p>
-            <a:r>
-              <a:rPr lang="hu-HU" dirty="0"/>
-              <a:t>Ezt úgy tudjuk elérni, ha megakadályozzuk, hogy a </a:t>
+              <a:t>Atomosság</a:t>
+            </a:r>
+            <a:r>
+              <a:rPr lang="hu-HU" dirty="0"/>
+              <a:t>: vagy minden műveletet végrehajtunk, vagy egyiket</a:t>
+            </a:r>
+          </a:p>
+          <a:p>
+            <a:r>
+              <a:rPr lang="hu-HU" dirty="0"/>
+              <a:t>sem. Ha a tranzakció nem sikerül, az objektum állapota sértetlen marad.</a:t>
+            </a:r>
+          </a:p>
+          <a:p>
+            <a:endParaRPr lang="hu-HU" dirty="0"/>
+          </a:p>
+          <a:p>
+            <a:r>
+              <a:rPr lang="hu-HU" dirty="0"/>
+              <a:t>Konzisztencia: A tranzakció érvényes állapotátmenetet hoz</a:t>
+            </a:r>
+          </a:p>
+          <a:p>
+            <a:r>
+              <a:rPr lang="hu-HU" dirty="0"/>
+              <a:t>létre. Ez nem zárja ki az érvénytelen köztes pillanatokat a tranzakció</a:t>
+            </a:r>
+          </a:p>
+          <a:p>
+            <a:r>
+              <a:rPr lang="hu-HU" dirty="0"/>
+              <a:t>végrehajtása során. </a:t>
+            </a:r>
+          </a:p>
+          <a:p>
+            <a:endParaRPr lang="hu-HU" dirty="0"/>
+          </a:p>
+          <a:p>
+            <a:r>
+              <a:rPr lang="hu-HU" dirty="0"/>
+              <a:t>Elkülönítés: Az egyidejű tranzakciók nem zavarják egymást. Minden</a:t>
+            </a:r>
+          </a:p>
+          <a:p>
+            <a:r>
+              <a:rPr lang="hu-HU" dirty="0"/>
+              <a:t>tranzakciónak látszólag úgy kell lefutnia, mintha ez alatt az idő alatt</a:t>
+            </a:r>
+          </a:p>
+          <a:p>
+            <a:r>
+              <a:rPr lang="hu-HU" dirty="0"/>
+              <a:t>semmilyen másik tranzakciót sem hajtanánk végre.</a:t>
+            </a:r>
+          </a:p>
+          <a:p>
+            <a:endParaRPr lang="hu-HU" dirty="0"/>
+          </a:p>
+          <a:p>
+            <a:r>
+              <a:rPr lang="hu-HU" dirty="0"/>
+              <a:t>Tartósság: Egy tranzakció végrehajtása után, annak hatásai</a:t>
+            </a:r>
+          </a:p>
+          <a:p>
+            <a:r>
+              <a:rPr lang="hu-HU" dirty="0"/>
+              <a:t>állandósulnak: ha egyszer egy tranzakció befejeződött, akkor már soha</a:t>
+            </a:r>
+          </a:p>
+          <a:p>
+            <a:r>
+              <a:rPr lang="hu-HU" dirty="0"/>
+              <a:t>többé nem </a:t>
             </a:r>
             <a:r>
               <a:rPr lang="hu-HU" dirty="0" err="1"/>
-              <a:t>new</a:t>
-            </a:r>
-            <a:r>
-              <a:rPr lang="hu-HU" dirty="0"/>
-              <a:t> kulcsszóval </a:t>
-            </a:r>
-            <a:r>
-              <a:rPr lang="hu-HU" dirty="0" err="1"/>
-              <a:t>példányosítani</a:t>
-            </a:r>
-            <a:r>
-              <a:rPr lang="hu-HU" dirty="0"/>
-              <a:t> lehessen (tehát egy </a:t>
-            </a:r>
-            <a:r>
-              <a:rPr lang="hu-HU" dirty="0" err="1"/>
-              <a:t>private</a:t>
-            </a:r>
-            <a:r>
-              <a:rPr lang="hu-HU" dirty="0"/>
-              <a:t> konstruktort definiálunk az osztályunkon belül), ellenben egy publikus interfészen keresztül lehetővé tesszük ennek az egy példánynak a létrehozását és elérését. Erre egy statikus metódust fogunk használni, hiszen az </a:t>
-            </a:r>
-            <a:r>
-              <a:rPr lang="hu-HU" dirty="0" err="1"/>
-              <a:t>példányosítás</a:t>
-            </a:r>
-            <a:r>
-              <a:rPr lang="hu-HU" dirty="0"/>
-              <a:t> nélkül is rendelkezésünkre áll. Példa </a:t>
-            </a:r>
-            <a:r>
-              <a:rPr lang="hu-HU" dirty="0" err="1"/>
-              <a:t>minderre</a:t>
-            </a:r>
-            <a:r>
-              <a:rPr lang="hu-HU" dirty="0"/>
-              <a:t>:</a:t>
+              <a:t>veszhet</a:t>
+            </a:r>
+            <a:r>
+              <a:rPr lang="hu-HU" dirty="0"/>
+              <a:t> el a tranzakció hatása.</a:t>
             </a:r>
           </a:p>
         </p:txBody>
@@ -2704,7 +2698,323 @@
     </p:spTree>
     <p:extLst>
       <p:ext uri="{BB962C8B-B14F-4D97-AF65-F5344CB8AC3E}">
-        <p14:creationId xmlns:p14="http://schemas.microsoft.com/office/powerpoint/2010/main" val="4258266632"/>
+        <p14:creationId xmlns:p14="http://schemas.microsoft.com/office/powerpoint/2010/main" val="1059871835"/>
+      </p:ext>
+    </p:extLst>
+  </p:cSld>
+  <p:clrMapOvr>
+    <a:masterClrMapping/>
+  </p:clrMapOvr>
+</p:notes>
+</file>
+
+<file path=ppt/notesSlides/notesSlide23.xml><?xml version="1.0" encoding="utf-8"?>
+<p:notes xmlns:a="http://schemas.openxmlformats.org/drawingml/2006/main" xmlns:r="http://schemas.openxmlformats.org/officeDocument/2006/relationships" xmlns:p="http://schemas.openxmlformats.org/presentationml/2006/main">
+  <p:cSld>
+    <p:spTree>
+      <p:nvGrpSpPr>
+        <p:cNvPr id="1" name=""/>
+        <p:cNvGrpSpPr/>
+        <p:nvPr/>
+      </p:nvGrpSpPr>
+      <p:grpSpPr>
+        <a:xfrm>
+          <a:off x="0" y="0"/>
+          <a:ext cx="0" cy="0"/>
+          <a:chOff x="0" y="0"/>
+          <a:chExt cx="0" cy="0"/>
+        </a:xfrm>
+      </p:grpSpPr>
+      <p:sp>
+        <p:nvSpPr>
+          <p:cNvPr id="2" name="Diakép helye 1"/>
+          <p:cNvSpPr>
+            <a:spLocks noGrp="1" noRot="1" noChangeAspect="1"/>
+          </p:cNvSpPr>
+          <p:nvPr>
+            <p:ph type="sldImg"/>
+          </p:nvPr>
+        </p:nvSpPr>
+        <p:spPr/>
+      </p:sp>
+      <p:sp>
+        <p:nvSpPr>
+          <p:cNvPr id="3" name="Jegyzetek helye 2"/>
+          <p:cNvSpPr>
+            <a:spLocks noGrp="1"/>
+          </p:cNvSpPr>
+          <p:nvPr>
+            <p:ph type="body" idx="1"/>
+          </p:nvPr>
+        </p:nvSpPr>
+        <p:spPr/>
+        <p:txBody>
+          <a:bodyPr/>
+          <a:lstStyle/>
+          <a:p>
+            <a:r>
+              <a:rPr lang="hu-HU" dirty="0"/>
+              <a:t>Feltörekvő következő generációs osztott rendszerek, ahol a csomópontok aprók,</a:t>
+            </a:r>
+          </a:p>
+          <a:p>
+            <a:r>
+              <a:rPr lang="hu-HU" dirty="0" err="1"/>
+              <a:t>mobilisak</a:t>
+            </a:r>
+            <a:r>
+              <a:rPr lang="hu-HU" dirty="0"/>
+              <a:t>, és gyakran a nagyobb rendszerbe </a:t>
+            </a:r>
+            <a:r>
+              <a:rPr lang="hu-HU" dirty="0" err="1"/>
+              <a:t>ágyazottak</a:t>
+            </a:r>
+            <a:r>
+              <a:rPr lang="hu-HU" dirty="0"/>
+              <a:t>.</a:t>
+            </a:r>
+          </a:p>
+          <a:p>
+            <a:endParaRPr lang="hu-HU" dirty="0"/>
+          </a:p>
+          <a:p>
+            <a:r>
+              <a:rPr lang="hu-HU" dirty="0"/>
+              <a:t>Kontextuális változás: A rendszer része egy olyan környezetnek, amelyben</a:t>
+            </a:r>
+          </a:p>
+          <a:p>
+            <a:r>
+              <a:rPr lang="hu-HU" dirty="0"/>
+              <a:t>változásokat azonnal el kell számolni.</a:t>
+            </a:r>
+          </a:p>
+          <a:p>
+            <a:endParaRPr lang="hu-HU" dirty="0"/>
+          </a:p>
+          <a:p>
+            <a:r>
+              <a:rPr lang="hu-HU" dirty="0"/>
+              <a:t>Ad hoc összetétel: Minden egyes csomópontot különböző felhasználók, akár</a:t>
+            </a:r>
+          </a:p>
+          <a:p>
+            <a:r>
+              <a:rPr lang="hu-HU" dirty="0"/>
+              <a:t>nagyon különböző módon használhatnak. Szükséges a könnyű konfiguráció.</a:t>
+            </a:r>
+          </a:p>
+          <a:p>
+            <a:endParaRPr lang="hu-HU" dirty="0"/>
+          </a:p>
+          <a:p>
+            <a:r>
+              <a:rPr lang="hu-HU" dirty="0"/>
+              <a:t>A megosztás az alapértelmezett: Csomópontok jönnek és mennek,</a:t>
+            </a:r>
+          </a:p>
+          <a:p>
+            <a:r>
+              <a:rPr lang="hu-HU" dirty="0"/>
+              <a:t>megosztható szolgáltatásokat és információkat kínálnak. Ez ismét az egyszerűségre</a:t>
+            </a:r>
+          </a:p>
+          <a:p>
+            <a:r>
+              <a:rPr lang="hu-HU" dirty="0"/>
+              <a:t>hívja fel a figyelmet.</a:t>
+            </a:r>
+          </a:p>
+        </p:txBody>
+      </p:sp>
+      <p:sp>
+        <p:nvSpPr>
+          <p:cNvPr id="4" name="Dia számának helye 3"/>
+          <p:cNvSpPr>
+            <a:spLocks noGrp="1"/>
+          </p:cNvSpPr>
+          <p:nvPr>
+            <p:ph type="sldNum" sz="quarter" idx="5"/>
+          </p:nvPr>
+        </p:nvSpPr>
+        <p:spPr/>
+        <p:txBody>
+          <a:bodyPr/>
+          <a:lstStyle/>
+          <a:p>
+            <a:fld id="{674FF4E3-1DEA-4DBB-AF74-DDA85AC22194}" type="slidenum">
+              <a:rPr lang="hu-HU" smtClean="0"/>
+              <a:t>25</a:t>
+            </a:fld>
+            <a:endParaRPr lang="hu-HU"/>
+          </a:p>
+        </p:txBody>
+      </p:sp>
+    </p:spTree>
+    <p:extLst>
+      <p:ext uri="{BB962C8B-B14F-4D97-AF65-F5344CB8AC3E}">
+        <p14:creationId xmlns:p14="http://schemas.microsoft.com/office/powerpoint/2010/main" val="3891131099"/>
+      </p:ext>
+    </p:extLst>
+  </p:cSld>
+  <p:clrMapOvr>
+    <a:masterClrMapping/>
+  </p:clrMapOvr>
+</p:notes>
+</file>
+
+<file path=ppt/notesSlides/notesSlide24.xml><?xml version="1.0" encoding="utf-8"?>
+<p:notes xmlns:a="http://schemas.openxmlformats.org/drawingml/2006/main" xmlns:r="http://schemas.openxmlformats.org/officeDocument/2006/relationships" xmlns:p="http://schemas.openxmlformats.org/presentationml/2006/main">
+  <p:cSld>
+    <p:spTree>
+      <p:nvGrpSpPr>
+        <p:cNvPr id="1" name=""/>
+        <p:cNvGrpSpPr/>
+        <p:nvPr/>
+      </p:nvGrpSpPr>
+      <p:grpSpPr>
+        <a:xfrm>
+          <a:off x="0" y="0"/>
+          <a:ext cx="0" cy="0"/>
+          <a:chOff x="0" y="0"/>
+          <a:chExt cx="0" cy="0"/>
+        </a:xfrm>
+      </p:grpSpPr>
+      <p:sp>
+        <p:nvSpPr>
+          <p:cNvPr id="2" name="Diakép helye 1"/>
+          <p:cNvSpPr>
+            <a:spLocks noGrp="1" noRot="1" noChangeAspect="1"/>
+          </p:cNvSpPr>
+          <p:nvPr>
+            <p:ph type="sldImg"/>
+          </p:nvPr>
+        </p:nvSpPr>
+        <p:spPr/>
+      </p:sp>
+      <p:sp>
+        <p:nvSpPr>
+          <p:cNvPr id="3" name="Jegyzetek helye 2"/>
+          <p:cNvSpPr>
+            <a:spLocks noGrp="1"/>
+          </p:cNvSpPr>
+          <p:nvPr>
+            <p:ph type="body" idx="1"/>
+          </p:nvPr>
+        </p:nvSpPr>
+        <p:spPr/>
+        <p:txBody>
+          <a:bodyPr/>
+          <a:lstStyle/>
+          <a:p>
+            <a:r>
+              <a:rPr lang="hu-HU" dirty="0"/>
+              <a:t>A Microsoft </a:t>
+            </a:r>
+            <a:r>
+              <a:rPr lang="hu-HU" dirty="0" err="1"/>
+              <a:t>Azure</a:t>
+            </a:r>
+            <a:r>
+              <a:rPr lang="hu-HU" dirty="0"/>
+              <a:t> a Microsoft </a:t>
+            </a:r>
+            <a:r>
+              <a:rPr lang="hu-HU" dirty="0" err="1"/>
+              <a:t>cloud</a:t>
+            </a:r>
+            <a:r>
+              <a:rPr lang="hu-HU" dirty="0"/>
+              <a:t> </a:t>
+            </a:r>
+            <a:r>
+              <a:rPr lang="hu-HU" dirty="0" err="1"/>
+              <a:t>computing</a:t>
+            </a:r>
+            <a:r>
+              <a:rPr lang="hu-HU" dirty="0"/>
+              <a:t> platformja és infrastruktúrája, melynek segítségével alkalmazásokat lehet készíteni, telepíteni és futtatni a Microsoft által felügyelt adatközpontokon.</a:t>
+            </a:r>
+          </a:p>
+          <a:p>
+            <a:endParaRPr lang="hu-HU" dirty="0"/>
+          </a:p>
+          <a:p>
+            <a:r>
+              <a:rPr lang="hu-HU" dirty="0"/>
+              <a:t>A korábbiakban a „</a:t>
+            </a:r>
+            <a:r>
+              <a:rPr lang="hu-HU" dirty="0" err="1"/>
+              <a:t>Cloud</a:t>
+            </a:r>
+            <a:r>
+              <a:rPr lang="hu-HU" dirty="0"/>
+              <a:t>” név az úgynevezett „</a:t>
+            </a:r>
+            <a:r>
+              <a:rPr lang="hu-HU" dirty="0" err="1"/>
+              <a:t>cloud</a:t>
+            </a:r>
+            <a:r>
+              <a:rPr lang="hu-HU" dirty="0"/>
+              <a:t> </a:t>
+            </a:r>
+            <a:r>
+              <a:rPr lang="hu-HU" dirty="0" err="1"/>
+              <a:t>computing</a:t>
+            </a:r>
+            <a:r>
+              <a:rPr lang="hu-HU" dirty="0"/>
+              <a:t>” (vagyis számítási felhő) kifejezésre utal, melynek lényege, hogy az egyes alkalmazások nem a helyi munkaállomáson, hanem egy internetes szolgáltatás keretein belül valamilyen távoli kiszolgálón futnak. A fejlesztők a platformra gyakorlatilag tetszőleges, a Visual </a:t>
+            </a:r>
+            <a:r>
+              <a:rPr lang="hu-HU" dirty="0" err="1"/>
+              <a:t>Studio</a:t>
+            </a:r>
+            <a:r>
+              <a:rPr lang="hu-HU" dirty="0"/>
+              <a:t> környezet által támogatott .NET-alapú nyelven elkészíthetik alkalmazásaikat, amelyek feltöltéséhez, menedzseléséhez és frissítéséhez szintén magas szintű, könnyen kezelhető eszközöket biztosít az </a:t>
+            </a:r>
+            <a:r>
+              <a:rPr lang="hu-HU" dirty="0" err="1"/>
+              <a:t>Azure</a:t>
+            </a:r>
+            <a:r>
+              <a:rPr lang="hu-HU" dirty="0"/>
+              <a:t>.</a:t>
+            </a:r>
+          </a:p>
+        </p:txBody>
+      </p:sp>
+      <p:sp>
+        <p:nvSpPr>
+          <p:cNvPr id="4" name="Dia számának helye 3"/>
+          <p:cNvSpPr>
+            <a:spLocks noGrp="1"/>
+          </p:cNvSpPr>
+          <p:nvPr>
+            <p:ph type="sldNum" sz="quarter" idx="5"/>
+          </p:nvPr>
+        </p:nvSpPr>
+        <p:spPr/>
+        <p:txBody>
+          <a:bodyPr/>
+          <a:lstStyle/>
+          <a:p>
+            <a:fld id="{674FF4E3-1DEA-4DBB-AF74-DDA85AC22194}" type="slidenum">
+              <a:rPr lang="hu-HU" smtClean="0"/>
+              <a:t>26</a:t>
+            </a:fld>
+            <a:endParaRPr lang="hu-HU"/>
+          </a:p>
+        </p:txBody>
+      </p:sp>
+    </p:spTree>
+    <p:extLst>
+      <p:ext uri="{BB962C8B-B14F-4D97-AF65-F5344CB8AC3E}">
+        <p14:creationId xmlns:p14="http://schemas.microsoft.com/office/powerpoint/2010/main" val="2030190753"/>
       </p:ext>
     </p:extLst>
   </p:cSld>
@@ -4004,7 +4314,7 @@
           <a:p>
             <a:fld id="{74D6CE58-D5BF-4592-BBC8-A7847BDADEB9}" type="datetimeFigureOut">
               <a:rPr lang="hu-HU" smtClean="0"/>
-              <a:t>2021. 10. 26.</a:t>
+              <a:t>2021. 11. 11.</a:t>
             </a:fld>
             <a:endParaRPr lang="hu-HU"/>
           </a:p>
@@ -4202,7 +4512,7 @@
           <a:p>
             <a:fld id="{74D6CE58-D5BF-4592-BBC8-A7847BDADEB9}" type="datetimeFigureOut">
               <a:rPr lang="hu-HU" smtClean="0"/>
-              <a:t>2021. 10. 26.</a:t>
+              <a:t>2021. 11. 11.</a:t>
             </a:fld>
             <a:endParaRPr lang="hu-HU"/>
           </a:p>
@@ -4410,7 +4720,7 @@
           <a:p>
             <a:fld id="{74D6CE58-D5BF-4592-BBC8-A7847BDADEB9}" type="datetimeFigureOut">
               <a:rPr lang="hu-HU" smtClean="0"/>
-              <a:t>2021. 10. 26.</a:t>
+              <a:t>2021. 11. 11.</a:t>
             </a:fld>
             <a:endParaRPr lang="hu-HU"/>
           </a:p>
@@ -4608,7 +4918,7 @@
           <a:p>
             <a:fld id="{74D6CE58-D5BF-4592-BBC8-A7847BDADEB9}" type="datetimeFigureOut">
               <a:rPr lang="hu-HU" smtClean="0"/>
-              <a:t>2021. 10. 26.</a:t>
+              <a:t>2021. 11. 11.</a:t>
             </a:fld>
             <a:endParaRPr lang="hu-HU"/>
           </a:p>
@@ -4883,7 +5193,7 @@
           <a:p>
             <a:fld id="{74D6CE58-D5BF-4592-BBC8-A7847BDADEB9}" type="datetimeFigureOut">
               <a:rPr lang="hu-HU" smtClean="0"/>
-              <a:t>2021. 10. 26.</a:t>
+              <a:t>2021. 11. 11.</a:t>
             </a:fld>
             <a:endParaRPr lang="hu-HU"/>
           </a:p>
@@ -5148,7 +5458,7 @@
           <a:p>
             <a:fld id="{74D6CE58-D5BF-4592-BBC8-A7847BDADEB9}" type="datetimeFigureOut">
               <a:rPr lang="hu-HU" smtClean="0"/>
-              <a:t>2021. 10. 26.</a:t>
+              <a:t>2021. 11. 11.</a:t>
             </a:fld>
             <a:endParaRPr lang="hu-HU"/>
           </a:p>
@@ -5560,7 +5870,7 @@
           <a:p>
             <a:fld id="{74D6CE58-D5BF-4592-BBC8-A7847BDADEB9}" type="datetimeFigureOut">
               <a:rPr lang="hu-HU" smtClean="0"/>
-              <a:t>2021. 10. 26.</a:t>
+              <a:t>2021. 11. 11.</a:t>
             </a:fld>
             <a:endParaRPr lang="hu-HU"/>
           </a:p>
@@ -5701,7 +6011,7 @@
           <a:p>
             <a:fld id="{74D6CE58-D5BF-4592-BBC8-A7847BDADEB9}" type="datetimeFigureOut">
               <a:rPr lang="hu-HU" smtClean="0"/>
-              <a:t>2021. 10. 26.</a:t>
+              <a:t>2021. 11. 11.</a:t>
             </a:fld>
             <a:endParaRPr lang="hu-HU"/>
           </a:p>
@@ -5814,7 +6124,7 @@
           <a:p>
             <a:fld id="{74D6CE58-D5BF-4592-BBC8-A7847BDADEB9}" type="datetimeFigureOut">
               <a:rPr lang="hu-HU" smtClean="0"/>
-              <a:t>2021. 10. 26.</a:t>
+              <a:t>2021. 11. 11.</a:t>
             </a:fld>
             <a:endParaRPr lang="hu-HU"/>
           </a:p>
@@ -6125,7 +6435,7 @@
           <a:p>
             <a:fld id="{74D6CE58-D5BF-4592-BBC8-A7847BDADEB9}" type="datetimeFigureOut">
               <a:rPr lang="hu-HU" smtClean="0"/>
-              <a:t>2021. 10. 26.</a:t>
+              <a:t>2021. 11. 11.</a:t>
             </a:fld>
             <a:endParaRPr lang="hu-HU"/>
           </a:p>
@@ -6413,7 +6723,7 @@
           <a:p>
             <a:fld id="{74D6CE58-D5BF-4592-BBC8-A7847BDADEB9}" type="datetimeFigureOut">
               <a:rPr lang="hu-HU" smtClean="0"/>
-              <a:t>2021. 10. 26.</a:t>
+              <a:t>2021. 11. 11.</a:t>
             </a:fld>
             <a:endParaRPr lang="hu-HU"/>
           </a:p>
@@ -6654,7 +6964,7 @@
           <a:p>
             <a:fld id="{74D6CE58-D5BF-4592-BBC8-A7847BDADEB9}" type="datetimeFigureOut">
               <a:rPr lang="hu-HU" smtClean="0"/>
-              <a:t>2021. 10. 26.</a:t>
+              <a:t>2021. 11. 11.</a:t>
             </a:fld>
             <a:endParaRPr lang="hu-HU"/>
           </a:p>
@@ -7777,7 +8087,7 @@
           <p:cNvPr id="2" name="Cím 1">
             <a:extLst>
               <a:ext uri="{FF2B5EF4-FFF2-40B4-BE49-F238E27FC236}">
-                <a16:creationId xmlns:a16="http://schemas.microsoft.com/office/drawing/2014/main" id="{26E37692-A740-4301-B69C-723F1D60BB00}"/>
+                <a16:creationId xmlns:a16="http://schemas.microsoft.com/office/drawing/2014/main" id="{7442CE72-EE7D-407B-85F0-6A073EBD4443}"/>
               </a:ext>
             </a:extLst>
           </p:cNvPr>
@@ -7794,8 +8104,12 @@
           <a:lstStyle/>
           <a:p>
             <a:r>
-              <a:rPr lang="hu-HU" dirty="0"/>
-              <a:t>Elosztott rendszerek</a:t>
+              <a:rPr lang="hu-HU" dirty="0" err="1"/>
+              <a:t>Singleton</a:t>
+            </a:r>
+            <a:r>
+              <a:rPr lang="hu-HU" dirty="0"/>
+              <a:t> (egyke)</a:t>
             </a:r>
           </a:p>
         </p:txBody>
@@ -7805,7 +8119,7 @@
           <p:cNvPr id="3" name="Tartalom helye 2">
             <a:extLst>
               <a:ext uri="{FF2B5EF4-FFF2-40B4-BE49-F238E27FC236}">
-                <a16:creationId xmlns:a16="http://schemas.microsoft.com/office/drawing/2014/main" id="{58DAF19B-C437-4657-AA96-0FC2A7E5D7AA}"/>
+                <a16:creationId xmlns:a16="http://schemas.microsoft.com/office/drawing/2014/main" id="{058A94DF-818C-4D99-A173-0CF48C69A363}"/>
               </a:ext>
             </a:extLst>
           </p:cNvPr>
@@ -7823,29 +8137,27 @@
           <a:p>
             <a:r>
               <a:rPr lang="hu-HU" dirty="0"/>
-              <a:t>Független gépek </a:t>
+              <a:t>Osztályból példány konstruktorral</a:t>
+            </a:r>
+          </a:p>
+          <a:p>
+            <a:r>
+              <a:rPr lang="hu-HU" dirty="0"/>
+              <a:t>A konstruktor nem lehet publikus</a:t>
+            </a:r>
+          </a:p>
+          <a:p>
+            <a:r>
+              <a:rPr lang="hu-HU" dirty="0"/>
+              <a:t>Osztályszintű statikus metódus (</a:t>
             </a:r>
             <a:r>
               <a:rPr lang="hu-HU" dirty="0" err="1"/>
-              <a:t>sokassága</a:t>
-            </a:r>
-            <a:r>
-              <a:rPr lang="hu-HU" dirty="0"/>
-              <a:t>, melyek a </a:t>
-            </a:r>
-            <a:r>
-              <a:rPr lang="hu-HU" dirty="0" err="1"/>
-              <a:t>felahsználó</a:t>
-            </a:r>
-            <a:r>
-              <a:rPr lang="hu-HU" dirty="0"/>
-              <a:t> számára összefüggő rendszert alkotnak</a:t>
-            </a:r>
-          </a:p>
-          <a:p>
-            <a:r>
-              <a:rPr lang="hu-HU" dirty="0"/>
-              <a:t>Az osztott rendszer egy köztes réteg a gépek és alkalmazások között</a:t>
+              <a:t>getInstance</a:t>
+            </a:r>
+            <a:r>
+              <a:rPr lang="hu-HU" dirty="0"/>
+              <a:t>)</a:t>
             </a:r>
           </a:p>
         </p:txBody>
@@ -7853,7 +8165,7 @@
     </p:spTree>
     <p:extLst>
       <p:ext uri="{BB962C8B-B14F-4D97-AF65-F5344CB8AC3E}">
-        <p14:creationId xmlns:p14="http://schemas.microsoft.com/office/powerpoint/2010/main" val="1760733059"/>
+        <p14:creationId xmlns:p14="http://schemas.microsoft.com/office/powerpoint/2010/main" val="286922289"/>
       </p:ext>
     </p:extLst>
   </p:cSld>
@@ -7885,7 +8197,7 @@
           <p:cNvPr id="2" name="Cím 1">
             <a:extLst>
               <a:ext uri="{FF2B5EF4-FFF2-40B4-BE49-F238E27FC236}">
-                <a16:creationId xmlns:a16="http://schemas.microsoft.com/office/drawing/2014/main" id="{1D2529D6-1A36-447C-A61F-051D59CC4B7D}"/>
+                <a16:creationId xmlns:a16="http://schemas.microsoft.com/office/drawing/2014/main" id="{6AA5396E-AE2C-4633-B4E5-2AE704D2312B}"/>
               </a:ext>
             </a:extLst>
           </p:cNvPr>
@@ -7902,9 +8214,10 @@
           <a:lstStyle/>
           <a:p>
             <a:r>
-              <a:rPr lang="hu-HU" dirty="0"/>
-              <a:t>Tervezési szempontok</a:t>
-            </a:r>
+              <a:rPr lang="hu-HU" dirty="0" err="1"/>
+              <a:t>Lazyload</a:t>
+            </a:r>
+            <a:endParaRPr lang="hu-HU" dirty="0"/>
           </a:p>
         </p:txBody>
       </p:sp>
@@ -7913,7 +8226,7 @@
           <p:cNvPr id="3" name="Tartalom helye 2">
             <a:extLst>
               <a:ext uri="{FF2B5EF4-FFF2-40B4-BE49-F238E27FC236}">
-                <a16:creationId xmlns:a16="http://schemas.microsoft.com/office/drawing/2014/main" id="{0241F255-0B6F-4DFB-8448-0EE03BDCBECC}"/>
+                <a16:creationId xmlns:a16="http://schemas.microsoft.com/office/drawing/2014/main" id="{DDD95B1E-D935-499D-9E1F-E011EB499E6E}"/>
               </a:ext>
             </a:extLst>
           </p:cNvPr>
@@ -7924,37 +8237,24 @@
             <p:ph idx="1"/>
           </p:nvPr>
         </p:nvSpPr>
-        <p:spPr>
-          <a:xfrm>
-            <a:off x="838200" y="1914525"/>
-            <a:ext cx="10515600" cy="4351338"/>
-          </a:xfrm>
-        </p:spPr>
-        <p:txBody>
-          <a:bodyPr/>
-          <a:lstStyle/>
-          <a:p>
-            <a:r>
-              <a:rPr lang="hu-HU" dirty="0"/>
-              <a:t>Erőforrások elérhetővé tétele a felhasználónak</a:t>
-            </a:r>
-          </a:p>
-          <a:p>
-            <a:r>
-              <a:rPr lang="hu-HU" dirty="0"/>
-              <a:t>Átlátszóság</a:t>
-            </a:r>
-          </a:p>
-          <a:p>
-            <a:r>
-              <a:rPr lang="hu-HU" dirty="0"/>
-              <a:t>Nyíltság</a:t>
-            </a:r>
-          </a:p>
-          <a:p>
-            <a:r>
-              <a:rPr lang="hu-HU" dirty="0"/>
-              <a:t>Skálázhatóság</a:t>
+        <p:spPr/>
+        <p:txBody>
+          <a:bodyPr/>
+          <a:lstStyle/>
+          <a:p>
+            <a:r>
+              <a:rPr lang="hu-HU" dirty="0" err="1"/>
+              <a:t>Objekutum</a:t>
+            </a:r>
+            <a:r>
+              <a:rPr lang="hu-HU" dirty="0"/>
+              <a:t> létrehozás elhalasztása</a:t>
+            </a:r>
+          </a:p>
+          <a:p>
+            <a:r>
+              <a:rPr lang="hu-HU" dirty="0"/>
+              <a:t>Gyorsítja a kódot</a:t>
             </a:r>
           </a:p>
         </p:txBody>
@@ -7962,7 +8262,7 @@
     </p:spTree>
     <p:extLst>
       <p:ext uri="{BB962C8B-B14F-4D97-AF65-F5344CB8AC3E}">
-        <p14:creationId xmlns:p14="http://schemas.microsoft.com/office/powerpoint/2010/main" val="3902552877"/>
+        <p14:creationId xmlns:p14="http://schemas.microsoft.com/office/powerpoint/2010/main" val="1920193877"/>
       </p:ext>
     </p:extLst>
   </p:cSld>
@@ -7994,7 +8294,7 @@
           <p:cNvPr id="2" name="Cím 1">
             <a:extLst>
               <a:ext uri="{FF2B5EF4-FFF2-40B4-BE49-F238E27FC236}">
-                <a16:creationId xmlns:a16="http://schemas.microsoft.com/office/drawing/2014/main" id="{88606571-E834-4461-9608-E9CD7B9D12C3}"/>
+                <a16:creationId xmlns:a16="http://schemas.microsoft.com/office/drawing/2014/main" id="{26E37692-A740-4301-B69C-723F1D60BB00}"/>
               </a:ext>
             </a:extLst>
           </p:cNvPr>
@@ -8012,7 +8312,7 @@
           <a:p>
             <a:r>
               <a:rPr lang="hu-HU" dirty="0"/>
-              <a:t>Átlátszóság</a:t>
+              <a:t>Elosztott rendszerek</a:t>
             </a:r>
           </a:p>
         </p:txBody>
@@ -8022,7 +8322,7 @@
           <p:cNvPr id="3" name="Tartalom helye 2">
             <a:extLst>
               <a:ext uri="{FF2B5EF4-FFF2-40B4-BE49-F238E27FC236}">
-                <a16:creationId xmlns:a16="http://schemas.microsoft.com/office/drawing/2014/main" id="{B722AC36-A9B7-46F2-9DA5-44CAEEC6CD18}"/>
+                <a16:creationId xmlns:a16="http://schemas.microsoft.com/office/drawing/2014/main" id="{58DAF19B-C437-4657-AA96-0FC2A7E5D7AA}"/>
               </a:ext>
             </a:extLst>
           </p:cNvPr>
@@ -8040,44 +8340,29 @@
           <a:p>
             <a:r>
               <a:rPr lang="hu-HU" dirty="0"/>
-              <a:t>Hozzáférés</a:t>
-            </a:r>
-          </a:p>
-          <a:p>
-            <a:r>
-              <a:rPr lang="hu-HU" dirty="0"/>
-              <a:t>Hely elfedése</a:t>
-            </a:r>
-          </a:p>
-          <a:p>
-            <a:r>
-              <a:rPr lang="hu-HU" dirty="0"/>
-              <a:t>Mozgatás</a:t>
-            </a:r>
-          </a:p>
-          <a:p>
+              <a:t>Független gépek </a:t>
+            </a:r>
             <a:r>
               <a:rPr lang="hu-HU" dirty="0" err="1"/>
-              <a:t>Relokáció</a:t>
-            </a:r>
-            <a:endParaRPr lang="hu-HU" dirty="0"/>
-          </a:p>
-          <a:p>
-            <a:r>
-              <a:rPr lang="hu-HU" dirty="0"/>
-              <a:t>Replikáció</a:t>
-            </a:r>
-          </a:p>
-          <a:p>
-            <a:r>
-              <a:rPr lang="hu-HU" dirty="0"/>
-              <a:t>Konkurencia</a:t>
-            </a:r>
-          </a:p>
-          <a:p>
-            <a:r>
-              <a:rPr lang="hu-HU" dirty="0"/>
-              <a:t>Hibatűrés</a:t>
+              <a:t>sokassága</a:t>
+            </a:r>
+            <a:r>
+              <a:rPr lang="hu-HU" dirty="0"/>
+              <a:t>, melyek a </a:t>
+            </a:r>
+            <a:r>
+              <a:rPr lang="hu-HU" dirty="0" err="1"/>
+              <a:t>felahsználó</a:t>
+            </a:r>
+            <a:r>
+              <a:rPr lang="hu-HU" dirty="0"/>
+              <a:t> számára összefüggő rendszert alkotnak</a:t>
+            </a:r>
+          </a:p>
+          <a:p>
+            <a:r>
+              <a:rPr lang="hu-HU" dirty="0"/>
+              <a:t>Az osztott rendszer egy köztes réteg a gépek és alkalmazások között</a:t>
             </a:r>
           </a:p>
         </p:txBody>
@@ -8085,7 +8370,7 @@
     </p:spTree>
     <p:extLst>
       <p:ext uri="{BB962C8B-B14F-4D97-AF65-F5344CB8AC3E}">
-        <p14:creationId xmlns:p14="http://schemas.microsoft.com/office/powerpoint/2010/main" val="3650026717"/>
+        <p14:creationId xmlns:p14="http://schemas.microsoft.com/office/powerpoint/2010/main" val="1760733059"/>
       </p:ext>
     </p:extLst>
   </p:cSld>
@@ -8117,7 +8402,7 @@
           <p:cNvPr id="2" name="Cím 1">
             <a:extLst>
               <a:ext uri="{FF2B5EF4-FFF2-40B4-BE49-F238E27FC236}">
-                <a16:creationId xmlns:a16="http://schemas.microsoft.com/office/drawing/2014/main" id="{63BDAA71-EB16-4DF6-A996-1880DC7DAB52}"/>
+                <a16:creationId xmlns:a16="http://schemas.microsoft.com/office/drawing/2014/main" id="{1D2529D6-1A36-447C-A61F-051D59CC4B7D}"/>
               </a:ext>
             </a:extLst>
           </p:cNvPr>
@@ -8135,65 +8420,58 @@
           <a:p>
             <a:r>
               <a:rPr lang="hu-HU" dirty="0"/>
+              <a:t>Tervezési szempontok</a:t>
+            </a:r>
+          </a:p>
+        </p:txBody>
+      </p:sp>
+      <p:sp>
+        <p:nvSpPr>
+          <p:cNvPr id="3" name="Tartalom helye 2">
+            <a:extLst>
+              <a:ext uri="{FF2B5EF4-FFF2-40B4-BE49-F238E27FC236}">
+                <a16:creationId xmlns:a16="http://schemas.microsoft.com/office/drawing/2014/main" id="{0241F255-0B6F-4DFB-8448-0EE03BDCBECC}"/>
+              </a:ext>
+            </a:extLst>
+          </p:cNvPr>
+          <p:cNvSpPr>
+            <a:spLocks noGrp="1"/>
+          </p:cNvSpPr>
+          <p:nvPr>
+            <p:ph idx="1"/>
+          </p:nvPr>
+        </p:nvSpPr>
+        <p:spPr>
+          <a:xfrm>
+            <a:off x="838200" y="1914525"/>
+            <a:ext cx="10515600" cy="4351338"/>
+          </a:xfrm>
+        </p:spPr>
+        <p:txBody>
+          <a:bodyPr/>
+          <a:lstStyle/>
+          <a:p>
+            <a:r>
+              <a:rPr lang="hu-HU" dirty="0"/>
+              <a:t>Erőforrások elérhetővé tétele a felhasználónak</a:t>
+            </a:r>
+          </a:p>
+          <a:p>
+            <a:r>
+              <a:rPr lang="hu-HU" dirty="0"/>
+              <a:t>Átlátszóság</a:t>
+            </a:r>
+          </a:p>
+          <a:p>
+            <a:r>
+              <a:rPr lang="hu-HU" dirty="0"/>
               <a:t>Nyíltság</a:t>
             </a:r>
           </a:p>
-        </p:txBody>
-      </p:sp>
-      <p:sp>
-        <p:nvSpPr>
-          <p:cNvPr id="3" name="Tartalom helye 2">
-            <a:extLst>
-              <a:ext uri="{FF2B5EF4-FFF2-40B4-BE49-F238E27FC236}">
-                <a16:creationId xmlns:a16="http://schemas.microsoft.com/office/drawing/2014/main" id="{064CAF0D-A507-4AF7-837C-E9C64C324E72}"/>
-              </a:ext>
-            </a:extLst>
-          </p:cNvPr>
-          <p:cNvSpPr>
-            <a:spLocks noGrp="1"/>
-          </p:cNvSpPr>
-          <p:nvPr>
-            <p:ph idx="1"/>
-          </p:nvPr>
-        </p:nvSpPr>
-        <p:spPr/>
-        <p:txBody>
-          <a:bodyPr/>
-          <a:lstStyle/>
-          <a:p>
-            <a:r>
-              <a:rPr lang="hu-HU" dirty="0"/>
-              <a:t>Programnyelv</a:t>
-            </a:r>
-          </a:p>
-          <a:p>
-            <a:pPr lvl="1"/>
-            <a:r>
-              <a:rPr lang="hu-HU" dirty="0"/>
-              <a:t>Teljesség</a:t>
-            </a:r>
-          </a:p>
-          <a:p>
-            <a:pPr lvl="1"/>
-            <a:r>
-              <a:rPr lang="hu-HU" dirty="0"/>
-              <a:t>Semlegesség</a:t>
-            </a:r>
-          </a:p>
-          <a:p>
-            <a:pPr lvl="1"/>
-            <a:endParaRPr lang="hu-HU" dirty="0"/>
-          </a:p>
-          <a:p>
-            <a:r>
-              <a:rPr lang="hu-HU" dirty="0"/>
-              <a:t>Hordozhatóság</a:t>
-            </a:r>
-          </a:p>
-          <a:p>
-            <a:r>
-              <a:rPr lang="hu-HU" dirty="0"/>
-              <a:t>Műveletek közötti átjárhatóság</a:t>
+          <a:p>
+            <a:r>
+              <a:rPr lang="hu-HU" dirty="0"/>
+              <a:t>Skálázhatóság</a:t>
             </a:r>
           </a:p>
         </p:txBody>
@@ -8201,7 +8479,7 @@
     </p:spTree>
     <p:extLst>
       <p:ext uri="{BB962C8B-B14F-4D97-AF65-F5344CB8AC3E}">
-        <p14:creationId xmlns:p14="http://schemas.microsoft.com/office/powerpoint/2010/main" val="663386619"/>
+        <p14:creationId xmlns:p14="http://schemas.microsoft.com/office/powerpoint/2010/main" val="3902552877"/>
       </p:ext>
     </p:extLst>
   </p:cSld>
@@ -8233,7 +8511,7 @@
           <p:cNvPr id="2" name="Cím 1">
             <a:extLst>
               <a:ext uri="{FF2B5EF4-FFF2-40B4-BE49-F238E27FC236}">
-                <a16:creationId xmlns:a16="http://schemas.microsoft.com/office/drawing/2014/main" id="{BDAD93E9-1E73-47DA-BAA3-6645AE039A64}"/>
+                <a16:creationId xmlns:a16="http://schemas.microsoft.com/office/drawing/2014/main" id="{88606571-E834-4461-9608-E9CD7B9D12C3}"/>
               </a:ext>
             </a:extLst>
           </p:cNvPr>
@@ -8251,7 +8529,7 @@
           <a:p>
             <a:r>
               <a:rPr lang="hu-HU" dirty="0"/>
-              <a:t>Skálázhatóság</a:t>
+              <a:t>Átlátszóság</a:t>
             </a:r>
           </a:p>
         </p:txBody>
@@ -8261,7 +8539,7 @@
           <p:cNvPr id="3" name="Tartalom helye 2">
             <a:extLst>
               <a:ext uri="{FF2B5EF4-FFF2-40B4-BE49-F238E27FC236}">
-                <a16:creationId xmlns:a16="http://schemas.microsoft.com/office/drawing/2014/main" id="{9707FFEA-63A1-4239-9276-E8A78D96CD48}"/>
+                <a16:creationId xmlns:a16="http://schemas.microsoft.com/office/drawing/2014/main" id="{B722AC36-A9B7-46F2-9DA5-44CAEEC6CD18}"/>
               </a:ext>
             </a:extLst>
           </p:cNvPr>
@@ -8279,19 +8557,44 @@
           <a:p>
             <a:r>
               <a:rPr lang="hu-HU" dirty="0"/>
-              <a:t>Méretbeli</a:t>
-            </a:r>
-          </a:p>
-          <a:p>
-            <a:r>
-              <a:rPr lang="hu-HU" dirty="0"/>
-              <a:t>Földrajzi</a:t>
-            </a:r>
-          </a:p>
-          <a:p>
-            <a:r>
-              <a:rPr lang="hu-HU" dirty="0"/>
-              <a:t>Adminisztratív</a:t>
+              <a:t>Hozzáférés</a:t>
+            </a:r>
+          </a:p>
+          <a:p>
+            <a:r>
+              <a:rPr lang="hu-HU" dirty="0"/>
+              <a:t>Hely elfedése</a:t>
+            </a:r>
+          </a:p>
+          <a:p>
+            <a:r>
+              <a:rPr lang="hu-HU" dirty="0"/>
+              <a:t>Mozgatás</a:t>
+            </a:r>
+          </a:p>
+          <a:p>
+            <a:r>
+              <a:rPr lang="hu-HU" dirty="0" err="1"/>
+              <a:t>Relokáció</a:t>
+            </a:r>
+            <a:endParaRPr lang="hu-HU" dirty="0"/>
+          </a:p>
+          <a:p>
+            <a:r>
+              <a:rPr lang="hu-HU" dirty="0"/>
+              <a:t>Replikáció</a:t>
+            </a:r>
+          </a:p>
+          <a:p>
+            <a:r>
+              <a:rPr lang="hu-HU" dirty="0"/>
+              <a:t>Konkurencia</a:t>
+            </a:r>
+          </a:p>
+          <a:p>
+            <a:r>
+              <a:rPr lang="hu-HU" dirty="0"/>
+              <a:t>Hibatűrés</a:t>
             </a:r>
           </a:p>
         </p:txBody>
@@ -8299,7 +8602,7 @@
     </p:spTree>
     <p:extLst>
       <p:ext uri="{BB962C8B-B14F-4D97-AF65-F5344CB8AC3E}">
-        <p14:creationId xmlns:p14="http://schemas.microsoft.com/office/powerpoint/2010/main" val="4174636521"/>
+        <p14:creationId xmlns:p14="http://schemas.microsoft.com/office/powerpoint/2010/main" val="3650026717"/>
       </p:ext>
     </p:extLst>
   </p:cSld>
@@ -8445,8 +8748,8 @@
               <a:t>Monolitikus rendszerek szemben </a:t>
             </a:r>
             <a:r>
-              <a:rPr lang="hu-HU" dirty="0" err="1"/>
-              <a:t>mikroszervíz</a:t>
+              <a:rPr lang="hu-HU"/>
+              <a:t>mikroszerviz</a:t>
             </a:r>
             <a:r>
               <a:rPr lang="hu-HU" dirty="0"/>
@@ -8514,6 +8817,220 @@
           <p:cNvPr id="2" name="Cím 1">
             <a:extLst>
               <a:ext uri="{FF2B5EF4-FFF2-40B4-BE49-F238E27FC236}">
+                <a16:creationId xmlns:a16="http://schemas.microsoft.com/office/drawing/2014/main" id="{63BDAA71-EB16-4DF6-A996-1880DC7DAB52}"/>
+              </a:ext>
+            </a:extLst>
+          </p:cNvPr>
+          <p:cNvSpPr>
+            <a:spLocks noGrp="1"/>
+          </p:cNvSpPr>
+          <p:nvPr>
+            <p:ph type="title"/>
+          </p:nvPr>
+        </p:nvSpPr>
+        <p:spPr/>
+        <p:txBody>
+          <a:bodyPr/>
+          <a:lstStyle/>
+          <a:p>
+            <a:r>
+              <a:rPr lang="hu-HU" dirty="0"/>
+              <a:t>Nyíltság</a:t>
+            </a:r>
+          </a:p>
+        </p:txBody>
+      </p:sp>
+      <p:sp>
+        <p:nvSpPr>
+          <p:cNvPr id="3" name="Tartalom helye 2">
+            <a:extLst>
+              <a:ext uri="{FF2B5EF4-FFF2-40B4-BE49-F238E27FC236}">
+                <a16:creationId xmlns:a16="http://schemas.microsoft.com/office/drawing/2014/main" id="{064CAF0D-A507-4AF7-837C-E9C64C324E72}"/>
+              </a:ext>
+            </a:extLst>
+          </p:cNvPr>
+          <p:cNvSpPr>
+            <a:spLocks noGrp="1"/>
+          </p:cNvSpPr>
+          <p:nvPr>
+            <p:ph idx="1"/>
+          </p:nvPr>
+        </p:nvSpPr>
+        <p:spPr/>
+        <p:txBody>
+          <a:bodyPr/>
+          <a:lstStyle/>
+          <a:p>
+            <a:r>
+              <a:rPr lang="hu-HU" dirty="0"/>
+              <a:t>Programnyelv</a:t>
+            </a:r>
+          </a:p>
+          <a:p>
+            <a:pPr lvl="1"/>
+            <a:r>
+              <a:rPr lang="hu-HU" dirty="0"/>
+              <a:t>Teljesség</a:t>
+            </a:r>
+          </a:p>
+          <a:p>
+            <a:pPr lvl="1"/>
+            <a:r>
+              <a:rPr lang="hu-HU" dirty="0"/>
+              <a:t>Semlegesség</a:t>
+            </a:r>
+          </a:p>
+          <a:p>
+            <a:pPr lvl="1"/>
+            <a:endParaRPr lang="hu-HU" dirty="0"/>
+          </a:p>
+          <a:p>
+            <a:r>
+              <a:rPr lang="hu-HU" dirty="0"/>
+              <a:t>Hordozhatóság</a:t>
+            </a:r>
+          </a:p>
+          <a:p>
+            <a:r>
+              <a:rPr lang="hu-HU" dirty="0"/>
+              <a:t>Műveletek közötti átjárhatóság</a:t>
+            </a:r>
+          </a:p>
+        </p:txBody>
+      </p:sp>
+    </p:spTree>
+    <p:extLst>
+      <p:ext uri="{BB962C8B-B14F-4D97-AF65-F5344CB8AC3E}">
+        <p14:creationId xmlns:p14="http://schemas.microsoft.com/office/powerpoint/2010/main" val="663386619"/>
+      </p:ext>
+    </p:extLst>
+  </p:cSld>
+  <p:clrMapOvr>
+    <a:masterClrMapping/>
+  </p:clrMapOvr>
+</p:sld>
+</file>
+
+<file path=ppt/slides/slide21.xml><?xml version="1.0" encoding="utf-8"?>
+<p:sld xmlns:a="http://schemas.openxmlformats.org/drawingml/2006/main" xmlns:r="http://schemas.openxmlformats.org/officeDocument/2006/relationships" xmlns:p="http://schemas.openxmlformats.org/presentationml/2006/main">
+  <p:cSld>
+    <p:spTree>
+      <p:nvGrpSpPr>
+        <p:cNvPr id="1" name=""/>
+        <p:cNvGrpSpPr/>
+        <p:nvPr/>
+      </p:nvGrpSpPr>
+      <p:grpSpPr>
+        <a:xfrm>
+          <a:off x="0" y="0"/>
+          <a:ext cx="0" cy="0"/>
+          <a:chOff x="0" y="0"/>
+          <a:chExt cx="0" cy="0"/>
+        </a:xfrm>
+      </p:grpSpPr>
+      <p:sp>
+        <p:nvSpPr>
+          <p:cNvPr id="2" name="Cím 1">
+            <a:extLst>
+              <a:ext uri="{FF2B5EF4-FFF2-40B4-BE49-F238E27FC236}">
+                <a16:creationId xmlns:a16="http://schemas.microsoft.com/office/drawing/2014/main" id="{BDAD93E9-1E73-47DA-BAA3-6645AE039A64}"/>
+              </a:ext>
+            </a:extLst>
+          </p:cNvPr>
+          <p:cNvSpPr>
+            <a:spLocks noGrp="1"/>
+          </p:cNvSpPr>
+          <p:nvPr>
+            <p:ph type="title"/>
+          </p:nvPr>
+        </p:nvSpPr>
+        <p:spPr/>
+        <p:txBody>
+          <a:bodyPr/>
+          <a:lstStyle/>
+          <a:p>
+            <a:r>
+              <a:rPr lang="hu-HU" dirty="0"/>
+              <a:t>Skálázhatóság</a:t>
+            </a:r>
+          </a:p>
+        </p:txBody>
+      </p:sp>
+      <p:sp>
+        <p:nvSpPr>
+          <p:cNvPr id="3" name="Tartalom helye 2">
+            <a:extLst>
+              <a:ext uri="{FF2B5EF4-FFF2-40B4-BE49-F238E27FC236}">
+                <a16:creationId xmlns:a16="http://schemas.microsoft.com/office/drawing/2014/main" id="{9707FFEA-63A1-4239-9276-E8A78D96CD48}"/>
+              </a:ext>
+            </a:extLst>
+          </p:cNvPr>
+          <p:cNvSpPr>
+            <a:spLocks noGrp="1"/>
+          </p:cNvSpPr>
+          <p:nvPr>
+            <p:ph idx="1"/>
+          </p:nvPr>
+        </p:nvSpPr>
+        <p:spPr/>
+        <p:txBody>
+          <a:bodyPr/>
+          <a:lstStyle/>
+          <a:p>
+            <a:r>
+              <a:rPr lang="hu-HU" dirty="0"/>
+              <a:t>Méretbeli</a:t>
+            </a:r>
+          </a:p>
+          <a:p>
+            <a:r>
+              <a:rPr lang="hu-HU" dirty="0"/>
+              <a:t>Földrajzi</a:t>
+            </a:r>
+          </a:p>
+          <a:p>
+            <a:r>
+              <a:rPr lang="hu-HU" dirty="0"/>
+              <a:t>Adminisztratív</a:t>
+            </a:r>
+          </a:p>
+        </p:txBody>
+      </p:sp>
+    </p:spTree>
+    <p:extLst>
+      <p:ext uri="{BB962C8B-B14F-4D97-AF65-F5344CB8AC3E}">
+        <p14:creationId xmlns:p14="http://schemas.microsoft.com/office/powerpoint/2010/main" val="4174636521"/>
+      </p:ext>
+    </p:extLst>
+  </p:cSld>
+  <p:clrMapOvr>
+    <a:masterClrMapping/>
+  </p:clrMapOvr>
+</p:sld>
+</file>
+
+<file path=ppt/slides/slide22.xml><?xml version="1.0" encoding="utf-8"?>
+<p:sld xmlns:a="http://schemas.openxmlformats.org/drawingml/2006/main" xmlns:r="http://schemas.openxmlformats.org/officeDocument/2006/relationships" xmlns:p="http://schemas.openxmlformats.org/presentationml/2006/main">
+  <p:cSld>
+    <p:spTree>
+      <p:nvGrpSpPr>
+        <p:cNvPr id="1" name=""/>
+        <p:cNvGrpSpPr/>
+        <p:nvPr/>
+      </p:nvGrpSpPr>
+      <p:grpSpPr>
+        <a:xfrm>
+          <a:off x="0" y="0"/>
+          <a:ext cx="0" cy="0"/>
+          <a:chOff x="0" y="0"/>
+          <a:chExt cx="0" cy="0"/>
+        </a:xfrm>
+      </p:grpSpPr>
+      <p:sp>
+        <p:nvSpPr>
+          <p:cNvPr id="2" name="Cím 1">
+            <a:extLst>
+              <a:ext uri="{FF2B5EF4-FFF2-40B4-BE49-F238E27FC236}">
                 <a16:creationId xmlns:a16="http://schemas.microsoft.com/office/drawing/2014/main" id="{296165D0-24CB-46F8-8F76-25F81A7585DB}"/>
               </a:ext>
             </a:extLst>
@@ -8590,7 +9107,7 @@
 </p:sld>
 </file>
 
-<file path=ppt/slides/slide21.xml><?xml version="1.0" encoding="utf-8"?>
+<file path=ppt/slides/slide23.xml><?xml version="1.0" encoding="utf-8"?>
 <p:sld xmlns:a="http://schemas.openxmlformats.org/drawingml/2006/main" xmlns:r="http://schemas.openxmlformats.org/officeDocument/2006/relationships" xmlns:p="http://schemas.openxmlformats.org/presentationml/2006/main">
   <p:cSld>
     <p:spTree>
@@ -8680,215 +9197,6 @@
 </p:sld>
 </file>
 
-<file path=ppt/slides/slide22.xml><?xml version="1.0" encoding="utf-8"?>
-<p:sld xmlns:a="http://schemas.openxmlformats.org/drawingml/2006/main" xmlns:r="http://schemas.openxmlformats.org/officeDocument/2006/relationships" xmlns:p="http://schemas.openxmlformats.org/presentationml/2006/main">
-  <p:cSld>
-    <p:spTree>
-      <p:nvGrpSpPr>
-        <p:cNvPr id="1" name=""/>
-        <p:cNvGrpSpPr/>
-        <p:nvPr/>
-      </p:nvGrpSpPr>
-      <p:grpSpPr>
-        <a:xfrm>
-          <a:off x="0" y="0"/>
-          <a:ext cx="0" cy="0"/>
-          <a:chOff x="0" y="0"/>
-          <a:chExt cx="0" cy="0"/>
-        </a:xfrm>
-      </p:grpSpPr>
-      <p:sp>
-        <p:nvSpPr>
-          <p:cNvPr id="2" name="Cím 1">
-            <a:extLst>
-              <a:ext uri="{FF2B5EF4-FFF2-40B4-BE49-F238E27FC236}">
-                <a16:creationId xmlns:a16="http://schemas.microsoft.com/office/drawing/2014/main" id="{833CA029-2B06-4A93-88EC-0D64C454D895}"/>
-              </a:ext>
-            </a:extLst>
-          </p:cNvPr>
-          <p:cNvSpPr>
-            <a:spLocks noGrp="1"/>
-          </p:cNvSpPr>
-          <p:nvPr>
-            <p:ph type="title"/>
-          </p:nvPr>
-        </p:nvSpPr>
-        <p:spPr/>
-        <p:txBody>
-          <a:bodyPr/>
-          <a:lstStyle/>
-          <a:p>
-            <a:r>
-              <a:rPr lang="hu-HU" dirty="0"/>
-              <a:t>Elosztott információs rendszerek: tranzakciók</a:t>
-            </a:r>
-          </a:p>
-        </p:txBody>
-      </p:sp>
-      <p:sp>
-        <p:nvSpPr>
-          <p:cNvPr id="3" name="Tartalom helye 2">
-            <a:extLst>
-              <a:ext uri="{FF2B5EF4-FFF2-40B4-BE49-F238E27FC236}">
-                <a16:creationId xmlns:a16="http://schemas.microsoft.com/office/drawing/2014/main" id="{E77598C3-A215-460E-99BD-F3AA66E3BEF1}"/>
-              </a:ext>
-            </a:extLst>
-          </p:cNvPr>
-          <p:cNvSpPr>
-            <a:spLocks noGrp="1"/>
-          </p:cNvSpPr>
-          <p:nvPr>
-            <p:ph idx="1"/>
-          </p:nvPr>
-        </p:nvSpPr>
-        <p:spPr/>
-        <p:txBody>
-          <a:bodyPr/>
-          <a:lstStyle/>
-          <a:p>
-            <a:r>
-              <a:rPr lang="hu-HU" dirty="0"/>
-              <a:t>Modell</a:t>
-            </a:r>
-          </a:p>
-          <a:p>
-            <a:r>
-              <a:rPr lang="hu-HU" dirty="0" err="1"/>
-              <a:t>Atomosság</a:t>
-            </a:r>
-            <a:endParaRPr lang="hu-HU" dirty="0"/>
-          </a:p>
-          <a:p>
-            <a:r>
-              <a:rPr lang="hu-HU" dirty="0"/>
-              <a:t>Konzisztencia</a:t>
-            </a:r>
-          </a:p>
-          <a:p>
-            <a:r>
-              <a:rPr lang="hu-HU" dirty="0"/>
-              <a:t>Elkülönítés</a:t>
-            </a:r>
-          </a:p>
-          <a:p>
-            <a:r>
-              <a:rPr lang="hu-HU" dirty="0"/>
-              <a:t>Tartósság</a:t>
-            </a:r>
-          </a:p>
-        </p:txBody>
-      </p:sp>
-    </p:spTree>
-    <p:extLst>
-      <p:ext uri="{BB962C8B-B14F-4D97-AF65-F5344CB8AC3E}">
-        <p14:creationId xmlns:p14="http://schemas.microsoft.com/office/powerpoint/2010/main" val="3120922148"/>
-      </p:ext>
-    </p:extLst>
-  </p:cSld>
-  <p:clrMapOvr>
-    <a:masterClrMapping/>
-  </p:clrMapOvr>
-</p:sld>
-</file>
-
-<file path=ppt/slides/slide23.xml><?xml version="1.0" encoding="utf-8"?>
-<p:sld xmlns:a="http://schemas.openxmlformats.org/drawingml/2006/main" xmlns:r="http://schemas.openxmlformats.org/officeDocument/2006/relationships" xmlns:p="http://schemas.openxmlformats.org/presentationml/2006/main">
-  <p:cSld>
-    <p:spTree>
-      <p:nvGrpSpPr>
-        <p:cNvPr id="1" name=""/>
-        <p:cNvGrpSpPr/>
-        <p:nvPr/>
-      </p:nvGrpSpPr>
-      <p:grpSpPr>
-        <a:xfrm>
-          <a:off x="0" y="0"/>
-          <a:ext cx="0" cy="0"/>
-          <a:chOff x="0" y="0"/>
-          <a:chExt cx="0" cy="0"/>
-        </a:xfrm>
-      </p:grpSpPr>
-      <p:sp>
-        <p:nvSpPr>
-          <p:cNvPr id="2" name="Cím 1">
-            <a:extLst>
-              <a:ext uri="{FF2B5EF4-FFF2-40B4-BE49-F238E27FC236}">
-                <a16:creationId xmlns:a16="http://schemas.microsoft.com/office/drawing/2014/main" id="{187342FE-3DAD-4ED6-982D-A4D15C329608}"/>
-              </a:ext>
-            </a:extLst>
-          </p:cNvPr>
-          <p:cNvSpPr>
-            <a:spLocks noGrp="1"/>
-          </p:cNvSpPr>
-          <p:nvPr>
-            <p:ph type="title"/>
-          </p:nvPr>
-        </p:nvSpPr>
-        <p:spPr/>
-        <p:txBody>
-          <a:bodyPr/>
-          <a:lstStyle/>
-          <a:p>
-            <a:r>
-              <a:rPr lang="hu-HU" dirty="0"/>
-              <a:t>Elosztott elterjedt rendszerek</a:t>
-            </a:r>
-          </a:p>
-        </p:txBody>
-      </p:sp>
-      <p:sp>
-        <p:nvSpPr>
-          <p:cNvPr id="3" name="Tartalom helye 2">
-            <a:extLst>
-              <a:ext uri="{FF2B5EF4-FFF2-40B4-BE49-F238E27FC236}">
-                <a16:creationId xmlns:a16="http://schemas.microsoft.com/office/drawing/2014/main" id="{72C212C5-2BCC-435D-A620-994AC3A765BA}"/>
-              </a:ext>
-            </a:extLst>
-          </p:cNvPr>
-          <p:cNvSpPr>
-            <a:spLocks noGrp="1"/>
-          </p:cNvSpPr>
-          <p:nvPr>
-            <p:ph idx="1"/>
-          </p:nvPr>
-        </p:nvSpPr>
-        <p:spPr/>
-        <p:txBody>
-          <a:bodyPr/>
-          <a:lstStyle/>
-          <a:p>
-            <a:r>
-              <a:rPr lang="hu-HU" dirty="0"/>
-              <a:t>Kontextuális változás</a:t>
-            </a:r>
-          </a:p>
-          <a:p>
-            <a:r>
-              <a:rPr lang="hu-HU" dirty="0"/>
-              <a:t>Ad hoc összetétel</a:t>
-            </a:r>
-          </a:p>
-          <a:p>
-            <a:r>
-              <a:rPr lang="hu-HU" dirty="0"/>
-              <a:t>A megosztás az alapértelmezett</a:t>
-            </a:r>
-          </a:p>
-        </p:txBody>
-      </p:sp>
-    </p:spTree>
-    <p:extLst>
-      <p:ext uri="{BB962C8B-B14F-4D97-AF65-F5344CB8AC3E}">
-        <p14:creationId xmlns:p14="http://schemas.microsoft.com/office/powerpoint/2010/main" val="1687631970"/>
-      </p:ext>
-    </p:extLst>
-  </p:cSld>
-  <p:clrMapOvr>
-    <a:masterClrMapping/>
-  </p:clrMapOvr>
-</p:sld>
-</file>
-
 <file path=ppt/slides/slide24.xml><?xml version="1.0" encoding="utf-8"?>
 <p:sld xmlns:a="http://schemas.openxmlformats.org/drawingml/2006/main" xmlns:r="http://schemas.openxmlformats.org/officeDocument/2006/relationships" xmlns:p="http://schemas.openxmlformats.org/presentationml/2006/main">
   <p:cSld>
@@ -8911,7 +9219,7 @@
           <p:cNvPr id="2" name="Cím 1">
             <a:extLst>
               <a:ext uri="{FF2B5EF4-FFF2-40B4-BE49-F238E27FC236}">
-                <a16:creationId xmlns:a16="http://schemas.microsoft.com/office/drawing/2014/main" id="{7442CE72-EE7D-407B-85F0-6A073EBD4443}"/>
+                <a16:creationId xmlns:a16="http://schemas.microsoft.com/office/drawing/2014/main" id="{833CA029-2B06-4A93-88EC-0D64C454D895}"/>
               </a:ext>
             </a:extLst>
           </p:cNvPr>
@@ -8928,45 +9236,69 @@
           <a:lstStyle/>
           <a:p>
             <a:r>
+              <a:rPr lang="hu-HU" dirty="0"/>
+              <a:t>Elosztott információs rendszerek: tranzakciók</a:t>
+            </a:r>
+          </a:p>
+        </p:txBody>
+      </p:sp>
+      <p:sp>
+        <p:nvSpPr>
+          <p:cNvPr id="3" name="Tartalom helye 2">
+            <a:extLst>
+              <a:ext uri="{FF2B5EF4-FFF2-40B4-BE49-F238E27FC236}">
+                <a16:creationId xmlns:a16="http://schemas.microsoft.com/office/drawing/2014/main" id="{E77598C3-A215-460E-99BD-F3AA66E3BEF1}"/>
+              </a:ext>
+            </a:extLst>
+          </p:cNvPr>
+          <p:cNvSpPr>
+            <a:spLocks noGrp="1"/>
+          </p:cNvSpPr>
+          <p:nvPr>
+            <p:ph idx="1"/>
+          </p:nvPr>
+        </p:nvSpPr>
+        <p:spPr/>
+        <p:txBody>
+          <a:bodyPr/>
+          <a:lstStyle/>
+          <a:p>
+            <a:r>
+              <a:rPr lang="hu-HU" dirty="0"/>
+              <a:t>Modell</a:t>
+            </a:r>
+          </a:p>
+          <a:p>
+            <a:r>
               <a:rPr lang="hu-HU" dirty="0" err="1"/>
-              <a:t>Singleton</a:t>
-            </a:r>
-            <a:r>
-              <a:rPr lang="hu-HU" dirty="0"/>
-              <a:t> (egyke)</a:t>
-            </a:r>
-          </a:p>
-        </p:txBody>
-      </p:sp>
-      <p:sp>
-        <p:nvSpPr>
-          <p:cNvPr id="3" name="Tartalom helye 2">
-            <a:extLst>
-              <a:ext uri="{FF2B5EF4-FFF2-40B4-BE49-F238E27FC236}">
-                <a16:creationId xmlns:a16="http://schemas.microsoft.com/office/drawing/2014/main" id="{058A94DF-818C-4D99-A173-0CF48C69A363}"/>
-              </a:ext>
-            </a:extLst>
-          </p:cNvPr>
-          <p:cNvSpPr>
-            <a:spLocks noGrp="1"/>
-          </p:cNvSpPr>
-          <p:nvPr>
-            <p:ph idx="1"/>
-          </p:nvPr>
-        </p:nvSpPr>
-        <p:spPr/>
-        <p:txBody>
-          <a:bodyPr/>
-          <a:lstStyle/>
-          <a:p>
+              <a:t>Atomosság</a:t>
+            </a:r>
             <a:endParaRPr lang="hu-HU" dirty="0"/>
+          </a:p>
+          <a:p>
+            <a:r>
+              <a:rPr lang="hu-HU" dirty="0"/>
+              <a:t>Konzisztencia</a:t>
+            </a:r>
+          </a:p>
+          <a:p>
+            <a:r>
+              <a:rPr lang="hu-HU" dirty="0"/>
+              <a:t>Elkülönítés</a:t>
+            </a:r>
+          </a:p>
+          <a:p>
+            <a:r>
+              <a:rPr lang="hu-HU" dirty="0"/>
+              <a:t>Tartósság</a:t>
+            </a:r>
           </a:p>
         </p:txBody>
       </p:sp>
     </p:spTree>
     <p:extLst>
       <p:ext uri="{BB962C8B-B14F-4D97-AF65-F5344CB8AC3E}">
-        <p14:creationId xmlns:p14="http://schemas.microsoft.com/office/powerpoint/2010/main" val="286922289"/>
+        <p14:creationId xmlns:p14="http://schemas.microsoft.com/office/powerpoint/2010/main" val="3120922148"/>
       </p:ext>
     </p:extLst>
   </p:cSld>
@@ -8977,6 +9309,372 @@
 </file>
 
 <file path=ppt/slides/slide25.xml><?xml version="1.0" encoding="utf-8"?>
+<p:sld xmlns:a="http://schemas.openxmlformats.org/drawingml/2006/main" xmlns:r="http://schemas.openxmlformats.org/officeDocument/2006/relationships" xmlns:p="http://schemas.openxmlformats.org/presentationml/2006/main">
+  <p:cSld>
+    <p:spTree>
+      <p:nvGrpSpPr>
+        <p:cNvPr id="1" name=""/>
+        <p:cNvGrpSpPr/>
+        <p:nvPr/>
+      </p:nvGrpSpPr>
+      <p:grpSpPr>
+        <a:xfrm>
+          <a:off x="0" y="0"/>
+          <a:ext cx="0" cy="0"/>
+          <a:chOff x="0" y="0"/>
+          <a:chExt cx="0" cy="0"/>
+        </a:xfrm>
+      </p:grpSpPr>
+      <p:sp>
+        <p:nvSpPr>
+          <p:cNvPr id="2" name="Cím 1">
+            <a:extLst>
+              <a:ext uri="{FF2B5EF4-FFF2-40B4-BE49-F238E27FC236}">
+                <a16:creationId xmlns:a16="http://schemas.microsoft.com/office/drawing/2014/main" id="{187342FE-3DAD-4ED6-982D-A4D15C329608}"/>
+              </a:ext>
+            </a:extLst>
+          </p:cNvPr>
+          <p:cNvSpPr>
+            <a:spLocks noGrp="1"/>
+          </p:cNvSpPr>
+          <p:nvPr>
+            <p:ph type="title"/>
+          </p:nvPr>
+        </p:nvSpPr>
+        <p:spPr/>
+        <p:txBody>
+          <a:bodyPr/>
+          <a:lstStyle/>
+          <a:p>
+            <a:r>
+              <a:rPr lang="hu-HU" dirty="0"/>
+              <a:t>Elosztott elterjedt rendszerek</a:t>
+            </a:r>
+          </a:p>
+        </p:txBody>
+      </p:sp>
+      <p:sp>
+        <p:nvSpPr>
+          <p:cNvPr id="3" name="Tartalom helye 2">
+            <a:extLst>
+              <a:ext uri="{FF2B5EF4-FFF2-40B4-BE49-F238E27FC236}">
+                <a16:creationId xmlns:a16="http://schemas.microsoft.com/office/drawing/2014/main" id="{72C212C5-2BCC-435D-A620-994AC3A765BA}"/>
+              </a:ext>
+            </a:extLst>
+          </p:cNvPr>
+          <p:cNvSpPr>
+            <a:spLocks noGrp="1"/>
+          </p:cNvSpPr>
+          <p:nvPr>
+            <p:ph idx="1"/>
+          </p:nvPr>
+        </p:nvSpPr>
+        <p:spPr/>
+        <p:txBody>
+          <a:bodyPr/>
+          <a:lstStyle/>
+          <a:p>
+            <a:r>
+              <a:rPr lang="hu-HU" dirty="0"/>
+              <a:t>Kontextuális változás</a:t>
+            </a:r>
+          </a:p>
+          <a:p>
+            <a:r>
+              <a:rPr lang="hu-HU" dirty="0"/>
+              <a:t>Ad hoc összetétel</a:t>
+            </a:r>
+          </a:p>
+          <a:p>
+            <a:r>
+              <a:rPr lang="hu-HU" dirty="0"/>
+              <a:t>A megosztás az alapértelmezett</a:t>
+            </a:r>
+          </a:p>
+        </p:txBody>
+      </p:sp>
+    </p:spTree>
+    <p:extLst>
+      <p:ext uri="{BB962C8B-B14F-4D97-AF65-F5344CB8AC3E}">
+        <p14:creationId xmlns:p14="http://schemas.microsoft.com/office/powerpoint/2010/main" val="1687631970"/>
+      </p:ext>
+    </p:extLst>
+  </p:cSld>
+  <p:clrMapOvr>
+    <a:masterClrMapping/>
+  </p:clrMapOvr>
+</p:sld>
+</file>
+
+<file path=ppt/slides/slide26.xml><?xml version="1.0" encoding="utf-8"?>
+<p:sld xmlns:a="http://schemas.openxmlformats.org/drawingml/2006/main" xmlns:r="http://schemas.openxmlformats.org/officeDocument/2006/relationships" xmlns:p="http://schemas.openxmlformats.org/presentationml/2006/main">
+  <p:cSld>
+    <p:spTree>
+      <p:nvGrpSpPr>
+        <p:cNvPr id="1" name=""/>
+        <p:cNvGrpSpPr/>
+        <p:nvPr/>
+      </p:nvGrpSpPr>
+      <p:grpSpPr>
+        <a:xfrm>
+          <a:off x="0" y="0"/>
+          <a:ext cx="0" cy="0"/>
+          <a:chOff x="0" y="0"/>
+          <a:chExt cx="0" cy="0"/>
+        </a:xfrm>
+      </p:grpSpPr>
+      <p:sp>
+        <p:nvSpPr>
+          <p:cNvPr id="2" name="Cím 1">
+            <a:extLst>
+              <a:ext uri="{FF2B5EF4-FFF2-40B4-BE49-F238E27FC236}">
+                <a16:creationId xmlns:a16="http://schemas.microsoft.com/office/drawing/2014/main" id="{7C55B645-B7C8-429F-9AAF-575B1DD4E213}"/>
+              </a:ext>
+            </a:extLst>
+          </p:cNvPr>
+          <p:cNvSpPr>
+            <a:spLocks noGrp="1"/>
+          </p:cNvSpPr>
+          <p:nvPr>
+            <p:ph type="title"/>
+          </p:nvPr>
+        </p:nvSpPr>
+        <p:spPr/>
+        <p:txBody>
+          <a:bodyPr/>
+          <a:lstStyle/>
+          <a:p>
+            <a:r>
+              <a:rPr lang="hu-HU" dirty="0"/>
+              <a:t>Microsoft </a:t>
+            </a:r>
+            <a:r>
+              <a:rPr lang="hu-HU" dirty="0" err="1"/>
+              <a:t>Azure</a:t>
+            </a:r>
+            <a:endParaRPr lang="hu-HU" dirty="0"/>
+          </a:p>
+        </p:txBody>
+      </p:sp>
+      <p:sp>
+        <p:nvSpPr>
+          <p:cNvPr id="3" name="Tartalom helye 2">
+            <a:extLst>
+              <a:ext uri="{FF2B5EF4-FFF2-40B4-BE49-F238E27FC236}">
+                <a16:creationId xmlns:a16="http://schemas.microsoft.com/office/drawing/2014/main" id="{BF54DBAE-A2E4-4797-B2D0-7D81483081C2}"/>
+              </a:ext>
+            </a:extLst>
+          </p:cNvPr>
+          <p:cNvSpPr>
+            <a:spLocks noGrp="1"/>
+          </p:cNvSpPr>
+          <p:nvPr>
+            <p:ph idx="1"/>
+          </p:nvPr>
+        </p:nvSpPr>
+        <p:spPr/>
+        <p:txBody>
+          <a:bodyPr/>
+          <a:lstStyle/>
+          <a:p>
+            <a:r>
+              <a:rPr lang="hu-HU" dirty="0"/>
+              <a:t>Alkalmazások </a:t>
+            </a:r>
+          </a:p>
+          <a:p>
+            <a:pPr lvl="1"/>
+            <a:r>
+              <a:rPr lang="hu-HU" dirty="0"/>
+              <a:t>Készítése</a:t>
+            </a:r>
+          </a:p>
+          <a:p>
+            <a:pPr lvl="1"/>
+            <a:r>
+              <a:rPr lang="hu-HU" dirty="0"/>
+              <a:t>Telepítése</a:t>
+            </a:r>
+          </a:p>
+          <a:p>
+            <a:pPr lvl="1"/>
+            <a:r>
+              <a:rPr lang="hu-HU" dirty="0"/>
+              <a:t>Futtatása</a:t>
+            </a:r>
+          </a:p>
+          <a:p>
+            <a:r>
+              <a:rPr lang="hu-HU" dirty="0"/>
+              <a:t>Tetszőleges .NET alapú alkalmazások támogatása</a:t>
+            </a:r>
+          </a:p>
+        </p:txBody>
+      </p:sp>
+    </p:spTree>
+    <p:extLst>
+      <p:ext uri="{BB962C8B-B14F-4D97-AF65-F5344CB8AC3E}">
+        <p14:creationId xmlns:p14="http://schemas.microsoft.com/office/powerpoint/2010/main" val="3034115016"/>
+      </p:ext>
+    </p:extLst>
+  </p:cSld>
+  <p:clrMapOvr>
+    <a:masterClrMapping/>
+  </p:clrMapOvr>
+</p:sld>
+</file>
+
+<file path=ppt/slides/slide27.xml><?xml version="1.0" encoding="utf-8"?>
+<p:sld xmlns:a="http://schemas.openxmlformats.org/drawingml/2006/main" xmlns:r="http://schemas.openxmlformats.org/officeDocument/2006/relationships" xmlns:p="http://schemas.openxmlformats.org/presentationml/2006/main">
+  <p:cSld>
+    <p:spTree>
+      <p:nvGrpSpPr>
+        <p:cNvPr id="1" name=""/>
+        <p:cNvGrpSpPr/>
+        <p:nvPr/>
+      </p:nvGrpSpPr>
+      <p:grpSpPr>
+        <a:xfrm>
+          <a:off x="0" y="0"/>
+          <a:ext cx="0" cy="0"/>
+          <a:chOff x="0" y="0"/>
+          <a:chExt cx="0" cy="0"/>
+        </a:xfrm>
+      </p:grpSpPr>
+      <p:sp>
+        <p:nvSpPr>
+          <p:cNvPr id="2" name="Cím 1">
+            <a:extLst>
+              <a:ext uri="{FF2B5EF4-FFF2-40B4-BE49-F238E27FC236}">
+                <a16:creationId xmlns:a16="http://schemas.microsoft.com/office/drawing/2014/main" id="{5BFDB839-7368-481C-8DE7-F365E533CD1E}"/>
+              </a:ext>
+            </a:extLst>
+          </p:cNvPr>
+          <p:cNvSpPr>
+            <a:spLocks noGrp="1"/>
+          </p:cNvSpPr>
+          <p:nvPr>
+            <p:ph type="title"/>
+          </p:nvPr>
+        </p:nvSpPr>
+        <p:spPr/>
+        <p:txBody>
+          <a:bodyPr/>
+          <a:lstStyle/>
+          <a:p>
+            <a:r>
+              <a:rPr lang="hu-HU" dirty="0"/>
+              <a:t>Microsoft </a:t>
+            </a:r>
+            <a:r>
+              <a:rPr lang="hu-HU" dirty="0" err="1"/>
+              <a:t>Azure</a:t>
+            </a:r>
+            <a:r>
+              <a:rPr lang="hu-HU" dirty="0"/>
+              <a:t> szolgáltatásai</a:t>
+            </a:r>
+          </a:p>
+        </p:txBody>
+      </p:sp>
+      <p:sp>
+        <p:nvSpPr>
+          <p:cNvPr id="3" name="Tartalom helye 2">
+            <a:extLst>
+              <a:ext uri="{FF2B5EF4-FFF2-40B4-BE49-F238E27FC236}">
+                <a16:creationId xmlns:a16="http://schemas.microsoft.com/office/drawing/2014/main" id="{DDC12253-73F2-4819-8BB5-3B546E1C2D2E}"/>
+              </a:ext>
+            </a:extLst>
+          </p:cNvPr>
+          <p:cNvSpPr>
+            <a:spLocks noGrp="1"/>
+          </p:cNvSpPr>
+          <p:nvPr>
+            <p:ph idx="1"/>
+          </p:nvPr>
+        </p:nvSpPr>
+        <p:spPr/>
+        <p:txBody>
+          <a:bodyPr>
+            <a:normAutofit fontScale="92500" lnSpcReduction="20000"/>
+          </a:bodyPr>
+          <a:lstStyle/>
+          <a:p>
+            <a:r>
+              <a:rPr lang="hu-HU" dirty="0"/>
+              <a:t>Számítások</a:t>
+            </a:r>
+          </a:p>
+          <a:p>
+            <a:r>
+              <a:rPr lang="hu-HU" dirty="0"/>
+              <a:t>Mobil szolgáltatások</a:t>
+            </a:r>
+          </a:p>
+          <a:p>
+            <a:r>
+              <a:rPr lang="hu-HU" dirty="0"/>
+              <a:t>Tárolás</a:t>
+            </a:r>
+          </a:p>
+          <a:p>
+            <a:r>
+              <a:rPr lang="hu-HU" dirty="0"/>
+              <a:t>Adatmenedzsment</a:t>
+            </a:r>
+          </a:p>
+          <a:p>
+            <a:r>
+              <a:rPr lang="hu-HU" dirty="0"/>
+              <a:t>Üzenetküldés</a:t>
+            </a:r>
+          </a:p>
+          <a:p>
+            <a:r>
+              <a:rPr lang="hu-HU" dirty="0"/>
+              <a:t>Média szolgáltatások</a:t>
+            </a:r>
+          </a:p>
+          <a:p>
+            <a:r>
+              <a:rPr lang="hu-HU" dirty="0"/>
+              <a:t>CDN</a:t>
+            </a:r>
+          </a:p>
+          <a:p>
+            <a:r>
+              <a:rPr lang="hu-HU" dirty="0"/>
+              <a:t>Fejlesztői eszközök</a:t>
+            </a:r>
+          </a:p>
+          <a:p>
+            <a:r>
+              <a:rPr lang="hu-HU" dirty="0"/>
+              <a:t>Menedzsment</a:t>
+            </a:r>
+          </a:p>
+          <a:p>
+            <a:r>
+              <a:rPr lang="hu-HU" dirty="0"/>
+              <a:t>Gépi tanulás</a:t>
+            </a:r>
+          </a:p>
+        </p:txBody>
+      </p:sp>
+    </p:spTree>
+    <p:extLst>
+      <p:ext uri="{BB962C8B-B14F-4D97-AF65-F5344CB8AC3E}">
+        <p14:creationId xmlns:p14="http://schemas.microsoft.com/office/powerpoint/2010/main" val="1629465574"/>
+      </p:ext>
+    </p:extLst>
+  </p:cSld>
+  <p:clrMapOvr>
+    <a:masterClrMapping/>
+  </p:clrMapOvr>
+</p:sld>
+</file>
+
+<file path=ppt/slides/slide28.xml><?xml version="1.0" encoding="utf-8"?>
 <p:sld xmlns:a="http://schemas.openxmlformats.org/drawingml/2006/main" xmlns:r="http://schemas.openxmlformats.org/officeDocument/2006/relationships" xmlns:p="http://schemas.openxmlformats.org/presentationml/2006/main">
   <p:cSld>
     <p:spTree>

--- a/Osztott rendszerek, párhuzamos programozás.pptx
+++ b/Osztott rendszerek, párhuzamos programozás.pptx
@@ -5,7 +5,7 @@
     <p:sldMasterId id="2147483648" r:id="rId1"/>
   </p:sldMasterIdLst>
   <p:notesMasterIdLst>
-    <p:notesMasterId r:id="rId30"/>
+    <p:notesMasterId r:id="rId36"/>
   </p:notesMasterIdLst>
   <p:sldIdLst>
     <p:sldId id="256" r:id="rId2"/>
@@ -35,7 +35,13 @@
     <p:sldId id="279" r:id="rId26"/>
     <p:sldId id="282" r:id="rId27"/>
     <p:sldId id="283" r:id="rId28"/>
-    <p:sldId id="260" r:id="rId29"/>
+    <p:sldId id="284" r:id="rId29"/>
+    <p:sldId id="285" r:id="rId30"/>
+    <p:sldId id="286" r:id="rId31"/>
+    <p:sldId id="287" r:id="rId32"/>
+    <p:sldId id="288" r:id="rId33"/>
+    <p:sldId id="289" r:id="rId34"/>
+    <p:sldId id="260" r:id="rId35"/>
   </p:sldIdLst>
   <p:sldSz cx="12192000" cy="6858000"/>
   <p:notesSz cx="6858000" cy="9144000"/>
@@ -3015,6 +3021,869 @@
     <p:extLst>
       <p:ext uri="{BB962C8B-B14F-4D97-AF65-F5344CB8AC3E}">
         <p14:creationId xmlns:p14="http://schemas.microsoft.com/office/powerpoint/2010/main" val="2030190753"/>
+      </p:ext>
+    </p:extLst>
+  </p:cSld>
+  <p:clrMapOvr>
+    <a:masterClrMapping/>
+  </p:clrMapOvr>
+</p:notes>
+</file>
+
+<file path=ppt/notesSlides/notesSlide25.xml><?xml version="1.0" encoding="utf-8"?>
+<p:notes xmlns:a="http://schemas.openxmlformats.org/drawingml/2006/main" xmlns:r="http://schemas.openxmlformats.org/officeDocument/2006/relationships" xmlns:p="http://schemas.openxmlformats.org/presentationml/2006/main">
+  <p:cSld>
+    <p:spTree>
+      <p:nvGrpSpPr>
+        <p:cNvPr id="1" name=""/>
+        <p:cNvGrpSpPr/>
+        <p:nvPr/>
+      </p:nvGrpSpPr>
+      <p:grpSpPr>
+        <a:xfrm>
+          <a:off x="0" y="0"/>
+          <a:ext cx="0" cy="0"/>
+          <a:chOff x="0" y="0"/>
+          <a:chExt cx="0" cy="0"/>
+        </a:xfrm>
+      </p:grpSpPr>
+      <p:sp>
+        <p:nvSpPr>
+          <p:cNvPr id="2" name="Diakép helye 1"/>
+          <p:cNvSpPr>
+            <a:spLocks noGrp="1" noRot="1" noChangeAspect="1"/>
+          </p:cNvSpPr>
+          <p:nvPr>
+            <p:ph type="sldImg"/>
+          </p:nvPr>
+        </p:nvSpPr>
+        <p:spPr/>
+      </p:sp>
+      <p:sp>
+        <p:nvSpPr>
+          <p:cNvPr id="3" name="Jegyzetek helye 2"/>
+          <p:cNvSpPr>
+            <a:spLocks noGrp="1"/>
+          </p:cNvSpPr>
+          <p:nvPr>
+            <p:ph type="body" idx="1"/>
+          </p:nvPr>
+        </p:nvSpPr>
+        <p:spPr/>
+        <p:txBody>
+          <a:bodyPr/>
+          <a:lstStyle/>
+          <a:p>
+            <a:r>
+              <a:rPr lang="hu-HU" dirty="0"/>
+              <a:t>Nagyméretű, összetett rendszerek esetén gyakori követelmény a skálázhatóság. </a:t>
+            </a:r>
+            <a:br>
+              <a:rPr lang="hu-HU" dirty="0"/>
+            </a:br>
+            <a:br>
+              <a:rPr lang="hu-HU" dirty="0"/>
+            </a:br>
+            <a:r>
+              <a:rPr lang="hu-HU" dirty="0"/>
+              <a:t>Egy rendszert akkor mondunk skálázhatónak, ha nagyobb terhelés alatt képes a teljesítményét növelni további erőforrások (tipikusan hardver) hozzáadásával.</a:t>
+            </a:r>
+          </a:p>
+        </p:txBody>
+      </p:sp>
+      <p:sp>
+        <p:nvSpPr>
+          <p:cNvPr id="4" name="Dia számának helye 3"/>
+          <p:cNvSpPr>
+            <a:spLocks noGrp="1"/>
+          </p:cNvSpPr>
+          <p:nvPr>
+            <p:ph type="sldNum" sz="quarter" idx="5"/>
+          </p:nvPr>
+        </p:nvSpPr>
+        <p:spPr/>
+        <p:txBody>
+          <a:bodyPr/>
+          <a:lstStyle/>
+          <a:p>
+            <a:fld id="{674FF4E3-1DEA-4DBB-AF74-DDA85AC22194}" type="slidenum">
+              <a:rPr lang="hu-HU" smtClean="0"/>
+              <a:t>28</a:t>
+            </a:fld>
+            <a:endParaRPr lang="hu-HU"/>
+          </a:p>
+        </p:txBody>
+      </p:sp>
+    </p:spTree>
+    <p:extLst>
+      <p:ext uri="{BB962C8B-B14F-4D97-AF65-F5344CB8AC3E}">
+        <p14:creationId xmlns:p14="http://schemas.microsoft.com/office/powerpoint/2010/main" val="3409943979"/>
+      </p:ext>
+    </p:extLst>
+  </p:cSld>
+  <p:clrMapOvr>
+    <a:masterClrMapping/>
+  </p:clrMapOvr>
+</p:notes>
+</file>
+
+<file path=ppt/notesSlides/notesSlide26.xml><?xml version="1.0" encoding="utf-8"?>
+<p:notes xmlns:a="http://schemas.openxmlformats.org/drawingml/2006/main" xmlns:r="http://schemas.openxmlformats.org/officeDocument/2006/relationships" xmlns:p="http://schemas.openxmlformats.org/presentationml/2006/main">
+  <p:cSld>
+    <p:spTree>
+      <p:nvGrpSpPr>
+        <p:cNvPr id="1" name=""/>
+        <p:cNvGrpSpPr/>
+        <p:nvPr/>
+      </p:nvGrpSpPr>
+      <p:grpSpPr>
+        <a:xfrm>
+          <a:off x="0" y="0"/>
+          <a:ext cx="0" cy="0"/>
+          <a:chOff x="0" y="0"/>
+          <a:chExt cx="0" cy="0"/>
+        </a:xfrm>
+      </p:grpSpPr>
+      <p:sp>
+        <p:nvSpPr>
+          <p:cNvPr id="2" name="Diakép helye 1"/>
+          <p:cNvSpPr>
+            <a:spLocks noGrp="1" noRot="1" noChangeAspect="1"/>
+          </p:cNvSpPr>
+          <p:nvPr>
+            <p:ph type="sldImg"/>
+          </p:nvPr>
+        </p:nvSpPr>
+        <p:spPr/>
+      </p:sp>
+      <p:sp>
+        <p:nvSpPr>
+          <p:cNvPr id="3" name="Jegyzetek helye 2"/>
+          <p:cNvSpPr>
+            <a:spLocks noGrp="1"/>
+          </p:cNvSpPr>
+          <p:nvPr>
+            <p:ph type="body" idx="1"/>
+          </p:nvPr>
+        </p:nvSpPr>
+        <p:spPr/>
+        <p:txBody>
+          <a:bodyPr/>
+          <a:lstStyle/>
+          <a:p>
+            <a:r>
+              <a:rPr lang="hu-HU" dirty="0"/>
+              <a:t>Vertikális:</a:t>
+            </a:r>
+          </a:p>
+          <a:p>
+            <a:r>
+              <a:rPr lang="hu-HU" dirty="0"/>
+              <a:t>Nagyobb hardver kapacitás (gyorsabb vagy több processzor, nagyobb vagy gyorsabb memória és merevlemez) nagyobb számítási teljesítményt ad</a:t>
+            </a:r>
+          </a:p>
+          <a:p>
+            <a:endParaRPr lang="hu-HU" dirty="0"/>
+          </a:p>
+          <a:p>
+            <a:r>
+              <a:rPr lang="hu-HU" dirty="0"/>
+              <a:t>Horizontális:</a:t>
+            </a:r>
+          </a:p>
+          <a:p>
+            <a:r>
+              <a:rPr lang="hu-HU" dirty="0"/>
+              <a:t>Újabb szerverek hozzáadásával növelhető a teljesítmény</a:t>
+            </a:r>
+          </a:p>
+          <a:p>
+            <a:endParaRPr lang="hu-HU" dirty="0"/>
+          </a:p>
+        </p:txBody>
+      </p:sp>
+      <p:sp>
+        <p:nvSpPr>
+          <p:cNvPr id="4" name="Dia számának helye 3"/>
+          <p:cNvSpPr>
+            <a:spLocks noGrp="1"/>
+          </p:cNvSpPr>
+          <p:nvPr>
+            <p:ph type="sldNum" sz="quarter" idx="5"/>
+          </p:nvPr>
+        </p:nvSpPr>
+        <p:spPr/>
+        <p:txBody>
+          <a:bodyPr/>
+          <a:lstStyle/>
+          <a:p>
+            <a:fld id="{674FF4E3-1DEA-4DBB-AF74-DDA85AC22194}" type="slidenum">
+              <a:rPr lang="hu-HU" smtClean="0"/>
+              <a:t>29</a:t>
+            </a:fld>
+            <a:endParaRPr lang="hu-HU"/>
+          </a:p>
+        </p:txBody>
+      </p:sp>
+    </p:spTree>
+    <p:extLst>
+      <p:ext uri="{BB962C8B-B14F-4D97-AF65-F5344CB8AC3E}">
+        <p14:creationId xmlns:p14="http://schemas.microsoft.com/office/powerpoint/2010/main" val="3655506708"/>
+      </p:ext>
+    </p:extLst>
+  </p:cSld>
+  <p:clrMapOvr>
+    <a:masterClrMapping/>
+  </p:clrMapOvr>
+</p:notes>
+</file>
+
+<file path=ppt/notesSlides/notesSlide27.xml><?xml version="1.0" encoding="utf-8"?>
+<p:notes xmlns:a="http://schemas.openxmlformats.org/drawingml/2006/main" xmlns:r="http://schemas.openxmlformats.org/officeDocument/2006/relationships" xmlns:p="http://schemas.openxmlformats.org/presentationml/2006/main">
+  <p:cSld>
+    <p:spTree>
+      <p:nvGrpSpPr>
+        <p:cNvPr id="1" name=""/>
+        <p:cNvGrpSpPr/>
+        <p:nvPr/>
+      </p:nvGrpSpPr>
+      <p:grpSpPr>
+        <a:xfrm>
+          <a:off x="0" y="0"/>
+          <a:ext cx="0" cy="0"/>
+          <a:chOff x="0" y="0"/>
+          <a:chExt cx="0" cy="0"/>
+        </a:xfrm>
+      </p:grpSpPr>
+      <p:sp>
+        <p:nvSpPr>
+          <p:cNvPr id="2" name="Diakép helye 1"/>
+          <p:cNvSpPr>
+            <a:spLocks noGrp="1" noRot="1" noChangeAspect="1"/>
+          </p:cNvSpPr>
+          <p:nvPr>
+            <p:ph type="sldImg"/>
+          </p:nvPr>
+        </p:nvSpPr>
+        <p:spPr/>
+      </p:sp>
+      <p:sp>
+        <p:nvSpPr>
+          <p:cNvPr id="3" name="Jegyzetek helye 2"/>
+          <p:cNvSpPr>
+            <a:spLocks noGrp="1"/>
+          </p:cNvSpPr>
+          <p:nvPr>
+            <p:ph type="body" idx="1"/>
+          </p:nvPr>
+        </p:nvSpPr>
+        <p:spPr/>
+        <p:txBody>
+          <a:bodyPr/>
+          <a:lstStyle/>
+          <a:p>
+            <a:r>
+              <a:rPr lang="hu-HU" b="1" i="0" u="sng" dirty="0"/>
+              <a:t>Költség</a:t>
+            </a:r>
+            <a:r>
+              <a:rPr lang="hu-HU" dirty="0"/>
+              <a:t>:</a:t>
+            </a:r>
+          </a:p>
+          <a:p>
+            <a:r>
+              <a:rPr lang="hu-HU" dirty="0"/>
+              <a:t>A felhő azért költséghatékony, mert a felhasználó mentesül a drága hardver és szoftvervásárlás alól, </a:t>
+            </a:r>
+          </a:p>
+          <a:p>
+            <a:r>
+              <a:rPr lang="hu-HU" dirty="0"/>
+              <a:t>valamint a helyi adatközpontok beállítása és működtetése ugye áramot fogyaszt, illetve valakinek mindig felügyelni kell a megfelelő működését.</a:t>
+            </a:r>
+            <a:br>
+              <a:rPr lang="hu-HU" dirty="0"/>
+            </a:br>
+            <a:r>
+              <a:rPr lang="hu-HU" dirty="0"/>
+              <a:t>Ezek együtt komoly összegeket tehetnek ki.</a:t>
+            </a:r>
+          </a:p>
+          <a:p>
+            <a:endParaRPr lang="hu-HU" dirty="0"/>
+          </a:p>
+          <a:p>
+            <a:r>
+              <a:rPr lang="hu-HU" b="1" i="0" u="sng" dirty="0"/>
+              <a:t>Gyorsaság</a:t>
+            </a:r>
+            <a:r>
+              <a:rPr lang="hu-HU" dirty="0"/>
+              <a:t>:</a:t>
+            </a:r>
+          </a:p>
+          <a:p>
+            <a:r>
+              <a:rPr lang="hu-HU" dirty="0"/>
+              <a:t>A legtöbb felhőszolgáltatás önkiszolgáló és igény szerint néhány kattintással nagy mennyiségű számítási erőforrást üzembe lehet helyezni, ezzel nagyfokú rugalmasságot biztosít a cégeknek és csökkenti a kapacitástervezésre nehezedő nyomást.</a:t>
+            </a:r>
+          </a:p>
+          <a:p>
+            <a:endParaRPr lang="hu-HU" dirty="0"/>
+          </a:p>
+          <a:p>
+            <a:r>
+              <a:rPr lang="hu-HU" b="1" i="0" u="sng" dirty="0"/>
+              <a:t>Globális méretezhetőség</a:t>
+            </a:r>
+            <a:r>
+              <a:rPr lang="hu-HU" dirty="0"/>
+              <a:t>:</a:t>
+            </a:r>
+          </a:p>
+          <a:p>
+            <a:r>
+              <a:rPr lang="hu-HU" dirty="0"/>
+              <a:t>A felhőszolgáltatások további előnye a rugalmas skálázhatóság.</a:t>
+            </a:r>
+          </a:p>
+          <a:p>
+            <a:r>
+              <a:rPr lang="hu-HU" dirty="0"/>
+              <a:t>Szabadon és bármikor választható a hardver.</a:t>
+            </a:r>
+          </a:p>
+          <a:p>
+            <a:endParaRPr lang="hu-HU" dirty="0"/>
+          </a:p>
+          <a:p>
+            <a:r>
+              <a:rPr lang="hu-HU" b="1" i="0" u="sng" dirty="0"/>
+              <a:t>Teljesítmény</a:t>
+            </a:r>
+            <a:r>
+              <a:rPr lang="hu-HU" dirty="0"/>
+              <a:t>:</a:t>
+            </a:r>
+          </a:p>
+          <a:p>
+            <a:r>
+              <a:rPr lang="hu-HU" dirty="0"/>
+              <a:t>A legnagyobb felhőszolgáltatások olyan biztonságok adatközpontok globális hálózatában futnak, amelyeket gyors, hatékony, legújabb generációs számítástechnikai hardverek működtetnek.</a:t>
+            </a:r>
+          </a:p>
+          <a:p>
+            <a:r>
+              <a:rPr lang="hu-HU" dirty="0"/>
+              <a:t>Ez a vállalati adatközpontokhoz képest számos előnyt biztosít, így például kisebb kését az alkalmazások esetében és hatékonyabb </a:t>
+            </a:r>
+            <a:r>
+              <a:rPr lang="hu-HU" dirty="0" err="1"/>
+              <a:t>skálázhatóságot</a:t>
+            </a:r>
+            <a:r>
+              <a:rPr lang="hu-HU" dirty="0"/>
+              <a:t>.</a:t>
+            </a:r>
+          </a:p>
+          <a:p>
+            <a:endParaRPr lang="hu-HU" dirty="0"/>
+          </a:p>
+          <a:p>
+            <a:r>
+              <a:rPr lang="hu-HU" b="1" i="0" u="sng" dirty="0"/>
+              <a:t>Megbízhatóság</a:t>
+            </a:r>
+            <a:r>
+              <a:rPr lang="hu-HU" dirty="0"/>
+              <a:t>:</a:t>
+            </a:r>
+          </a:p>
+          <a:p>
+            <a:r>
+              <a:rPr lang="hu-HU" dirty="0"/>
+              <a:t>A felhő-számítástechnika megkönnyíti és olcsóbbá teszi az adatok biztonsági mentését, a vészhereállítást és folyamatos üzletmenet biztosítását, mivel az adatok több redundáns helyre tükrözhetők a felhőszolgáltató hálózatában.</a:t>
+            </a:r>
+          </a:p>
+          <a:p>
+            <a:endParaRPr lang="hu-HU" dirty="0"/>
+          </a:p>
+          <a:p>
+            <a:r>
+              <a:rPr lang="hu-HU" b="1" i="0" u="sng" dirty="0"/>
+              <a:t>Biztonság</a:t>
+            </a:r>
+            <a:r>
+              <a:rPr lang="hu-HU" dirty="0"/>
+              <a:t>: </a:t>
+            </a:r>
+          </a:p>
+          <a:p>
+            <a:r>
+              <a:rPr lang="hu-HU" dirty="0"/>
+              <a:t>Számos felhőszolgáltató kínálatában szerepel az általános biztonságot általában megerősítő, az adatok, alkalmazások és infrastruktúra </a:t>
+            </a:r>
+            <a:r>
+              <a:rPr lang="hu-HU" dirty="0" err="1"/>
+              <a:t>támodások</a:t>
+            </a:r>
+            <a:r>
+              <a:rPr lang="hu-HU" dirty="0"/>
+              <a:t> elleni védelmét segítő szabályzatok, technológiák és vezérlők széles köre.</a:t>
+            </a:r>
+          </a:p>
+          <a:p>
+            <a:endParaRPr lang="hu-HU" dirty="0"/>
+          </a:p>
+          <a:p>
+            <a:endParaRPr lang="hu-HU" dirty="0"/>
+          </a:p>
+        </p:txBody>
+      </p:sp>
+      <p:sp>
+        <p:nvSpPr>
+          <p:cNvPr id="4" name="Dia számának helye 3"/>
+          <p:cNvSpPr>
+            <a:spLocks noGrp="1"/>
+          </p:cNvSpPr>
+          <p:nvPr>
+            <p:ph type="sldNum" sz="quarter" idx="5"/>
+          </p:nvPr>
+        </p:nvSpPr>
+        <p:spPr/>
+        <p:txBody>
+          <a:bodyPr/>
+          <a:lstStyle/>
+          <a:p>
+            <a:fld id="{674FF4E3-1DEA-4DBB-AF74-DDA85AC22194}" type="slidenum">
+              <a:rPr lang="hu-HU" smtClean="0"/>
+              <a:t>31</a:t>
+            </a:fld>
+            <a:endParaRPr lang="hu-HU"/>
+          </a:p>
+        </p:txBody>
+      </p:sp>
+    </p:spTree>
+    <p:extLst>
+      <p:ext uri="{BB962C8B-B14F-4D97-AF65-F5344CB8AC3E}">
+        <p14:creationId xmlns:p14="http://schemas.microsoft.com/office/powerpoint/2010/main" val="4230143914"/>
+      </p:ext>
+    </p:extLst>
+  </p:cSld>
+  <p:clrMapOvr>
+    <a:masterClrMapping/>
+  </p:clrMapOvr>
+</p:notes>
+</file>
+
+<file path=ppt/notesSlides/notesSlide28.xml><?xml version="1.0" encoding="utf-8"?>
+<p:notes xmlns:a="http://schemas.openxmlformats.org/drawingml/2006/main" xmlns:r="http://schemas.openxmlformats.org/officeDocument/2006/relationships" xmlns:p="http://schemas.openxmlformats.org/presentationml/2006/main">
+  <p:cSld>
+    <p:spTree>
+      <p:nvGrpSpPr>
+        <p:cNvPr id="1" name=""/>
+        <p:cNvGrpSpPr/>
+        <p:nvPr/>
+      </p:nvGrpSpPr>
+      <p:grpSpPr>
+        <a:xfrm>
+          <a:off x="0" y="0"/>
+          <a:ext cx="0" cy="0"/>
+          <a:chOff x="0" y="0"/>
+          <a:chExt cx="0" cy="0"/>
+        </a:xfrm>
+      </p:grpSpPr>
+      <p:sp>
+        <p:nvSpPr>
+          <p:cNvPr id="2" name="Diakép helye 1"/>
+          <p:cNvSpPr>
+            <a:spLocks noGrp="1" noRot="1" noChangeAspect="1"/>
+          </p:cNvSpPr>
+          <p:nvPr>
+            <p:ph type="sldImg"/>
+          </p:nvPr>
+        </p:nvSpPr>
+        <p:spPr/>
+      </p:sp>
+      <p:sp>
+        <p:nvSpPr>
+          <p:cNvPr id="3" name="Jegyzetek helye 2"/>
+          <p:cNvSpPr>
+            <a:spLocks noGrp="1"/>
+          </p:cNvSpPr>
+          <p:nvPr>
+            <p:ph type="body" idx="1"/>
+          </p:nvPr>
+        </p:nvSpPr>
+        <p:spPr/>
+        <p:txBody>
+          <a:bodyPr/>
+          <a:lstStyle/>
+          <a:p>
+            <a:r>
+              <a:rPr lang="hu-HU" dirty="0"/>
+              <a:t>Nyilvános felhő:</a:t>
+            </a:r>
+          </a:p>
+          <a:p>
+            <a:r>
+              <a:rPr lang="hu-HU" dirty="0"/>
+              <a:t>A nyilvános felhők tulajdonosai és működtetői külső felhőszolgáltatók. </a:t>
+            </a:r>
+          </a:p>
+          <a:p>
+            <a:r>
+              <a:rPr lang="hu-HU" dirty="0"/>
+              <a:t>A nyilvános felhők számítási erőforrásai (például kiszolgálók és tárhelyek) pedig az internetek keresztül érhetők el.</a:t>
+            </a:r>
+          </a:p>
+          <a:p>
+            <a:endParaRPr lang="hu-HU" dirty="0"/>
+          </a:p>
+          <a:p>
+            <a:r>
+              <a:rPr lang="hu-HU" dirty="0"/>
+              <a:t>Magánfelhő: </a:t>
+            </a:r>
+          </a:p>
+          <a:p>
+            <a:r>
+              <a:rPr lang="hu-HU" dirty="0"/>
+              <a:t>A magánfelhő olyan felhő-számítástechnikai erőforrásokra utal, amelyeket kizárólag egyetlen cég vagy szervezet használ.</a:t>
+            </a:r>
+          </a:p>
+          <a:p>
+            <a:r>
+              <a:rPr lang="hu-HU" dirty="0"/>
+              <a:t>A magánfelhő fizikailag a vállalat telephelyi adatközpontjában helyezhető el, de díjfizetés ellenében külső szolgáltatóknál is üzemeltethető.</a:t>
+            </a:r>
+          </a:p>
+          <a:p>
+            <a:r>
+              <a:rPr lang="hu-HU" dirty="0"/>
+              <a:t>A magánfelhő esetében a szolgáltatásokat és az infrastruktúrát magánhálózat működteti.</a:t>
+            </a:r>
+          </a:p>
+          <a:p>
+            <a:endParaRPr lang="hu-HU" dirty="0"/>
+          </a:p>
+          <a:p>
+            <a:r>
+              <a:rPr lang="hu-HU" dirty="0"/>
+              <a:t>Hibrid felhő:</a:t>
+            </a:r>
+          </a:p>
+          <a:p>
+            <a:r>
+              <a:rPr lang="hu-HU" dirty="0"/>
+              <a:t>A nyilvános és magánfelhők  kombinációja. A hibrid felhő alapját képező technológia lehetővé teszi az adatok és alkalmazások megosztását a két felhőtípus között. </a:t>
+            </a:r>
+          </a:p>
+          <a:p>
+            <a:r>
+              <a:rPr lang="hu-HU" dirty="0"/>
+              <a:t>Az adatok és alkalmazások privát és nyilvános felhők közötti mozgatáság megengedő hibrid felhő nagyobb rugalmasságot és több üzembe helyezési lehetőséget biztosít, </a:t>
+            </a:r>
+          </a:p>
+          <a:p>
+            <a:r>
+              <a:rPr lang="hu-HU" dirty="0"/>
+              <a:t>valamint segít a meglévő infrastruktúra a biztonság és megfelelőség optimalizálásában.</a:t>
+            </a:r>
+          </a:p>
+        </p:txBody>
+      </p:sp>
+      <p:sp>
+        <p:nvSpPr>
+          <p:cNvPr id="4" name="Dia számának helye 3"/>
+          <p:cNvSpPr>
+            <a:spLocks noGrp="1"/>
+          </p:cNvSpPr>
+          <p:nvPr>
+            <p:ph type="sldNum" sz="quarter" idx="5"/>
+          </p:nvPr>
+        </p:nvSpPr>
+        <p:spPr/>
+        <p:txBody>
+          <a:bodyPr/>
+          <a:lstStyle/>
+          <a:p>
+            <a:fld id="{674FF4E3-1DEA-4DBB-AF74-DDA85AC22194}" type="slidenum">
+              <a:rPr lang="hu-HU" smtClean="0"/>
+              <a:t>32</a:t>
+            </a:fld>
+            <a:endParaRPr lang="hu-HU"/>
+          </a:p>
+        </p:txBody>
+      </p:sp>
+    </p:spTree>
+    <p:extLst>
+      <p:ext uri="{BB962C8B-B14F-4D97-AF65-F5344CB8AC3E}">
+        <p14:creationId xmlns:p14="http://schemas.microsoft.com/office/powerpoint/2010/main" val="954395744"/>
+      </p:ext>
+    </p:extLst>
+  </p:cSld>
+  <p:clrMapOvr>
+    <a:masterClrMapping/>
+  </p:clrMapOvr>
+</p:notes>
+</file>
+
+<file path=ppt/notesSlides/notesSlide29.xml><?xml version="1.0" encoding="utf-8"?>
+<p:notes xmlns:a="http://schemas.openxmlformats.org/drawingml/2006/main" xmlns:r="http://schemas.openxmlformats.org/officeDocument/2006/relationships" xmlns:p="http://schemas.openxmlformats.org/presentationml/2006/main">
+  <p:cSld>
+    <p:spTree>
+      <p:nvGrpSpPr>
+        <p:cNvPr id="1" name=""/>
+        <p:cNvGrpSpPr/>
+        <p:nvPr/>
+      </p:nvGrpSpPr>
+      <p:grpSpPr>
+        <a:xfrm>
+          <a:off x="0" y="0"/>
+          <a:ext cx="0" cy="0"/>
+          <a:chOff x="0" y="0"/>
+          <a:chExt cx="0" cy="0"/>
+        </a:xfrm>
+      </p:grpSpPr>
+      <p:sp>
+        <p:nvSpPr>
+          <p:cNvPr id="2" name="Diakép helye 1"/>
+          <p:cNvSpPr>
+            <a:spLocks noGrp="1" noRot="1" noChangeAspect="1"/>
+          </p:cNvSpPr>
+          <p:nvPr>
+            <p:ph type="sldImg"/>
+          </p:nvPr>
+        </p:nvSpPr>
+        <p:spPr/>
+      </p:sp>
+      <p:sp>
+        <p:nvSpPr>
+          <p:cNvPr id="3" name="Jegyzetek helye 2"/>
+          <p:cNvSpPr>
+            <a:spLocks noGrp="1"/>
+          </p:cNvSpPr>
+          <p:nvPr>
+            <p:ph type="body" idx="1"/>
+          </p:nvPr>
+        </p:nvSpPr>
+        <p:spPr/>
+        <p:txBody>
+          <a:bodyPr/>
+          <a:lstStyle/>
+          <a:p>
+            <a:r>
+              <a:rPr lang="hu-HU" dirty="0"/>
+              <a:t>A felhőszolgáltatások többsége négy tág kategóriába sorolható: </a:t>
+            </a:r>
+            <a:r>
+              <a:rPr lang="hu-HU" dirty="0" err="1"/>
+              <a:t>infrastruktóraszolgáltatás</a:t>
+            </a:r>
+            <a:r>
+              <a:rPr lang="hu-HU" dirty="0"/>
+              <a:t> (IaaS), </a:t>
+            </a:r>
+            <a:r>
+              <a:rPr lang="hu-HU" dirty="0" err="1"/>
+              <a:t>platromszolgáltatás</a:t>
+            </a:r>
+            <a:r>
+              <a:rPr lang="hu-HU" dirty="0"/>
+              <a:t> (PaaS), kiszolgáló nélküli és szoftverszolgáltatás (SaaS).</a:t>
+            </a:r>
+          </a:p>
+          <a:p>
+            <a:r>
+              <a:rPr lang="hu-HU" dirty="0"/>
+              <a:t>Ezeket néha felhő-számítástechnikai halomként is említik, mivel egymásra épülnek.</a:t>
+            </a:r>
+          </a:p>
+          <a:p>
+            <a:endParaRPr lang="hu-HU" dirty="0"/>
+          </a:p>
+          <a:p>
+            <a:r>
+              <a:rPr lang="hu-HU" dirty="0"/>
+              <a:t>Infrastruktúra-szolgáltatás (IaaS):</a:t>
+            </a:r>
+          </a:p>
+          <a:p>
+            <a:r>
+              <a:rPr lang="hu-HU" dirty="0"/>
+              <a:t>A felhőszolgáltatások alapkategóriája. Az IaaS esetében az informatikai infrastruktúrát. azaz kiszolgálókat és virtuális gépeket, </a:t>
+            </a:r>
+            <a:r>
+              <a:rPr lang="hu-HU" dirty="0" err="1"/>
+              <a:t>tárhelyet</a:t>
+            </a:r>
+            <a:r>
+              <a:rPr lang="hu-HU" dirty="0"/>
+              <a:t>, </a:t>
+            </a:r>
+            <a:r>
+              <a:rPr lang="hu-HU" dirty="0" err="1"/>
+              <a:t>hálózatokat</a:t>
+            </a:r>
+            <a:r>
+              <a:rPr lang="hu-HU" dirty="0"/>
+              <a:t> és operációs rendszereket lehet bérelni.</a:t>
+            </a:r>
+          </a:p>
+          <a:p>
+            <a:endParaRPr lang="hu-HU" dirty="0"/>
+          </a:p>
+          <a:p>
+            <a:r>
+              <a:rPr lang="hu-HU" dirty="0"/>
+              <a:t>Platformszolgáltatás (PaaS):</a:t>
+            </a:r>
+          </a:p>
+          <a:p>
+            <a:r>
+              <a:rPr lang="hu-HU" dirty="0"/>
+              <a:t>A platformszolgáltatás megnevezés olyan felhőszolgáltatásokra utal, amelyek igény szerint </a:t>
+            </a:r>
+            <a:r>
+              <a:rPr lang="hu-HU" dirty="0" err="1"/>
+              <a:t>köznyezetet</a:t>
+            </a:r>
+            <a:r>
+              <a:rPr lang="hu-HU" dirty="0"/>
+              <a:t> biztosítanak az alkalmazások fejlesztéséhez, teszteléséhez, terjesztéséhez és felügyeletéhez. </a:t>
+            </a:r>
+          </a:p>
+          <a:p>
+            <a:r>
+              <a:rPr lang="hu-HU" dirty="0"/>
+              <a:t>A PaaS segítségével a fejlesztők gyorsabban készíthetik el a web vagy mobilalkalmazásaikat, és nem kell aggódniuk a fejlesztéshez szükséges kiszolgálók, tárhely, hálózat és adatbázisok háttér-infrastruktúrájának kialakítása és felügyelete miatt.</a:t>
+            </a:r>
+          </a:p>
+          <a:p>
+            <a:endParaRPr lang="hu-HU" dirty="0"/>
+          </a:p>
+          <a:p>
+            <a:r>
+              <a:rPr lang="hu-HU" dirty="0"/>
+              <a:t>Kiszolgáló nélküli számítástechnika:</a:t>
+            </a:r>
+          </a:p>
+          <a:p>
+            <a:r>
+              <a:rPr lang="hu-HU" dirty="0"/>
+              <a:t>A PaaS-t átfedő kiszolgáló nélküli számítástechnika fő célja az alkalmazások funkcióinak kiépítése anélkül, hogy az ehhez </a:t>
+            </a:r>
+            <a:r>
+              <a:rPr lang="hu-HU" dirty="0" err="1"/>
+              <a:t>szüséges</a:t>
+            </a:r>
+            <a:r>
+              <a:rPr lang="hu-HU" dirty="0"/>
+              <a:t> kiszolgálók és </a:t>
+            </a:r>
+            <a:r>
+              <a:rPr lang="hu-HU" dirty="0" err="1"/>
+              <a:t>infrastruktóra</a:t>
+            </a:r>
+            <a:r>
+              <a:rPr lang="hu-HU" dirty="0"/>
+              <a:t> folyamatos felügyeletére kéne fordítani az időt.</a:t>
+            </a:r>
+          </a:p>
+          <a:p>
+            <a:r>
+              <a:rPr lang="hu-HU" dirty="0"/>
+              <a:t>A beállításokról, a kapacitástervezésről és  a kiszolgálók felügyeletéről a felhőszolgáltató gondoskodik. </a:t>
+            </a:r>
+          </a:p>
+          <a:p>
+            <a:r>
+              <a:rPr lang="hu-HU" dirty="0"/>
+              <a:t>A kiszolgáló nélküli architektúrák nagy mértékben méretezhetők, </a:t>
+            </a:r>
+            <a:r>
+              <a:rPr lang="hu-HU" dirty="0" err="1"/>
+              <a:t>eseményvezéreltek</a:t>
+            </a:r>
+            <a:r>
+              <a:rPr lang="hu-HU" dirty="0"/>
+              <a:t>, és csak akkor használnak erőforrásokat, ha egy adott funkció vagy eseményindító ezt igényli.</a:t>
+            </a:r>
+          </a:p>
+          <a:p>
+            <a:endParaRPr lang="hu-HU" dirty="0"/>
+          </a:p>
+          <a:p>
+            <a:pPr marL="0" marR="0" lvl="0" indent="0" algn="l" defTabSz="914400" rtl="0" eaLnBrk="1" fontAlgn="auto" latinLnBrk="0" hangingPunct="1">
+              <a:lnSpc>
+                <a:spcPct val="100000"/>
+              </a:lnSpc>
+              <a:spcBef>
+                <a:spcPts val="0"/>
+              </a:spcBef>
+              <a:spcAft>
+                <a:spcPts val="0"/>
+              </a:spcAft>
+              <a:buClrTx/>
+              <a:buSzTx/>
+              <a:buFontTx/>
+              <a:buNone/>
+              <a:tabLst/>
+              <a:defRPr/>
+            </a:pPr>
+            <a:r>
+              <a:rPr lang="hu-HU" dirty="0"/>
+              <a:t>Szoftverszolgáltatás (SaaS):</a:t>
+            </a:r>
+          </a:p>
+          <a:p>
+            <a:r>
+              <a:rPr lang="hu-HU" dirty="0"/>
+              <a:t>A szoftverszolgáltatás révén szoftveralkalmazások tehetők elérhetővé az interneten keresztül, igény szerint, és általában előfizetéses formában. </a:t>
+            </a:r>
+          </a:p>
+          <a:p>
+            <a:r>
+              <a:rPr lang="hu-HU" dirty="0"/>
+              <a:t>Az SaaS esetében a felhőszolgáltatók üzemeltetik és kezelik az alkalmazásokat, valamint háttér-infrastruktúrát, továbbá ők gondoskodnak a szoftverfrissítések, a biztonsági javítások és egyéb karbantartási feladatok elvégzéséről </a:t>
+            </a:r>
+            <a:r>
+              <a:rPr lang="hu-HU"/>
+              <a:t>is.</a:t>
+            </a:r>
+            <a:endParaRPr lang="hu-HU" dirty="0"/>
+          </a:p>
+        </p:txBody>
+      </p:sp>
+      <p:sp>
+        <p:nvSpPr>
+          <p:cNvPr id="4" name="Dia számának helye 3"/>
+          <p:cNvSpPr>
+            <a:spLocks noGrp="1"/>
+          </p:cNvSpPr>
+          <p:nvPr>
+            <p:ph type="sldNum" sz="quarter" idx="5"/>
+          </p:nvPr>
+        </p:nvSpPr>
+        <p:spPr/>
+        <p:txBody>
+          <a:bodyPr/>
+          <a:lstStyle/>
+          <a:p>
+            <a:fld id="{674FF4E3-1DEA-4DBB-AF74-DDA85AC22194}" type="slidenum">
+              <a:rPr lang="hu-HU" smtClean="0"/>
+              <a:t>33</a:t>
+            </a:fld>
+            <a:endParaRPr lang="hu-HU"/>
+          </a:p>
+        </p:txBody>
+      </p:sp>
+    </p:spTree>
+    <p:extLst>
+      <p:ext uri="{BB962C8B-B14F-4D97-AF65-F5344CB8AC3E}">
+        <p14:creationId xmlns:p14="http://schemas.microsoft.com/office/powerpoint/2010/main" val="2321978457"/>
       </p:ext>
     </p:extLst>
   </p:cSld>
@@ -8673,10 +9542,15 @@
             <p:ph idx="1"/>
           </p:nvPr>
         </p:nvSpPr>
-        <p:spPr/>
+        <p:spPr>
+          <a:xfrm>
+            <a:off x="838200" y="1825625"/>
+            <a:ext cx="10515600" cy="4667250"/>
+          </a:xfrm>
+        </p:spPr>
         <p:txBody>
           <a:bodyPr>
-            <a:normAutofit fontScale="77500" lnSpcReduction="20000"/>
+            <a:normAutofit fontScale="62500" lnSpcReduction="20000"/>
           </a:bodyPr>
           <a:lstStyle/>
           <a:p>
@@ -8745,10 +9619,16 @@
           <a:p>
             <a:r>
               <a:rPr lang="hu-HU" dirty="0"/>
+              <a:t>Vertikális és horizontális skálázás</a:t>
+            </a:r>
+          </a:p>
+          <a:p>
+            <a:r>
+              <a:rPr lang="hu-HU" dirty="0"/>
               <a:t>Monolitikus rendszerek szemben </a:t>
             </a:r>
             <a:r>
-              <a:rPr lang="hu-HU"/>
+              <a:rPr lang="hu-HU" dirty="0" err="1"/>
               <a:t>mikroszerviz</a:t>
             </a:r>
             <a:r>
@@ -8760,6 +9640,12 @@
             <a:r>
               <a:rPr lang="hu-HU" dirty="0"/>
               <a:t>Vertikális vagy horizontális skálázás</a:t>
+            </a:r>
+          </a:p>
+          <a:p>
+            <a:r>
+              <a:rPr lang="hu-HU" dirty="0"/>
+              <a:t>Felhő számítástechnika</a:t>
             </a:r>
           </a:p>
           <a:p>
@@ -9696,7 +10582,7 @@
           <p:cNvPr id="2" name="Cím 1">
             <a:extLst>
               <a:ext uri="{FF2B5EF4-FFF2-40B4-BE49-F238E27FC236}">
-                <a16:creationId xmlns:a16="http://schemas.microsoft.com/office/drawing/2014/main" id="{EC9BEC7B-56CF-4849-95F5-4B2D0C381343}"/>
+                <a16:creationId xmlns:a16="http://schemas.microsoft.com/office/drawing/2014/main" id="{4AB8E671-03F3-40D5-99A3-DA5B8AE8A61C}"/>
               </a:ext>
             </a:extLst>
           </p:cNvPr>
@@ -9712,7 +10598,10 @@
           <a:bodyPr/>
           <a:lstStyle/>
           <a:p>
-            <a:endParaRPr lang="hu-HU"/>
+            <a:r>
+              <a:rPr lang="hu-HU" dirty="0"/>
+              <a:t>Skálázhatóság</a:t>
+            </a:r>
           </a:p>
         </p:txBody>
       </p:sp>
@@ -9721,7 +10610,7 @@
           <p:cNvPr id="3" name="Tartalom helye 2">
             <a:extLst>
               <a:ext uri="{FF2B5EF4-FFF2-40B4-BE49-F238E27FC236}">
-                <a16:creationId xmlns:a16="http://schemas.microsoft.com/office/drawing/2014/main" id="{31C14EB4-5FA4-4FA0-A1B5-E36D224D01FB}"/>
+                <a16:creationId xmlns:a16="http://schemas.microsoft.com/office/drawing/2014/main" id="{EAC628D6-9E2B-41F1-8DFF-C28666BCB012}"/>
               </a:ext>
             </a:extLst>
           </p:cNvPr>
@@ -9738,39 +10627,14 @@
           <a:lstStyle/>
           <a:p>
             <a:r>
-              <a:rPr lang="en-US" dirty="0"/>
-              <a:t>Chapter 4. Processes, Operating system concepts with Java, Sixth, John Wiley &amp; Sons</a:t>
-            </a:r>
-            <a:endParaRPr lang="hu-HU" dirty="0"/>
-          </a:p>
-          <a:p>
-            <a:r>
-              <a:rPr lang="en-US" dirty="0"/>
-              <a:t>Stallings, William. </a:t>
-            </a:r>
-            <a:r>
-              <a:rPr lang="en-US" i="1" dirty="0"/>
-              <a:t>Operating Systems: internals and design principles</a:t>
-            </a:r>
-            <a:r>
-              <a:rPr lang="en-US" dirty="0"/>
-              <a:t>, 5th, Prentice Hall</a:t>
-            </a:r>
-            <a:endParaRPr lang="hu-HU" dirty="0"/>
-          </a:p>
-          <a:p>
-            <a:r>
-              <a:rPr lang="hu-HU" dirty="0">
-                <a:hlinkClick r:id="rId2"/>
-              </a:rPr>
-              <a:t>https://psprog.hu/article/rest-alapu-kommunikacio</a:t>
-            </a:r>
-            <a:endParaRPr lang="hu-HU" dirty="0"/>
-          </a:p>
-          <a:p>
-            <a:r>
-              <a:rPr lang="hu-HU" dirty="0"/>
-              <a:t>http://webprogramozas.inf.elte.hu/tananyag/wf2/lecke12_lap1.html</a:t>
+              <a:rPr lang="hu-HU" dirty="0"/>
+              <a:t>Nagyméretű rendszerek esetén gyakori</a:t>
+            </a:r>
+          </a:p>
+          <a:p>
+            <a:r>
+              <a:rPr lang="hu-HU" dirty="0"/>
+              <a:t>Képes erőforrásokat (hardvert) hozzáadni teljesítménynövelésre</a:t>
             </a:r>
           </a:p>
         </p:txBody>
@@ -9778,7 +10642,124 @@
     </p:spTree>
     <p:extLst>
       <p:ext uri="{BB962C8B-B14F-4D97-AF65-F5344CB8AC3E}">
-        <p14:creationId xmlns:p14="http://schemas.microsoft.com/office/powerpoint/2010/main" val="1840052443"/>
+        <p14:creationId xmlns:p14="http://schemas.microsoft.com/office/powerpoint/2010/main" val="1467429040"/>
+      </p:ext>
+    </p:extLst>
+  </p:cSld>
+  <p:clrMapOvr>
+    <a:masterClrMapping/>
+  </p:clrMapOvr>
+</p:sld>
+</file>
+
+<file path=ppt/slides/slide29.xml><?xml version="1.0" encoding="utf-8"?>
+<p:sld xmlns:a="http://schemas.openxmlformats.org/drawingml/2006/main" xmlns:r="http://schemas.openxmlformats.org/officeDocument/2006/relationships" xmlns:p="http://schemas.openxmlformats.org/presentationml/2006/main">
+  <p:cSld>
+    <p:spTree>
+      <p:nvGrpSpPr>
+        <p:cNvPr id="1" name=""/>
+        <p:cNvGrpSpPr/>
+        <p:nvPr/>
+      </p:nvGrpSpPr>
+      <p:grpSpPr>
+        <a:xfrm>
+          <a:off x="0" y="0"/>
+          <a:ext cx="0" cy="0"/>
+          <a:chOff x="0" y="0"/>
+          <a:chExt cx="0" cy="0"/>
+        </a:xfrm>
+      </p:grpSpPr>
+      <p:sp>
+        <p:nvSpPr>
+          <p:cNvPr id="2" name="Cím 1">
+            <a:extLst>
+              <a:ext uri="{FF2B5EF4-FFF2-40B4-BE49-F238E27FC236}">
+                <a16:creationId xmlns:a16="http://schemas.microsoft.com/office/drawing/2014/main" id="{41A65B98-6C64-437B-A6C2-884060C2C35D}"/>
+              </a:ext>
+            </a:extLst>
+          </p:cNvPr>
+          <p:cNvSpPr>
+            <a:spLocks noGrp="1"/>
+          </p:cNvSpPr>
+          <p:nvPr>
+            <p:ph type="title"/>
+          </p:nvPr>
+        </p:nvSpPr>
+        <p:spPr/>
+        <p:txBody>
+          <a:bodyPr/>
+          <a:lstStyle/>
+          <a:p>
+            <a:r>
+              <a:rPr lang="hu-HU" dirty="0"/>
+              <a:t>Skálázhatóság típusai</a:t>
+            </a:r>
+          </a:p>
+        </p:txBody>
+      </p:sp>
+      <p:sp>
+        <p:nvSpPr>
+          <p:cNvPr id="3" name="Tartalom helye 2">
+            <a:extLst>
+              <a:ext uri="{FF2B5EF4-FFF2-40B4-BE49-F238E27FC236}">
+                <a16:creationId xmlns:a16="http://schemas.microsoft.com/office/drawing/2014/main" id="{DE88FF61-BB47-4B07-A0B2-DBEBCC449319}"/>
+              </a:ext>
+            </a:extLst>
+          </p:cNvPr>
+          <p:cNvSpPr>
+            <a:spLocks noGrp="1"/>
+          </p:cNvSpPr>
+          <p:nvPr>
+            <p:ph idx="1"/>
+          </p:nvPr>
+        </p:nvSpPr>
+        <p:spPr/>
+        <p:txBody>
+          <a:bodyPr/>
+          <a:lstStyle/>
+          <a:p>
+            <a:r>
+              <a:rPr lang="hu-HU" dirty="0"/>
+              <a:t>Vertikális</a:t>
+            </a:r>
+          </a:p>
+          <a:p>
+            <a:pPr lvl="1"/>
+            <a:r>
+              <a:rPr lang="hu-HU" dirty="0"/>
+              <a:t>Gyorsabb / több processzor</a:t>
+            </a:r>
+          </a:p>
+          <a:p>
+            <a:pPr lvl="1"/>
+            <a:r>
+              <a:rPr lang="hu-HU" dirty="0"/>
+              <a:t>Gyorsabb / több memória</a:t>
+            </a:r>
+          </a:p>
+          <a:p>
+            <a:pPr lvl="1"/>
+            <a:endParaRPr lang="hu-HU" dirty="0"/>
+          </a:p>
+          <a:p>
+            <a:r>
+              <a:rPr lang="hu-HU" dirty="0"/>
+              <a:t>Horizontális</a:t>
+            </a:r>
+          </a:p>
+          <a:p>
+            <a:pPr lvl="1"/>
+            <a:r>
+              <a:rPr lang="hu-HU" dirty="0"/>
+              <a:t>Több szerver hozzáadása</a:t>
+            </a:r>
+          </a:p>
+        </p:txBody>
+      </p:sp>
+    </p:spTree>
+    <p:extLst>
+      <p:ext uri="{BB962C8B-B14F-4D97-AF65-F5344CB8AC3E}">
+        <p14:creationId xmlns:p14="http://schemas.microsoft.com/office/powerpoint/2010/main" val="2951430786"/>
       </p:ext>
     </p:extLst>
   </p:cSld>
@@ -9895,6 +10876,537 @@
     <p:extLst>
       <p:ext uri="{BB962C8B-B14F-4D97-AF65-F5344CB8AC3E}">
         <p14:creationId xmlns:p14="http://schemas.microsoft.com/office/powerpoint/2010/main" val="2876470666"/>
+      </p:ext>
+    </p:extLst>
+  </p:cSld>
+  <p:clrMapOvr>
+    <a:masterClrMapping/>
+  </p:clrMapOvr>
+</p:sld>
+</file>
+
+<file path=ppt/slides/slide30.xml><?xml version="1.0" encoding="utf-8"?>
+<p:sld xmlns:a="http://schemas.openxmlformats.org/drawingml/2006/main" xmlns:r="http://schemas.openxmlformats.org/officeDocument/2006/relationships" xmlns:p="http://schemas.openxmlformats.org/presentationml/2006/main">
+  <p:cSld>
+    <p:spTree>
+      <p:nvGrpSpPr>
+        <p:cNvPr id="1" name=""/>
+        <p:cNvGrpSpPr/>
+        <p:nvPr/>
+      </p:nvGrpSpPr>
+      <p:grpSpPr>
+        <a:xfrm>
+          <a:off x="0" y="0"/>
+          <a:ext cx="0" cy="0"/>
+          <a:chOff x="0" y="0"/>
+          <a:chExt cx="0" cy="0"/>
+        </a:xfrm>
+      </p:grpSpPr>
+      <p:sp>
+        <p:nvSpPr>
+          <p:cNvPr id="2" name="Cím 1">
+            <a:extLst>
+              <a:ext uri="{FF2B5EF4-FFF2-40B4-BE49-F238E27FC236}">
+                <a16:creationId xmlns:a16="http://schemas.microsoft.com/office/drawing/2014/main" id="{86E05DA8-7421-49DC-A662-A4DDF02F0866}"/>
+              </a:ext>
+            </a:extLst>
+          </p:cNvPr>
+          <p:cNvSpPr>
+            <a:spLocks noGrp="1"/>
+          </p:cNvSpPr>
+          <p:nvPr>
+            <p:ph type="title"/>
+          </p:nvPr>
+        </p:nvSpPr>
+        <p:spPr/>
+        <p:txBody>
+          <a:bodyPr>
+            <a:normAutofit/>
+          </a:bodyPr>
+          <a:lstStyle/>
+          <a:p>
+            <a:r>
+              <a:rPr lang="hu-HU" sz="6000" dirty="0"/>
+              <a:t>Felhő</a:t>
+            </a:r>
+          </a:p>
+        </p:txBody>
+      </p:sp>
+      <p:sp>
+        <p:nvSpPr>
+          <p:cNvPr id="3" name="Tartalom helye 2">
+            <a:extLst>
+              <a:ext uri="{FF2B5EF4-FFF2-40B4-BE49-F238E27FC236}">
+                <a16:creationId xmlns:a16="http://schemas.microsoft.com/office/drawing/2014/main" id="{7AA2656F-1ED1-46F0-AEE1-55D9E9C6F692}"/>
+              </a:ext>
+            </a:extLst>
+          </p:cNvPr>
+          <p:cNvSpPr>
+            <a:spLocks noGrp="1"/>
+          </p:cNvSpPr>
+          <p:nvPr>
+            <p:ph idx="1"/>
+          </p:nvPr>
+        </p:nvSpPr>
+        <p:spPr/>
+        <p:txBody>
+          <a:bodyPr>
+            <a:normAutofit/>
+          </a:bodyPr>
+          <a:lstStyle/>
+          <a:p>
+            <a:r>
+              <a:rPr lang="hu-HU" sz="4000" dirty="0"/>
+              <a:t>A Felhő nem más mint, internetes, vagy zárt hálózaton történő adattárolás. Tehát, ha bármilyen fájlt, fotót, zenét, dokumentumot nem a saját gépünkön tárolunk, hanem valamilyen internetes szolgáltatásban, az már a felhő.</a:t>
+            </a:r>
+          </a:p>
+        </p:txBody>
+      </p:sp>
+    </p:spTree>
+    <p:extLst>
+      <p:ext uri="{BB962C8B-B14F-4D97-AF65-F5344CB8AC3E}">
+        <p14:creationId xmlns:p14="http://schemas.microsoft.com/office/powerpoint/2010/main" val="189500777"/>
+      </p:ext>
+    </p:extLst>
+  </p:cSld>
+  <p:clrMapOvr>
+    <a:masterClrMapping/>
+  </p:clrMapOvr>
+</p:sld>
+</file>
+
+<file path=ppt/slides/slide31.xml><?xml version="1.0" encoding="utf-8"?>
+<p:sld xmlns:a="http://schemas.openxmlformats.org/drawingml/2006/main" xmlns:r="http://schemas.openxmlformats.org/officeDocument/2006/relationships" xmlns:p="http://schemas.openxmlformats.org/presentationml/2006/main">
+  <p:cSld>
+    <p:spTree>
+      <p:nvGrpSpPr>
+        <p:cNvPr id="1" name=""/>
+        <p:cNvGrpSpPr/>
+        <p:nvPr/>
+      </p:nvGrpSpPr>
+      <p:grpSpPr>
+        <a:xfrm>
+          <a:off x="0" y="0"/>
+          <a:ext cx="0" cy="0"/>
+          <a:chOff x="0" y="0"/>
+          <a:chExt cx="0" cy="0"/>
+        </a:xfrm>
+      </p:grpSpPr>
+      <p:sp>
+        <p:nvSpPr>
+          <p:cNvPr id="2" name="Cím 1">
+            <a:extLst>
+              <a:ext uri="{FF2B5EF4-FFF2-40B4-BE49-F238E27FC236}">
+                <a16:creationId xmlns:a16="http://schemas.microsoft.com/office/drawing/2014/main" id="{FDB08064-6112-4A45-BD3B-100C765B8C0D}"/>
+              </a:ext>
+            </a:extLst>
+          </p:cNvPr>
+          <p:cNvSpPr>
+            <a:spLocks noGrp="1"/>
+          </p:cNvSpPr>
+          <p:nvPr>
+            <p:ph type="title"/>
+          </p:nvPr>
+        </p:nvSpPr>
+        <p:spPr/>
+        <p:txBody>
+          <a:bodyPr/>
+          <a:lstStyle/>
+          <a:p>
+            <a:r>
+              <a:rPr lang="hu-HU" dirty="0"/>
+              <a:t>A felhő-számítástechnika előnyei</a:t>
+            </a:r>
+          </a:p>
+        </p:txBody>
+      </p:sp>
+      <p:sp>
+        <p:nvSpPr>
+          <p:cNvPr id="3" name="Tartalom helye 2">
+            <a:extLst>
+              <a:ext uri="{FF2B5EF4-FFF2-40B4-BE49-F238E27FC236}">
+                <a16:creationId xmlns:a16="http://schemas.microsoft.com/office/drawing/2014/main" id="{C992379C-AB54-4C7F-825B-D2F7C2661425}"/>
+              </a:ext>
+            </a:extLst>
+          </p:cNvPr>
+          <p:cNvSpPr>
+            <a:spLocks noGrp="1"/>
+          </p:cNvSpPr>
+          <p:nvPr>
+            <p:ph idx="1"/>
+          </p:nvPr>
+        </p:nvSpPr>
+        <p:spPr/>
+        <p:txBody>
+          <a:bodyPr/>
+          <a:lstStyle/>
+          <a:p>
+            <a:r>
+              <a:rPr lang="hu-HU" dirty="0"/>
+              <a:t>Költség</a:t>
+            </a:r>
+          </a:p>
+          <a:p>
+            <a:r>
+              <a:rPr lang="hu-HU" dirty="0"/>
+              <a:t>Gyorsaság</a:t>
+            </a:r>
+          </a:p>
+          <a:p>
+            <a:r>
+              <a:rPr lang="hu-HU" dirty="0"/>
+              <a:t>Globális méretezhetőség</a:t>
+            </a:r>
+          </a:p>
+          <a:p>
+            <a:r>
+              <a:rPr lang="hu-HU" dirty="0"/>
+              <a:t>Teljesítmény</a:t>
+            </a:r>
+          </a:p>
+          <a:p>
+            <a:r>
+              <a:rPr lang="hu-HU" dirty="0"/>
+              <a:t>Megbízhatóság</a:t>
+            </a:r>
+          </a:p>
+          <a:p>
+            <a:r>
+              <a:rPr lang="hu-HU" dirty="0"/>
+              <a:t>Biztonság</a:t>
+            </a:r>
+          </a:p>
+        </p:txBody>
+      </p:sp>
+    </p:spTree>
+    <p:extLst>
+      <p:ext uri="{BB962C8B-B14F-4D97-AF65-F5344CB8AC3E}">
+        <p14:creationId xmlns:p14="http://schemas.microsoft.com/office/powerpoint/2010/main" val="1794936807"/>
+      </p:ext>
+    </p:extLst>
+  </p:cSld>
+  <p:clrMapOvr>
+    <a:masterClrMapping/>
+  </p:clrMapOvr>
+</p:sld>
+</file>
+
+<file path=ppt/slides/slide32.xml><?xml version="1.0" encoding="utf-8"?>
+<p:sld xmlns:a="http://schemas.openxmlformats.org/drawingml/2006/main" xmlns:r="http://schemas.openxmlformats.org/officeDocument/2006/relationships" xmlns:p="http://schemas.openxmlformats.org/presentationml/2006/main">
+  <p:cSld>
+    <p:spTree>
+      <p:nvGrpSpPr>
+        <p:cNvPr id="1" name=""/>
+        <p:cNvGrpSpPr/>
+        <p:nvPr/>
+      </p:nvGrpSpPr>
+      <p:grpSpPr>
+        <a:xfrm>
+          <a:off x="0" y="0"/>
+          <a:ext cx="0" cy="0"/>
+          <a:chOff x="0" y="0"/>
+          <a:chExt cx="0" cy="0"/>
+        </a:xfrm>
+      </p:grpSpPr>
+      <p:sp>
+        <p:nvSpPr>
+          <p:cNvPr id="2" name="Cím 1">
+            <a:extLst>
+              <a:ext uri="{FF2B5EF4-FFF2-40B4-BE49-F238E27FC236}">
+                <a16:creationId xmlns:a16="http://schemas.microsoft.com/office/drawing/2014/main" id="{D32D87D0-4B18-4424-8F54-D642A06531C9}"/>
+              </a:ext>
+            </a:extLst>
+          </p:cNvPr>
+          <p:cNvSpPr>
+            <a:spLocks noGrp="1"/>
+          </p:cNvSpPr>
+          <p:nvPr>
+            <p:ph type="title"/>
+          </p:nvPr>
+        </p:nvSpPr>
+        <p:spPr/>
+        <p:txBody>
+          <a:bodyPr/>
+          <a:lstStyle/>
+          <a:p>
+            <a:r>
+              <a:rPr lang="hu-HU" dirty="0"/>
+              <a:t>A felhő-számítástechnika típusai</a:t>
+            </a:r>
+          </a:p>
+        </p:txBody>
+      </p:sp>
+      <p:sp>
+        <p:nvSpPr>
+          <p:cNvPr id="3" name="Tartalom helye 2">
+            <a:extLst>
+              <a:ext uri="{FF2B5EF4-FFF2-40B4-BE49-F238E27FC236}">
+                <a16:creationId xmlns:a16="http://schemas.microsoft.com/office/drawing/2014/main" id="{AACB0ACD-8038-4292-9E23-456E64737EDB}"/>
+              </a:ext>
+            </a:extLst>
+          </p:cNvPr>
+          <p:cNvSpPr>
+            <a:spLocks noGrp="1"/>
+          </p:cNvSpPr>
+          <p:nvPr>
+            <p:ph idx="1"/>
+          </p:nvPr>
+        </p:nvSpPr>
+        <p:spPr/>
+        <p:txBody>
+          <a:bodyPr/>
+          <a:lstStyle/>
+          <a:p>
+            <a:r>
+              <a:rPr lang="hu-HU" dirty="0"/>
+              <a:t>Nyilvános</a:t>
+            </a:r>
+          </a:p>
+          <a:p>
+            <a:r>
+              <a:rPr lang="hu-HU" dirty="0"/>
+              <a:t>Magán</a:t>
+            </a:r>
+          </a:p>
+          <a:p>
+            <a:r>
+              <a:rPr lang="hu-HU" dirty="0"/>
+              <a:t>Hibrid</a:t>
+            </a:r>
+          </a:p>
+          <a:p>
+            <a:pPr marL="0" indent="0">
+              <a:buNone/>
+            </a:pPr>
+            <a:endParaRPr lang="hu-HU" dirty="0"/>
+          </a:p>
+        </p:txBody>
+      </p:sp>
+    </p:spTree>
+    <p:extLst>
+      <p:ext uri="{BB962C8B-B14F-4D97-AF65-F5344CB8AC3E}">
+        <p14:creationId xmlns:p14="http://schemas.microsoft.com/office/powerpoint/2010/main" val="115430738"/>
+      </p:ext>
+    </p:extLst>
+  </p:cSld>
+  <p:clrMapOvr>
+    <a:masterClrMapping/>
+  </p:clrMapOvr>
+</p:sld>
+</file>
+
+<file path=ppt/slides/slide33.xml><?xml version="1.0" encoding="utf-8"?>
+<p:sld xmlns:a="http://schemas.openxmlformats.org/drawingml/2006/main" xmlns:r="http://schemas.openxmlformats.org/officeDocument/2006/relationships" xmlns:p="http://schemas.openxmlformats.org/presentationml/2006/main">
+  <p:cSld>
+    <p:spTree>
+      <p:nvGrpSpPr>
+        <p:cNvPr id="1" name=""/>
+        <p:cNvGrpSpPr/>
+        <p:nvPr/>
+      </p:nvGrpSpPr>
+      <p:grpSpPr>
+        <a:xfrm>
+          <a:off x="0" y="0"/>
+          <a:ext cx="0" cy="0"/>
+          <a:chOff x="0" y="0"/>
+          <a:chExt cx="0" cy="0"/>
+        </a:xfrm>
+      </p:grpSpPr>
+      <p:sp>
+        <p:nvSpPr>
+          <p:cNvPr id="2" name="Cím 1">
+            <a:extLst>
+              <a:ext uri="{FF2B5EF4-FFF2-40B4-BE49-F238E27FC236}">
+                <a16:creationId xmlns:a16="http://schemas.microsoft.com/office/drawing/2014/main" id="{DC59DAA2-A28F-4058-A66B-304E295D0D1B}"/>
+              </a:ext>
+            </a:extLst>
+          </p:cNvPr>
+          <p:cNvSpPr>
+            <a:spLocks noGrp="1"/>
+          </p:cNvSpPr>
+          <p:nvPr>
+            <p:ph type="title"/>
+          </p:nvPr>
+        </p:nvSpPr>
+        <p:spPr/>
+        <p:txBody>
+          <a:bodyPr/>
+          <a:lstStyle/>
+          <a:p>
+            <a:r>
+              <a:rPr lang="hu-HU" dirty="0"/>
+              <a:t>A felhőszolgáltatások típusai</a:t>
+            </a:r>
+          </a:p>
+        </p:txBody>
+      </p:sp>
+      <p:sp>
+        <p:nvSpPr>
+          <p:cNvPr id="3" name="Tartalom helye 2">
+            <a:extLst>
+              <a:ext uri="{FF2B5EF4-FFF2-40B4-BE49-F238E27FC236}">
+                <a16:creationId xmlns:a16="http://schemas.microsoft.com/office/drawing/2014/main" id="{BCCF560F-1716-48F8-B526-2754005317FB}"/>
+              </a:ext>
+            </a:extLst>
+          </p:cNvPr>
+          <p:cNvSpPr>
+            <a:spLocks noGrp="1"/>
+          </p:cNvSpPr>
+          <p:nvPr>
+            <p:ph idx="1"/>
+          </p:nvPr>
+        </p:nvSpPr>
+        <p:spPr/>
+        <p:txBody>
+          <a:bodyPr/>
+          <a:lstStyle/>
+          <a:p>
+            <a:r>
+              <a:rPr lang="hu-HU" dirty="0"/>
+              <a:t>Infrastruktúra-szolgáltatás (IaaS)</a:t>
+            </a:r>
+          </a:p>
+          <a:p>
+            <a:r>
+              <a:rPr lang="hu-HU" dirty="0"/>
+              <a:t>Platformszolgáltatás (PaaS)</a:t>
+            </a:r>
+          </a:p>
+          <a:p>
+            <a:r>
+              <a:rPr lang="hu-HU" dirty="0"/>
+              <a:t>Kiszolgáló nélküli számítástechnika</a:t>
+            </a:r>
+          </a:p>
+          <a:p>
+            <a:r>
+              <a:rPr lang="hu-HU" dirty="0"/>
+              <a:t>Szoftverszolgáltatás (SaaS)</a:t>
+            </a:r>
+          </a:p>
+          <a:p>
+            <a:endParaRPr lang="hu-HU" dirty="0"/>
+          </a:p>
+        </p:txBody>
+      </p:sp>
+    </p:spTree>
+    <p:extLst>
+      <p:ext uri="{BB962C8B-B14F-4D97-AF65-F5344CB8AC3E}">
+        <p14:creationId xmlns:p14="http://schemas.microsoft.com/office/powerpoint/2010/main" val="2696645459"/>
+      </p:ext>
+    </p:extLst>
+  </p:cSld>
+  <p:clrMapOvr>
+    <a:masterClrMapping/>
+  </p:clrMapOvr>
+</p:sld>
+</file>
+
+<file path=ppt/slides/slide34.xml><?xml version="1.0" encoding="utf-8"?>
+<p:sld xmlns:a="http://schemas.openxmlformats.org/drawingml/2006/main" xmlns:r="http://schemas.openxmlformats.org/officeDocument/2006/relationships" xmlns:p="http://schemas.openxmlformats.org/presentationml/2006/main">
+  <p:cSld>
+    <p:spTree>
+      <p:nvGrpSpPr>
+        <p:cNvPr id="1" name=""/>
+        <p:cNvGrpSpPr/>
+        <p:nvPr/>
+      </p:nvGrpSpPr>
+      <p:grpSpPr>
+        <a:xfrm>
+          <a:off x="0" y="0"/>
+          <a:ext cx="0" cy="0"/>
+          <a:chOff x="0" y="0"/>
+          <a:chExt cx="0" cy="0"/>
+        </a:xfrm>
+      </p:grpSpPr>
+      <p:sp>
+        <p:nvSpPr>
+          <p:cNvPr id="2" name="Cím 1">
+            <a:extLst>
+              <a:ext uri="{FF2B5EF4-FFF2-40B4-BE49-F238E27FC236}">
+                <a16:creationId xmlns:a16="http://schemas.microsoft.com/office/drawing/2014/main" id="{EC9BEC7B-56CF-4849-95F5-4B2D0C381343}"/>
+              </a:ext>
+            </a:extLst>
+          </p:cNvPr>
+          <p:cNvSpPr>
+            <a:spLocks noGrp="1"/>
+          </p:cNvSpPr>
+          <p:nvPr>
+            <p:ph type="title"/>
+          </p:nvPr>
+        </p:nvSpPr>
+        <p:spPr/>
+        <p:txBody>
+          <a:bodyPr/>
+          <a:lstStyle/>
+          <a:p>
+            <a:endParaRPr lang="hu-HU"/>
+          </a:p>
+        </p:txBody>
+      </p:sp>
+      <p:sp>
+        <p:nvSpPr>
+          <p:cNvPr id="3" name="Tartalom helye 2">
+            <a:extLst>
+              <a:ext uri="{FF2B5EF4-FFF2-40B4-BE49-F238E27FC236}">
+                <a16:creationId xmlns:a16="http://schemas.microsoft.com/office/drawing/2014/main" id="{31C14EB4-5FA4-4FA0-A1B5-E36D224D01FB}"/>
+              </a:ext>
+            </a:extLst>
+          </p:cNvPr>
+          <p:cNvSpPr>
+            <a:spLocks noGrp="1"/>
+          </p:cNvSpPr>
+          <p:nvPr>
+            <p:ph idx="1"/>
+          </p:nvPr>
+        </p:nvSpPr>
+        <p:spPr/>
+        <p:txBody>
+          <a:bodyPr/>
+          <a:lstStyle/>
+          <a:p>
+            <a:r>
+              <a:rPr lang="en-US" dirty="0"/>
+              <a:t>Chapter 4. Processes, Operating system concepts with Java, Sixth, John Wiley &amp; Sons</a:t>
+            </a:r>
+            <a:endParaRPr lang="hu-HU" dirty="0"/>
+          </a:p>
+          <a:p>
+            <a:r>
+              <a:rPr lang="en-US" dirty="0"/>
+              <a:t>Stallings, William. </a:t>
+            </a:r>
+            <a:r>
+              <a:rPr lang="en-US" i="1" dirty="0"/>
+              <a:t>Operating Systems: internals and design principles</a:t>
+            </a:r>
+            <a:r>
+              <a:rPr lang="en-US" dirty="0"/>
+              <a:t>, 5th, Prentice Hall</a:t>
+            </a:r>
+            <a:endParaRPr lang="hu-HU" dirty="0"/>
+          </a:p>
+          <a:p>
+            <a:r>
+              <a:rPr lang="hu-HU" dirty="0">
+                <a:hlinkClick r:id="rId2"/>
+              </a:rPr>
+              <a:t>https://psprog.hu/article/rest-alapu-kommunikacio</a:t>
+            </a:r>
+            <a:endParaRPr lang="hu-HU" dirty="0"/>
+          </a:p>
+          <a:p>
+            <a:r>
+              <a:rPr lang="hu-HU" dirty="0"/>
+              <a:t>http://webprogramozas.inf.elte.hu/tananyag/wf2/lecke12_lap1.html</a:t>
+            </a:r>
+          </a:p>
+        </p:txBody>
+      </p:sp>
+    </p:spTree>
+    <p:extLst>
+      <p:ext uri="{BB962C8B-B14F-4D97-AF65-F5344CB8AC3E}">
+        <p14:creationId xmlns:p14="http://schemas.microsoft.com/office/powerpoint/2010/main" val="1840052443"/>
       </p:ext>
     </p:extLst>
   </p:cSld>

--- a/Osztott rendszerek, párhuzamos programozás.pptx
+++ b/Osztott rendszerek, párhuzamos programozás.pptx
@@ -242,7 +242,7 @@
           <a:p>
             <a:fld id="{81E79A26-81C4-4025-92C3-532DA6E0B8B9}" type="datetimeFigureOut">
               <a:rPr lang="hu-HU" smtClean="0"/>
-              <a:t>2021. 11. 11.</a:t>
+              <a:t>2021. 11. 12.</a:t>
             </a:fld>
             <a:endParaRPr lang="hu-HU"/>
           </a:p>
@@ -5183,7 +5183,7 @@
           <a:p>
             <a:fld id="{74D6CE58-D5BF-4592-BBC8-A7847BDADEB9}" type="datetimeFigureOut">
               <a:rPr lang="hu-HU" smtClean="0"/>
-              <a:t>2021. 11. 11.</a:t>
+              <a:t>2021. 11. 12.</a:t>
             </a:fld>
             <a:endParaRPr lang="hu-HU"/>
           </a:p>
@@ -5381,7 +5381,7 @@
           <a:p>
             <a:fld id="{74D6CE58-D5BF-4592-BBC8-A7847BDADEB9}" type="datetimeFigureOut">
               <a:rPr lang="hu-HU" smtClean="0"/>
-              <a:t>2021. 11. 11.</a:t>
+              <a:t>2021. 11. 12.</a:t>
             </a:fld>
             <a:endParaRPr lang="hu-HU"/>
           </a:p>
@@ -5589,7 +5589,7 @@
           <a:p>
             <a:fld id="{74D6CE58-D5BF-4592-BBC8-A7847BDADEB9}" type="datetimeFigureOut">
               <a:rPr lang="hu-HU" smtClean="0"/>
-              <a:t>2021. 11. 11.</a:t>
+              <a:t>2021. 11. 12.</a:t>
             </a:fld>
             <a:endParaRPr lang="hu-HU"/>
           </a:p>
@@ -5787,7 +5787,7 @@
           <a:p>
             <a:fld id="{74D6CE58-D5BF-4592-BBC8-A7847BDADEB9}" type="datetimeFigureOut">
               <a:rPr lang="hu-HU" smtClean="0"/>
-              <a:t>2021. 11. 11.</a:t>
+              <a:t>2021. 11. 12.</a:t>
             </a:fld>
             <a:endParaRPr lang="hu-HU"/>
           </a:p>
@@ -6062,7 +6062,7 @@
           <a:p>
             <a:fld id="{74D6CE58-D5BF-4592-BBC8-A7847BDADEB9}" type="datetimeFigureOut">
               <a:rPr lang="hu-HU" smtClean="0"/>
-              <a:t>2021. 11. 11.</a:t>
+              <a:t>2021. 11. 12.</a:t>
             </a:fld>
             <a:endParaRPr lang="hu-HU"/>
           </a:p>
@@ -6327,7 +6327,7 @@
           <a:p>
             <a:fld id="{74D6CE58-D5BF-4592-BBC8-A7847BDADEB9}" type="datetimeFigureOut">
               <a:rPr lang="hu-HU" smtClean="0"/>
-              <a:t>2021. 11. 11.</a:t>
+              <a:t>2021. 11. 12.</a:t>
             </a:fld>
             <a:endParaRPr lang="hu-HU"/>
           </a:p>
@@ -6739,7 +6739,7 @@
           <a:p>
             <a:fld id="{74D6CE58-D5BF-4592-BBC8-A7847BDADEB9}" type="datetimeFigureOut">
               <a:rPr lang="hu-HU" smtClean="0"/>
-              <a:t>2021. 11. 11.</a:t>
+              <a:t>2021. 11. 12.</a:t>
             </a:fld>
             <a:endParaRPr lang="hu-HU"/>
           </a:p>
@@ -6880,7 +6880,7 @@
           <a:p>
             <a:fld id="{74D6CE58-D5BF-4592-BBC8-A7847BDADEB9}" type="datetimeFigureOut">
               <a:rPr lang="hu-HU" smtClean="0"/>
-              <a:t>2021. 11. 11.</a:t>
+              <a:t>2021. 11. 12.</a:t>
             </a:fld>
             <a:endParaRPr lang="hu-HU"/>
           </a:p>
@@ -6993,7 +6993,7 @@
           <a:p>
             <a:fld id="{74D6CE58-D5BF-4592-BBC8-A7847BDADEB9}" type="datetimeFigureOut">
               <a:rPr lang="hu-HU" smtClean="0"/>
-              <a:t>2021. 11. 11.</a:t>
+              <a:t>2021. 11. 12.</a:t>
             </a:fld>
             <a:endParaRPr lang="hu-HU"/>
           </a:p>
@@ -7304,7 +7304,7 @@
           <a:p>
             <a:fld id="{74D6CE58-D5BF-4592-BBC8-A7847BDADEB9}" type="datetimeFigureOut">
               <a:rPr lang="hu-HU" smtClean="0"/>
-              <a:t>2021. 11. 11.</a:t>
+              <a:t>2021. 11. 12.</a:t>
             </a:fld>
             <a:endParaRPr lang="hu-HU"/>
           </a:p>
@@ -7592,7 +7592,7 @@
           <a:p>
             <a:fld id="{74D6CE58-D5BF-4592-BBC8-A7847BDADEB9}" type="datetimeFigureOut">
               <a:rPr lang="hu-HU" smtClean="0"/>
-              <a:t>2021. 11. 11.</a:t>
+              <a:t>2021. 11. 12.</a:t>
             </a:fld>
             <a:endParaRPr lang="hu-HU"/>
           </a:p>
@@ -7833,7 +7833,7 @@
           <a:p>
             <a:fld id="{74D6CE58-D5BF-4592-BBC8-A7847BDADEB9}" type="datetimeFigureOut">
               <a:rPr lang="hu-HU" smtClean="0"/>
-              <a:t>2021. 11. 11.</a:t>
+              <a:t>2021. 11. 12.</a:t>
             </a:fld>
             <a:endParaRPr lang="hu-HU"/>
           </a:p>
@@ -9645,11 +9645,8 @@
           <a:p>
             <a:r>
               <a:rPr lang="hu-HU" dirty="0"/>
-              <a:t>Felhő számítástechnika</a:t>
-            </a:r>
-          </a:p>
-          <a:p>
-            <a:endParaRPr lang="hu-HU" dirty="0"/>
+              <a:t>Felhő-számítástechnika</a:t>
+            </a:r>
           </a:p>
           <a:p>
             <a:endParaRPr lang="hu-HU" dirty="0"/>
